--- a/Support/Figures.pptx
+++ b/Support/Figures.pptx
@@ -8,8 +8,11 @@
     <p:sldId id="256" r:id="rId2"/>
     <p:sldId id="257" r:id="rId3"/>
     <p:sldId id="258" r:id="rId4"/>
-    <p:sldId id="260" r:id="rId5"/>
-    <p:sldId id="259" r:id="rId6"/>
+    <p:sldId id="261" r:id="rId5"/>
+    <p:sldId id="260" r:id="rId6"/>
+    <p:sldId id="259" r:id="rId7"/>
+    <p:sldId id="262" r:id="rId8"/>
+    <p:sldId id="263" r:id="rId9"/>
   </p:sldIdLst>
   <p:sldSz cx="12192000" cy="6858000"/>
   <p:notesSz cx="6858000" cy="9144000"/>
@@ -247,7 +250,7 @@
           <a:p>
             <a:fld id="{66CF1B35-9962-4754-9069-4529B19CDBAF}" type="datetimeFigureOut">
               <a:rPr lang="fr-FR" smtClean="0"/>
-              <a:t>05/03/2019</a:t>
+              <a:t>07/03/2019</a:t>
             </a:fld>
             <a:endParaRPr lang="fr-FR"/>
           </a:p>
@@ -417,7 +420,7 @@
           <a:p>
             <a:fld id="{66CF1B35-9962-4754-9069-4529B19CDBAF}" type="datetimeFigureOut">
               <a:rPr lang="fr-FR" smtClean="0"/>
-              <a:t>05/03/2019</a:t>
+              <a:t>07/03/2019</a:t>
             </a:fld>
             <a:endParaRPr lang="fr-FR"/>
           </a:p>
@@ -597,7 +600,7 @@
           <a:p>
             <a:fld id="{66CF1B35-9962-4754-9069-4529B19CDBAF}" type="datetimeFigureOut">
               <a:rPr lang="fr-FR" smtClean="0"/>
-              <a:t>05/03/2019</a:t>
+              <a:t>07/03/2019</a:t>
             </a:fld>
             <a:endParaRPr lang="fr-FR"/>
           </a:p>
@@ -767,7 +770,7 @@
           <a:p>
             <a:fld id="{66CF1B35-9962-4754-9069-4529B19CDBAF}" type="datetimeFigureOut">
               <a:rPr lang="fr-FR" smtClean="0"/>
-              <a:t>05/03/2019</a:t>
+              <a:t>07/03/2019</a:t>
             </a:fld>
             <a:endParaRPr lang="fr-FR"/>
           </a:p>
@@ -1013,7 +1016,7 @@
           <a:p>
             <a:fld id="{66CF1B35-9962-4754-9069-4529B19CDBAF}" type="datetimeFigureOut">
               <a:rPr lang="fr-FR" smtClean="0"/>
-              <a:t>05/03/2019</a:t>
+              <a:t>07/03/2019</a:t>
             </a:fld>
             <a:endParaRPr lang="fr-FR"/>
           </a:p>
@@ -1245,7 +1248,7 @@
           <a:p>
             <a:fld id="{66CF1B35-9962-4754-9069-4529B19CDBAF}" type="datetimeFigureOut">
               <a:rPr lang="fr-FR" smtClean="0"/>
-              <a:t>05/03/2019</a:t>
+              <a:t>07/03/2019</a:t>
             </a:fld>
             <a:endParaRPr lang="fr-FR"/>
           </a:p>
@@ -1612,7 +1615,7 @@
           <a:p>
             <a:fld id="{66CF1B35-9962-4754-9069-4529B19CDBAF}" type="datetimeFigureOut">
               <a:rPr lang="fr-FR" smtClean="0"/>
-              <a:t>05/03/2019</a:t>
+              <a:t>07/03/2019</a:t>
             </a:fld>
             <a:endParaRPr lang="fr-FR"/>
           </a:p>
@@ -1730,7 +1733,7 @@
           <a:p>
             <a:fld id="{66CF1B35-9962-4754-9069-4529B19CDBAF}" type="datetimeFigureOut">
               <a:rPr lang="fr-FR" smtClean="0"/>
-              <a:t>05/03/2019</a:t>
+              <a:t>07/03/2019</a:t>
             </a:fld>
             <a:endParaRPr lang="fr-FR"/>
           </a:p>
@@ -1825,7 +1828,7 @@
           <a:p>
             <a:fld id="{66CF1B35-9962-4754-9069-4529B19CDBAF}" type="datetimeFigureOut">
               <a:rPr lang="fr-FR" smtClean="0"/>
-              <a:t>05/03/2019</a:t>
+              <a:t>07/03/2019</a:t>
             </a:fld>
             <a:endParaRPr lang="fr-FR"/>
           </a:p>
@@ -2102,7 +2105,7 @@
           <a:p>
             <a:fld id="{66CF1B35-9962-4754-9069-4529B19CDBAF}" type="datetimeFigureOut">
               <a:rPr lang="fr-FR" smtClean="0"/>
-              <a:t>05/03/2019</a:t>
+              <a:t>07/03/2019</a:t>
             </a:fld>
             <a:endParaRPr lang="fr-FR"/>
           </a:p>
@@ -2355,7 +2358,7 @@
           <a:p>
             <a:fld id="{66CF1B35-9962-4754-9069-4529B19CDBAF}" type="datetimeFigureOut">
               <a:rPr lang="fr-FR" smtClean="0"/>
-              <a:t>05/03/2019</a:t>
+              <a:t>07/03/2019</a:t>
             </a:fld>
             <a:endParaRPr lang="fr-FR"/>
           </a:p>
@@ -2568,7 +2571,7 @@
           <a:p>
             <a:fld id="{66CF1B35-9962-4754-9069-4529B19CDBAF}" type="datetimeFigureOut">
               <a:rPr lang="fr-FR" smtClean="0"/>
-              <a:t>05/03/2019</a:t>
+              <a:t>07/03/2019</a:t>
             </a:fld>
             <a:endParaRPr lang="fr-FR"/>
           </a:p>
@@ -7354,14 +7357,7 @@
                   <a:latin typeface="Times New Roman" panose="02020603050405020304" pitchFamily="18" charset="0"/>
                   <a:cs typeface="Times New Roman" panose="02020603050405020304" pitchFamily="18" charset="0"/>
                 </a:rPr>
-                <a:t>Palier </a:t>
-              </a:r>
-              <a:r>
-                <a:rPr lang="fr-FR" sz="1600" dirty="0" smtClean="0">
-                  <a:latin typeface="Times New Roman" panose="02020603050405020304" pitchFamily="18" charset="0"/>
-                  <a:cs typeface="Times New Roman" panose="02020603050405020304" pitchFamily="18" charset="0"/>
-                </a:rPr>
-                <a:t>2</a:t>
+                <a:t>Palier 2</a:t>
               </a:r>
               <a:endParaRPr lang="fr-FR" sz="1600" dirty="0">
                 <a:latin typeface="Times New Roman" panose="02020603050405020304" pitchFamily="18" charset="0"/>
@@ -7446,8 +7442,8 @@
                 </a:fontRef>
               </p:style>
             </p:cxnSp>
-            <mc:AlternateContent xmlns:mc="http://schemas.openxmlformats.org/markup-compatibility/2006">
-              <mc:Choice xmlns:a14="http://schemas.microsoft.com/office/drawing/2010/main" Requires="a14">
+            <mc:AlternateContent xmlns:mc="http://schemas.openxmlformats.org/markup-compatibility/2006" xmlns:a14="http://schemas.microsoft.com/office/drawing/2010/main">
+              <mc:Choice Requires="a14">
                 <p:sp>
                   <p:nvSpPr>
                     <p:cNvPr id="161" name="Zone de texte 153"/>
@@ -7549,7 +7545,7 @@
                   </p:txBody>
                 </p:sp>
               </mc:Choice>
-              <mc:Fallback>
+              <mc:Fallback xmlns="">
                 <p:sp>
                   <p:nvSpPr>
                     <p:cNvPr id="161" name="Zone de texte 153"/>
@@ -7593,8 +7589,8 @@
                 </p:sp>
               </mc:Fallback>
             </mc:AlternateContent>
-            <mc:AlternateContent xmlns:mc="http://schemas.openxmlformats.org/markup-compatibility/2006">
-              <mc:Choice xmlns:a14="http://schemas.microsoft.com/office/drawing/2010/main" Requires="a14">
+            <mc:AlternateContent xmlns:mc="http://schemas.openxmlformats.org/markup-compatibility/2006" xmlns:a14="http://schemas.microsoft.com/office/drawing/2010/main">
+              <mc:Choice Requires="a14">
                 <p:sp>
                   <p:nvSpPr>
                     <p:cNvPr id="162" name="Zone de texte 153"/>
@@ -7696,7 +7692,7 @@
                   </p:txBody>
                 </p:sp>
               </mc:Choice>
-              <mc:Fallback>
+              <mc:Fallback xmlns="">
                 <p:sp>
                   <p:nvSpPr>
                     <p:cNvPr id="162" name="Zone de texte 153"/>
@@ -7821,8 +7817,8 @@
                 </a:fontRef>
               </p:style>
             </p:cxnSp>
-            <mc:AlternateContent xmlns:mc="http://schemas.openxmlformats.org/markup-compatibility/2006">
-              <mc:Choice xmlns:a14="http://schemas.microsoft.com/office/drawing/2010/main" Requires="a14">
+            <mc:AlternateContent xmlns:mc="http://schemas.openxmlformats.org/markup-compatibility/2006" xmlns:a14="http://schemas.microsoft.com/office/drawing/2010/main">
+              <mc:Choice Requires="a14">
                 <p:sp>
                   <p:nvSpPr>
                     <p:cNvPr id="157" name="Zone de texte 153"/>
@@ -7934,7 +7930,7 @@
                   </p:txBody>
                 </p:sp>
               </mc:Choice>
-              <mc:Fallback>
+              <mc:Fallback xmlns="">
                 <p:sp>
                   <p:nvSpPr>
                     <p:cNvPr id="157" name="Zone de texte 153"/>
@@ -7978,8 +7974,8 @@
                 </p:sp>
               </mc:Fallback>
             </mc:AlternateContent>
-            <mc:AlternateContent xmlns:mc="http://schemas.openxmlformats.org/markup-compatibility/2006">
-              <mc:Choice xmlns:a14="http://schemas.microsoft.com/office/drawing/2010/main" Requires="a14">
+            <mc:AlternateContent xmlns:mc="http://schemas.openxmlformats.org/markup-compatibility/2006" xmlns:a14="http://schemas.microsoft.com/office/drawing/2010/main">
+              <mc:Choice Requires="a14">
                 <p:sp>
                   <p:nvSpPr>
                     <p:cNvPr id="158" name="Zone de texte 153"/>
@@ -8091,7 +8087,7 @@
                   </p:txBody>
                 </p:sp>
               </mc:Choice>
-              <mc:Fallback>
+              <mc:Fallback xmlns="">
                 <p:sp>
                   <p:nvSpPr>
                     <p:cNvPr id="158" name="Zone de texte 153"/>
@@ -8216,8 +8212,8 @@
                 </a:fontRef>
               </p:style>
             </p:cxnSp>
-            <mc:AlternateContent xmlns:mc="http://schemas.openxmlformats.org/markup-compatibility/2006">
-              <mc:Choice xmlns:a14="http://schemas.microsoft.com/office/drawing/2010/main" Requires="a14">
+            <mc:AlternateContent xmlns:mc="http://schemas.openxmlformats.org/markup-compatibility/2006" xmlns:a14="http://schemas.microsoft.com/office/drawing/2010/main">
+              <mc:Choice Requires="a14">
                 <p:sp>
                   <p:nvSpPr>
                     <p:cNvPr id="153" name="Zone de texte 153"/>
@@ -8329,7 +8325,7 @@
                   </p:txBody>
                 </p:sp>
               </mc:Choice>
-              <mc:Fallback>
+              <mc:Fallback xmlns="">
                 <p:sp>
                   <p:nvSpPr>
                     <p:cNvPr id="153" name="Zone de texte 153"/>
@@ -8373,8 +8369,8 @@
                 </p:sp>
               </mc:Fallback>
             </mc:AlternateContent>
-            <mc:AlternateContent xmlns:mc="http://schemas.openxmlformats.org/markup-compatibility/2006">
-              <mc:Choice xmlns:a14="http://schemas.microsoft.com/office/drawing/2010/main" Requires="a14">
+            <mc:AlternateContent xmlns:mc="http://schemas.openxmlformats.org/markup-compatibility/2006" xmlns:a14="http://schemas.microsoft.com/office/drawing/2010/main">
+              <mc:Choice Requires="a14">
                 <p:sp>
                   <p:nvSpPr>
                     <p:cNvPr id="154" name="Zone de texte 153"/>
@@ -8486,7 +8482,7 @@
                   </p:txBody>
                 </p:sp>
               </mc:Choice>
-              <mc:Fallback>
+              <mc:Fallback xmlns="">
                 <p:sp>
                   <p:nvSpPr>
                     <p:cNvPr id="154" name="Zone de texte 153"/>
@@ -8579,8 +8575,8 @@
               <a:chExt cx="609725" cy="655760"/>
             </a:xfrm>
           </p:grpSpPr>
-          <mc:AlternateContent xmlns:mc="http://schemas.openxmlformats.org/markup-compatibility/2006">
-            <mc:Choice xmlns:a14="http://schemas.microsoft.com/office/drawing/2010/main" Requires="a14">
+          <mc:AlternateContent xmlns:mc="http://schemas.openxmlformats.org/markup-compatibility/2006" xmlns:a14="http://schemas.microsoft.com/office/drawing/2010/main">
+            <mc:Choice Requires="a14">
               <p:sp>
                 <p:nvSpPr>
                   <p:cNvPr id="147" name="Zone de texte 153"/>
@@ -8690,7 +8686,7 @@
                 </p:txBody>
               </p:sp>
             </mc:Choice>
-            <mc:Fallback>
+            <mc:Fallback xmlns="">
               <p:sp>
                 <p:nvSpPr>
                   <p:cNvPr id="147" name="Zone de texte 153"/>
@@ -8984,8 +8980,8 @@
             </a:fontRef>
           </p:style>
         </p:cxnSp>
-        <mc:AlternateContent xmlns:mc="http://schemas.openxmlformats.org/markup-compatibility/2006">
-          <mc:Choice xmlns:a14="http://schemas.microsoft.com/office/drawing/2010/main" Requires="a14">
+        <mc:AlternateContent xmlns:mc="http://schemas.openxmlformats.org/markup-compatibility/2006" xmlns:a14="http://schemas.microsoft.com/office/drawing/2010/main">
+          <mc:Choice Requires="a14">
             <p:sp>
               <p:nvSpPr>
                 <p:cNvPr id="171" name="ZoneTexte 170"/>
@@ -9048,7 +9044,7 @@
               </p:txBody>
             </p:sp>
           </mc:Choice>
-          <mc:Fallback>
+          <mc:Fallback xmlns="">
             <p:sp>
               <p:nvSpPr>
                 <p:cNvPr id="171" name="ZoneTexte 170"/>
@@ -9087,8 +9083,8 @@
             </p:sp>
           </mc:Fallback>
         </mc:AlternateContent>
-        <mc:AlternateContent xmlns:mc="http://schemas.openxmlformats.org/markup-compatibility/2006">
-          <mc:Choice xmlns:a14="http://schemas.microsoft.com/office/drawing/2010/main" Requires="a14">
+        <mc:AlternateContent xmlns:mc="http://schemas.openxmlformats.org/markup-compatibility/2006" xmlns:a14="http://schemas.microsoft.com/office/drawing/2010/main">
+          <mc:Choice Requires="a14">
             <p:sp>
               <p:nvSpPr>
                 <p:cNvPr id="172" name="ZoneTexte 171"/>
@@ -9151,7 +9147,7 @@
               </p:txBody>
             </p:sp>
           </mc:Choice>
-          <mc:Fallback>
+          <mc:Fallback xmlns="">
             <p:sp>
               <p:nvSpPr>
                 <p:cNvPr id="172" name="ZoneTexte 171"/>
@@ -9190,8 +9186,8 @@
             </p:sp>
           </mc:Fallback>
         </mc:AlternateContent>
-        <mc:AlternateContent xmlns:mc="http://schemas.openxmlformats.org/markup-compatibility/2006">
-          <mc:Choice xmlns:a14="http://schemas.microsoft.com/office/drawing/2010/main" Requires="a14">
+        <mc:AlternateContent xmlns:mc="http://schemas.openxmlformats.org/markup-compatibility/2006" xmlns:a14="http://schemas.microsoft.com/office/drawing/2010/main">
+          <mc:Choice Requires="a14">
             <p:sp>
               <p:nvSpPr>
                 <p:cNvPr id="173" name="ZoneTexte 172"/>
@@ -9254,7 +9250,7 @@
               </p:txBody>
             </p:sp>
           </mc:Choice>
-          <mc:Fallback>
+          <mc:Fallback xmlns="">
             <p:sp>
               <p:nvSpPr>
                 <p:cNvPr id="173" name="ZoneTexte 172"/>
@@ -9428,8 +9424,8 @@
               </a:fontRef>
             </p:style>
           </p:cxnSp>
-          <mc:AlternateContent xmlns:mc="http://schemas.openxmlformats.org/markup-compatibility/2006">
-            <mc:Choice xmlns:a14="http://schemas.microsoft.com/office/drawing/2010/main" Requires="a14">
+          <mc:AlternateContent xmlns:mc="http://schemas.openxmlformats.org/markup-compatibility/2006" xmlns:a14="http://schemas.microsoft.com/office/drawing/2010/main">
+            <mc:Choice Requires="a14">
               <p:sp>
                 <p:nvSpPr>
                   <p:cNvPr id="137" name="ZoneTexte 136"/>
@@ -9492,7 +9488,7 @@
                 </p:txBody>
               </p:sp>
             </mc:Choice>
-            <mc:Fallback>
+            <mc:Fallback xmlns="">
               <p:sp>
                 <p:nvSpPr>
                   <p:cNvPr id="137" name="ZoneTexte 136"/>
@@ -9648,8 +9644,8 @@
                   </a:fontRef>
                 </p:style>
               </p:cxnSp>
-              <mc:AlternateContent xmlns:mc="http://schemas.openxmlformats.org/markup-compatibility/2006">
-                <mc:Choice xmlns:a14="http://schemas.microsoft.com/office/drawing/2010/main" Requires="a14">
+              <mc:AlternateContent xmlns:mc="http://schemas.openxmlformats.org/markup-compatibility/2006" xmlns:a14="http://schemas.microsoft.com/office/drawing/2010/main">
+                <mc:Choice Requires="a14">
                   <p:sp>
                     <p:nvSpPr>
                       <p:cNvPr id="140" name="Zone de texte 153"/>
@@ -9730,7 +9726,7 @@
                     </p:txBody>
                   </p:sp>
                 </mc:Choice>
-                <mc:Fallback>
+                <mc:Fallback xmlns="">
                   <p:sp>
                     <p:nvSpPr>
                       <p:cNvPr id="140" name="Zone de texte 153"/>
@@ -9774,8 +9770,8 @@
                   </p:sp>
                 </mc:Fallback>
               </mc:AlternateContent>
-              <mc:AlternateContent xmlns:mc="http://schemas.openxmlformats.org/markup-compatibility/2006">
-                <mc:Choice xmlns:a14="http://schemas.microsoft.com/office/drawing/2010/main" Requires="a14">
+              <mc:AlternateContent xmlns:mc="http://schemas.openxmlformats.org/markup-compatibility/2006" xmlns:a14="http://schemas.microsoft.com/office/drawing/2010/main">
+                <mc:Choice Requires="a14">
                   <p:sp>
                     <p:nvSpPr>
                       <p:cNvPr id="141" name="Zone de texte 154"/>
@@ -9856,7 +9852,7 @@
                     </p:txBody>
                   </p:sp>
                 </mc:Choice>
-                <mc:Fallback>
+                <mc:Fallback xmlns="">
                   <p:sp>
                     <p:nvSpPr>
                       <p:cNvPr id="141" name="Zone de texte 154"/>
@@ -9900,8 +9896,8 @@
                   </p:sp>
                 </mc:Fallback>
               </mc:AlternateContent>
-              <mc:AlternateContent xmlns:mc="http://schemas.openxmlformats.org/markup-compatibility/2006">
-                <mc:Choice xmlns:a14="http://schemas.microsoft.com/office/drawing/2010/main" Requires="a14">
+              <mc:AlternateContent xmlns:mc="http://schemas.openxmlformats.org/markup-compatibility/2006" xmlns:a14="http://schemas.microsoft.com/office/drawing/2010/main">
+                <mc:Choice Requires="a14">
                   <p:sp>
                     <p:nvSpPr>
                       <p:cNvPr id="142" name="Zone de texte 154"/>
@@ -9982,7 +9978,7 @@
                     </p:txBody>
                   </p:sp>
                 </mc:Choice>
-                <mc:Fallback>
+                <mc:Fallback xmlns="">
                   <p:sp>
                     <p:nvSpPr>
                       <p:cNvPr id="142" name="Zone de texte 154"/>
@@ -10125,8 +10121,8 @@
                   </a:p>
                 </p:txBody>
               </p:sp>
-              <mc:AlternateContent xmlns:mc="http://schemas.openxmlformats.org/markup-compatibility/2006">
-                <mc:Choice xmlns:a14="http://schemas.microsoft.com/office/drawing/2010/main" Requires="a14">
+              <mc:AlternateContent xmlns:mc="http://schemas.openxmlformats.org/markup-compatibility/2006" xmlns:a14="http://schemas.microsoft.com/office/drawing/2010/main">
+                <mc:Choice Requires="a14">
                   <p:sp>
                     <p:nvSpPr>
                       <p:cNvPr id="181" name="Zone de texte 153"/>
@@ -10204,7 +10200,7 @@
                     </p:txBody>
                   </p:sp>
                 </mc:Choice>
-                <mc:Fallback>
+                <mc:Fallback xmlns="">
                   <p:sp>
                     <p:nvSpPr>
                       <p:cNvPr id="181" name="Zone de texte 153"/>
@@ -10310,8 +10306,8 @@
                   </a:p>
                 </p:txBody>
               </p:sp>
-              <mc:AlternateContent xmlns:mc="http://schemas.openxmlformats.org/markup-compatibility/2006">
-                <mc:Choice xmlns:a14="http://schemas.microsoft.com/office/drawing/2010/main" Requires="a14">
+              <mc:AlternateContent xmlns:mc="http://schemas.openxmlformats.org/markup-compatibility/2006" xmlns:a14="http://schemas.microsoft.com/office/drawing/2010/main">
+                <mc:Choice Requires="a14">
                   <p:sp>
                     <p:nvSpPr>
                       <p:cNvPr id="182" name="Zone de texte 153"/>
@@ -10389,7 +10385,7 @@
                     </p:txBody>
                   </p:sp>
                 </mc:Choice>
-                <mc:Fallback>
+                <mc:Fallback xmlns="">
                   <p:sp>
                     <p:nvSpPr>
                       <p:cNvPr id="182" name="Zone de texte 153"/>
@@ -10509,8 +10505,8 @@
               </a:fontRef>
             </p:style>
           </p:cxnSp>
-          <mc:AlternateContent xmlns:mc="http://schemas.openxmlformats.org/markup-compatibility/2006">
-            <mc:Choice xmlns:a14="http://schemas.microsoft.com/office/drawing/2010/main" Requires="a14">
+          <mc:AlternateContent xmlns:mc="http://schemas.openxmlformats.org/markup-compatibility/2006" xmlns:a14="http://schemas.microsoft.com/office/drawing/2010/main">
+            <mc:Choice Requires="a14">
               <p:sp>
                 <p:nvSpPr>
                   <p:cNvPr id="197" name="Zone de texte 153"/>
@@ -10588,7 +10584,7 @@
                 </p:txBody>
               </p:sp>
             </mc:Choice>
-            <mc:Fallback>
+            <mc:Fallback xmlns="">
               <p:sp>
                 <p:nvSpPr>
                   <p:cNvPr id="197" name="Zone de texte 153"/>
@@ -10632,8 +10628,8 @@
               </p:sp>
             </mc:Fallback>
           </mc:AlternateContent>
-          <mc:AlternateContent xmlns:mc="http://schemas.openxmlformats.org/markup-compatibility/2006">
-            <mc:Choice xmlns:a14="http://schemas.microsoft.com/office/drawing/2010/main" Requires="a14">
+          <mc:AlternateContent xmlns:mc="http://schemas.openxmlformats.org/markup-compatibility/2006" xmlns:a14="http://schemas.microsoft.com/office/drawing/2010/main">
+            <mc:Choice Requires="a14">
               <p:sp>
                 <p:nvSpPr>
                   <p:cNvPr id="198" name="Zone de texte 153"/>
@@ -10711,7 +10707,7 @@
                 </p:txBody>
               </p:sp>
             </mc:Choice>
-            <mc:Fallback>
+            <mc:Fallback xmlns="">
               <p:sp>
                 <p:nvSpPr>
                   <p:cNvPr id="198" name="Zone de texte 153"/>
@@ -11084,6 +11080,4125 @@
       </p:grpSpPr>
       <p:grpSp>
         <p:nvGrpSpPr>
+          <p:cNvPr id="118" name="Groupe 117"/>
+          <p:cNvGrpSpPr/>
+          <p:nvPr/>
+        </p:nvGrpSpPr>
+        <p:grpSpPr>
+          <a:xfrm>
+            <a:off x="2354502" y="2703762"/>
+            <a:ext cx="5921038" cy="1575482"/>
+            <a:chOff x="4866512" y="4558841"/>
+            <a:chExt cx="5921038" cy="1575482"/>
+          </a:xfrm>
+        </p:grpSpPr>
+        <p:grpSp>
+          <p:nvGrpSpPr>
+            <p:cNvPr id="119" name="Groupe 118"/>
+            <p:cNvGrpSpPr/>
+            <p:nvPr/>
+          </p:nvGrpSpPr>
+          <p:grpSpPr>
+            <a:xfrm>
+              <a:off x="4866512" y="4558841"/>
+              <a:ext cx="4371501" cy="788968"/>
+              <a:chOff x="2073558" y="2233631"/>
+              <a:chExt cx="4371501" cy="788968"/>
+            </a:xfrm>
+          </p:grpSpPr>
+          <p:grpSp>
+            <p:nvGrpSpPr>
+              <p:cNvPr id="123" name="Groupe 122"/>
+              <p:cNvGrpSpPr/>
+              <p:nvPr/>
+            </p:nvGrpSpPr>
+            <p:grpSpPr>
+              <a:xfrm>
+                <a:off x="2073558" y="2233631"/>
+                <a:ext cx="4371501" cy="697866"/>
+                <a:chOff x="2073558" y="2233631"/>
+                <a:chExt cx="4371501" cy="697866"/>
+              </a:xfrm>
+            </p:grpSpPr>
+            <p:sp>
+              <p:nvSpPr>
+                <p:cNvPr id="125" name="Rectangle 124"/>
+                <p:cNvSpPr/>
+                <p:nvPr/>
+              </p:nvSpPr>
+              <p:spPr>
+                <a:xfrm>
+                  <a:off x="2073558" y="2436784"/>
+                  <a:ext cx="4019017" cy="316690"/>
+                </a:xfrm>
+                <a:prstGeom prst="rect">
+                  <a:avLst/>
+                </a:prstGeom>
+                <a:solidFill>
+                  <a:schemeClr val="bg2"/>
+                </a:solidFill>
+                <a:ln>
+                  <a:solidFill>
+                    <a:schemeClr val="tx1"/>
+                  </a:solidFill>
+                </a:ln>
+              </p:spPr>
+              <p:style>
+                <a:lnRef idx="2">
+                  <a:schemeClr val="accent1">
+                    <a:shade val="50000"/>
+                  </a:schemeClr>
+                </a:lnRef>
+                <a:fillRef idx="1">
+                  <a:schemeClr val="accent1"/>
+                </a:fillRef>
+                <a:effectRef idx="0">
+                  <a:schemeClr val="accent1"/>
+                </a:effectRef>
+                <a:fontRef idx="minor">
+                  <a:schemeClr val="lt1"/>
+                </a:fontRef>
+              </p:style>
+              <p:txBody>
+                <a:bodyPr rtlCol="0" anchor="ctr"/>
+                <a:lstStyle/>
+                <a:p>
+                  <a:pPr algn="ctr"/>
+                  <a:endParaRPr lang="fr-FR"/>
+                </a:p>
+              </p:txBody>
+            </p:sp>
+            <p:sp>
+              <p:nvSpPr>
+                <p:cNvPr id="126" name="Rectangle 125"/>
+                <p:cNvSpPr/>
+                <p:nvPr/>
+              </p:nvSpPr>
+              <p:spPr>
+                <a:xfrm>
+                  <a:off x="6048088" y="2233631"/>
+                  <a:ext cx="396971" cy="697866"/>
+                </a:xfrm>
+                <a:prstGeom prst="rect">
+                  <a:avLst/>
+                </a:prstGeom>
+                <a:solidFill>
+                  <a:schemeClr val="bg1"/>
+                </a:solidFill>
+                <a:ln>
+                  <a:solidFill>
+                    <a:schemeClr val="tx1"/>
+                  </a:solidFill>
+                </a:ln>
+              </p:spPr>
+              <p:style>
+                <a:lnRef idx="2">
+                  <a:schemeClr val="dk1">
+                    <a:shade val="50000"/>
+                  </a:schemeClr>
+                </a:lnRef>
+                <a:fillRef idx="1">
+                  <a:schemeClr val="dk1"/>
+                </a:fillRef>
+                <a:effectRef idx="0">
+                  <a:schemeClr val="dk1"/>
+                </a:effectRef>
+                <a:fontRef idx="minor">
+                  <a:schemeClr val="lt1"/>
+                </a:fontRef>
+              </p:style>
+              <p:txBody>
+                <a:bodyPr rtlCol="0" anchor="ctr"/>
+                <a:lstStyle/>
+                <a:p>
+                  <a:pPr algn="ctr"/>
+                  <a:endParaRPr lang="fr-FR"/>
+                </a:p>
+              </p:txBody>
+            </p:sp>
+          </p:grpSp>
+          <p:sp>
+            <p:nvSpPr>
+              <p:cNvPr id="124" name="Rectangle 123"/>
+              <p:cNvSpPr/>
+              <p:nvPr/>
+            </p:nvSpPr>
+            <p:spPr>
+              <a:xfrm>
+                <a:off x="6184928" y="2940406"/>
+                <a:ext cx="123290" cy="82193"/>
+              </a:xfrm>
+              <a:prstGeom prst="rect">
+                <a:avLst/>
+              </a:prstGeom>
+              <a:ln/>
+            </p:spPr>
+            <p:style>
+              <a:lnRef idx="2">
+                <a:schemeClr val="dk1">
+                  <a:shade val="50000"/>
+                </a:schemeClr>
+              </a:lnRef>
+              <a:fillRef idx="1">
+                <a:schemeClr val="dk1"/>
+              </a:fillRef>
+              <a:effectRef idx="0">
+                <a:schemeClr val="dk1"/>
+              </a:effectRef>
+              <a:fontRef idx="minor">
+                <a:schemeClr val="lt1"/>
+              </a:fontRef>
+            </p:style>
+            <p:txBody>
+              <a:bodyPr rtlCol="0" anchor="ctr"/>
+              <a:lstStyle/>
+              <a:p>
+                <a:pPr algn="ctr"/>
+                <a:endParaRPr lang="fr-FR"/>
+              </a:p>
+            </p:txBody>
+          </p:sp>
+        </p:grpSp>
+        <p:sp>
+          <p:nvSpPr>
+            <p:cNvPr id="120" name="ZoneTexte 119"/>
+            <p:cNvSpPr txBox="1"/>
+            <p:nvPr/>
+          </p:nvSpPr>
+          <p:spPr>
+            <a:xfrm>
+              <a:off x="8717893" y="5795769"/>
+              <a:ext cx="766557" cy="338554"/>
+            </a:xfrm>
+            <a:prstGeom prst="rect">
+              <a:avLst/>
+            </a:prstGeom>
+            <a:noFill/>
+          </p:spPr>
+          <p:txBody>
+            <a:bodyPr wrap="none" rtlCol="0">
+              <a:spAutoFit/>
+            </a:bodyPr>
+            <a:lstStyle/>
+            <a:p>
+              <a:r>
+                <a:rPr lang="fr-FR" sz="1600" dirty="0" smtClean="0">
+                  <a:latin typeface="Times New Roman" panose="02020603050405020304" pitchFamily="18" charset="0"/>
+                  <a:cs typeface="Times New Roman" panose="02020603050405020304" pitchFamily="18" charset="0"/>
+                </a:rPr>
+                <a:t>Disque</a:t>
+              </a:r>
+              <a:endParaRPr lang="fr-FR" sz="1600" dirty="0">
+                <a:latin typeface="Times New Roman" panose="02020603050405020304" pitchFamily="18" charset="0"/>
+                <a:cs typeface="Times New Roman" panose="02020603050405020304" pitchFamily="18" charset="0"/>
+              </a:endParaRPr>
+            </a:p>
+          </p:txBody>
+        </p:sp>
+        <p:sp>
+          <p:nvSpPr>
+            <p:cNvPr id="121" name="ZoneTexte 120"/>
+            <p:cNvSpPr txBox="1"/>
+            <p:nvPr/>
+          </p:nvSpPr>
+          <p:spPr>
+            <a:xfrm>
+              <a:off x="9711614" y="5073530"/>
+              <a:ext cx="1075936" cy="584775"/>
+            </a:xfrm>
+            <a:prstGeom prst="rect">
+              <a:avLst/>
+            </a:prstGeom>
+            <a:noFill/>
+          </p:spPr>
+          <p:txBody>
+            <a:bodyPr wrap="none" rtlCol="0">
+              <a:spAutoFit/>
+            </a:bodyPr>
+            <a:lstStyle/>
+            <a:p>
+              <a:pPr algn="ctr"/>
+              <a:r>
+                <a:rPr lang="fr-FR" sz="1600" dirty="0" smtClean="0">
+                  <a:latin typeface="Times New Roman" panose="02020603050405020304" pitchFamily="18" charset="0"/>
+                  <a:cs typeface="Times New Roman" panose="02020603050405020304" pitchFamily="18" charset="0"/>
+                </a:rPr>
+                <a:t>Balourd </a:t>
+              </a:r>
+              <a:br>
+                <a:rPr lang="fr-FR" sz="1600" dirty="0" smtClean="0">
+                  <a:latin typeface="Times New Roman" panose="02020603050405020304" pitchFamily="18" charset="0"/>
+                  <a:cs typeface="Times New Roman" panose="02020603050405020304" pitchFamily="18" charset="0"/>
+                </a:rPr>
+              </a:br>
+              <a:r>
+                <a:rPr lang="fr-FR" sz="1600" dirty="0" smtClean="0">
+                  <a:latin typeface="Times New Roman" panose="02020603050405020304" pitchFamily="18" charset="0"/>
+                  <a:cs typeface="Times New Roman" panose="02020603050405020304" pitchFamily="18" charset="0"/>
+                </a:rPr>
+                <a:t>mécanique</a:t>
+              </a:r>
+              <a:endParaRPr lang="fr-FR" sz="1600" dirty="0">
+                <a:latin typeface="Times New Roman" panose="02020603050405020304" pitchFamily="18" charset="0"/>
+                <a:cs typeface="Times New Roman" panose="02020603050405020304" pitchFamily="18" charset="0"/>
+              </a:endParaRPr>
+            </a:p>
+          </p:txBody>
+        </p:sp>
+        <p:cxnSp>
+          <p:nvCxnSpPr>
+            <p:cNvPr id="122" name="Connecteur en arc 121"/>
+            <p:cNvCxnSpPr>
+              <a:stCxn id="121" idx="1"/>
+              <a:endCxn id="124" idx="3"/>
+            </p:cNvCxnSpPr>
+            <p:nvPr/>
+          </p:nvCxnSpPr>
+          <p:spPr>
+            <a:xfrm rot="10800000">
+              <a:off x="9101172" y="5306714"/>
+              <a:ext cx="610442" cy="59205"/>
+            </a:xfrm>
+            <a:prstGeom prst="curvedConnector3">
+              <a:avLst>
+                <a:gd name="adj1" fmla="val 50000"/>
+              </a:avLst>
+            </a:prstGeom>
+            <a:ln>
+              <a:solidFill>
+                <a:schemeClr val="tx1"/>
+              </a:solidFill>
+              <a:tailEnd type="triangle"/>
+            </a:ln>
+          </p:spPr>
+          <p:style>
+            <a:lnRef idx="1">
+              <a:schemeClr val="accent1"/>
+            </a:lnRef>
+            <a:fillRef idx="0">
+              <a:schemeClr val="accent1"/>
+            </a:fillRef>
+            <a:effectRef idx="0">
+              <a:schemeClr val="accent1"/>
+            </a:effectRef>
+            <a:fontRef idx="minor">
+              <a:schemeClr val="tx1"/>
+            </a:fontRef>
+          </p:style>
+        </p:cxnSp>
+      </p:grpSp>
+      <p:grpSp>
+        <p:nvGrpSpPr>
+          <p:cNvPr id="127" name="Groupe 126"/>
+          <p:cNvGrpSpPr/>
+          <p:nvPr/>
+        </p:nvGrpSpPr>
+        <p:grpSpPr>
+          <a:xfrm>
+            <a:off x="2515549" y="2610622"/>
+            <a:ext cx="3552107" cy="1668622"/>
+            <a:chOff x="2365187" y="2146718"/>
+            <a:chExt cx="3552107" cy="1668622"/>
+          </a:xfrm>
+        </p:grpSpPr>
+        <p:sp>
+          <p:nvSpPr>
+            <p:cNvPr id="128" name="Rectangle 127"/>
+            <p:cNvSpPr/>
+            <p:nvPr/>
+          </p:nvSpPr>
+          <p:spPr>
+            <a:xfrm>
+              <a:off x="2581392" y="2146718"/>
+              <a:ext cx="330594" cy="890198"/>
+            </a:xfrm>
+            <a:prstGeom prst="rect">
+              <a:avLst/>
+            </a:prstGeom>
+          </p:spPr>
+          <p:style>
+            <a:lnRef idx="2">
+              <a:schemeClr val="accent1">
+                <a:shade val="50000"/>
+              </a:schemeClr>
+            </a:lnRef>
+            <a:fillRef idx="1">
+              <a:schemeClr val="accent1"/>
+            </a:fillRef>
+            <a:effectRef idx="0">
+              <a:schemeClr val="accent1"/>
+            </a:effectRef>
+            <a:fontRef idx="minor">
+              <a:schemeClr val="lt1"/>
+            </a:fontRef>
+          </p:style>
+          <p:txBody>
+            <a:bodyPr rtlCol="0" anchor="ctr"/>
+            <a:lstStyle/>
+            <a:p>
+              <a:pPr algn="ctr"/>
+              <a:endParaRPr lang="fr-FR"/>
+            </a:p>
+          </p:txBody>
+        </p:sp>
+        <p:sp>
+          <p:nvSpPr>
+            <p:cNvPr id="129" name="Rectangle 128"/>
+            <p:cNvSpPr/>
+            <p:nvPr/>
+          </p:nvSpPr>
+          <p:spPr>
+            <a:xfrm>
+              <a:off x="5251266" y="2173306"/>
+              <a:ext cx="330594" cy="890198"/>
+            </a:xfrm>
+            <a:prstGeom prst="rect">
+              <a:avLst/>
+            </a:prstGeom>
+          </p:spPr>
+          <p:style>
+            <a:lnRef idx="2">
+              <a:schemeClr val="accent1">
+                <a:shade val="50000"/>
+              </a:schemeClr>
+            </a:lnRef>
+            <a:fillRef idx="1">
+              <a:schemeClr val="accent1"/>
+            </a:fillRef>
+            <a:effectRef idx="0">
+              <a:schemeClr val="accent1"/>
+            </a:effectRef>
+            <a:fontRef idx="minor">
+              <a:schemeClr val="lt1"/>
+            </a:fontRef>
+          </p:style>
+          <p:txBody>
+            <a:bodyPr rtlCol="0" anchor="ctr"/>
+            <a:lstStyle/>
+            <a:p>
+              <a:pPr algn="ctr"/>
+              <a:endParaRPr lang="fr-FR"/>
+            </a:p>
+          </p:txBody>
+        </p:sp>
+        <p:sp>
+          <p:nvSpPr>
+            <p:cNvPr id="130" name="ZoneTexte 129"/>
+            <p:cNvSpPr txBox="1"/>
+            <p:nvPr/>
+          </p:nvSpPr>
+          <p:spPr>
+            <a:xfrm>
+              <a:off x="2365187" y="3459398"/>
+              <a:ext cx="819455" cy="338554"/>
+            </a:xfrm>
+            <a:prstGeom prst="rect">
+              <a:avLst/>
+            </a:prstGeom>
+            <a:noFill/>
+          </p:spPr>
+          <p:txBody>
+            <a:bodyPr wrap="none" rtlCol="0">
+              <a:spAutoFit/>
+            </a:bodyPr>
+            <a:lstStyle/>
+            <a:p>
+              <a:r>
+                <a:rPr lang="fr-FR" sz="1600" dirty="0" smtClean="0">
+                  <a:latin typeface="Times New Roman" panose="02020603050405020304" pitchFamily="18" charset="0"/>
+                  <a:cs typeface="Times New Roman" panose="02020603050405020304" pitchFamily="18" charset="0"/>
+                </a:rPr>
+                <a:t>Palier 1</a:t>
+              </a:r>
+              <a:endParaRPr lang="fr-FR" sz="1600" dirty="0">
+                <a:latin typeface="Times New Roman" panose="02020603050405020304" pitchFamily="18" charset="0"/>
+                <a:cs typeface="Times New Roman" panose="02020603050405020304" pitchFamily="18" charset="0"/>
+              </a:endParaRPr>
+            </a:p>
+          </p:txBody>
+        </p:sp>
+        <p:sp>
+          <p:nvSpPr>
+            <p:cNvPr id="131" name="ZoneTexte 130"/>
+            <p:cNvSpPr txBox="1"/>
+            <p:nvPr/>
+          </p:nvSpPr>
+          <p:spPr>
+            <a:xfrm>
+              <a:off x="5097839" y="3476786"/>
+              <a:ext cx="819455" cy="338554"/>
+            </a:xfrm>
+            <a:prstGeom prst="rect">
+              <a:avLst/>
+            </a:prstGeom>
+            <a:noFill/>
+          </p:spPr>
+          <p:txBody>
+            <a:bodyPr wrap="none" rtlCol="0">
+              <a:spAutoFit/>
+            </a:bodyPr>
+            <a:lstStyle/>
+            <a:p>
+              <a:r>
+                <a:rPr lang="fr-FR" sz="1600" dirty="0" smtClean="0">
+                  <a:latin typeface="Times New Roman" panose="02020603050405020304" pitchFamily="18" charset="0"/>
+                  <a:cs typeface="Times New Roman" panose="02020603050405020304" pitchFamily="18" charset="0"/>
+                </a:rPr>
+                <a:t>Palier 2</a:t>
+              </a:r>
+              <a:endParaRPr lang="fr-FR" sz="1600" dirty="0">
+                <a:latin typeface="Times New Roman" panose="02020603050405020304" pitchFamily="18" charset="0"/>
+                <a:cs typeface="Times New Roman" panose="02020603050405020304" pitchFamily="18" charset="0"/>
+              </a:endParaRPr>
+            </a:p>
+          </p:txBody>
+        </p:sp>
+      </p:grpSp>
+      <p:grpSp>
+        <p:nvGrpSpPr>
+          <p:cNvPr id="144" name="Groupe 143"/>
+          <p:cNvGrpSpPr/>
+          <p:nvPr/>
+        </p:nvGrpSpPr>
+        <p:grpSpPr>
+          <a:xfrm>
+            <a:off x="2843511" y="2322090"/>
+            <a:ext cx="4685167" cy="1589517"/>
+            <a:chOff x="2075643" y="1878955"/>
+            <a:chExt cx="4685167" cy="1589517"/>
+          </a:xfrm>
+        </p:grpSpPr>
+        <p:grpSp>
+          <p:nvGrpSpPr>
+            <p:cNvPr id="145" name="Groupe 144"/>
+            <p:cNvGrpSpPr/>
+            <p:nvPr/>
+          </p:nvGrpSpPr>
+          <p:grpSpPr>
+            <a:xfrm>
+              <a:off x="2075643" y="1878955"/>
+              <a:ext cx="4685167" cy="1589517"/>
+              <a:chOff x="2706259" y="1848650"/>
+              <a:chExt cx="4685167" cy="1589517"/>
+            </a:xfrm>
+          </p:grpSpPr>
+          <p:grpSp>
+            <p:nvGrpSpPr>
+              <p:cNvPr id="149" name="Groupe 148"/>
+              <p:cNvGrpSpPr/>
+              <p:nvPr/>
+            </p:nvGrpSpPr>
+            <p:grpSpPr>
+              <a:xfrm>
+                <a:off x="6363772" y="2015703"/>
+                <a:ext cx="1027654" cy="1371847"/>
+                <a:chOff x="9991892" y="3026781"/>
+                <a:chExt cx="1027654" cy="1371847"/>
+              </a:xfrm>
+            </p:grpSpPr>
+            <p:cxnSp>
+              <p:nvCxnSpPr>
+                <p:cNvPr id="160" name="Connecteur droit avec flèche 159"/>
+                <p:cNvCxnSpPr/>
+                <p:nvPr/>
+              </p:nvCxnSpPr>
+              <p:spPr>
+                <a:xfrm flipV="1">
+                  <a:off x="9991892" y="3326434"/>
+                  <a:ext cx="447201" cy="290073"/>
+                </a:xfrm>
+                <a:prstGeom prst="straightConnector1">
+                  <a:avLst/>
+                </a:prstGeom>
+                <a:ln w="28575">
+                  <a:tailEnd type="triangle"/>
+                </a:ln>
+              </p:spPr>
+              <p:style>
+                <a:lnRef idx="1">
+                  <a:schemeClr val="dk1"/>
+                </a:lnRef>
+                <a:fillRef idx="0">
+                  <a:schemeClr val="dk1"/>
+                </a:fillRef>
+                <a:effectRef idx="0">
+                  <a:schemeClr val="dk1"/>
+                </a:effectRef>
+                <a:fontRef idx="minor">
+                  <a:schemeClr val="tx1"/>
+                </a:fontRef>
+              </p:style>
+            </p:cxnSp>
+            <mc:AlternateContent xmlns:mc="http://schemas.openxmlformats.org/markup-compatibility/2006" xmlns:a14="http://schemas.microsoft.com/office/drawing/2010/main">
+              <mc:Choice Requires="a14">
+                <p:sp>
+                  <p:nvSpPr>
+                    <p:cNvPr id="161" name="Zone de texte 153"/>
+                    <p:cNvSpPr txBox="1"/>
+                    <p:nvPr/>
+                  </p:nvSpPr>
+                  <p:spPr>
+                    <a:xfrm>
+                      <a:off x="10026475" y="4123978"/>
+                      <a:ext cx="301748" cy="274650"/>
+                    </a:xfrm>
+                    <a:prstGeom prst="rect">
+                      <a:avLst/>
+                    </a:prstGeom>
+                    <a:noFill/>
+                    <a:ln w="6350">
+                      <a:noFill/>
+                      <a:prstDash val="sysDash"/>
+                    </a:ln>
+                    <a:effectLst/>
+                  </p:spPr>
+                  <p:style>
+                    <a:lnRef idx="0">
+                      <a:schemeClr val="accent1"/>
+                    </a:lnRef>
+                    <a:fillRef idx="0">
+                      <a:schemeClr val="accent1"/>
+                    </a:fillRef>
+                    <a:effectRef idx="0">
+                      <a:schemeClr val="accent1"/>
+                    </a:effectRef>
+                    <a:fontRef idx="minor">
+                      <a:schemeClr val="dk1"/>
+                    </a:fontRef>
+                  </p:style>
+                  <p:txBody>
+                    <a:bodyPr rot="0" spcFirstLastPara="0" vert="horz" wrap="square" lIns="91440" tIns="45720" rIns="91440" bIns="45720" numCol="1" spcCol="0" rtlCol="0" fromWordArt="0" anchor="t" anchorCtr="0" forceAA="0" compatLnSpc="1">
+                      <a:prstTxWarp prst="textNoShape">
+                        <a:avLst/>
+                      </a:prstTxWarp>
+                      <a:noAutofit/>
+                    </a:bodyPr>
+                    <a:lstStyle/>
+                    <a:p>
+                      <a:pPr>
+                        <a:lnSpc>
+                          <a:spcPct val="107000"/>
+                        </a:lnSpc>
+                        <a:spcAft>
+                          <a:spcPts val="800"/>
+                        </a:spcAft>
+                      </a:pPr>
+                      <a14:m>
+                        <m:oMathPara xmlns:m="http://schemas.openxmlformats.org/officeDocument/2006/math">
+                          <m:oMathParaPr>
+                            <m:jc m:val="centerGroup"/>
+                          </m:oMathParaPr>
+                          <m:oMath xmlns:m="http://schemas.openxmlformats.org/officeDocument/2006/math">
+                            <m:sSub>
+                              <m:sSubPr>
+                                <m:ctrlPr>
+                                  <a:rPr lang="fr-FR" b="1" i="1" smtClean="0">
+                                    <a:latin typeface="Cambria Math" panose="02040503050406030204" pitchFamily="18" charset="0"/>
+                                    <a:ea typeface="SimSun" panose="02010600030101010101" pitchFamily="2" charset="-122"/>
+                                    <a:cs typeface="Times New Roman" panose="02020603050405020304" pitchFamily="18" charset="0"/>
+                                  </a:rPr>
+                                </m:ctrlPr>
+                              </m:sSubPr>
+                              <m:e>
+                                <m:r>
+                                  <a:rPr lang="fr-FR" b="1" i="1" smtClean="0">
+                                    <a:latin typeface="Cambria Math" panose="02040503050406030204" pitchFamily="18" charset="0"/>
+                                    <a:ea typeface="SimSun" panose="02010600030101010101" pitchFamily="2" charset="-122"/>
+                                    <a:cs typeface="Times New Roman" panose="02020603050405020304" pitchFamily="18" charset="0"/>
+                                  </a:rPr>
+                                  <m:t>𝒇</m:t>
+                                </m:r>
+                              </m:e>
+                              <m:sub>
+                                <m:r>
+                                  <a:rPr lang="fr-FR" b="1" i="1" smtClean="0">
+                                    <a:latin typeface="Cambria Math" panose="02040503050406030204" pitchFamily="18" charset="0"/>
+                                    <a:ea typeface="SimSun" panose="02010600030101010101" pitchFamily="2" charset="-122"/>
+                                    <a:cs typeface="Times New Roman" panose="02020603050405020304" pitchFamily="18" charset="0"/>
+                                  </a:rPr>
+                                  <m:t>𝒙𝑼</m:t>
+                                </m:r>
+                              </m:sub>
+                            </m:sSub>
+                          </m:oMath>
+                        </m:oMathPara>
+                      </a14:m>
+                      <a:endParaRPr lang="fr-FR" dirty="0">
+                        <a:effectLst/>
+                        <a:ea typeface="Calibri" panose="020F0502020204030204" pitchFamily="34" charset="0"/>
+                        <a:cs typeface="Times New Roman" panose="02020603050405020304" pitchFamily="18" charset="0"/>
+                      </a:endParaRPr>
+                    </a:p>
+                  </p:txBody>
+                </p:sp>
+              </mc:Choice>
+              <mc:Fallback xmlns="">
+                <p:sp>
+                  <p:nvSpPr>
+                    <p:cNvPr id="161" name="Zone de texte 153"/>
+                    <p:cNvSpPr txBox="1">
+                      <a:spLocks noRot="1" noChangeAspect="1" noMove="1" noResize="1" noEditPoints="1" noAdjustHandles="1" noChangeArrowheads="1" noChangeShapeType="1" noTextEdit="1"/>
+                    </p:cNvSpPr>
+                    <p:nvPr/>
+                  </p:nvSpPr>
+                  <p:spPr>
+                    <a:xfrm>
+                      <a:off x="10026475" y="4123978"/>
+                      <a:ext cx="301748" cy="274650"/>
+                    </a:xfrm>
+                    <a:prstGeom prst="rect">
+                      <a:avLst/>
+                    </a:prstGeom>
+                    <a:blipFill rotWithShape="0">
+                      <a:blip r:embed="rId2"/>
+                      <a:stretch>
+                        <a:fillRect r="-44000" b="-17778"/>
+                      </a:stretch>
+                    </a:blipFill>
+                    <a:ln w="6350">
+                      <a:noFill/>
+                      <a:prstDash val="sysDash"/>
+                    </a:ln>
+                    <a:effectLst/>
+                  </p:spPr>
+                  <p:txBody>
+                    <a:bodyPr/>
+                    <a:lstStyle/>
+                    <a:p>
+                      <a:r>
+                        <a:rPr lang="fr-FR">
+                          <a:noFill/>
+                        </a:rPr>
+                        <a:t> </a:t>
+                      </a:r>
+                    </a:p>
+                  </p:txBody>
+                </p:sp>
+              </mc:Fallback>
+            </mc:AlternateContent>
+            <mc:AlternateContent xmlns:mc="http://schemas.openxmlformats.org/markup-compatibility/2006" xmlns:a14="http://schemas.microsoft.com/office/drawing/2010/main">
+              <mc:Choice Requires="a14">
+                <p:sp>
+                  <p:nvSpPr>
+                    <p:cNvPr id="162" name="Zone de texte 153"/>
+                    <p:cNvSpPr txBox="1"/>
+                    <p:nvPr/>
+                  </p:nvSpPr>
+                  <p:spPr>
+                    <a:xfrm>
+                      <a:off x="10430346" y="3026781"/>
+                      <a:ext cx="589200" cy="274650"/>
+                    </a:xfrm>
+                    <a:prstGeom prst="rect">
+                      <a:avLst/>
+                    </a:prstGeom>
+                    <a:noFill/>
+                    <a:ln w="6350">
+                      <a:noFill/>
+                      <a:prstDash val="sysDash"/>
+                    </a:ln>
+                    <a:effectLst/>
+                  </p:spPr>
+                  <p:style>
+                    <a:lnRef idx="0">
+                      <a:schemeClr val="accent1"/>
+                    </a:lnRef>
+                    <a:fillRef idx="0">
+                      <a:schemeClr val="accent1"/>
+                    </a:fillRef>
+                    <a:effectRef idx="0">
+                      <a:schemeClr val="accent1"/>
+                    </a:effectRef>
+                    <a:fontRef idx="minor">
+                      <a:schemeClr val="dk1"/>
+                    </a:fontRef>
+                  </p:style>
+                  <p:txBody>
+                    <a:bodyPr rot="0" spcFirstLastPara="0" vert="horz" wrap="square" lIns="91440" tIns="45720" rIns="91440" bIns="45720" numCol="1" spcCol="0" rtlCol="0" fromWordArt="0" anchor="t" anchorCtr="0" forceAA="0" compatLnSpc="1">
+                      <a:prstTxWarp prst="textNoShape">
+                        <a:avLst/>
+                      </a:prstTxWarp>
+                      <a:noAutofit/>
+                    </a:bodyPr>
+                    <a:lstStyle/>
+                    <a:p>
+                      <a:pPr>
+                        <a:lnSpc>
+                          <a:spcPct val="107000"/>
+                        </a:lnSpc>
+                        <a:spcAft>
+                          <a:spcPts val="800"/>
+                        </a:spcAft>
+                      </a:pPr>
+                      <a14:m>
+                        <m:oMathPara xmlns:m="http://schemas.openxmlformats.org/officeDocument/2006/math">
+                          <m:oMathParaPr>
+                            <m:jc m:val="centerGroup"/>
+                          </m:oMathParaPr>
+                          <m:oMath xmlns:m="http://schemas.openxmlformats.org/officeDocument/2006/math">
+                            <m:sSub>
+                              <m:sSubPr>
+                                <m:ctrlPr>
+                                  <a:rPr lang="fr-FR" b="1" i="1" smtClean="0">
+                                    <a:latin typeface="Cambria Math" panose="02040503050406030204" pitchFamily="18" charset="0"/>
+                                    <a:ea typeface="SimSun" panose="02010600030101010101" pitchFamily="2" charset="-122"/>
+                                    <a:cs typeface="Times New Roman" panose="02020603050405020304" pitchFamily="18" charset="0"/>
+                                  </a:rPr>
+                                </m:ctrlPr>
+                              </m:sSubPr>
+                              <m:e>
+                                <m:r>
+                                  <a:rPr lang="fr-FR" b="1" i="1" smtClean="0">
+                                    <a:latin typeface="Cambria Math" panose="02040503050406030204" pitchFamily="18" charset="0"/>
+                                    <a:ea typeface="SimSun" panose="02010600030101010101" pitchFamily="2" charset="-122"/>
+                                    <a:cs typeface="Times New Roman" panose="02020603050405020304" pitchFamily="18" charset="0"/>
+                                  </a:rPr>
+                                  <m:t>𝒇</m:t>
+                                </m:r>
+                              </m:e>
+                              <m:sub>
+                                <m:r>
+                                  <a:rPr lang="fr-FR" b="1" i="1" smtClean="0">
+                                    <a:latin typeface="Cambria Math" panose="02040503050406030204" pitchFamily="18" charset="0"/>
+                                    <a:ea typeface="SimSun" panose="02010600030101010101" pitchFamily="2" charset="-122"/>
+                                    <a:cs typeface="Times New Roman" panose="02020603050405020304" pitchFamily="18" charset="0"/>
+                                  </a:rPr>
+                                  <m:t>𝒚𝑼</m:t>
+                                </m:r>
+                              </m:sub>
+                            </m:sSub>
+                          </m:oMath>
+                        </m:oMathPara>
+                      </a14:m>
+                      <a:endParaRPr lang="fr-FR" dirty="0">
+                        <a:effectLst/>
+                        <a:ea typeface="Calibri" panose="020F0502020204030204" pitchFamily="34" charset="0"/>
+                        <a:cs typeface="Times New Roman" panose="02020603050405020304" pitchFamily="18" charset="0"/>
+                      </a:endParaRPr>
+                    </a:p>
+                  </p:txBody>
+                </p:sp>
+              </mc:Choice>
+              <mc:Fallback xmlns="">
+                <p:sp>
+                  <p:nvSpPr>
+                    <p:cNvPr id="162" name="Zone de texte 153"/>
+                    <p:cNvSpPr txBox="1">
+                      <a:spLocks noRot="1" noChangeAspect="1" noMove="1" noResize="1" noEditPoints="1" noAdjustHandles="1" noChangeArrowheads="1" noChangeShapeType="1" noTextEdit="1"/>
+                    </p:cNvSpPr>
+                    <p:nvPr/>
+                  </p:nvSpPr>
+                  <p:spPr>
+                    <a:xfrm>
+                      <a:off x="10430346" y="3026781"/>
+                      <a:ext cx="589200" cy="274650"/>
+                    </a:xfrm>
+                    <a:prstGeom prst="rect">
+                      <a:avLst/>
+                    </a:prstGeom>
+                    <a:blipFill rotWithShape="0">
+                      <a:blip r:embed="rId3"/>
+                      <a:stretch>
+                        <a:fillRect b="-35556"/>
+                      </a:stretch>
+                    </a:blipFill>
+                    <a:ln w="6350">
+                      <a:noFill/>
+                      <a:prstDash val="sysDash"/>
+                    </a:ln>
+                    <a:effectLst/>
+                  </p:spPr>
+                  <p:txBody>
+                    <a:bodyPr/>
+                    <a:lstStyle/>
+                    <a:p>
+                      <a:r>
+                        <a:rPr lang="fr-FR">
+                          <a:noFill/>
+                        </a:rPr>
+                        <a:t> </a:t>
+                      </a:r>
+                    </a:p>
+                  </p:txBody>
+                </p:sp>
+              </mc:Fallback>
+            </mc:AlternateContent>
+            <p:cxnSp>
+              <p:nvCxnSpPr>
+                <p:cNvPr id="163" name="Connecteur droit avec flèche 162"/>
+                <p:cNvCxnSpPr/>
+                <p:nvPr/>
+              </p:nvCxnSpPr>
+              <p:spPr>
+                <a:xfrm>
+                  <a:off x="10010675" y="3610902"/>
+                  <a:ext cx="0" cy="665311"/>
+                </a:xfrm>
+                <a:prstGeom prst="straightConnector1">
+                  <a:avLst/>
+                </a:prstGeom>
+                <a:ln w="28575">
+                  <a:tailEnd type="triangle"/>
+                </a:ln>
+              </p:spPr>
+              <p:style>
+                <a:lnRef idx="1">
+                  <a:schemeClr val="dk1"/>
+                </a:lnRef>
+                <a:fillRef idx="0">
+                  <a:schemeClr val="dk1"/>
+                </a:fillRef>
+                <a:effectRef idx="0">
+                  <a:schemeClr val="dk1"/>
+                </a:effectRef>
+                <a:fontRef idx="minor">
+                  <a:schemeClr val="tx1"/>
+                </a:fontRef>
+              </p:style>
+            </p:cxnSp>
+          </p:grpSp>
+          <p:grpSp>
+            <p:nvGrpSpPr>
+              <p:cNvPr id="150" name="Groupe 149"/>
+              <p:cNvGrpSpPr/>
+              <p:nvPr/>
+            </p:nvGrpSpPr>
+            <p:grpSpPr>
+              <a:xfrm>
+                <a:off x="5412802" y="1848650"/>
+                <a:ext cx="730794" cy="1589517"/>
+                <a:chOff x="7287732" y="2837460"/>
+                <a:chExt cx="730794" cy="1589517"/>
+              </a:xfrm>
+            </p:grpSpPr>
+            <p:cxnSp>
+              <p:nvCxnSpPr>
+                <p:cNvPr id="156" name="Connecteur droit avec flèche 155"/>
+                <p:cNvCxnSpPr/>
+                <p:nvPr/>
+              </p:nvCxnSpPr>
+              <p:spPr>
+                <a:xfrm flipV="1">
+                  <a:off x="7291494" y="3275028"/>
+                  <a:ext cx="483482" cy="313606"/>
+                </a:xfrm>
+                <a:prstGeom prst="straightConnector1">
+                  <a:avLst/>
+                </a:prstGeom>
+                <a:ln w="28575">
+                  <a:tailEnd type="triangle"/>
+                </a:ln>
+              </p:spPr>
+              <p:style>
+                <a:lnRef idx="1">
+                  <a:schemeClr val="dk1"/>
+                </a:lnRef>
+                <a:fillRef idx="0">
+                  <a:schemeClr val="dk1"/>
+                </a:fillRef>
+                <a:effectRef idx="0">
+                  <a:schemeClr val="dk1"/>
+                </a:effectRef>
+                <a:fontRef idx="minor">
+                  <a:schemeClr val="tx1"/>
+                </a:fontRef>
+              </p:style>
+            </p:cxnSp>
+            <mc:AlternateContent xmlns:mc="http://schemas.openxmlformats.org/markup-compatibility/2006" xmlns:a14="http://schemas.microsoft.com/office/drawing/2010/main">
+              <mc:Choice Requires="a14">
+                <p:sp>
+                  <p:nvSpPr>
+                    <p:cNvPr id="157" name="Zone de texte 153"/>
+                    <p:cNvSpPr txBox="1"/>
+                    <p:nvPr/>
+                  </p:nvSpPr>
+                  <p:spPr>
+                    <a:xfrm>
+                      <a:off x="7319779" y="4152327"/>
+                      <a:ext cx="301748" cy="274650"/>
+                    </a:xfrm>
+                    <a:prstGeom prst="rect">
+                      <a:avLst/>
+                    </a:prstGeom>
+                    <a:noFill/>
+                    <a:ln w="6350">
+                      <a:noFill/>
+                      <a:prstDash val="sysDash"/>
+                    </a:ln>
+                    <a:effectLst/>
+                  </p:spPr>
+                  <p:style>
+                    <a:lnRef idx="0">
+                      <a:schemeClr val="accent1"/>
+                    </a:lnRef>
+                    <a:fillRef idx="0">
+                      <a:schemeClr val="accent1"/>
+                    </a:fillRef>
+                    <a:effectRef idx="0">
+                      <a:schemeClr val="accent1"/>
+                    </a:effectRef>
+                    <a:fontRef idx="minor">
+                      <a:schemeClr val="dk1"/>
+                    </a:fontRef>
+                  </p:style>
+                  <p:txBody>
+                    <a:bodyPr rot="0" spcFirstLastPara="0" vert="horz" wrap="square" lIns="91440" tIns="45720" rIns="91440" bIns="45720" numCol="1" spcCol="0" rtlCol="0" fromWordArt="0" anchor="t" anchorCtr="0" forceAA="0" compatLnSpc="1">
+                      <a:prstTxWarp prst="textNoShape">
+                        <a:avLst/>
+                      </a:prstTxWarp>
+                      <a:noAutofit/>
+                    </a:bodyPr>
+                    <a:lstStyle/>
+                    <a:p>
+                      <a:pPr>
+                        <a:lnSpc>
+                          <a:spcPct val="107000"/>
+                        </a:lnSpc>
+                        <a:spcAft>
+                          <a:spcPts val="800"/>
+                        </a:spcAft>
+                      </a:pPr>
+                      <a14:m>
+                        <m:oMathPara xmlns:m="http://schemas.openxmlformats.org/officeDocument/2006/math">
+                          <m:oMathParaPr>
+                            <m:jc m:val="centerGroup"/>
+                          </m:oMathParaPr>
+                          <m:oMath xmlns:m="http://schemas.openxmlformats.org/officeDocument/2006/math">
+                            <m:sSubSup>
+                              <m:sSubSupPr>
+                                <m:ctrlPr>
+                                  <a:rPr lang="fr-FR" b="1" i="1" smtClean="0">
+                                    <a:latin typeface="Cambria Math" panose="02040503050406030204" pitchFamily="18" charset="0"/>
+                                    <a:ea typeface="SimSun" panose="02010600030101010101" pitchFamily="2" charset="-122"/>
+                                    <a:cs typeface="Times New Roman" panose="02020603050405020304" pitchFamily="18" charset="0"/>
+                                  </a:rPr>
+                                </m:ctrlPr>
+                              </m:sSubSupPr>
+                              <m:e>
+                                <m:r>
+                                  <a:rPr lang="fr-FR" b="1" i="1" smtClean="0">
+                                    <a:latin typeface="Cambria Math" panose="02040503050406030204" pitchFamily="18" charset="0"/>
+                                    <a:ea typeface="SimSun" panose="02010600030101010101" pitchFamily="2" charset="-122"/>
+                                    <a:cs typeface="Times New Roman" panose="02020603050405020304" pitchFamily="18" charset="0"/>
+                                  </a:rPr>
+                                  <m:t>𝒇</m:t>
+                                </m:r>
+                              </m:e>
+                              <m:sub>
+                                <m:r>
+                                  <a:rPr lang="fr-FR" b="1" i="1" smtClean="0">
+                                    <a:latin typeface="Cambria Math" panose="02040503050406030204" pitchFamily="18" charset="0"/>
+                                    <a:ea typeface="SimSun" panose="02010600030101010101" pitchFamily="2" charset="-122"/>
+                                    <a:cs typeface="Times New Roman" panose="02020603050405020304" pitchFamily="18" charset="0"/>
+                                  </a:rPr>
+                                  <m:t>𝒙</m:t>
+                                </m:r>
+                              </m:sub>
+                              <m:sup>
+                                <m:r>
+                                  <a:rPr lang="fr-FR" b="1" i="1" smtClean="0">
+                                    <a:latin typeface="Cambria Math" panose="02040503050406030204" pitchFamily="18" charset="0"/>
+                                    <a:ea typeface="SimSun" panose="02010600030101010101" pitchFamily="2" charset="-122"/>
+                                    <a:cs typeface="Times New Roman" panose="02020603050405020304" pitchFamily="18" charset="0"/>
+                                  </a:rPr>
+                                  <m:t>𝟐</m:t>
+                                </m:r>
+                              </m:sup>
+                            </m:sSubSup>
+                          </m:oMath>
+                        </m:oMathPara>
+                      </a14:m>
+                      <a:endParaRPr lang="fr-FR" dirty="0">
+                        <a:effectLst/>
+                        <a:ea typeface="Calibri" panose="020F0502020204030204" pitchFamily="34" charset="0"/>
+                        <a:cs typeface="Times New Roman" panose="02020603050405020304" pitchFamily="18" charset="0"/>
+                      </a:endParaRPr>
+                    </a:p>
+                  </p:txBody>
+                </p:sp>
+              </mc:Choice>
+              <mc:Fallback xmlns="">
+                <p:sp>
+                  <p:nvSpPr>
+                    <p:cNvPr id="157" name="Zone de texte 153"/>
+                    <p:cNvSpPr txBox="1">
+                      <a:spLocks noRot="1" noChangeAspect="1" noMove="1" noResize="1" noEditPoints="1" noAdjustHandles="1" noChangeArrowheads="1" noChangeShapeType="1" noTextEdit="1"/>
+                    </p:cNvSpPr>
+                    <p:nvPr/>
+                  </p:nvSpPr>
+                  <p:spPr>
+                    <a:xfrm>
+                      <a:off x="7319779" y="4152327"/>
+                      <a:ext cx="301748" cy="274650"/>
+                    </a:xfrm>
+                    <a:prstGeom prst="rect">
+                      <a:avLst/>
+                    </a:prstGeom>
+                    <a:blipFill rotWithShape="0">
+                      <a:blip r:embed="rId4"/>
+                      <a:stretch>
+                        <a:fillRect r="-6122" b="-17778"/>
+                      </a:stretch>
+                    </a:blipFill>
+                    <a:ln w="6350">
+                      <a:noFill/>
+                      <a:prstDash val="sysDash"/>
+                    </a:ln>
+                    <a:effectLst/>
+                  </p:spPr>
+                  <p:txBody>
+                    <a:bodyPr/>
+                    <a:lstStyle/>
+                    <a:p>
+                      <a:r>
+                        <a:rPr lang="fr-FR">
+                          <a:noFill/>
+                        </a:rPr>
+                        <a:t> </a:t>
+                      </a:r>
+                    </a:p>
+                  </p:txBody>
+                </p:sp>
+              </mc:Fallback>
+            </mc:AlternateContent>
+            <mc:AlternateContent xmlns:mc="http://schemas.openxmlformats.org/markup-compatibility/2006" xmlns:a14="http://schemas.microsoft.com/office/drawing/2010/main">
+              <mc:Choice Requires="a14">
+                <p:sp>
+                  <p:nvSpPr>
+                    <p:cNvPr id="158" name="Zone de texte 153"/>
+                    <p:cNvSpPr txBox="1"/>
+                    <p:nvPr/>
+                  </p:nvSpPr>
+                  <p:spPr>
+                    <a:xfrm>
+                      <a:off x="7429326" y="2837460"/>
+                      <a:ext cx="589200" cy="274650"/>
+                    </a:xfrm>
+                    <a:prstGeom prst="rect">
+                      <a:avLst/>
+                    </a:prstGeom>
+                    <a:noFill/>
+                    <a:ln w="6350">
+                      <a:noFill/>
+                      <a:prstDash val="sysDash"/>
+                    </a:ln>
+                    <a:effectLst/>
+                  </p:spPr>
+                  <p:style>
+                    <a:lnRef idx="0">
+                      <a:schemeClr val="accent1"/>
+                    </a:lnRef>
+                    <a:fillRef idx="0">
+                      <a:schemeClr val="accent1"/>
+                    </a:fillRef>
+                    <a:effectRef idx="0">
+                      <a:schemeClr val="accent1"/>
+                    </a:effectRef>
+                    <a:fontRef idx="minor">
+                      <a:schemeClr val="dk1"/>
+                    </a:fontRef>
+                  </p:style>
+                  <p:txBody>
+                    <a:bodyPr rot="0" spcFirstLastPara="0" vert="horz" wrap="square" lIns="91440" tIns="45720" rIns="91440" bIns="45720" numCol="1" spcCol="0" rtlCol="0" fromWordArt="0" anchor="t" anchorCtr="0" forceAA="0" compatLnSpc="1">
+                      <a:prstTxWarp prst="textNoShape">
+                        <a:avLst/>
+                      </a:prstTxWarp>
+                      <a:noAutofit/>
+                    </a:bodyPr>
+                    <a:lstStyle/>
+                    <a:p>
+                      <a:pPr>
+                        <a:lnSpc>
+                          <a:spcPct val="107000"/>
+                        </a:lnSpc>
+                        <a:spcAft>
+                          <a:spcPts val="800"/>
+                        </a:spcAft>
+                      </a:pPr>
+                      <a14:m>
+                        <m:oMathPara xmlns:m="http://schemas.openxmlformats.org/officeDocument/2006/math">
+                          <m:oMathParaPr>
+                            <m:jc m:val="centerGroup"/>
+                          </m:oMathParaPr>
+                          <m:oMath xmlns:m="http://schemas.openxmlformats.org/officeDocument/2006/math">
+                            <m:sSubSup>
+                              <m:sSubSupPr>
+                                <m:ctrlPr>
+                                  <a:rPr lang="fr-FR" b="1" i="1" smtClean="0">
+                                    <a:latin typeface="Cambria Math" panose="02040503050406030204" pitchFamily="18" charset="0"/>
+                                    <a:ea typeface="SimSun" panose="02010600030101010101" pitchFamily="2" charset="-122"/>
+                                    <a:cs typeface="Times New Roman" panose="02020603050405020304" pitchFamily="18" charset="0"/>
+                                  </a:rPr>
+                                </m:ctrlPr>
+                              </m:sSubSupPr>
+                              <m:e>
+                                <m:r>
+                                  <a:rPr lang="fr-FR" b="1" i="1" smtClean="0">
+                                    <a:latin typeface="Cambria Math" panose="02040503050406030204" pitchFamily="18" charset="0"/>
+                                    <a:ea typeface="SimSun" panose="02010600030101010101" pitchFamily="2" charset="-122"/>
+                                    <a:cs typeface="Times New Roman" panose="02020603050405020304" pitchFamily="18" charset="0"/>
+                                  </a:rPr>
+                                  <m:t>𝒇</m:t>
+                                </m:r>
+                              </m:e>
+                              <m:sub>
+                                <m:r>
+                                  <a:rPr lang="fr-FR" b="1" i="1" smtClean="0">
+                                    <a:latin typeface="Cambria Math" panose="02040503050406030204" pitchFamily="18" charset="0"/>
+                                    <a:ea typeface="SimSun" panose="02010600030101010101" pitchFamily="2" charset="-122"/>
+                                    <a:cs typeface="Times New Roman" panose="02020603050405020304" pitchFamily="18" charset="0"/>
+                                  </a:rPr>
+                                  <m:t>𝒚</m:t>
+                                </m:r>
+                              </m:sub>
+                              <m:sup>
+                                <m:r>
+                                  <a:rPr lang="fr-FR" b="1" i="1" smtClean="0">
+                                    <a:latin typeface="Cambria Math" panose="02040503050406030204" pitchFamily="18" charset="0"/>
+                                    <a:ea typeface="SimSun" panose="02010600030101010101" pitchFamily="2" charset="-122"/>
+                                    <a:cs typeface="Times New Roman" panose="02020603050405020304" pitchFamily="18" charset="0"/>
+                                  </a:rPr>
+                                  <m:t>𝟐</m:t>
+                                </m:r>
+                              </m:sup>
+                            </m:sSubSup>
+                          </m:oMath>
+                        </m:oMathPara>
+                      </a14:m>
+                      <a:endParaRPr lang="fr-FR" dirty="0">
+                        <a:effectLst/>
+                        <a:ea typeface="Calibri" panose="020F0502020204030204" pitchFamily="34" charset="0"/>
+                        <a:cs typeface="Times New Roman" panose="02020603050405020304" pitchFamily="18" charset="0"/>
+                      </a:endParaRPr>
+                    </a:p>
+                  </p:txBody>
+                </p:sp>
+              </mc:Choice>
+              <mc:Fallback xmlns="">
+                <p:sp>
+                  <p:nvSpPr>
+                    <p:cNvPr id="158" name="Zone de texte 153"/>
+                    <p:cNvSpPr txBox="1">
+                      <a:spLocks noRot="1" noChangeAspect="1" noMove="1" noResize="1" noEditPoints="1" noAdjustHandles="1" noChangeArrowheads="1" noChangeShapeType="1" noTextEdit="1"/>
+                    </p:cNvSpPr>
+                    <p:nvPr/>
+                  </p:nvSpPr>
+                  <p:spPr>
+                    <a:xfrm>
+                      <a:off x="7429326" y="2837460"/>
+                      <a:ext cx="589200" cy="274650"/>
+                    </a:xfrm>
+                    <a:prstGeom prst="rect">
+                      <a:avLst/>
+                    </a:prstGeom>
+                    <a:blipFill rotWithShape="0">
+                      <a:blip r:embed="rId5"/>
+                      <a:stretch>
+                        <a:fillRect b="-37778"/>
+                      </a:stretch>
+                    </a:blipFill>
+                    <a:ln w="6350">
+                      <a:noFill/>
+                      <a:prstDash val="sysDash"/>
+                    </a:ln>
+                    <a:effectLst/>
+                  </p:spPr>
+                  <p:txBody>
+                    <a:bodyPr/>
+                    <a:lstStyle/>
+                    <a:p>
+                      <a:r>
+                        <a:rPr lang="fr-FR">
+                          <a:noFill/>
+                        </a:rPr>
+                        <a:t> </a:t>
+                      </a:r>
+                    </a:p>
+                  </p:txBody>
+                </p:sp>
+              </mc:Fallback>
+            </mc:AlternateContent>
+            <p:cxnSp>
+              <p:nvCxnSpPr>
+                <p:cNvPr id="159" name="Connecteur droit avec flèche 158"/>
+                <p:cNvCxnSpPr/>
+                <p:nvPr/>
+              </p:nvCxnSpPr>
+              <p:spPr>
+                <a:xfrm flipH="1">
+                  <a:off x="7287732" y="3580630"/>
+                  <a:ext cx="6107" cy="725615"/>
+                </a:xfrm>
+                <a:prstGeom prst="straightConnector1">
+                  <a:avLst/>
+                </a:prstGeom>
+                <a:ln w="28575">
+                  <a:tailEnd type="triangle"/>
+                </a:ln>
+              </p:spPr>
+              <p:style>
+                <a:lnRef idx="1">
+                  <a:schemeClr val="dk1"/>
+                </a:lnRef>
+                <a:fillRef idx="0">
+                  <a:schemeClr val="dk1"/>
+                </a:fillRef>
+                <a:effectRef idx="0">
+                  <a:schemeClr val="dk1"/>
+                </a:effectRef>
+                <a:fontRef idx="minor">
+                  <a:schemeClr val="tx1"/>
+                </a:fontRef>
+              </p:style>
+            </p:cxnSp>
+          </p:grpSp>
+          <p:grpSp>
+            <p:nvGrpSpPr>
+              <p:cNvPr id="151" name="Groupe 150"/>
+              <p:cNvGrpSpPr/>
+              <p:nvPr/>
+            </p:nvGrpSpPr>
+            <p:grpSpPr>
+              <a:xfrm>
+                <a:off x="2706259" y="2004659"/>
+                <a:ext cx="1049300" cy="1397801"/>
+                <a:chOff x="2706259" y="2004659"/>
+                <a:chExt cx="1049300" cy="1397801"/>
+              </a:xfrm>
+            </p:grpSpPr>
+            <p:cxnSp>
+              <p:nvCxnSpPr>
+                <p:cNvPr id="152" name="Connecteur droit avec flèche 151"/>
+                <p:cNvCxnSpPr/>
+                <p:nvPr/>
+              </p:nvCxnSpPr>
+              <p:spPr>
+                <a:xfrm flipV="1">
+                  <a:off x="2735125" y="2228180"/>
+                  <a:ext cx="545765" cy="354006"/>
+                </a:xfrm>
+                <a:prstGeom prst="straightConnector1">
+                  <a:avLst/>
+                </a:prstGeom>
+                <a:ln w="28575">
+                  <a:tailEnd type="triangle"/>
+                </a:ln>
+              </p:spPr>
+              <p:style>
+                <a:lnRef idx="1">
+                  <a:schemeClr val="dk1"/>
+                </a:lnRef>
+                <a:fillRef idx="0">
+                  <a:schemeClr val="dk1"/>
+                </a:fillRef>
+                <a:effectRef idx="0">
+                  <a:schemeClr val="dk1"/>
+                </a:effectRef>
+                <a:fontRef idx="minor">
+                  <a:schemeClr val="tx1"/>
+                </a:fontRef>
+              </p:style>
+            </p:cxnSp>
+            <mc:AlternateContent xmlns:mc="http://schemas.openxmlformats.org/markup-compatibility/2006" xmlns:a14="http://schemas.microsoft.com/office/drawing/2010/main">
+              <mc:Choice Requires="a14">
+                <p:sp>
+                  <p:nvSpPr>
+                    <p:cNvPr id="153" name="Zone de texte 153"/>
+                    <p:cNvSpPr txBox="1"/>
+                    <p:nvPr/>
+                  </p:nvSpPr>
+                  <p:spPr>
+                    <a:xfrm>
+                      <a:off x="2706259" y="3127810"/>
+                      <a:ext cx="301748" cy="274650"/>
+                    </a:xfrm>
+                    <a:prstGeom prst="rect">
+                      <a:avLst/>
+                    </a:prstGeom>
+                    <a:noFill/>
+                    <a:ln w="6350">
+                      <a:noFill/>
+                      <a:prstDash val="sysDash"/>
+                    </a:ln>
+                    <a:effectLst/>
+                  </p:spPr>
+                  <p:style>
+                    <a:lnRef idx="0">
+                      <a:schemeClr val="accent1"/>
+                    </a:lnRef>
+                    <a:fillRef idx="0">
+                      <a:schemeClr val="accent1"/>
+                    </a:fillRef>
+                    <a:effectRef idx="0">
+                      <a:schemeClr val="accent1"/>
+                    </a:effectRef>
+                    <a:fontRef idx="minor">
+                      <a:schemeClr val="dk1"/>
+                    </a:fontRef>
+                  </p:style>
+                  <p:txBody>
+                    <a:bodyPr rot="0" spcFirstLastPara="0" vert="horz" wrap="square" lIns="91440" tIns="45720" rIns="91440" bIns="45720" numCol="1" spcCol="0" rtlCol="0" fromWordArt="0" anchor="t" anchorCtr="0" forceAA="0" compatLnSpc="1">
+                      <a:prstTxWarp prst="textNoShape">
+                        <a:avLst/>
+                      </a:prstTxWarp>
+                      <a:noAutofit/>
+                    </a:bodyPr>
+                    <a:lstStyle/>
+                    <a:p>
+                      <a:pPr>
+                        <a:lnSpc>
+                          <a:spcPct val="107000"/>
+                        </a:lnSpc>
+                        <a:spcAft>
+                          <a:spcPts val="800"/>
+                        </a:spcAft>
+                      </a:pPr>
+                      <a14:m>
+                        <m:oMathPara xmlns:m="http://schemas.openxmlformats.org/officeDocument/2006/math">
+                          <m:oMathParaPr>
+                            <m:jc m:val="centerGroup"/>
+                          </m:oMathParaPr>
+                          <m:oMath xmlns:m="http://schemas.openxmlformats.org/officeDocument/2006/math">
+                            <m:sSubSup>
+                              <m:sSubSupPr>
+                                <m:ctrlPr>
+                                  <a:rPr lang="fr-FR" b="1" i="1" smtClean="0">
+                                    <a:latin typeface="Cambria Math" panose="02040503050406030204" pitchFamily="18" charset="0"/>
+                                    <a:ea typeface="SimSun" panose="02010600030101010101" pitchFamily="2" charset="-122"/>
+                                    <a:cs typeface="Times New Roman" panose="02020603050405020304" pitchFamily="18" charset="0"/>
+                                  </a:rPr>
+                                </m:ctrlPr>
+                              </m:sSubSupPr>
+                              <m:e>
+                                <m:r>
+                                  <a:rPr lang="fr-FR" b="1" i="1" smtClean="0">
+                                    <a:latin typeface="Cambria Math" panose="02040503050406030204" pitchFamily="18" charset="0"/>
+                                    <a:ea typeface="SimSun" panose="02010600030101010101" pitchFamily="2" charset="-122"/>
+                                    <a:cs typeface="Times New Roman" panose="02020603050405020304" pitchFamily="18" charset="0"/>
+                                  </a:rPr>
+                                  <m:t>𝒇</m:t>
+                                </m:r>
+                              </m:e>
+                              <m:sub>
+                                <m:r>
+                                  <a:rPr lang="fr-FR" b="1" i="1" smtClean="0">
+                                    <a:latin typeface="Cambria Math" panose="02040503050406030204" pitchFamily="18" charset="0"/>
+                                    <a:ea typeface="SimSun" panose="02010600030101010101" pitchFamily="2" charset="-122"/>
+                                    <a:cs typeface="Times New Roman" panose="02020603050405020304" pitchFamily="18" charset="0"/>
+                                  </a:rPr>
+                                  <m:t>𝒙</m:t>
+                                </m:r>
+                              </m:sub>
+                              <m:sup>
+                                <m:r>
+                                  <a:rPr lang="fr-FR" b="1" i="1">
+                                    <a:latin typeface="Cambria Math" panose="02040503050406030204" pitchFamily="18" charset="0"/>
+                                    <a:ea typeface="SimSun" panose="02010600030101010101" pitchFamily="2" charset="-122"/>
+                                    <a:cs typeface="Times New Roman" panose="02020603050405020304" pitchFamily="18" charset="0"/>
+                                  </a:rPr>
+                                  <m:t>𝟏</m:t>
+                                </m:r>
+                              </m:sup>
+                            </m:sSubSup>
+                          </m:oMath>
+                        </m:oMathPara>
+                      </a14:m>
+                      <a:endParaRPr lang="fr-FR" dirty="0">
+                        <a:effectLst/>
+                        <a:ea typeface="Calibri" panose="020F0502020204030204" pitchFamily="34" charset="0"/>
+                        <a:cs typeface="Times New Roman" panose="02020603050405020304" pitchFamily="18" charset="0"/>
+                      </a:endParaRPr>
+                    </a:p>
+                  </p:txBody>
+                </p:sp>
+              </mc:Choice>
+              <mc:Fallback xmlns="">
+                <p:sp>
+                  <p:nvSpPr>
+                    <p:cNvPr id="153" name="Zone de texte 153"/>
+                    <p:cNvSpPr txBox="1">
+                      <a:spLocks noRot="1" noChangeAspect="1" noMove="1" noResize="1" noEditPoints="1" noAdjustHandles="1" noChangeArrowheads="1" noChangeShapeType="1" noTextEdit="1"/>
+                    </p:cNvSpPr>
+                    <p:nvPr/>
+                  </p:nvSpPr>
+                  <p:spPr>
+                    <a:xfrm>
+                      <a:off x="2706259" y="3127810"/>
+                      <a:ext cx="301748" cy="274650"/>
+                    </a:xfrm>
+                    <a:prstGeom prst="rect">
+                      <a:avLst/>
+                    </a:prstGeom>
+                    <a:blipFill rotWithShape="0">
+                      <a:blip r:embed="rId6"/>
+                      <a:stretch>
+                        <a:fillRect r="-6000" b="-17778"/>
+                      </a:stretch>
+                    </a:blipFill>
+                    <a:ln w="6350">
+                      <a:noFill/>
+                      <a:prstDash val="sysDash"/>
+                    </a:ln>
+                    <a:effectLst/>
+                  </p:spPr>
+                  <p:txBody>
+                    <a:bodyPr/>
+                    <a:lstStyle/>
+                    <a:p>
+                      <a:r>
+                        <a:rPr lang="fr-FR">
+                          <a:noFill/>
+                        </a:rPr>
+                        <a:t> </a:t>
+                      </a:r>
+                    </a:p>
+                  </p:txBody>
+                </p:sp>
+              </mc:Fallback>
+            </mc:AlternateContent>
+            <mc:AlternateContent xmlns:mc="http://schemas.openxmlformats.org/markup-compatibility/2006" xmlns:a14="http://schemas.microsoft.com/office/drawing/2010/main">
+              <mc:Choice Requires="a14">
+                <p:sp>
+                  <p:nvSpPr>
+                    <p:cNvPr id="154" name="Zone de texte 153"/>
+                    <p:cNvSpPr txBox="1"/>
+                    <p:nvPr/>
+                  </p:nvSpPr>
+                  <p:spPr>
+                    <a:xfrm>
+                      <a:off x="3166359" y="2004659"/>
+                      <a:ext cx="589200" cy="274650"/>
+                    </a:xfrm>
+                    <a:prstGeom prst="rect">
+                      <a:avLst/>
+                    </a:prstGeom>
+                    <a:noFill/>
+                    <a:ln w="6350">
+                      <a:noFill/>
+                      <a:prstDash val="sysDash"/>
+                    </a:ln>
+                    <a:effectLst/>
+                  </p:spPr>
+                  <p:style>
+                    <a:lnRef idx="0">
+                      <a:schemeClr val="accent1"/>
+                    </a:lnRef>
+                    <a:fillRef idx="0">
+                      <a:schemeClr val="accent1"/>
+                    </a:fillRef>
+                    <a:effectRef idx="0">
+                      <a:schemeClr val="accent1"/>
+                    </a:effectRef>
+                    <a:fontRef idx="minor">
+                      <a:schemeClr val="dk1"/>
+                    </a:fontRef>
+                  </p:style>
+                  <p:txBody>
+                    <a:bodyPr rot="0" spcFirstLastPara="0" vert="horz" wrap="square" lIns="91440" tIns="45720" rIns="91440" bIns="45720" numCol="1" spcCol="0" rtlCol="0" fromWordArt="0" anchor="t" anchorCtr="0" forceAA="0" compatLnSpc="1">
+                      <a:prstTxWarp prst="textNoShape">
+                        <a:avLst/>
+                      </a:prstTxWarp>
+                      <a:noAutofit/>
+                    </a:bodyPr>
+                    <a:lstStyle/>
+                    <a:p>
+                      <a:pPr>
+                        <a:lnSpc>
+                          <a:spcPct val="107000"/>
+                        </a:lnSpc>
+                        <a:spcAft>
+                          <a:spcPts val="800"/>
+                        </a:spcAft>
+                      </a:pPr>
+                      <a14:m>
+                        <m:oMathPara xmlns:m="http://schemas.openxmlformats.org/officeDocument/2006/math">
+                          <m:oMathParaPr>
+                            <m:jc m:val="centerGroup"/>
+                          </m:oMathParaPr>
+                          <m:oMath xmlns:m="http://schemas.openxmlformats.org/officeDocument/2006/math">
+                            <m:sSubSup>
+                              <m:sSubSupPr>
+                                <m:ctrlPr>
+                                  <a:rPr lang="fr-FR" b="1" i="1" smtClean="0">
+                                    <a:latin typeface="Cambria Math" panose="02040503050406030204" pitchFamily="18" charset="0"/>
+                                    <a:ea typeface="SimSun" panose="02010600030101010101" pitchFamily="2" charset="-122"/>
+                                    <a:cs typeface="Times New Roman" panose="02020603050405020304" pitchFamily="18" charset="0"/>
+                                  </a:rPr>
+                                </m:ctrlPr>
+                              </m:sSubSupPr>
+                              <m:e>
+                                <m:r>
+                                  <a:rPr lang="fr-FR" b="1" i="1" smtClean="0">
+                                    <a:latin typeface="Cambria Math" panose="02040503050406030204" pitchFamily="18" charset="0"/>
+                                    <a:ea typeface="SimSun" panose="02010600030101010101" pitchFamily="2" charset="-122"/>
+                                    <a:cs typeface="Times New Roman" panose="02020603050405020304" pitchFamily="18" charset="0"/>
+                                  </a:rPr>
+                                  <m:t>𝒇</m:t>
+                                </m:r>
+                              </m:e>
+                              <m:sub>
+                                <m:r>
+                                  <a:rPr lang="fr-FR" b="1" i="1" smtClean="0">
+                                    <a:latin typeface="Cambria Math" panose="02040503050406030204" pitchFamily="18" charset="0"/>
+                                    <a:ea typeface="SimSun" panose="02010600030101010101" pitchFamily="2" charset="-122"/>
+                                    <a:cs typeface="Times New Roman" panose="02020603050405020304" pitchFamily="18" charset="0"/>
+                                  </a:rPr>
+                                  <m:t>𝒚</m:t>
+                                </m:r>
+                              </m:sub>
+                              <m:sup>
+                                <m:r>
+                                  <a:rPr lang="fr-FR" b="1" i="1" smtClean="0">
+                                    <a:latin typeface="Cambria Math" panose="02040503050406030204" pitchFamily="18" charset="0"/>
+                                    <a:ea typeface="SimSun" panose="02010600030101010101" pitchFamily="2" charset="-122"/>
+                                    <a:cs typeface="Times New Roman" panose="02020603050405020304" pitchFamily="18" charset="0"/>
+                                  </a:rPr>
+                                  <m:t>𝟏</m:t>
+                                </m:r>
+                              </m:sup>
+                            </m:sSubSup>
+                          </m:oMath>
+                        </m:oMathPara>
+                      </a14:m>
+                      <a:endParaRPr lang="fr-FR" dirty="0">
+                        <a:effectLst/>
+                        <a:ea typeface="Calibri" panose="020F0502020204030204" pitchFamily="34" charset="0"/>
+                        <a:cs typeface="Times New Roman" panose="02020603050405020304" pitchFamily="18" charset="0"/>
+                      </a:endParaRPr>
+                    </a:p>
+                  </p:txBody>
+                </p:sp>
+              </mc:Choice>
+              <mc:Fallback xmlns="">
+                <p:sp>
+                  <p:nvSpPr>
+                    <p:cNvPr id="154" name="Zone de texte 153"/>
+                    <p:cNvSpPr txBox="1">
+                      <a:spLocks noRot="1" noChangeAspect="1" noMove="1" noResize="1" noEditPoints="1" noAdjustHandles="1" noChangeArrowheads="1" noChangeShapeType="1" noTextEdit="1"/>
+                    </p:cNvSpPr>
+                    <p:nvPr/>
+                  </p:nvSpPr>
+                  <p:spPr>
+                    <a:xfrm>
+                      <a:off x="3166359" y="2004659"/>
+                      <a:ext cx="589200" cy="274650"/>
+                    </a:xfrm>
+                    <a:prstGeom prst="rect">
+                      <a:avLst/>
+                    </a:prstGeom>
+                    <a:blipFill rotWithShape="0">
+                      <a:blip r:embed="rId7"/>
+                      <a:stretch>
+                        <a:fillRect b="-35556"/>
+                      </a:stretch>
+                    </a:blipFill>
+                    <a:ln w="6350">
+                      <a:noFill/>
+                      <a:prstDash val="sysDash"/>
+                    </a:ln>
+                    <a:effectLst/>
+                  </p:spPr>
+                  <p:txBody>
+                    <a:bodyPr/>
+                    <a:lstStyle/>
+                    <a:p>
+                      <a:r>
+                        <a:rPr lang="fr-FR">
+                          <a:noFill/>
+                        </a:rPr>
+                        <a:t> </a:t>
+                      </a:r>
+                    </a:p>
+                  </p:txBody>
+                </p:sp>
+              </mc:Fallback>
+            </mc:AlternateContent>
+            <p:cxnSp>
+              <p:nvCxnSpPr>
+                <p:cNvPr id="155" name="Connecteur droit avec flèche 154"/>
+                <p:cNvCxnSpPr/>
+                <p:nvPr/>
+              </p:nvCxnSpPr>
+              <p:spPr>
+                <a:xfrm>
+                  <a:off x="2735124" y="2582185"/>
+                  <a:ext cx="1" cy="737333"/>
+                </a:xfrm>
+                <a:prstGeom prst="straightConnector1">
+                  <a:avLst/>
+                </a:prstGeom>
+                <a:ln w="28575">
+                  <a:tailEnd type="triangle"/>
+                </a:ln>
+              </p:spPr>
+              <p:style>
+                <a:lnRef idx="1">
+                  <a:schemeClr val="dk1"/>
+                </a:lnRef>
+                <a:fillRef idx="0">
+                  <a:schemeClr val="dk1"/>
+                </a:fillRef>
+                <a:effectRef idx="0">
+                  <a:schemeClr val="dk1"/>
+                </a:effectRef>
+                <a:fontRef idx="minor">
+                  <a:schemeClr val="tx1"/>
+                </a:fontRef>
+              </p:style>
+            </p:cxnSp>
+          </p:grpSp>
+        </p:grpSp>
+        <p:grpSp>
+          <p:nvGrpSpPr>
+            <p:cNvPr id="146" name="Groupe 145"/>
+            <p:cNvGrpSpPr/>
+            <p:nvPr/>
+          </p:nvGrpSpPr>
+          <p:grpSpPr>
+            <a:xfrm>
+              <a:off x="3052817" y="2639680"/>
+              <a:ext cx="609725" cy="655760"/>
+              <a:chOff x="3683433" y="2609375"/>
+              <a:chExt cx="609725" cy="655760"/>
+            </a:xfrm>
+          </p:grpSpPr>
+          <mc:AlternateContent xmlns:mc="http://schemas.openxmlformats.org/markup-compatibility/2006" xmlns:a14="http://schemas.microsoft.com/office/drawing/2010/main">
+            <mc:Choice Requires="a14">
+              <p:sp>
+                <p:nvSpPr>
+                  <p:cNvPr id="147" name="Zone de texte 153"/>
+                  <p:cNvSpPr txBox="1"/>
+                  <p:nvPr/>
+                </p:nvSpPr>
+                <p:spPr>
+                  <a:xfrm>
+                    <a:off x="3683433" y="2990485"/>
+                    <a:ext cx="589200" cy="274650"/>
+                  </a:xfrm>
+                  <a:prstGeom prst="rect">
+                    <a:avLst/>
+                  </a:prstGeom>
+                  <a:noFill/>
+                  <a:ln w="6350">
+                    <a:noFill/>
+                    <a:prstDash val="sysDash"/>
+                  </a:ln>
+                  <a:effectLst/>
+                </p:spPr>
+                <p:style>
+                  <a:lnRef idx="0">
+                    <a:schemeClr val="accent1"/>
+                  </a:lnRef>
+                  <a:fillRef idx="0">
+                    <a:schemeClr val="accent1"/>
+                  </a:fillRef>
+                  <a:effectRef idx="0">
+                    <a:schemeClr val="accent1"/>
+                  </a:effectRef>
+                  <a:fontRef idx="minor">
+                    <a:schemeClr val="dk1"/>
+                  </a:fontRef>
+                </p:style>
+                <p:txBody>
+                  <a:bodyPr rot="0" spcFirstLastPara="0" vert="horz" wrap="square" lIns="91440" tIns="45720" rIns="91440" bIns="45720" numCol="1" spcCol="0" rtlCol="0" fromWordArt="0" anchor="t" anchorCtr="0" forceAA="0" compatLnSpc="1">
+                    <a:prstTxWarp prst="textNoShape">
+                      <a:avLst/>
+                    </a:prstTxWarp>
+                    <a:noAutofit/>
+                  </a:bodyPr>
+                  <a:lstStyle/>
+                  <a:p>
+                    <a:pPr>
+                      <a:lnSpc>
+                        <a:spcPct val="107000"/>
+                      </a:lnSpc>
+                      <a:spcAft>
+                        <a:spcPts val="800"/>
+                      </a:spcAft>
+                    </a:pPr>
+                    <a14:m>
+                      <m:oMathPara xmlns:m="http://schemas.openxmlformats.org/officeDocument/2006/math">
+                        <m:oMathParaPr>
+                          <m:jc m:val="centerGroup"/>
+                        </m:oMathParaPr>
+                        <m:oMath xmlns:m="http://schemas.openxmlformats.org/officeDocument/2006/math">
+                          <m:sSub>
+                            <m:sSubPr>
+                              <m:ctrlPr>
+                                <a:rPr lang="fr-FR" b="1" i="1" smtClean="0">
+                                  <a:latin typeface="Cambria Math" panose="02040503050406030204" pitchFamily="18" charset="0"/>
+                                  <a:ea typeface="SimSun" panose="02010600030101010101" pitchFamily="2" charset="-122"/>
+                                  <a:cs typeface="Times New Roman" panose="02020603050405020304" pitchFamily="18" charset="0"/>
+                                </a:rPr>
+                              </m:ctrlPr>
+                            </m:sSubPr>
+                            <m:e>
+                              <m:r>
+                                <a:rPr lang="fr-FR" b="1" i="1" smtClean="0">
+                                  <a:latin typeface="Cambria Math" panose="02040503050406030204" pitchFamily="18" charset="0"/>
+                                  <a:ea typeface="SimSun" panose="02010600030101010101" pitchFamily="2" charset="-122"/>
+                                  <a:cs typeface="Times New Roman" panose="02020603050405020304" pitchFamily="18" charset="0"/>
+                                </a:rPr>
+                                <m:t>𝒎</m:t>
+                              </m:r>
+                            </m:e>
+                            <m:sub>
+                              <m:r>
+                                <a:rPr lang="fr-FR" b="1" i="1" smtClean="0">
+                                  <a:latin typeface="Cambria Math" panose="02040503050406030204" pitchFamily="18" charset="0"/>
+                                  <a:ea typeface="SimSun" panose="02010600030101010101" pitchFamily="2" charset="-122"/>
+                                  <a:cs typeface="Times New Roman" panose="02020603050405020304" pitchFamily="18" charset="0"/>
+                                </a:rPr>
+                                <m:t>𝒓</m:t>
+                              </m:r>
+                            </m:sub>
+                          </m:sSub>
+                          <m:r>
+                            <a:rPr lang="fr-FR" b="1" i="1" smtClean="0">
+                              <a:latin typeface="Cambria Math" panose="02040503050406030204" pitchFamily="18" charset="0"/>
+                              <a:ea typeface="SimSun" panose="02010600030101010101" pitchFamily="2" charset="-122"/>
+                              <a:cs typeface="Times New Roman" panose="02020603050405020304" pitchFamily="18" charset="0"/>
+                            </a:rPr>
+                            <m:t>𝒈</m:t>
+                          </m:r>
+                        </m:oMath>
+                      </m:oMathPara>
+                    </a14:m>
+                    <a:endParaRPr lang="fr-FR" dirty="0">
+                      <a:effectLst/>
+                      <a:ea typeface="Calibri" panose="020F0502020204030204" pitchFamily="34" charset="0"/>
+                      <a:cs typeface="Times New Roman" panose="02020603050405020304" pitchFamily="18" charset="0"/>
+                    </a:endParaRPr>
+                  </a:p>
+                </p:txBody>
+              </p:sp>
+            </mc:Choice>
+            <mc:Fallback xmlns="">
+              <p:sp>
+                <p:nvSpPr>
+                  <p:cNvPr id="147" name="Zone de texte 153"/>
+                  <p:cNvSpPr txBox="1">
+                    <a:spLocks noRot="1" noChangeAspect="1" noMove="1" noResize="1" noEditPoints="1" noAdjustHandles="1" noChangeArrowheads="1" noChangeShapeType="1" noTextEdit="1"/>
+                  </p:cNvSpPr>
+                  <p:nvPr/>
+                </p:nvSpPr>
+                <p:spPr>
+                  <a:xfrm>
+                    <a:off x="3683433" y="2990485"/>
+                    <a:ext cx="589200" cy="274650"/>
+                  </a:xfrm>
+                  <a:prstGeom prst="rect">
+                    <a:avLst/>
+                  </a:prstGeom>
+                  <a:blipFill rotWithShape="0">
+                    <a:blip r:embed="rId8"/>
+                    <a:stretch>
+                      <a:fillRect b="-17778"/>
+                    </a:stretch>
+                  </a:blipFill>
+                  <a:ln w="6350">
+                    <a:noFill/>
+                    <a:prstDash val="sysDash"/>
+                  </a:ln>
+                  <a:effectLst/>
+                </p:spPr>
+                <p:txBody>
+                  <a:bodyPr/>
+                  <a:lstStyle/>
+                  <a:p>
+                    <a:r>
+                      <a:rPr lang="fr-FR">
+                        <a:noFill/>
+                      </a:rPr>
+                      <a:t> </a:t>
+                    </a:r>
+                  </a:p>
+                </p:txBody>
+              </p:sp>
+            </mc:Fallback>
+          </mc:AlternateContent>
+          <p:cxnSp>
+            <p:nvCxnSpPr>
+              <p:cNvPr id="148" name="Connecteur droit avec flèche 147"/>
+              <p:cNvCxnSpPr/>
+              <p:nvPr/>
+            </p:nvCxnSpPr>
+            <p:spPr>
+              <a:xfrm>
+                <a:off x="4293158" y="2609375"/>
+                <a:ext cx="0" cy="548595"/>
+              </a:xfrm>
+              <a:prstGeom prst="straightConnector1">
+                <a:avLst/>
+              </a:prstGeom>
+              <a:ln w="28575">
+                <a:tailEnd type="triangle"/>
+              </a:ln>
+            </p:spPr>
+            <p:style>
+              <a:lnRef idx="1">
+                <a:schemeClr val="dk1"/>
+              </a:lnRef>
+              <a:fillRef idx="0">
+                <a:schemeClr val="dk1"/>
+              </a:fillRef>
+              <a:effectRef idx="0">
+                <a:schemeClr val="dk1"/>
+              </a:effectRef>
+              <a:fontRef idx="minor">
+                <a:schemeClr val="tx1"/>
+              </a:fontRef>
+            </p:style>
+          </p:cxnSp>
+        </p:grpSp>
+      </p:grpSp>
+      <p:grpSp>
+        <p:nvGrpSpPr>
+          <p:cNvPr id="164" name="Groupe 163"/>
+          <p:cNvGrpSpPr/>
+          <p:nvPr/>
+        </p:nvGrpSpPr>
+        <p:grpSpPr>
+          <a:xfrm>
+            <a:off x="2868036" y="1849763"/>
+            <a:ext cx="3640431" cy="1344631"/>
+            <a:chOff x="3196688" y="2885419"/>
+            <a:chExt cx="3640431" cy="1344631"/>
+          </a:xfrm>
+        </p:grpSpPr>
+        <p:cxnSp>
+          <p:nvCxnSpPr>
+            <p:cNvPr id="165" name="Connecteur droit 164"/>
+            <p:cNvCxnSpPr/>
+            <p:nvPr/>
+          </p:nvCxnSpPr>
+          <p:spPr>
+            <a:xfrm>
+              <a:off x="3196688" y="3097804"/>
+              <a:ext cx="0" cy="1074500"/>
+            </a:xfrm>
+            <a:prstGeom prst="line">
+              <a:avLst/>
+            </a:prstGeom>
+            <a:ln w="19050">
+              <a:prstDash val="dash"/>
+            </a:ln>
+          </p:spPr>
+          <p:style>
+            <a:lnRef idx="1">
+              <a:schemeClr val="dk1"/>
+            </a:lnRef>
+            <a:fillRef idx="0">
+              <a:schemeClr val="dk1"/>
+            </a:fillRef>
+            <a:effectRef idx="0">
+              <a:schemeClr val="dk1"/>
+            </a:effectRef>
+            <a:fontRef idx="minor">
+              <a:schemeClr val="tx1"/>
+            </a:fontRef>
+          </p:style>
+        </p:cxnSp>
+        <p:cxnSp>
+          <p:nvCxnSpPr>
+            <p:cNvPr id="166" name="Connecteur droit 165"/>
+            <p:cNvCxnSpPr/>
+            <p:nvPr/>
+          </p:nvCxnSpPr>
+          <p:spPr>
+            <a:xfrm>
+              <a:off x="5890777" y="3097804"/>
+              <a:ext cx="0" cy="1074500"/>
+            </a:xfrm>
+            <a:prstGeom prst="line">
+              <a:avLst/>
+            </a:prstGeom>
+            <a:ln w="19050">
+              <a:prstDash val="dash"/>
+            </a:ln>
+          </p:spPr>
+          <p:style>
+            <a:lnRef idx="1">
+              <a:schemeClr val="dk1"/>
+            </a:lnRef>
+            <a:fillRef idx="0">
+              <a:schemeClr val="dk1"/>
+            </a:fillRef>
+            <a:effectRef idx="0">
+              <a:schemeClr val="dk1"/>
+            </a:effectRef>
+            <a:fontRef idx="minor">
+              <a:schemeClr val="tx1"/>
+            </a:fontRef>
+          </p:style>
+        </p:cxnSp>
+        <p:cxnSp>
+          <p:nvCxnSpPr>
+            <p:cNvPr id="167" name="Connecteur droit 166"/>
+            <p:cNvCxnSpPr/>
+            <p:nvPr/>
+          </p:nvCxnSpPr>
+          <p:spPr>
+            <a:xfrm>
+              <a:off x="4755053" y="2885419"/>
+              <a:ext cx="0" cy="1344631"/>
+            </a:xfrm>
+            <a:prstGeom prst="line">
+              <a:avLst/>
+            </a:prstGeom>
+            <a:ln w="19050">
+              <a:prstDash val="dash"/>
+            </a:ln>
+          </p:spPr>
+          <p:style>
+            <a:lnRef idx="1">
+              <a:schemeClr val="dk1"/>
+            </a:lnRef>
+            <a:fillRef idx="0">
+              <a:schemeClr val="dk1"/>
+            </a:fillRef>
+            <a:effectRef idx="0">
+              <a:schemeClr val="dk1"/>
+            </a:effectRef>
+            <a:fontRef idx="minor">
+              <a:schemeClr val="tx1"/>
+            </a:fontRef>
+          </p:style>
+        </p:cxnSp>
+        <p:cxnSp>
+          <p:nvCxnSpPr>
+            <p:cNvPr id="168" name="Connecteur droit avec flèche 167"/>
+            <p:cNvCxnSpPr/>
+            <p:nvPr/>
+          </p:nvCxnSpPr>
+          <p:spPr>
+            <a:xfrm>
+              <a:off x="3216021" y="3247935"/>
+              <a:ext cx="1522259" cy="0"/>
+            </a:xfrm>
+            <a:prstGeom prst="straightConnector1">
+              <a:avLst/>
+            </a:prstGeom>
+            <a:ln>
+              <a:headEnd type="triangle"/>
+              <a:tailEnd type="none"/>
+            </a:ln>
+          </p:spPr>
+          <p:style>
+            <a:lnRef idx="1">
+              <a:schemeClr val="accent1"/>
+            </a:lnRef>
+            <a:fillRef idx="0">
+              <a:schemeClr val="accent1"/>
+            </a:fillRef>
+            <a:effectRef idx="0">
+              <a:schemeClr val="accent1"/>
+            </a:effectRef>
+            <a:fontRef idx="minor">
+              <a:schemeClr val="tx1"/>
+            </a:fontRef>
+          </p:style>
+        </p:cxnSp>
+        <p:cxnSp>
+          <p:nvCxnSpPr>
+            <p:cNvPr id="169" name="Connecteur droit avec flèche 168"/>
+            <p:cNvCxnSpPr/>
+            <p:nvPr/>
+          </p:nvCxnSpPr>
+          <p:spPr>
+            <a:xfrm>
+              <a:off x="4773026" y="3495071"/>
+              <a:ext cx="1128012" cy="0"/>
+            </a:xfrm>
+            <a:prstGeom prst="straightConnector1">
+              <a:avLst/>
+            </a:prstGeom>
+            <a:ln>
+              <a:headEnd type="none"/>
+              <a:tailEnd type="triangle"/>
+            </a:ln>
+          </p:spPr>
+          <p:style>
+            <a:lnRef idx="1">
+              <a:schemeClr val="accent1"/>
+            </a:lnRef>
+            <a:fillRef idx="0">
+              <a:schemeClr val="accent1"/>
+            </a:fillRef>
+            <a:effectRef idx="0">
+              <a:schemeClr val="accent1"/>
+            </a:effectRef>
+            <a:fontRef idx="minor">
+              <a:schemeClr val="tx1"/>
+            </a:fontRef>
+          </p:style>
+        </p:cxnSp>
+        <p:cxnSp>
+          <p:nvCxnSpPr>
+            <p:cNvPr id="170" name="Connecteur droit avec flèche 169"/>
+            <p:cNvCxnSpPr/>
+            <p:nvPr/>
+          </p:nvCxnSpPr>
+          <p:spPr>
+            <a:xfrm>
+              <a:off x="4800241" y="2948247"/>
+              <a:ext cx="2029435" cy="0"/>
+            </a:xfrm>
+            <a:prstGeom prst="straightConnector1">
+              <a:avLst/>
+            </a:prstGeom>
+            <a:ln>
+              <a:headEnd type="none"/>
+              <a:tailEnd type="triangle"/>
+            </a:ln>
+          </p:spPr>
+          <p:style>
+            <a:lnRef idx="1">
+              <a:schemeClr val="accent1"/>
+            </a:lnRef>
+            <a:fillRef idx="0">
+              <a:schemeClr val="accent1"/>
+            </a:fillRef>
+            <a:effectRef idx="0">
+              <a:schemeClr val="accent1"/>
+            </a:effectRef>
+            <a:fontRef idx="minor">
+              <a:schemeClr val="tx1"/>
+            </a:fontRef>
+          </p:style>
+        </p:cxnSp>
+        <mc:AlternateContent xmlns:mc="http://schemas.openxmlformats.org/markup-compatibility/2006" xmlns:a14="http://schemas.microsoft.com/office/drawing/2010/main">
+          <mc:Choice Requires="a14">
+            <p:sp>
+              <p:nvSpPr>
+                <p:cNvPr id="171" name="ZoneTexte 170"/>
+                <p:cNvSpPr txBox="1"/>
+                <p:nvPr/>
+              </p:nvSpPr>
+              <p:spPr>
+                <a:xfrm>
+                  <a:off x="3739898" y="2885419"/>
+                  <a:ext cx="456279" cy="369332"/>
+                </a:xfrm>
+                <a:prstGeom prst="rect">
+                  <a:avLst/>
+                </a:prstGeom>
+                <a:noFill/>
+              </p:spPr>
+              <p:txBody>
+                <a:bodyPr wrap="none" rtlCol="0">
+                  <a:spAutoFit/>
+                </a:bodyPr>
+                <a:lstStyle/>
+                <a:p>
+                  <a:pPr/>
+                  <a14:m>
+                    <m:oMathPara xmlns:m="http://schemas.openxmlformats.org/officeDocument/2006/math">
+                      <m:oMathParaPr>
+                        <m:jc m:val="centerGroup"/>
+                      </m:oMathParaPr>
+                      <m:oMath xmlns:m="http://schemas.openxmlformats.org/officeDocument/2006/math">
+                        <m:sSub>
+                          <m:sSubPr>
+                            <m:ctrlPr>
+                              <a:rPr lang="fr-FR" b="0" i="1" smtClean="0">
+                                <a:latin typeface="Cambria Math" panose="02040503050406030204" pitchFamily="18" charset="0"/>
+                              </a:rPr>
+                            </m:ctrlPr>
+                          </m:sSubPr>
+                          <m:e>
+                            <m:r>
+                              <a:rPr lang="fr-FR" i="1">
+                                <a:latin typeface="Cambria Math" panose="02040503050406030204" pitchFamily="18" charset="0"/>
+                              </a:rPr>
+                              <m:t>𝛿</m:t>
+                            </m:r>
+                          </m:e>
+                          <m:sub>
+                            <m:r>
+                              <a:rPr lang="fr-FR" b="0" i="1" smtClean="0">
+                                <a:latin typeface="Cambria Math" panose="02040503050406030204" pitchFamily="18" charset="0"/>
+                              </a:rPr>
+                              <m:t>1</m:t>
+                            </m:r>
+                          </m:sub>
+                        </m:sSub>
+                      </m:oMath>
+                    </m:oMathPara>
+                  </a14:m>
+                  <a:endParaRPr lang="fr-FR" dirty="0"/>
+                </a:p>
+              </p:txBody>
+            </p:sp>
+          </mc:Choice>
+          <mc:Fallback xmlns="">
+            <p:sp>
+              <p:nvSpPr>
+                <p:cNvPr id="171" name="ZoneTexte 170"/>
+                <p:cNvSpPr txBox="1">
+                  <a:spLocks noRot="1" noChangeAspect="1" noMove="1" noResize="1" noEditPoints="1" noAdjustHandles="1" noChangeArrowheads="1" noChangeShapeType="1" noTextEdit="1"/>
+                </p:cNvSpPr>
+                <p:nvPr/>
+              </p:nvSpPr>
+              <p:spPr>
+                <a:xfrm>
+                  <a:off x="3739898" y="2885419"/>
+                  <a:ext cx="456279" cy="369332"/>
+                </a:xfrm>
+                <a:prstGeom prst="rect">
+                  <a:avLst/>
+                </a:prstGeom>
+                <a:blipFill rotWithShape="0">
+                  <a:blip r:embed="rId9"/>
+                  <a:stretch>
+                    <a:fillRect/>
+                  </a:stretch>
+                </a:blipFill>
+              </p:spPr>
+              <p:txBody>
+                <a:bodyPr/>
+                <a:lstStyle/>
+                <a:p>
+                  <a:r>
+                    <a:rPr lang="fr-FR">
+                      <a:noFill/>
+                    </a:rPr>
+                    <a:t> </a:t>
+                  </a:r>
+                </a:p>
+              </p:txBody>
+            </p:sp>
+          </mc:Fallback>
+        </mc:AlternateContent>
+        <mc:AlternateContent xmlns:mc="http://schemas.openxmlformats.org/markup-compatibility/2006" xmlns:a14="http://schemas.microsoft.com/office/drawing/2010/main">
+          <mc:Choice Requires="a14">
+            <p:sp>
+              <p:nvSpPr>
+                <p:cNvPr id="172" name="ZoneTexte 171"/>
+                <p:cNvSpPr txBox="1"/>
+                <p:nvPr/>
+              </p:nvSpPr>
+              <p:spPr>
+                <a:xfrm>
+                  <a:off x="5016313" y="3070085"/>
+                  <a:ext cx="461600" cy="369332"/>
+                </a:xfrm>
+                <a:prstGeom prst="rect">
+                  <a:avLst/>
+                </a:prstGeom>
+                <a:noFill/>
+              </p:spPr>
+              <p:txBody>
+                <a:bodyPr wrap="none" rtlCol="0">
+                  <a:spAutoFit/>
+                </a:bodyPr>
+                <a:lstStyle/>
+                <a:p>
+                  <a:pPr/>
+                  <a14:m>
+                    <m:oMathPara xmlns:m="http://schemas.openxmlformats.org/officeDocument/2006/math">
+                      <m:oMathParaPr>
+                        <m:jc m:val="centerGroup"/>
+                      </m:oMathParaPr>
+                      <m:oMath xmlns:m="http://schemas.openxmlformats.org/officeDocument/2006/math">
+                        <m:sSub>
+                          <m:sSubPr>
+                            <m:ctrlPr>
+                              <a:rPr lang="fr-FR" b="0" i="1" smtClean="0">
+                                <a:latin typeface="Cambria Math" panose="02040503050406030204" pitchFamily="18" charset="0"/>
+                              </a:rPr>
+                            </m:ctrlPr>
+                          </m:sSubPr>
+                          <m:e>
+                            <m:r>
+                              <a:rPr lang="fr-FR" i="1">
+                                <a:latin typeface="Cambria Math" panose="02040503050406030204" pitchFamily="18" charset="0"/>
+                              </a:rPr>
+                              <m:t>𝛿</m:t>
+                            </m:r>
+                          </m:e>
+                          <m:sub>
+                            <m:r>
+                              <a:rPr lang="fr-FR" b="0" i="1" smtClean="0">
+                                <a:latin typeface="Cambria Math" panose="02040503050406030204" pitchFamily="18" charset="0"/>
+                              </a:rPr>
+                              <m:t>2</m:t>
+                            </m:r>
+                          </m:sub>
+                        </m:sSub>
+                      </m:oMath>
+                    </m:oMathPara>
+                  </a14:m>
+                  <a:endParaRPr lang="fr-FR" sz="2400" dirty="0"/>
+                </a:p>
+              </p:txBody>
+            </p:sp>
+          </mc:Choice>
+          <mc:Fallback xmlns="">
+            <p:sp>
+              <p:nvSpPr>
+                <p:cNvPr id="172" name="ZoneTexte 171"/>
+                <p:cNvSpPr txBox="1">
+                  <a:spLocks noRot="1" noChangeAspect="1" noMove="1" noResize="1" noEditPoints="1" noAdjustHandles="1" noChangeArrowheads="1" noChangeShapeType="1" noTextEdit="1"/>
+                </p:cNvSpPr>
+                <p:nvPr/>
+              </p:nvSpPr>
+              <p:spPr>
+                <a:xfrm>
+                  <a:off x="5016313" y="3070085"/>
+                  <a:ext cx="461600" cy="369332"/>
+                </a:xfrm>
+                <a:prstGeom prst="rect">
+                  <a:avLst/>
+                </a:prstGeom>
+                <a:blipFill rotWithShape="0">
+                  <a:blip r:embed="rId10"/>
+                  <a:stretch>
+                    <a:fillRect/>
+                  </a:stretch>
+                </a:blipFill>
+              </p:spPr>
+              <p:txBody>
+                <a:bodyPr/>
+                <a:lstStyle/>
+                <a:p>
+                  <a:r>
+                    <a:rPr lang="fr-FR">
+                      <a:noFill/>
+                    </a:rPr>
+                    <a:t> </a:t>
+                  </a:r>
+                </a:p>
+              </p:txBody>
+            </p:sp>
+          </mc:Fallback>
+        </mc:AlternateContent>
+        <mc:AlternateContent xmlns:mc="http://schemas.openxmlformats.org/markup-compatibility/2006" xmlns:a14="http://schemas.microsoft.com/office/drawing/2010/main">
+          <mc:Choice Requires="a14">
+            <p:sp>
+              <p:nvSpPr>
+                <p:cNvPr id="173" name="ZoneTexte 172"/>
+                <p:cNvSpPr txBox="1"/>
+                <p:nvPr/>
+              </p:nvSpPr>
+              <p:spPr>
+                <a:xfrm>
+                  <a:off x="5959765" y="2940117"/>
+                  <a:ext cx="469296" cy="369332"/>
+                </a:xfrm>
+                <a:prstGeom prst="rect">
+                  <a:avLst/>
+                </a:prstGeom>
+                <a:noFill/>
+              </p:spPr>
+              <p:txBody>
+                <a:bodyPr wrap="none" rtlCol="0">
+                  <a:spAutoFit/>
+                </a:bodyPr>
+                <a:lstStyle/>
+                <a:p>
+                  <a:pPr/>
+                  <a14:m>
+                    <m:oMathPara xmlns:m="http://schemas.openxmlformats.org/officeDocument/2006/math">
+                      <m:oMathParaPr>
+                        <m:jc m:val="centerGroup"/>
+                      </m:oMathParaPr>
+                      <m:oMath xmlns:m="http://schemas.openxmlformats.org/officeDocument/2006/math">
+                        <m:sSub>
+                          <m:sSubPr>
+                            <m:ctrlPr>
+                              <a:rPr lang="fr-FR" b="0" i="1" smtClean="0">
+                                <a:latin typeface="Cambria Math" panose="02040503050406030204" pitchFamily="18" charset="0"/>
+                              </a:rPr>
+                            </m:ctrlPr>
+                          </m:sSubPr>
+                          <m:e>
+                            <m:r>
+                              <a:rPr lang="fr-FR" i="1">
+                                <a:latin typeface="Cambria Math" panose="02040503050406030204" pitchFamily="18" charset="0"/>
+                              </a:rPr>
+                              <m:t>𝛿</m:t>
+                            </m:r>
+                          </m:e>
+                          <m:sub>
+                            <m:r>
+                              <a:rPr lang="fr-FR" b="0" i="1" smtClean="0">
+                                <a:latin typeface="Cambria Math" panose="02040503050406030204" pitchFamily="18" charset="0"/>
+                              </a:rPr>
+                              <m:t>𝑏</m:t>
+                            </m:r>
+                          </m:sub>
+                        </m:sSub>
+                      </m:oMath>
+                    </m:oMathPara>
+                  </a14:m>
+                  <a:endParaRPr lang="fr-FR" dirty="0"/>
+                </a:p>
+              </p:txBody>
+            </p:sp>
+          </mc:Choice>
+          <mc:Fallback xmlns="">
+            <p:sp>
+              <p:nvSpPr>
+                <p:cNvPr id="173" name="ZoneTexte 172"/>
+                <p:cNvSpPr txBox="1">
+                  <a:spLocks noRot="1" noChangeAspect="1" noMove="1" noResize="1" noEditPoints="1" noAdjustHandles="1" noChangeArrowheads="1" noChangeShapeType="1" noTextEdit="1"/>
+                </p:cNvSpPr>
+                <p:nvPr/>
+              </p:nvSpPr>
+              <p:spPr>
+                <a:xfrm>
+                  <a:off x="5959765" y="2940117"/>
+                  <a:ext cx="469296" cy="369332"/>
+                </a:xfrm>
+                <a:prstGeom prst="rect">
+                  <a:avLst/>
+                </a:prstGeom>
+                <a:blipFill rotWithShape="0">
+                  <a:blip r:embed="rId11"/>
+                  <a:stretch>
+                    <a:fillRect/>
+                  </a:stretch>
+                </a:blipFill>
+              </p:spPr>
+              <p:txBody>
+                <a:bodyPr/>
+                <a:lstStyle/>
+                <a:p>
+                  <a:r>
+                    <a:rPr lang="fr-FR">
+                      <a:noFill/>
+                    </a:rPr>
+                    <a:t> </a:t>
+                  </a:r>
+                </a:p>
+              </p:txBody>
+            </p:sp>
+          </mc:Fallback>
+        </mc:AlternateContent>
+        <p:cxnSp>
+          <p:nvCxnSpPr>
+            <p:cNvPr id="174" name="Connecteur droit 173"/>
+            <p:cNvCxnSpPr/>
+            <p:nvPr/>
+          </p:nvCxnSpPr>
+          <p:spPr>
+            <a:xfrm>
+              <a:off x="6837119" y="2940117"/>
+              <a:ext cx="0" cy="1249339"/>
+            </a:xfrm>
+            <a:prstGeom prst="line">
+              <a:avLst/>
+            </a:prstGeom>
+            <a:ln w="19050">
+              <a:prstDash val="dash"/>
+            </a:ln>
+          </p:spPr>
+          <p:style>
+            <a:lnRef idx="1">
+              <a:schemeClr val="dk1"/>
+            </a:lnRef>
+            <a:fillRef idx="0">
+              <a:schemeClr val="dk1"/>
+            </a:fillRef>
+            <a:effectRef idx="0">
+              <a:schemeClr val="dk1"/>
+            </a:effectRef>
+            <a:fontRef idx="minor">
+              <a:schemeClr val="tx1"/>
+            </a:fontRef>
+          </p:style>
+        </p:cxnSp>
+      </p:grpSp>
+      <p:grpSp>
+        <p:nvGrpSpPr>
+          <p:cNvPr id="134" name="Groupe 133"/>
+          <p:cNvGrpSpPr/>
+          <p:nvPr/>
+        </p:nvGrpSpPr>
+        <p:grpSpPr>
+          <a:xfrm>
+            <a:off x="2146313" y="2539089"/>
+            <a:ext cx="4697110" cy="634187"/>
+            <a:chOff x="1857802" y="3085110"/>
+            <a:chExt cx="4697110" cy="634187"/>
+          </a:xfrm>
+        </p:grpSpPr>
+        <p:sp>
+          <p:nvSpPr>
+            <p:cNvPr id="135" name="Ellipse 134"/>
+            <p:cNvSpPr/>
+            <p:nvPr/>
+          </p:nvSpPr>
+          <p:spPr>
+            <a:xfrm>
+              <a:off x="4033030" y="3519272"/>
+              <a:ext cx="200025" cy="200025"/>
+            </a:xfrm>
+            <a:prstGeom prst="ellipse">
+              <a:avLst/>
+            </a:prstGeom>
+          </p:spPr>
+          <p:style>
+            <a:lnRef idx="2">
+              <a:schemeClr val="dk1">
+                <a:shade val="50000"/>
+              </a:schemeClr>
+            </a:lnRef>
+            <a:fillRef idx="1">
+              <a:schemeClr val="dk1"/>
+            </a:fillRef>
+            <a:effectRef idx="0">
+              <a:schemeClr val="dk1"/>
+            </a:effectRef>
+            <a:fontRef idx="minor">
+              <a:schemeClr val="lt1"/>
+            </a:fontRef>
+          </p:style>
+          <p:txBody>
+            <a:bodyPr rtlCol="0" anchor="ctr"/>
+            <a:lstStyle/>
+            <a:p>
+              <a:pPr algn="ctr"/>
+              <a:endParaRPr lang="fr-FR" sz="2400"/>
+            </a:p>
+          </p:txBody>
+        </p:sp>
+        <p:cxnSp>
+          <p:nvCxnSpPr>
+            <p:cNvPr id="136" name="Connecteur droit 135"/>
+            <p:cNvCxnSpPr/>
+            <p:nvPr/>
+          </p:nvCxnSpPr>
+          <p:spPr>
+            <a:xfrm>
+              <a:off x="1857802" y="3604461"/>
+              <a:ext cx="4697110" cy="0"/>
+            </a:xfrm>
+            <a:prstGeom prst="line">
+              <a:avLst/>
+            </a:prstGeom>
+            <a:ln w="19050">
+              <a:prstDash val="dash"/>
+            </a:ln>
+          </p:spPr>
+          <p:style>
+            <a:lnRef idx="1">
+              <a:schemeClr val="dk1"/>
+            </a:lnRef>
+            <a:fillRef idx="0">
+              <a:schemeClr val="dk1"/>
+            </a:fillRef>
+            <a:effectRef idx="0">
+              <a:schemeClr val="dk1"/>
+            </a:effectRef>
+            <a:fontRef idx="minor">
+              <a:schemeClr val="tx1"/>
+            </a:fontRef>
+          </p:style>
+        </p:cxnSp>
+        <mc:AlternateContent xmlns:mc="http://schemas.openxmlformats.org/markup-compatibility/2006" xmlns:a14="http://schemas.microsoft.com/office/drawing/2010/main">
+          <mc:Choice Requires="a14">
+            <p:sp>
+              <p:nvSpPr>
+                <p:cNvPr id="137" name="ZoneTexte 136"/>
+                <p:cNvSpPr txBox="1"/>
+                <p:nvPr/>
+              </p:nvSpPr>
+              <p:spPr>
+                <a:xfrm>
+                  <a:off x="3731805" y="3085110"/>
+                  <a:ext cx="474552" cy="369332"/>
+                </a:xfrm>
+                <a:prstGeom prst="rect">
+                  <a:avLst/>
+                </a:prstGeom>
+                <a:noFill/>
+              </p:spPr>
+              <p:txBody>
+                <a:bodyPr wrap="none" rtlCol="0">
+                  <a:spAutoFit/>
+                </a:bodyPr>
+                <a:lstStyle/>
+                <a:p>
+                  <a:pPr/>
+                  <a14:m>
+                    <m:oMathPara xmlns:m="http://schemas.openxmlformats.org/officeDocument/2006/math">
+                      <m:oMathParaPr>
+                        <m:jc m:val="centerGroup"/>
+                      </m:oMathParaPr>
+                      <m:oMath xmlns:m="http://schemas.openxmlformats.org/officeDocument/2006/math">
+                        <m:sSub>
+                          <m:sSubPr>
+                            <m:ctrlPr>
+                              <a:rPr lang="fr-FR" b="0" i="1" smtClean="0">
+                                <a:latin typeface="Cambria Math" panose="02040503050406030204" pitchFamily="18" charset="0"/>
+                              </a:rPr>
+                            </m:ctrlPr>
+                          </m:sSubPr>
+                          <m:e>
+                            <m:r>
+                              <a:rPr lang="fr-FR" b="0" i="1" smtClean="0">
+                                <a:latin typeface="Cambria Math" panose="02040503050406030204" pitchFamily="18" charset="0"/>
+                              </a:rPr>
+                              <m:t>𝐺</m:t>
+                            </m:r>
+                          </m:e>
+                          <m:sub>
+                            <m:r>
+                              <a:rPr lang="fr-FR" b="0" i="1" smtClean="0">
+                                <a:latin typeface="Cambria Math" panose="02040503050406030204" pitchFamily="18" charset="0"/>
+                              </a:rPr>
+                              <m:t>𝑟</m:t>
+                            </m:r>
+                          </m:sub>
+                        </m:sSub>
+                      </m:oMath>
+                    </m:oMathPara>
+                  </a14:m>
+                  <a:endParaRPr lang="fr-FR" dirty="0"/>
+                </a:p>
+              </p:txBody>
+            </p:sp>
+          </mc:Choice>
+          <mc:Fallback xmlns="">
+            <p:sp>
+              <p:nvSpPr>
+                <p:cNvPr id="137" name="ZoneTexte 136"/>
+                <p:cNvSpPr txBox="1">
+                  <a:spLocks noRot="1" noChangeAspect="1" noMove="1" noResize="1" noEditPoints="1" noAdjustHandles="1" noChangeArrowheads="1" noChangeShapeType="1" noTextEdit="1"/>
+                </p:cNvSpPr>
+                <p:nvPr/>
+              </p:nvSpPr>
+              <p:spPr>
+                <a:xfrm>
+                  <a:off x="3731805" y="3085110"/>
+                  <a:ext cx="474552" cy="369332"/>
+                </a:xfrm>
+                <a:prstGeom prst="rect">
+                  <a:avLst/>
+                </a:prstGeom>
+                <a:blipFill rotWithShape="0">
+                  <a:blip r:embed="rId12"/>
+                  <a:stretch>
+                    <a:fillRect/>
+                  </a:stretch>
+                </a:blipFill>
+              </p:spPr>
+              <p:txBody>
+                <a:bodyPr/>
+                <a:lstStyle/>
+                <a:p>
+                  <a:r>
+                    <a:rPr lang="fr-FR">
+                      <a:noFill/>
+                    </a:rPr>
+                    <a:t> </a:t>
+                  </a:r>
+                </a:p>
+              </p:txBody>
+            </p:sp>
+          </mc:Fallback>
+        </mc:AlternateContent>
+      </p:grpSp>
+      <p:grpSp>
+        <p:nvGrpSpPr>
+          <p:cNvPr id="199" name="Groupe 198"/>
+          <p:cNvGrpSpPr/>
+          <p:nvPr/>
+        </p:nvGrpSpPr>
+        <p:grpSpPr>
+          <a:xfrm>
+            <a:off x="1095180" y="2421902"/>
+            <a:ext cx="1127467" cy="1429491"/>
+            <a:chOff x="986142" y="2446409"/>
+            <a:chExt cx="1127467" cy="1429491"/>
+          </a:xfrm>
+        </p:grpSpPr>
+        <p:grpSp>
+          <p:nvGrpSpPr>
+            <p:cNvPr id="185" name="Groupe 184"/>
+            <p:cNvGrpSpPr/>
+            <p:nvPr/>
+          </p:nvGrpSpPr>
+          <p:grpSpPr>
+            <a:xfrm>
+              <a:off x="986142" y="2446409"/>
+              <a:ext cx="1127467" cy="1429491"/>
+              <a:chOff x="724214" y="2859266"/>
+              <a:chExt cx="1127467" cy="1429491"/>
+            </a:xfrm>
+          </p:grpSpPr>
+          <p:grpSp>
+            <p:nvGrpSpPr>
+              <p:cNvPr id="133" name="Groupe 132"/>
+              <p:cNvGrpSpPr/>
+              <p:nvPr/>
+            </p:nvGrpSpPr>
+            <p:grpSpPr>
+              <a:xfrm>
+                <a:off x="1053220" y="2859266"/>
+                <a:ext cx="798461" cy="1429491"/>
+                <a:chOff x="1049422" y="2910837"/>
+                <a:chExt cx="798461" cy="1429491"/>
+              </a:xfrm>
+            </p:grpSpPr>
+            <p:cxnSp>
+              <p:nvCxnSpPr>
+                <p:cNvPr id="138" name="Connecteur droit avec flèche 137"/>
+                <p:cNvCxnSpPr/>
+                <p:nvPr/>
+              </p:nvCxnSpPr>
+              <p:spPr>
+                <a:xfrm>
+                  <a:off x="1066579" y="3525170"/>
+                  <a:ext cx="624466" cy="0"/>
+                </a:xfrm>
+                <a:prstGeom prst="straightConnector1">
+                  <a:avLst/>
+                </a:prstGeom>
+                <a:ln w="19050">
+                  <a:solidFill>
+                    <a:srgbClr val="767171"/>
+                  </a:solidFill>
+                  <a:prstDash val="solid"/>
+                  <a:tailEnd type="triangle"/>
+                </a:ln>
+              </p:spPr>
+              <p:style>
+                <a:lnRef idx="1">
+                  <a:schemeClr val="accent1"/>
+                </a:lnRef>
+                <a:fillRef idx="0">
+                  <a:schemeClr val="accent1"/>
+                </a:fillRef>
+                <a:effectRef idx="0">
+                  <a:schemeClr val="accent1"/>
+                </a:effectRef>
+                <a:fontRef idx="minor">
+                  <a:schemeClr val="tx1"/>
+                </a:fontRef>
+              </p:style>
+            </p:cxnSp>
+            <p:cxnSp>
+              <p:nvCxnSpPr>
+                <p:cNvPr id="139" name="Connecteur droit avec flèche 138"/>
+                <p:cNvCxnSpPr/>
+                <p:nvPr/>
+              </p:nvCxnSpPr>
+              <p:spPr>
+                <a:xfrm>
+                  <a:off x="1066580" y="3525170"/>
+                  <a:ext cx="0" cy="677833"/>
+                </a:xfrm>
+                <a:prstGeom prst="straightConnector1">
+                  <a:avLst/>
+                </a:prstGeom>
+                <a:ln w="19050">
+                  <a:solidFill>
+                    <a:srgbClr val="767171"/>
+                  </a:solidFill>
+                  <a:prstDash val="solid"/>
+                  <a:tailEnd type="triangle"/>
+                </a:ln>
+              </p:spPr>
+              <p:style>
+                <a:lnRef idx="1">
+                  <a:schemeClr val="accent1"/>
+                </a:lnRef>
+                <a:fillRef idx="0">
+                  <a:schemeClr val="accent1"/>
+                </a:fillRef>
+                <a:effectRef idx="0">
+                  <a:schemeClr val="accent1"/>
+                </a:effectRef>
+                <a:fontRef idx="minor">
+                  <a:schemeClr val="tx1"/>
+                </a:fontRef>
+              </p:style>
+            </p:cxnSp>
+            <mc:AlternateContent xmlns:mc="http://schemas.openxmlformats.org/markup-compatibility/2006" xmlns:a14="http://schemas.microsoft.com/office/drawing/2010/main">
+              <mc:Choice Requires="a14">
+                <p:sp>
+                  <p:nvSpPr>
+                    <p:cNvPr id="140" name="Zone de texte 153"/>
+                    <p:cNvSpPr txBox="1"/>
+                    <p:nvPr/>
+                  </p:nvSpPr>
+                  <p:spPr>
+                    <a:xfrm>
+                      <a:off x="1049422" y="4065678"/>
+                      <a:ext cx="301748" cy="274650"/>
+                    </a:xfrm>
+                    <a:prstGeom prst="rect">
+                      <a:avLst/>
+                    </a:prstGeom>
+                    <a:noFill/>
+                    <a:ln w="6350">
+                      <a:noFill/>
+                      <a:prstDash val="sysDash"/>
+                    </a:ln>
+                    <a:effectLst/>
+                  </p:spPr>
+                  <p:style>
+                    <a:lnRef idx="0">
+                      <a:schemeClr val="accent1"/>
+                    </a:lnRef>
+                    <a:fillRef idx="0">
+                      <a:schemeClr val="accent1"/>
+                    </a:fillRef>
+                    <a:effectRef idx="0">
+                      <a:schemeClr val="accent1"/>
+                    </a:effectRef>
+                    <a:fontRef idx="minor">
+                      <a:schemeClr val="dk1"/>
+                    </a:fontRef>
+                  </p:style>
+                  <p:txBody>
+                    <a:bodyPr rot="0" spcFirstLastPara="0" vert="horz" wrap="square" lIns="91440" tIns="45720" rIns="91440" bIns="45720" numCol="1" spcCol="0" rtlCol="0" fromWordArt="0" anchor="t" anchorCtr="0" forceAA="0" compatLnSpc="1">
+                      <a:prstTxWarp prst="textNoShape">
+                        <a:avLst/>
+                      </a:prstTxWarp>
+                      <a:noAutofit/>
+                    </a:bodyPr>
+                    <a:lstStyle/>
+                    <a:p>
+                      <a:pPr>
+                        <a:lnSpc>
+                          <a:spcPct val="107000"/>
+                        </a:lnSpc>
+                        <a:spcAft>
+                          <a:spcPts val="800"/>
+                        </a:spcAft>
+                      </a:pPr>
+                      <a14:m>
+                        <m:oMath xmlns:m="http://schemas.openxmlformats.org/officeDocument/2006/math">
+                          <m:r>
+                            <a:rPr lang="fr-FR" sz="1400" b="1" i="1" smtClean="0">
+                              <a:solidFill>
+                                <a:srgbClr val="767171"/>
+                              </a:solidFill>
+                              <a:effectLst/>
+                              <a:latin typeface="Cambria Math" panose="02040503050406030204" pitchFamily="18" charset="0"/>
+                              <a:ea typeface="Calibri" panose="020F0502020204030204" pitchFamily="34" charset="0"/>
+                              <a:cs typeface="Times New Roman" panose="02020603050405020304" pitchFamily="18" charset="0"/>
+                            </a:rPr>
+                            <m:t>𝑿</m:t>
+                          </m:r>
+                        </m:oMath>
+                      </a14:m>
+                      <a:r>
+                        <a:rPr lang="fr-FR" sz="1400" dirty="0">
+                          <a:effectLst/>
+                          <a:ea typeface="Calibri" panose="020F0502020204030204" pitchFamily="34" charset="0"/>
+                          <a:cs typeface="Times New Roman" panose="02020603050405020304" pitchFamily="18" charset="0"/>
+                        </a:rPr>
+                        <a:t> </a:t>
+                      </a:r>
+                    </a:p>
+                  </p:txBody>
+                </p:sp>
+              </mc:Choice>
+              <mc:Fallback xmlns="">
+                <p:sp>
+                  <p:nvSpPr>
+                    <p:cNvPr id="140" name="Zone de texte 153"/>
+                    <p:cNvSpPr txBox="1">
+                      <a:spLocks noRot="1" noChangeAspect="1" noMove="1" noResize="1" noEditPoints="1" noAdjustHandles="1" noChangeArrowheads="1" noChangeShapeType="1" noTextEdit="1"/>
+                    </p:cNvSpPr>
+                    <p:nvPr/>
+                  </p:nvSpPr>
+                  <p:spPr>
+                    <a:xfrm>
+                      <a:off x="1049422" y="4065678"/>
+                      <a:ext cx="301748" cy="274650"/>
+                    </a:xfrm>
+                    <a:prstGeom prst="rect">
+                      <a:avLst/>
+                    </a:prstGeom>
+                    <a:blipFill rotWithShape="0">
+                      <a:blip r:embed="rId13"/>
+                      <a:stretch>
+                        <a:fillRect/>
+                      </a:stretch>
+                    </a:blipFill>
+                    <a:ln w="6350">
+                      <a:noFill/>
+                      <a:prstDash val="sysDash"/>
+                    </a:ln>
+                    <a:effectLst/>
+                  </p:spPr>
+                  <p:txBody>
+                    <a:bodyPr/>
+                    <a:lstStyle/>
+                    <a:p>
+                      <a:r>
+                        <a:rPr lang="fr-FR">
+                          <a:noFill/>
+                        </a:rPr>
+                        <a:t> </a:t>
+                      </a:r>
+                    </a:p>
+                  </p:txBody>
+                </p:sp>
+              </mc:Fallback>
+            </mc:AlternateContent>
+            <mc:AlternateContent xmlns:mc="http://schemas.openxmlformats.org/markup-compatibility/2006" xmlns:a14="http://schemas.microsoft.com/office/drawing/2010/main">
+              <mc:Choice Requires="a14">
+                <p:sp>
+                  <p:nvSpPr>
+                    <p:cNvPr id="141" name="Zone de texte 154"/>
+                    <p:cNvSpPr txBox="1"/>
+                    <p:nvPr/>
+                  </p:nvSpPr>
+                  <p:spPr>
+                    <a:xfrm>
+                      <a:off x="1546135" y="3480903"/>
+                      <a:ext cx="301748" cy="274650"/>
+                    </a:xfrm>
+                    <a:prstGeom prst="rect">
+                      <a:avLst/>
+                    </a:prstGeom>
+                    <a:noFill/>
+                    <a:ln w="6350">
+                      <a:noFill/>
+                      <a:prstDash val="sysDash"/>
+                    </a:ln>
+                    <a:effectLst/>
+                  </p:spPr>
+                  <p:style>
+                    <a:lnRef idx="0">
+                      <a:schemeClr val="accent1"/>
+                    </a:lnRef>
+                    <a:fillRef idx="0">
+                      <a:schemeClr val="accent1"/>
+                    </a:fillRef>
+                    <a:effectRef idx="0">
+                      <a:schemeClr val="accent1"/>
+                    </a:effectRef>
+                    <a:fontRef idx="minor">
+                      <a:schemeClr val="dk1"/>
+                    </a:fontRef>
+                  </p:style>
+                  <p:txBody>
+                    <a:bodyPr rot="0" spcFirstLastPara="0" vert="horz" wrap="square" lIns="91440" tIns="45720" rIns="91440" bIns="45720" numCol="1" spcCol="0" rtlCol="0" fromWordArt="0" anchor="t" anchorCtr="0" forceAA="0" compatLnSpc="1">
+                      <a:prstTxWarp prst="textNoShape">
+                        <a:avLst/>
+                      </a:prstTxWarp>
+                      <a:noAutofit/>
+                    </a:bodyPr>
+                    <a:lstStyle/>
+                    <a:p>
+                      <a:pPr>
+                        <a:lnSpc>
+                          <a:spcPct val="107000"/>
+                        </a:lnSpc>
+                        <a:spcAft>
+                          <a:spcPts val="800"/>
+                        </a:spcAft>
+                      </a:pPr>
+                      <a14:m>
+                        <m:oMath xmlns:m="http://schemas.openxmlformats.org/officeDocument/2006/math">
+                          <m:r>
+                            <a:rPr lang="fr-FR" sz="1400" b="1" i="1" dirty="0" smtClean="0">
+                              <a:solidFill>
+                                <a:srgbClr val="767171"/>
+                              </a:solidFill>
+                              <a:effectLst/>
+                              <a:latin typeface="Cambria Math" panose="02040503050406030204" pitchFamily="18" charset="0"/>
+                              <a:ea typeface="Calibri" panose="020F0502020204030204" pitchFamily="34" charset="0"/>
+                              <a:cs typeface="Times New Roman" panose="02020603050405020304" pitchFamily="18" charset="0"/>
+                            </a:rPr>
+                            <m:t>𝒁</m:t>
+                          </m:r>
+                        </m:oMath>
+                      </a14:m>
+                      <a:r>
+                        <a:rPr lang="fr-FR" sz="1400" dirty="0">
+                          <a:effectLst/>
+                          <a:ea typeface="Calibri" panose="020F0502020204030204" pitchFamily="34" charset="0"/>
+                          <a:cs typeface="Times New Roman" panose="02020603050405020304" pitchFamily="18" charset="0"/>
+                        </a:rPr>
+                        <a:t> </a:t>
+                      </a:r>
+                    </a:p>
+                  </p:txBody>
+                </p:sp>
+              </mc:Choice>
+              <mc:Fallback xmlns="">
+                <p:sp>
+                  <p:nvSpPr>
+                    <p:cNvPr id="141" name="Zone de texte 154"/>
+                    <p:cNvSpPr txBox="1">
+                      <a:spLocks noRot="1" noChangeAspect="1" noMove="1" noResize="1" noEditPoints="1" noAdjustHandles="1" noChangeArrowheads="1" noChangeShapeType="1" noTextEdit="1"/>
+                    </p:cNvSpPr>
+                    <p:nvPr/>
+                  </p:nvSpPr>
+                  <p:spPr>
+                    <a:xfrm>
+                      <a:off x="1546135" y="3480903"/>
+                      <a:ext cx="301748" cy="274650"/>
+                    </a:xfrm>
+                    <a:prstGeom prst="rect">
+                      <a:avLst/>
+                    </a:prstGeom>
+                    <a:blipFill rotWithShape="0">
+                      <a:blip r:embed="rId14"/>
+                      <a:stretch>
+                        <a:fillRect/>
+                      </a:stretch>
+                    </a:blipFill>
+                    <a:ln w="6350">
+                      <a:noFill/>
+                      <a:prstDash val="sysDash"/>
+                    </a:ln>
+                    <a:effectLst/>
+                  </p:spPr>
+                  <p:txBody>
+                    <a:bodyPr/>
+                    <a:lstStyle/>
+                    <a:p>
+                      <a:r>
+                        <a:rPr lang="fr-FR">
+                          <a:noFill/>
+                        </a:rPr>
+                        <a:t> </a:t>
+                      </a:r>
+                    </a:p>
+                  </p:txBody>
+                </p:sp>
+              </mc:Fallback>
+            </mc:AlternateContent>
+            <mc:AlternateContent xmlns:mc="http://schemas.openxmlformats.org/markup-compatibility/2006" xmlns:a14="http://schemas.microsoft.com/office/drawing/2010/main">
+              <mc:Choice Requires="a14">
+                <p:sp>
+                  <p:nvSpPr>
+                    <p:cNvPr id="142" name="Zone de texte 154"/>
+                    <p:cNvSpPr txBox="1"/>
+                    <p:nvPr/>
+                  </p:nvSpPr>
+                  <p:spPr>
+                    <a:xfrm>
+                      <a:off x="1415686" y="2910837"/>
+                      <a:ext cx="183498" cy="274250"/>
+                    </a:xfrm>
+                    <a:prstGeom prst="rect">
+                      <a:avLst/>
+                    </a:prstGeom>
+                    <a:noFill/>
+                    <a:ln w="6350">
+                      <a:noFill/>
+                      <a:prstDash val="sysDash"/>
+                    </a:ln>
+                    <a:effectLst/>
+                  </p:spPr>
+                  <p:style>
+                    <a:lnRef idx="0">
+                      <a:schemeClr val="accent1"/>
+                    </a:lnRef>
+                    <a:fillRef idx="0">
+                      <a:schemeClr val="accent1"/>
+                    </a:fillRef>
+                    <a:effectRef idx="0">
+                      <a:schemeClr val="accent1"/>
+                    </a:effectRef>
+                    <a:fontRef idx="minor">
+                      <a:schemeClr val="dk1"/>
+                    </a:fontRef>
+                  </p:style>
+                  <p:txBody>
+                    <a:bodyPr rot="0" spcFirstLastPara="0" vert="horz" wrap="square" lIns="91440" tIns="45720" rIns="91440" bIns="45720" numCol="1" spcCol="0" rtlCol="0" fromWordArt="0" anchor="t" anchorCtr="0" forceAA="0" compatLnSpc="1">
+                      <a:prstTxWarp prst="textNoShape">
+                        <a:avLst/>
+                      </a:prstTxWarp>
+                      <a:noAutofit/>
+                    </a:bodyPr>
+                    <a:lstStyle/>
+                    <a:p>
+                      <a:pPr>
+                        <a:lnSpc>
+                          <a:spcPct val="107000"/>
+                        </a:lnSpc>
+                        <a:spcAft>
+                          <a:spcPts val="800"/>
+                        </a:spcAft>
+                      </a:pPr>
+                      <a14:m>
+                        <m:oMath xmlns:m="http://schemas.openxmlformats.org/officeDocument/2006/math">
+                          <m:r>
+                            <a:rPr lang="fr-FR" sz="1400" b="1" i="1" dirty="0" smtClean="0">
+                              <a:solidFill>
+                                <a:srgbClr val="767171"/>
+                              </a:solidFill>
+                              <a:effectLst/>
+                              <a:latin typeface="Cambria Math" panose="02040503050406030204" pitchFamily="18" charset="0"/>
+                              <a:ea typeface="Calibri" panose="020F0502020204030204" pitchFamily="34" charset="0"/>
+                              <a:cs typeface="Times New Roman" panose="02020603050405020304" pitchFamily="18" charset="0"/>
+                            </a:rPr>
+                            <m:t>𝒀</m:t>
+                          </m:r>
+                        </m:oMath>
+                      </a14:m>
+                      <a:r>
+                        <a:rPr lang="fr-FR" sz="1400" dirty="0">
+                          <a:effectLst/>
+                          <a:ea typeface="Calibri" panose="020F0502020204030204" pitchFamily="34" charset="0"/>
+                          <a:cs typeface="Times New Roman" panose="02020603050405020304" pitchFamily="18" charset="0"/>
+                        </a:rPr>
+                        <a:t> </a:t>
+                      </a:r>
+                    </a:p>
+                  </p:txBody>
+                </p:sp>
+              </mc:Choice>
+              <mc:Fallback xmlns="">
+                <p:sp>
+                  <p:nvSpPr>
+                    <p:cNvPr id="142" name="Zone de texte 154"/>
+                    <p:cNvSpPr txBox="1">
+                      <a:spLocks noRot="1" noChangeAspect="1" noMove="1" noResize="1" noEditPoints="1" noAdjustHandles="1" noChangeArrowheads="1" noChangeShapeType="1" noTextEdit="1"/>
+                    </p:cNvSpPr>
+                    <p:nvPr/>
+                  </p:nvSpPr>
+                  <p:spPr>
+                    <a:xfrm>
+                      <a:off x="1415686" y="2910837"/>
+                      <a:ext cx="183498" cy="274250"/>
+                    </a:xfrm>
+                    <a:prstGeom prst="rect">
+                      <a:avLst/>
+                    </a:prstGeom>
+                    <a:blipFill rotWithShape="0">
+                      <a:blip r:embed="rId15"/>
+                      <a:stretch>
+                        <a:fillRect r="-43333"/>
+                      </a:stretch>
+                    </a:blipFill>
+                    <a:ln w="6350">
+                      <a:noFill/>
+                      <a:prstDash val="sysDash"/>
+                    </a:ln>
+                    <a:effectLst/>
+                  </p:spPr>
+                  <p:txBody>
+                    <a:bodyPr/>
+                    <a:lstStyle/>
+                    <a:p>
+                      <a:r>
+                        <a:rPr lang="fr-FR">
+                          <a:noFill/>
+                        </a:rPr>
+                        <a:t> </a:t>
+                      </a:r>
+                    </a:p>
+                  </p:txBody>
+                </p:sp>
+              </mc:Fallback>
+            </mc:AlternateContent>
+            <p:cxnSp>
+              <p:nvCxnSpPr>
+                <p:cNvPr id="143" name="Connecteur droit avec flèche 142"/>
+                <p:cNvCxnSpPr/>
+                <p:nvPr/>
+              </p:nvCxnSpPr>
+              <p:spPr>
+                <a:xfrm flipV="1">
+                  <a:off x="1066579" y="3125988"/>
+                  <a:ext cx="599334" cy="401932"/>
+                </a:xfrm>
+                <a:prstGeom prst="straightConnector1">
+                  <a:avLst/>
+                </a:prstGeom>
+                <a:ln w="19050">
+                  <a:solidFill>
+                    <a:srgbClr val="767171"/>
+                  </a:solidFill>
+                  <a:prstDash val="solid"/>
+                  <a:tailEnd type="triangle"/>
+                </a:ln>
+              </p:spPr>
+              <p:style>
+                <a:lnRef idx="1">
+                  <a:schemeClr val="accent1"/>
+                </a:lnRef>
+                <a:fillRef idx="0">
+                  <a:schemeClr val="accent1"/>
+                </a:fillRef>
+                <a:effectRef idx="0">
+                  <a:schemeClr val="accent1"/>
+                </a:effectRef>
+                <a:fontRef idx="minor">
+                  <a:schemeClr val="tx1"/>
+                </a:fontRef>
+              </p:style>
+            </p:cxnSp>
+          </p:grpSp>
+          <p:grpSp>
+            <p:nvGrpSpPr>
+              <p:cNvPr id="183" name="Groupe 182"/>
+              <p:cNvGrpSpPr/>
+              <p:nvPr/>
+            </p:nvGrpSpPr>
+            <p:grpSpPr>
+              <a:xfrm>
+                <a:off x="724214" y="3727527"/>
+                <a:ext cx="472729" cy="290512"/>
+                <a:chOff x="724214" y="3727527"/>
+                <a:chExt cx="472729" cy="290512"/>
+              </a:xfrm>
+            </p:grpSpPr>
+            <p:sp>
+              <p:nvSpPr>
+                <p:cNvPr id="180" name="Arc 179"/>
+                <p:cNvSpPr/>
+                <p:nvPr/>
+              </p:nvSpPr>
+              <p:spPr>
+                <a:xfrm rot="7260465">
+                  <a:off x="928150" y="3749246"/>
+                  <a:ext cx="290512" cy="247074"/>
+                </a:xfrm>
+                <a:prstGeom prst="arc">
+                  <a:avLst>
+                    <a:gd name="adj1" fmla="val 16200000"/>
+                    <a:gd name="adj2" fmla="val 2933405"/>
+                  </a:avLst>
+                </a:prstGeom>
+                <a:ln w="12700">
+                  <a:solidFill>
+                    <a:schemeClr val="tx1"/>
+                  </a:solidFill>
+                  <a:tailEnd type="triangle"/>
+                </a:ln>
+              </p:spPr>
+              <p:style>
+                <a:lnRef idx="1">
+                  <a:schemeClr val="accent1"/>
+                </a:lnRef>
+                <a:fillRef idx="0">
+                  <a:schemeClr val="accent1"/>
+                </a:fillRef>
+                <a:effectRef idx="0">
+                  <a:schemeClr val="accent1"/>
+                </a:effectRef>
+                <a:fontRef idx="minor">
+                  <a:schemeClr val="tx1"/>
+                </a:fontRef>
+              </p:style>
+              <p:txBody>
+                <a:bodyPr rtlCol="0" anchor="ctr"/>
+                <a:lstStyle/>
+                <a:p>
+                  <a:pPr algn="ctr"/>
+                  <a:endParaRPr lang="fr-FR"/>
+                </a:p>
+              </p:txBody>
+            </p:sp>
+            <mc:AlternateContent xmlns:mc="http://schemas.openxmlformats.org/markup-compatibility/2006" xmlns:a14="http://schemas.microsoft.com/office/drawing/2010/main">
+              <mc:Choice Requires="a14">
+                <p:sp>
+                  <p:nvSpPr>
+                    <p:cNvPr id="181" name="Zone de texte 153"/>
+                    <p:cNvSpPr txBox="1"/>
+                    <p:nvPr/>
+                  </p:nvSpPr>
+                  <p:spPr>
+                    <a:xfrm>
+                      <a:off x="724214" y="3741005"/>
+                      <a:ext cx="301748" cy="274650"/>
+                    </a:xfrm>
+                    <a:prstGeom prst="rect">
+                      <a:avLst/>
+                    </a:prstGeom>
+                    <a:noFill/>
+                    <a:ln w="6350">
+                      <a:noFill/>
+                      <a:prstDash val="sysDash"/>
+                    </a:ln>
+                    <a:effectLst/>
+                  </p:spPr>
+                  <p:style>
+                    <a:lnRef idx="0">
+                      <a:schemeClr val="accent1"/>
+                    </a:lnRef>
+                    <a:fillRef idx="0">
+                      <a:schemeClr val="accent1"/>
+                    </a:fillRef>
+                    <a:effectRef idx="0">
+                      <a:schemeClr val="accent1"/>
+                    </a:effectRef>
+                    <a:fontRef idx="minor">
+                      <a:schemeClr val="dk1"/>
+                    </a:fontRef>
+                  </p:style>
+                  <p:txBody>
+                    <a:bodyPr rot="0" spcFirstLastPara="0" vert="horz" wrap="square" lIns="91440" tIns="45720" rIns="91440" bIns="45720" numCol="1" spcCol="0" rtlCol="0" fromWordArt="0" anchor="t" anchorCtr="0" forceAA="0" compatLnSpc="1">
+                      <a:prstTxWarp prst="textNoShape">
+                        <a:avLst/>
+                      </a:prstTxWarp>
+                      <a:noAutofit/>
+                    </a:bodyPr>
+                    <a:lstStyle/>
+                    <a:p>
+                      <a:pPr>
+                        <a:lnSpc>
+                          <a:spcPct val="107000"/>
+                        </a:lnSpc>
+                        <a:spcAft>
+                          <a:spcPts val="800"/>
+                        </a:spcAft>
+                      </a:pPr>
+                      <a14:m>
+                        <m:oMath xmlns:m="http://schemas.openxmlformats.org/officeDocument/2006/math">
+                          <m:r>
+                            <a:rPr lang="fr-FR" sz="1400" b="0" i="1" smtClean="0">
+                              <a:effectLst/>
+                              <a:latin typeface="Cambria Math" panose="02040503050406030204" pitchFamily="18" charset="0"/>
+                              <a:ea typeface="Calibri" panose="020F0502020204030204" pitchFamily="34" charset="0"/>
+                              <a:cs typeface="Times New Roman" panose="02020603050405020304" pitchFamily="18" charset="0"/>
+                            </a:rPr>
+                            <m:t>𝜃</m:t>
+                          </m:r>
+                        </m:oMath>
+                      </a14:m>
+                      <a:r>
+                        <a:rPr lang="fr-FR" sz="1400" dirty="0">
+                          <a:effectLst/>
+                          <a:ea typeface="Calibri" panose="020F0502020204030204" pitchFamily="34" charset="0"/>
+                          <a:cs typeface="Times New Roman" panose="02020603050405020304" pitchFamily="18" charset="0"/>
+                        </a:rPr>
+                        <a:t> </a:t>
+                      </a:r>
+                    </a:p>
+                  </p:txBody>
+                </p:sp>
+              </mc:Choice>
+              <mc:Fallback xmlns="">
+                <p:sp>
+                  <p:nvSpPr>
+                    <p:cNvPr id="181" name="Zone de texte 153"/>
+                    <p:cNvSpPr txBox="1">
+                      <a:spLocks noRot="1" noChangeAspect="1" noMove="1" noResize="1" noEditPoints="1" noAdjustHandles="1" noChangeArrowheads="1" noChangeShapeType="1" noTextEdit="1"/>
+                    </p:cNvSpPr>
+                    <p:nvPr/>
+                  </p:nvSpPr>
+                  <p:spPr>
+                    <a:xfrm>
+                      <a:off x="724214" y="3741005"/>
+                      <a:ext cx="301748" cy="274650"/>
+                    </a:xfrm>
+                    <a:prstGeom prst="rect">
+                      <a:avLst/>
+                    </a:prstGeom>
+                    <a:blipFill rotWithShape="0">
+                      <a:blip r:embed="rId16"/>
+                      <a:stretch>
+                        <a:fillRect/>
+                      </a:stretch>
+                    </a:blipFill>
+                    <a:ln w="6350">
+                      <a:noFill/>
+                      <a:prstDash val="sysDash"/>
+                    </a:ln>
+                    <a:effectLst/>
+                  </p:spPr>
+                  <p:txBody>
+                    <a:bodyPr/>
+                    <a:lstStyle/>
+                    <a:p>
+                      <a:r>
+                        <a:rPr lang="fr-FR">
+                          <a:noFill/>
+                        </a:rPr>
+                        <a:t> </a:t>
+                      </a:r>
+                    </a:p>
+                  </p:txBody>
+                </p:sp>
+              </mc:Fallback>
+            </mc:AlternateContent>
+          </p:grpSp>
+          <p:grpSp>
+            <p:nvGrpSpPr>
+              <p:cNvPr id="184" name="Groupe 183"/>
+              <p:cNvGrpSpPr/>
+              <p:nvPr/>
+            </p:nvGrpSpPr>
+            <p:grpSpPr>
+              <a:xfrm>
+                <a:off x="1280274" y="3088980"/>
+                <a:ext cx="553070" cy="336536"/>
+                <a:chOff x="1280274" y="3088980"/>
+                <a:chExt cx="553070" cy="336536"/>
+              </a:xfrm>
+            </p:grpSpPr>
+            <p:sp>
+              <p:nvSpPr>
+                <p:cNvPr id="179" name="Arc 178"/>
+                <p:cNvSpPr/>
+                <p:nvPr/>
+              </p:nvSpPr>
+              <p:spPr>
+                <a:xfrm>
+                  <a:off x="1280274" y="3088980"/>
+                  <a:ext cx="290512" cy="247074"/>
+                </a:xfrm>
+                <a:prstGeom prst="arc">
+                  <a:avLst>
+                    <a:gd name="adj1" fmla="val 16200000"/>
+                    <a:gd name="adj2" fmla="val 2933405"/>
+                  </a:avLst>
+                </a:prstGeom>
+                <a:ln w="12700">
+                  <a:solidFill>
+                    <a:schemeClr val="tx1"/>
+                  </a:solidFill>
+                  <a:tailEnd type="triangle"/>
+                </a:ln>
+              </p:spPr>
+              <p:style>
+                <a:lnRef idx="1">
+                  <a:schemeClr val="accent1"/>
+                </a:lnRef>
+                <a:fillRef idx="0">
+                  <a:schemeClr val="accent1"/>
+                </a:fillRef>
+                <a:effectRef idx="0">
+                  <a:schemeClr val="accent1"/>
+                </a:effectRef>
+                <a:fontRef idx="minor">
+                  <a:schemeClr val="tx1"/>
+                </a:fontRef>
+              </p:style>
+              <p:txBody>
+                <a:bodyPr rtlCol="0" anchor="ctr"/>
+                <a:lstStyle/>
+                <a:p>
+                  <a:pPr algn="ctr"/>
+                  <a:endParaRPr lang="fr-FR"/>
+                </a:p>
+              </p:txBody>
+            </p:sp>
+            <mc:AlternateContent xmlns:mc="http://schemas.openxmlformats.org/markup-compatibility/2006" xmlns:a14="http://schemas.microsoft.com/office/drawing/2010/main">
+              <mc:Choice Requires="a14">
+                <p:sp>
+                  <p:nvSpPr>
+                    <p:cNvPr id="182" name="Zone de texte 153"/>
+                    <p:cNvSpPr txBox="1"/>
+                    <p:nvPr/>
+                  </p:nvSpPr>
+                  <p:spPr>
+                    <a:xfrm>
+                      <a:off x="1531596" y="3150866"/>
+                      <a:ext cx="301748" cy="274650"/>
+                    </a:xfrm>
+                    <a:prstGeom prst="rect">
+                      <a:avLst/>
+                    </a:prstGeom>
+                    <a:noFill/>
+                    <a:ln w="6350">
+                      <a:noFill/>
+                      <a:prstDash val="sysDash"/>
+                    </a:ln>
+                    <a:effectLst/>
+                  </p:spPr>
+                  <p:style>
+                    <a:lnRef idx="0">
+                      <a:schemeClr val="accent1"/>
+                    </a:lnRef>
+                    <a:fillRef idx="0">
+                      <a:schemeClr val="accent1"/>
+                    </a:fillRef>
+                    <a:effectRef idx="0">
+                      <a:schemeClr val="accent1"/>
+                    </a:effectRef>
+                    <a:fontRef idx="minor">
+                      <a:schemeClr val="dk1"/>
+                    </a:fontRef>
+                  </p:style>
+                  <p:txBody>
+                    <a:bodyPr rot="0" spcFirstLastPara="0" vert="horz" wrap="square" lIns="91440" tIns="45720" rIns="91440" bIns="45720" numCol="1" spcCol="0" rtlCol="0" fromWordArt="0" anchor="t" anchorCtr="0" forceAA="0" compatLnSpc="1">
+                      <a:prstTxWarp prst="textNoShape">
+                        <a:avLst/>
+                      </a:prstTxWarp>
+                      <a:noAutofit/>
+                    </a:bodyPr>
+                    <a:lstStyle/>
+                    <a:p>
+                      <a:pPr>
+                        <a:lnSpc>
+                          <a:spcPct val="107000"/>
+                        </a:lnSpc>
+                        <a:spcAft>
+                          <a:spcPts val="800"/>
+                        </a:spcAft>
+                      </a:pPr>
+                      <a14:m>
+                        <m:oMath xmlns:m="http://schemas.openxmlformats.org/officeDocument/2006/math">
+                          <m:r>
+                            <a:rPr lang="fr-FR" sz="1400" b="0" i="1" smtClean="0">
+                              <a:effectLst/>
+                              <a:latin typeface="Cambria Math" panose="02040503050406030204" pitchFamily="18" charset="0"/>
+                              <a:ea typeface="Calibri" panose="020F0502020204030204" pitchFamily="34" charset="0"/>
+                              <a:cs typeface="Times New Roman" panose="02020603050405020304" pitchFamily="18" charset="0"/>
+                            </a:rPr>
+                            <m:t>𝜓</m:t>
+                          </m:r>
+                        </m:oMath>
+                      </a14:m>
+                      <a:r>
+                        <a:rPr lang="fr-FR" sz="1400" dirty="0">
+                          <a:effectLst/>
+                          <a:ea typeface="Calibri" panose="020F0502020204030204" pitchFamily="34" charset="0"/>
+                          <a:cs typeface="Times New Roman" panose="02020603050405020304" pitchFamily="18" charset="0"/>
+                        </a:rPr>
+                        <a:t> </a:t>
+                      </a:r>
+                    </a:p>
+                  </p:txBody>
+                </p:sp>
+              </mc:Choice>
+              <mc:Fallback xmlns="">
+                <p:sp>
+                  <p:nvSpPr>
+                    <p:cNvPr id="182" name="Zone de texte 153"/>
+                    <p:cNvSpPr txBox="1">
+                      <a:spLocks noRot="1" noChangeAspect="1" noMove="1" noResize="1" noEditPoints="1" noAdjustHandles="1" noChangeArrowheads="1" noChangeShapeType="1" noTextEdit="1"/>
+                    </p:cNvSpPr>
+                    <p:nvPr/>
+                  </p:nvSpPr>
+                  <p:spPr>
+                    <a:xfrm>
+                      <a:off x="1531596" y="3150866"/>
+                      <a:ext cx="301748" cy="274650"/>
+                    </a:xfrm>
+                    <a:prstGeom prst="rect">
+                      <a:avLst/>
+                    </a:prstGeom>
+                    <a:blipFill rotWithShape="0">
+                      <a:blip r:embed="rId17"/>
+                      <a:stretch>
+                        <a:fillRect b="-20000"/>
+                      </a:stretch>
+                    </a:blipFill>
+                    <a:ln w="6350">
+                      <a:noFill/>
+                      <a:prstDash val="sysDash"/>
+                    </a:ln>
+                    <a:effectLst/>
+                  </p:spPr>
+                  <p:txBody>
+                    <a:bodyPr/>
+                    <a:lstStyle/>
+                    <a:p>
+                      <a:r>
+                        <a:rPr lang="fr-FR">
+                          <a:noFill/>
+                        </a:rPr>
+                        <a:t> </a:t>
+                      </a:r>
+                    </a:p>
+                  </p:txBody>
+                </p:sp>
+              </mc:Fallback>
+            </mc:AlternateContent>
+          </p:grpSp>
+        </p:grpSp>
+        <p:cxnSp>
+          <p:nvCxnSpPr>
+            <p:cNvPr id="187" name="Connecteur droit avec flèche 186"/>
+            <p:cNvCxnSpPr/>
+            <p:nvPr/>
+          </p:nvCxnSpPr>
+          <p:spPr>
+            <a:xfrm>
+              <a:off x="1328751" y="3067308"/>
+              <a:ext cx="0" cy="334320"/>
+            </a:xfrm>
+            <a:prstGeom prst="straightConnector1">
+              <a:avLst/>
+            </a:prstGeom>
+            <a:ln w="12700">
+              <a:solidFill>
+                <a:schemeClr val="tx1"/>
+              </a:solidFill>
+              <a:prstDash val="solid"/>
+              <a:tailEnd type="triangle"/>
+            </a:ln>
+          </p:spPr>
+          <p:style>
+            <a:lnRef idx="1">
+              <a:schemeClr val="accent1"/>
+            </a:lnRef>
+            <a:fillRef idx="0">
+              <a:schemeClr val="accent1"/>
+            </a:fillRef>
+            <a:effectRef idx="0">
+              <a:schemeClr val="accent1"/>
+            </a:effectRef>
+            <a:fontRef idx="minor">
+              <a:schemeClr val="tx1"/>
+            </a:fontRef>
+          </p:style>
+        </p:cxnSp>
+        <p:cxnSp>
+          <p:nvCxnSpPr>
+            <p:cNvPr id="194" name="Connecteur droit avec flèche 193"/>
+            <p:cNvCxnSpPr/>
+            <p:nvPr/>
+          </p:nvCxnSpPr>
+          <p:spPr>
+            <a:xfrm flipV="1">
+              <a:off x="1328751" y="2875748"/>
+              <a:ext cx="274353" cy="184994"/>
+            </a:xfrm>
+            <a:prstGeom prst="straightConnector1">
+              <a:avLst/>
+            </a:prstGeom>
+            <a:ln w="12700">
+              <a:solidFill>
+                <a:schemeClr val="tx1"/>
+              </a:solidFill>
+              <a:prstDash val="solid"/>
+              <a:tailEnd type="triangle"/>
+            </a:ln>
+          </p:spPr>
+          <p:style>
+            <a:lnRef idx="1">
+              <a:schemeClr val="accent1"/>
+            </a:lnRef>
+            <a:fillRef idx="0">
+              <a:schemeClr val="accent1"/>
+            </a:fillRef>
+            <a:effectRef idx="0">
+              <a:schemeClr val="accent1"/>
+            </a:effectRef>
+            <a:fontRef idx="minor">
+              <a:schemeClr val="tx1"/>
+            </a:fontRef>
+          </p:style>
+        </p:cxnSp>
+        <mc:AlternateContent xmlns:mc="http://schemas.openxmlformats.org/markup-compatibility/2006" xmlns:a14="http://schemas.microsoft.com/office/drawing/2010/main">
+          <mc:Choice Requires="a14">
+            <p:sp>
+              <p:nvSpPr>
+                <p:cNvPr id="197" name="Zone de texte 153"/>
+                <p:cNvSpPr txBox="1"/>
+                <p:nvPr/>
+              </p:nvSpPr>
+              <p:spPr>
+                <a:xfrm>
+                  <a:off x="1068555" y="3115556"/>
+                  <a:ext cx="301748" cy="274650"/>
+                </a:xfrm>
+                <a:prstGeom prst="rect">
+                  <a:avLst/>
+                </a:prstGeom>
+                <a:noFill/>
+                <a:ln w="6350">
+                  <a:noFill/>
+                  <a:prstDash val="sysDash"/>
+                </a:ln>
+                <a:effectLst/>
+              </p:spPr>
+              <p:style>
+                <a:lnRef idx="0">
+                  <a:schemeClr val="accent1"/>
+                </a:lnRef>
+                <a:fillRef idx="0">
+                  <a:schemeClr val="accent1"/>
+                </a:fillRef>
+                <a:effectRef idx="0">
+                  <a:schemeClr val="accent1"/>
+                </a:effectRef>
+                <a:fontRef idx="minor">
+                  <a:schemeClr val="dk1"/>
+                </a:fontRef>
+              </p:style>
+              <p:txBody>
+                <a:bodyPr rot="0" spcFirstLastPara="0" vert="horz" wrap="square" lIns="91440" tIns="45720" rIns="91440" bIns="45720" numCol="1" spcCol="0" rtlCol="0" fromWordArt="0" anchor="t" anchorCtr="0" forceAA="0" compatLnSpc="1">
+                  <a:prstTxWarp prst="textNoShape">
+                    <a:avLst/>
+                  </a:prstTxWarp>
+                  <a:noAutofit/>
+                </a:bodyPr>
+                <a:lstStyle/>
+                <a:p>
+                  <a:pPr>
+                    <a:lnSpc>
+                      <a:spcPct val="107000"/>
+                    </a:lnSpc>
+                    <a:spcAft>
+                      <a:spcPts val="800"/>
+                    </a:spcAft>
+                  </a:pPr>
+                  <a14:m>
+                    <m:oMath xmlns:m="http://schemas.openxmlformats.org/officeDocument/2006/math">
+                      <m:r>
+                        <a:rPr lang="fr-FR" sz="1400" b="0" i="1" smtClean="0">
+                          <a:effectLst/>
+                          <a:latin typeface="Cambria Math" panose="02040503050406030204" pitchFamily="18" charset="0"/>
+                          <a:ea typeface="Calibri" panose="020F0502020204030204" pitchFamily="34" charset="0"/>
+                          <a:cs typeface="Times New Roman" panose="02020603050405020304" pitchFamily="18" charset="0"/>
+                        </a:rPr>
+                        <m:t>𝑢</m:t>
+                      </m:r>
+                    </m:oMath>
+                  </a14:m>
+                  <a:r>
+                    <a:rPr lang="fr-FR" sz="1400" dirty="0">
+                      <a:effectLst/>
+                      <a:ea typeface="Calibri" panose="020F0502020204030204" pitchFamily="34" charset="0"/>
+                      <a:cs typeface="Times New Roman" panose="02020603050405020304" pitchFamily="18" charset="0"/>
+                    </a:rPr>
+                    <a:t> </a:t>
+                  </a:r>
+                </a:p>
+              </p:txBody>
+            </p:sp>
+          </mc:Choice>
+          <mc:Fallback xmlns="">
+            <p:sp>
+              <p:nvSpPr>
+                <p:cNvPr id="197" name="Zone de texte 153"/>
+                <p:cNvSpPr txBox="1">
+                  <a:spLocks noRot="1" noChangeAspect="1" noMove="1" noResize="1" noEditPoints="1" noAdjustHandles="1" noChangeArrowheads="1" noChangeShapeType="1" noTextEdit="1"/>
+                </p:cNvSpPr>
+                <p:nvPr/>
+              </p:nvSpPr>
+              <p:spPr>
+                <a:xfrm>
+                  <a:off x="1068555" y="3115556"/>
+                  <a:ext cx="301748" cy="274650"/>
+                </a:xfrm>
+                <a:prstGeom prst="rect">
+                  <a:avLst/>
+                </a:prstGeom>
+                <a:blipFill rotWithShape="0">
+                  <a:blip r:embed="rId18"/>
+                  <a:stretch>
+                    <a:fillRect/>
+                  </a:stretch>
+                </a:blipFill>
+                <a:ln w="6350">
+                  <a:noFill/>
+                  <a:prstDash val="sysDash"/>
+                </a:ln>
+                <a:effectLst/>
+              </p:spPr>
+              <p:txBody>
+                <a:bodyPr/>
+                <a:lstStyle/>
+                <a:p>
+                  <a:r>
+                    <a:rPr lang="fr-FR">
+                      <a:noFill/>
+                    </a:rPr>
+                    <a:t> </a:t>
+                  </a:r>
+                </a:p>
+              </p:txBody>
+            </p:sp>
+          </mc:Fallback>
+        </mc:AlternateContent>
+        <mc:AlternateContent xmlns:mc="http://schemas.openxmlformats.org/markup-compatibility/2006" xmlns:a14="http://schemas.microsoft.com/office/drawing/2010/main">
+          <mc:Choice Requires="a14">
+            <p:sp>
+              <p:nvSpPr>
+                <p:cNvPr id="198" name="Zone de texte 153"/>
+                <p:cNvSpPr txBox="1"/>
+                <p:nvPr/>
+              </p:nvSpPr>
+              <p:spPr>
+                <a:xfrm>
+                  <a:off x="1338898" y="2648980"/>
+                  <a:ext cx="301748" cy="274650"/>
+                </a:xfrm>
+                <a:prstGeom prst="rect">
+                  <a:avLst/>
+                </a:prstGeom>
+                <a:noFill/>
+                <a:ln w="6350">
+                  <a:noFill/>
+                  <a:prstDash val="sysDash"/>
+                </a:ln>
+                <a:effectLst/>
+              </p:spPr>
+              <p:style>
+                <a:lnRef idx="0">
+                  <a:schemeClr val="accent1"/>
+                </a:lnRef>
+                <a:fillRef idx="0">
+                  <a:schemeClr val="accent1"/>
+                </a:fillRef>
+                <a:effectRef idx="0">
+                  <a:schemeClr val="accent1"/>
+                </a:effectRef>
+                <a:fontRef idx="minor">
+                  <a:schemeClr val="dk1"/>
+                </a:fontRef>
+              </p:style>
+              <p:txBody>
+                <a:bodyPr rot="0" spcFirstLastPara="0" vert="horz" wrap="square" lIns="91440" tIns="45720" rIns="91440" bIns="45720" numCol="1" spcCol="0" rtlCol="0" fromWordArt="0" anchor="t" anchorCtr="0" forceAA="0" compatLnSpc="1">
+                  <a:prstTxWarp prst="textNoShape">
+                    <a:avLst/>
+                  </a:prstTxWarp>
+                  <a:noAutofit/>
+                </a:bodyPr>
+                <a:lstStyle/>
+                <a:p>
+                  <a:pPr>
+                    <a:lnSpc>
+                      <a:spcPct val="107000"/>
+                    </a:lnSpc>
+                    <a:spcAft>
+                      <a:spcPts val="800"/>
+                    </a:spcAft>
+                  </a:pPr>
+                  <a14:m>
+                    <m:oMath xmlns:m="http://schemas.openxmlformats.org/officeDocument/2006/math">
+                      <m:r>
+                        <a:rPr lang="fr-FR" sz="1400" b="0" i="1" smtClean="0">
+                          <a:effectLst/>
+                          <a:latin typeface="Cambria Math" panose="02040503050406030204" pitchFamily="18" charset="0"/>
+                          <a:ea typeface="Calibri" panose="020F0502020204030204" pitchFamily="34" charset="0"/>
+                          <a:cs typeface="Times New Roman" panose="02020603050405020304" pitchFamily="18" charset="0"/>
+                        </a:rPr>
+                        <m:t>𝑣</m:t>
+                      </m:r>
+                    </m:oMath>
+                  </a14:m>
+                  <a:r>
+                    <a:rPr lang="fr-FR" sz="1400" dirty="0">
+                      <a:effectLst/>
+                      <a:ea typeface="Calibri" panose="020F0502020204030204" pitchFamily="34" charset="0"/>
+                      <a:cs typeface="Times New Roman" panose="02020603050405020304" pitchFamily="18" charset="0"/>
+                    </a:rPr>
+                    <a:t> </a:t>
+                  </a:r>
+                </a:p>
+              </p:txBody>
+            </p:sp>
+          </mc:Choice>
+          <mc:Fallback xmlns="">
+            <p:sp>
+              <p:nvSpPr>
+                <p:cNvPr id="198" name="Zone de texte 153"/>
+                <p:cNvSpPr txBox="1">
+                  <a:spLocks noRot="1" noChangeAspect="1" noMove="1" noResize="1" noEditPoints="1" noAdjustHandles="1" noChangeArrowheads="1" noChangeShapeType="1" noTextEdit="1"/>
+                </p:cNvSpPr>
+                <p:nvPr/>
+              </p:nvSpPr>
+              <p:spPr>
+                <a:xfrm>
+                  <a:off x="1338898" y="2648980"/>
+                  <a:ext cx="301748" cy="274650"/>
+                </a:xfrm>
+                <a:prstGeom prst="rect">
+                  <a:avLst/>
+                </a:prstGeom>
+                <a:blipFill rotWithShape="0">
+                  <a:blip r:embed="rId19"/>
+                  <a:stretch>
+                    <a:fillRect/>
+                  </a:stretch>
+                </a:blipFill>
+                <a:ln w="6350">
+                  <a:noFill/>
+                  <a:prstDash val="sysDash"/>
+                </a:ln>
+                <a:effectLst/>
+              </p:spPr>
+              <p:txBody>
+                <a:bodyPr/>
+                <a:lstStyle/>
+                <a:p>
+                  <a:r>
+                    <a:rPr lang="fr-FR">
+                      <a:noFill/>
+                    </a:rPr>
+                    <a:t> </a:t>
+                  </a:r>
+                </a:p>
+              </p:txBody>
+            </p:sp>
+          </mc:Fallback>
+        </mc:AlternateContent>
+      </p:grpSp>
+    </p:spTree>
+    <p:extLst>
+      <p:ext uri="{BB962C8B-B14F-4D97-AF65-F5344CB8AC3E}">
+        <p14:creationId xmlns:p14="http://schemas.microsoft.com/office/powerpoint/2010/main" val="887546514"/>
+      </p:ext>
+    </p:extLst>
+  </p:cSld>
+  <p:clrMapOvr>
+    <a:masterClrMapping/>
+  </p:clrMapOvr>
+  <p:timing>
+    <p:tnLst>
+      <p:par>
+        <p:cTn id="1" dur="indefinite" restart="never" nodeType="tmRoot">
+          <p:childTnLst>
+            <p:seq concurrent="1" nextAc="seek">
+              <p:cTn id="2" dur="indefinite" nodeType="mainSeq">
+                <p:childTnLst>
+                  <p:par>
+                    <p:cTn id="3" fill="hold">
+                      <p:stCondLst>
+                        <p:cond delay="indefinite"/>
+                      </p:stCondLst>
+                      <p:childTnLst>
+                        <p:par>
+                          <p:cTn id="4" fill="hold">
+                            <p:stCondLst>
+                              <p:cond delay="0"/>
+                            </p:stCondLst>
+                            <p:childTnLst>
+                              <p:par>
+                                <p:cTn id="5" presetID="10" presetClass="entr" presetSubtype="0" fill="hold" nodeType="clickEffect">
+                                  <p:stCondLst>
+                                    <p:cond delay="0"/>
+                                  </p:stCondLst>
+                                  <p:childTnLst>
+                                    <p:set>
+                                      <p:cBhvr>
+                                        <p:cTn id="6" dur="1" fill="hold">
+                                          <p:stCondLst>
+                                            <p:cond delay="0"/>
+                                          </p:stCondLst>
+                                        </p:cTn>
+                                        <p:tgtEl>
+                                          <p:spTgt spid="118"/>
+                                        </p:tgtEl>
+                                        <p:attrNameLst>
+                                          <p:attrName>style.visibility</p:attrName>
+                                        </p:attrNameLst>
+                                      </p:cBhvr>
+                                      <p:to>
+                                        <p:strVal val="visible"/>
+                                      </p:to>
+                                    </p:set>
+                                    <p:animEffect transition="in" filter="fade">
+                                      <p:cBhvr>
+                                        <p:cTn id="7" dur="500"/>
+                                        <p:tgtEl>
+                                          <p:spTgt spid="118"/>
+                                        </p:tgtEl>
+                                      </p:cBhvr>
+                                    </p:animEffect>
+                                  </p:childTnLst>
+                                </p:cTn>
+                              </p:par>
+                            </p:childTnLst>
+                          </p:cTn>
+                        </p:par>
+                      </p:childTnLst>
+                    </p:cTn>
+                  </p:par>
+                  <p:par>
+                    <p:cTn id="8" fill="hold">
+                      <p:stCondLst>
+                        <p:cond delay="indefinite"/>
+                      </p:stCondLst>
+                      <p:childTnLst>
+                        <p:par>
+                          <p:cTn id="9" fill="hold">
+                            <p:stCondLst>
+                              <p:cond delay="0"/>
+                            </p:stCondLst>
+                            <p:childTnLst>
+                              <p:par>
+                                <p:cTn id="10" presetID="10" presetClass="entr" presetSubtype="0" fill="hold" nodeType="clickEffect">
+                                  <p:stCondLst>
+                                    <p:cond delay="0"/>
+                                  </p:stCondLst>
+                                  <p:childTnLst>
+                                    <p:set>
+                                      <p:cBhvr>
+                                        <p:cTn id="11" dur="1" fill="hold">
+                                          <p:stCondLst>
+                                            <p:cond delay="0"/>
+                                          </p:stCondLst>
+                                        </p:cTn>
+                                        <p:tgtEl>
+                                          <p:spTgt spid="127"/>
+                                        </p:tgtEl>
+                                        <p:attrNameLst>
+                                          <p:attrName>style.visibility</p:attrName>
+                                        </p:attrNameLst>
+                                      </p:cBhvr>
+                                      <p:to>
+                                        <p:strVal val="visible"/>
+                                      </p:to>
+                                    </p:set>
+                                    <p:animEffect transition="in" filter="fade">
+                                      <p:cBhvr>
+                                        <p:cTn id="12" dur="500"/>
+                                        <p:tgtEl>
+                                          <p:spTgt spid="127"/>
+                                        </p:tgtEl>
+                                      </p:cBhvr>
+                                    </p:animEffect>
+                                  </p:childTnLst>
+                                </p:cTn>
+                              </p:par>
+                            </p:childTnLst>
+                          </p:cTn>
+                        </p:par>
+                      </p:childTnLst>
+                    </p:cTn>
+                  </p:par>
+                  <p:par>
+                    <p:cTn id="13" fill="hold">
+                      <p:stCondLst>
+                        <p:cond delay="indefinite"/>
+                      </p:stCondLst>
+                      <p:childTnLst>
+                        <p:par>
+                          <p:cTn id="14" fill="hold">
+                            <p:stCondLst>
+                              <p:cond delay="0"/>
+                            </p:stCondLst>
+                            <p:childTnLst>
+                              <p:par>
+                                <p:cTn id="15" presetID="10" presetClass="entr" presetSubtype="0" fill="hold" nodeType="clickEffect">
+                                  <p:stCondLst>
+                                    <p:cond delay="0"/>
+                                  </p:stCondLst>
+                                  <p:childTnLst>
+                                    <p:set>
+                                      <p:cBhvr>
+                                        <p:cTn id="16" dur="1" fill="hold">
+                                          <p:stCondLst>
+                                            <p:cond delay="0"/>
+                                          </p:stCondLst>
+                                        </p:cTn>
+                                        <p:tgtEl>
+                                          <p:spTgt spid="144"/>
+                                        </p:tgtEl>
+                                        <p:attrNameLst>
+                                          <p:attrName>style.visibility</p:attrName>
+                                        </p:attrNameLst>
+                                      </p:cBhvr>
+                                      <p:to>
+                                        <p:strVal val="visible"/>
+                                      </p:to>
+                                    </p:set>
+                                    <p:animEffect transition="in" filter="fade">
+                                      <p:cBhvr>
+                                        <p:cTn id="17" dur="500"/>
+                                        <p:tgtEl>
+                                          <p:spTgt spid="144"/>
+                                        </p:tgtEl>
+                                      </p:cBhvr>
+                                    </p:animEffect>
+                                  </p:childTnLst>
+                                </p:cTn>
+                              </p:par>
+                            </p:childTnLst>
+                          </p:cTn>
+                        </p:par>
+                      </p:childTnLst>
+                    </p:cTn>
+                  </p:par>
+                  <p:par>
+                    <p:cTn id="18" fill="hold">
+                      <p:stCondLst>
+                        <p:cond delay="indefinite"/>
+                      </p:stCondLst>
+                      <p:childTnLst>
+                        <p:par>
+                          <p:cTn id="19" fill="hold">
+                            <p:stCondLst>
+                              <p:cond delay="0"/>
+                            </p:stCondLst>
+                            <p:childTnLst>
+                              <p:par>
+                                <p:cTn id="20" presetID="10" presetClass="entr" presetSubtype="0" fill="hold" nodeType="clickEffect">
+                                  <p:stCondLst>
+                                    <p:cond delay="0"/>
+                                  </p:stCondLst>
+                                  <p:childTnLst>
+                                    <p:set>
+                                      <p:cBhvr>
+                                        <p:cTn id="21" dur="1" fill="hold">
+                                          <p:stCondLst>
+                                            <p:cond delay="0"/>
+                                          </p:stCondLst>
+                                        </p:cTn>
+                                        <p:tgtEl>
+                                          <p:spTgt spid="164"/>
+                                        </p:tgtEl>
+                                        <p:attrNameLst>
+                                          <p:attrName>style.visibility</p:attrName>
+                                        </p:attrNameLst>
+                                      </p:cBhvr>
+                                      <p:to>
+                                        <p:strVal val="visible"/>
+                                      </p:to>
+                                    </p:set>
+                                    <p:animEffect transition="in" filter="fade">
+                                      <p:cBhvr>
+                                        <p:cTn id="22" dur="500"/>
+                                        <p:tgtEl>
+                                          <p:spTgt spid="164"/>
+                                        </p:tgtEl>
+                                      </p:cBhvr>
+                                    </p:animEffect>
+                                  </p:childTnLst>
+                                </p:cTn>
+                              </p:par>
+                            </p:childTnLst>
+                          </p:cTn>
+                        </p:par>
+                      </p:childTnLst>
+                    </p:cTn>
+                  </p:par>
+                </p:childTnLst>
+              </p:cTn>
+              <p:prevCondLst>
+                <p:cond evt="onPrev" delay="0">
+                  <p:tgtEl>
+                    <p:sldTgt/>
+                  </p:tgtEl>
+                </p:cond>
+              </p:prevCondLst>
+              <p:nextCondLst>
+                <p:cond evt="onNext" delay="0">
+                  <p:tgtEl>
+                    <p:sldTgt/>
+                  </p:tgtEl>
+                </p:cond>
+              </p:nextCondLst>
+            </p:seq>
+          </p:childTnLst>
+        </p:cTn>
+      </p:par>
+    </p:tnLst>
+  </p:timing>
+</p:sld>
+</file>
+
+<file path=ppt/slides/slide5.xml><?xml version="1.0" encoding="utf-8"?>
+<p:sld xmlns:a="http://schemas.openxmlformats.org/drawingml/2006/main" xmlns:r="http://schemas.openxmlformats.org/officeDocument/2006/relationships" xmlns:p="http://schemas.openxmlformats.org/presentationml/2006/main">
+  <p:cSld>
+    <p:spTree>
+      <p:nvGrpSpPr>
+        <p:cNvPr id="1" name=""/>
+        <p:cNvGrpSpPr/>
+        <p:nvPr/>
+      </p:nvGrpSpPr>
+      <p:grpSpPr>
+        <a:xfrm>
+          <a:off x="0" y="0"/>
+          <a:ext cx="0" cy="0"/>
+          <a:chOff x="0" y="0"/>
+          <a:chExt cx="0" cy="0"/>
+        </a:xfrm>
+      </p:grpSpPr>
+      <p:grpSp>
+        <p:nvGrpSpPr>
           <p:cNvPr id="106" name="Groupe 105"/>
           <p:cNvGrpSpPr/>
           <p:nvPr/>
@@ -11330,8 +15445,8 @@
                   </a:fontRef>
                 </p:style>
               </p:cxnSp>
-              <mc:AlternateContent xmlns:mc="http://schemas.openxmlformats.org/markup-compatibility/2006">
-                <mc:Choice xmlns:a14="http://schemas.microsoft.com/office/drawing/2010/main" Requires="a14">
+              <mc:AlternateContent xmlns:mc="http://schemas.openxmlformats.org/markup-compatibility/2006" xmlns:a14="http://schemas.microsoft.com/office/drawing/2010/main">
+                <mc:Choice Requires="a14">
                   <p:sp>
                     <p:nvSpPr>
                       <p:cNvPr id="44" name="Zone de texte 153"/>
@@ -11412,7 +15527,7 @@
                     </p:txBody>
                   </p:sp>
                 </mc:Choice>
-                <mc:Fallback>
+                <mc:Fallback xmlns="">
                   <p:sp>
                     <p:nvSpPr>
                       <p:cNvPr id="44" name="Zone de texte 153"/>
@@ -11456,8 +15571,8 @@
                   </p:sp>
                 </mc:Fallback>
               </mc:AlternateContent>
-              <mc:AlternateContent xmlns:mc="http://schemas.openxmlformats.org/markup-compatibility/2006">
-                <mc:Choice xmlns:a14="http://schemas.microsoft.com/office/drawing/2010/main" Requires="a14">
+              <mc:AlternateContent xmlns:mc="http://schemas.openxmlformats.org/markup-compatibility/2006" xmlns:a14="http://schemas.microsoft.com/office/drawing/2010/main">
+                <mc:Choice Requires="a14">
                   <p:sp>
                     <p:nvSpPr>
                       <p:cNvPr id="45" name="Zone de texte 154"/>
@@ -11538,7 +15653,7 @@
                     </p:txBody>
                   </p:sp>
                 </mc:Choice>
-                <mc:Fallback>
+                <mc:Fallback xmlns="">
                   <p:sp>
                     <p:nvSpPr>
                       <p:cNvPr id="45" name="Zone de texte 154"/>
@@ -11582,8 +15697,8 @@
                   </p:sp>
                 </mc:Fallback>
               </mc:AlternateContent>
-              <mc:AlternateContent xmlns:mc="http://schemas.openxmlformats.org/markup-compatibility/2006">
-                <mc:Choice xmlns:a14="http://schemas.microsoft.com/office/drawing/2010/main" Requires="a14">
+              <mc:AlternateContent xmlns:mc="http://schemas.openxmlformats.org/markup-compatibility/2006" xmlns:a14="http://schemas.microsoft.com/office/drawing/2010/main">
+                <mc:Choice Requires="a14">
                   <p:sp>
                     <p:nvSpPr>
                       <p:cNvPr id="46" name="Zone de texte 154"/>
@@ -11664,7 +15779,7 @@
                     </p:txBody>
                   </p:sp>
                 </mc:Choice>
-                <mc:Fallback>
+                <mc:Fallback xmlns="">
                   <p:sp>
                     <p:nvSpPr>
                       <p:cNvPr id="46" name="Zone de texte 154"/>
@@ -11807,8 +15922,8 @@
                   </a:p>
                 </p:txBody>
               </p:sp>
-              <mc:AlternateContent xmlns:mc="http://schemas.openxmlformats.org/markup-compatibility/2006">
-                <mc:Choice xmlns:a14="http://schemas.microsoft.com/office/drawing/2010/main" Requires="a14">
+              <mc:AlternateContent xmlns:mc="http://schemas.openxmlformats.org/markup-compatibility/2006" xmlns:a14="http://schemas.microsoft.com/office/drawing/2010/main">
+                <mc:Choice Requires="a14">
                   <p:sp>
                     <p:nvSpPr>
                       <p:cNvPr id="41" name="Zone de texte 153"/>
@@ -11886,7 +16001,7 @@
                     </p:txBody>
                   </p:sp>
                 </mc:Choice>
-                <mc:Fallback>
+                <mc:Fallback xmlns="">
                   <p:sp>
                     <p:nvSpPr>
                       <p:cNvPr id="41" name="Zone de texte 153"/>
@@ -11992,8 +16107,8 @@
                   </a:p>
                 </p:txBody>
               </p:sp>
-              <mc:AlternateContent xmlns:mc="http://schemas.openxmlformats.org/markup-compatibility/2006">
-                <mc:Choice xmlns:a14="http://schemas.microsoft.com/office/drawing/2010/main" Requires="a14">
+              <mc:AlternateContent xmlns:mc="http://schemas.openxmlformats.org/markup-compatibility/2006" xmlns:a14="http://schemas.microsoft.com/office/drawing/2010/main">
+                <mc:Choice Requires="a14">
                   <p:sp>
                     <p:nvSpPr>
                       <p:cNvPr id="39" name="Zone de texte 153"/>
@@ -12071,7 +16186,7 @@
                     </p:txBody>
                   </p:sp>
                 </mc:Choice>
-                <mc:Fallback>
+                <mc:Fallback xmlns="">
                   <p:sp>
                     <p:nvSpPr>
                       <p:cNvPr id="39" name="Zone de texte 153"/>
@@ -12191,8 +16306,8 @@
               </a:fontRef>
             </p:style>
           </p:cxnSp>
-          <mc:AlternateContent xmlns:mc="http://schemas.openxmlformats.org/markup-compatibility/2006">
-            <mc:Choice xmlns:a14="http://schemas.microsoft.com/office/drawing/2010/main" Requires="a14">
+          <mc:AlternateContent xmlns:mc="http://schemas.openxmlformats.org/markup-compatibility/2006" xmlns:a14="http://schemas.microsoft.com/office/drawing/2010/main">
+            <mc:Choice Requires="a14">
               <p:sp>
                 <p:nvSpPr>
                   <p:cNvPr id="33" name="Zone de texte 153"/>
@@ -12270,7 +16385,7 @@
                 </p:txBody>
               </p:sp>
             </mc:Choice>
-            <mc:Fallback>
+            <mc:Fallback xmlns="">
               <p:sp>
                 <p:nvSpPr>
                   <p:cNvPr id="33" name="Zone de texte 153"/>
@@ -12314,8 +16429,8 @@
               </p:sp>
             </mc:Fallback>
           </mc:AlternateContent>
-          <mc:AlternateContent xmlns:mc="http://schemas.openxmlformats.org/markup-compatibility/2006">
-            <mc:Choice xmlns:a14="http://schemas.microsoft.com/office/drawing/2010/main" Requires="a14">
+          <mc:AlternateContent xmlns:mc="http://schemas.openxmlformats.org/markup-compatibility/2006" xmlns:a14="http://schemas.microsoft.com/office/drawing/2010/main">
+            <mc:Choice Requires="a14">
               <p:sp>
                 <p:nvSpPr>
                   <p:cNvPr id="34" name="Zone de texte 153"/>
@@ -12393,7 +16508,7 @@
                 </p:txBody>
               </p:sp>
             </mc:Choice>
-            <mc:Fallback>
+            <mc:Fallback xmlns="">
               <p:sp>
                 <p:nvSpPr>
                   <p:cNvPr id="34" name="Zone de texte 153"/>
@@ -12438,8 +16553,8 @@
             </mc:Fallback>
           </mc:AlternateContent>
         </p:grpSp>
-        <mc:AlternateContent xmlns:mc="http://schemas.openxmlformats.org/markup-compatibility/2006">
-          <mc:Choice xmlns:a14="http://schemas.microsoft.com/office/drawing/2010/main" Requires="a14">
+        <mc:AlternateContent xmlns:mc="http://schemas.openxmlformats.org/markup-compatibility/2006" xmlns:a14="http://schemas.microsoft.com/office/drawing/2010/main">
+          <mc:Choice Requires="a14">
             <p:sp>
               <p:nvSpPr>
                 <p:cNvPr id="48" name="ZoneTexte 47"/>
@@ -12488,7 +16603,7 @@
               </p:txBody>
             </p:sp>
           </mc:Choice>
-          <mc:Fallback>
+          <mc:Fallback xmlns="">
             <p:sp>
               <p:nvSpPr>
                 <p:cNvPr id="48" name="ZoneTexte 47"/>
@@ -12527,8 +16642,8 @@
             </p:sp>
           </mc:Fallback>
         </mc:AlternateContent>
-        <mc:AlternateContent xmlns:mc="http://schemas.openxmlformats.org/markup-compatibility/2006">
-          <mc:Choice xmlns:a14="http://schemas.microsoft.com/office/drawing/2010/main" Requires="a14">
+        <mc:AlternateContent xmlns:mc="http://schemas.openxmlformats.org/markup-compatibility/2006" xmlns:a14="http://schemas.microsoft.com/office/drawing/2010/main">
+          <mc:Choice Requires="a14">
             <p:sp>
               <p:nvSpPr>
                 <p:cNvPr id="49" name="ZoneTexte 48"/>
@@ -12579,7 +16694,7 @@
               </p:txBody>
             </p:sp>
           </mc:Choice>
-          <mc:Fallback>
+          <mc:Fallback xmlns="">
             <p:sp>
               <p:nvSpPr>
                 <p:cNvPr id="49" name="ZoneTexte 48"/>
@@ -12707,8 +16822,8 @@
                   </a:p>
                 </p:txBody>
               </p:sp>
-              <mc:AlternateContent xmlns:mc="http://schemas.openxmlformats.org/markup-compatibility/2006">
-                <mc:Choice xmlns:a14="http://schemas.microsoft.com/office/drawing/2010/main" Requires="a14">
+              <mc:AlternateContent xmlns:mc="http://schemas.openxmlformats.org/markup-compatibility/2006" xmlns:a14="http://schemas.microsoft.com/office/drawing/2010/main">
+                <mc:Choice Requires="a14">
                   <p:sp>
                     <p:nvSpPr>
                       <p:cNvPr id="66" name="Zone de texte 153"/>
@@ -12811,7 +16926,7 @@
                     </p:txBody>
                   </p:sp>
                 </mc:Choice>
-                <mc:Fallback>
+                <mc:Fallback xmlns="">
                   <p:sp>
                     <p:nvSpPr>
                       <p:cNvPr id="66" name="Zone de texte 153"/>
@@ -12917,8 +17032,8 @@
                   </a:p>
                 </p:txBody>
               </p:sp>
-              <mc:AlternateContent xmlns:mc="http://schemas.openxmlformats.org/markup-compatibility/2006">
-                <mc:Choice xmlns:a14="http://schemas.microsoft.com/office/drawing/2010/main" Requires="a14">
+              <mc:AlternateContent xmlns:mc="http://schemas.openxmlformats.org/markup-compatibility/2006" xmlns:a14="http://schemas.microsoft.com/office/drawing/2010/main">
+                <mc:Choice Requires="a14">
                   <p:sp>
                     <p:nvSpPr>
                       <p:cNvPr id="64" name="Zone de texte 153"/>
@@ -13021,7 +17136,7 @@
                     </p:txBody>
                   </p:sp>
                 </mc:Choice>
-                <mc:Fallback>
+                <mc:Fallback xmlns="">
                   <p:sp>
                     <p:nvSpPr>
                       <p:cNvPr id="64" name="Zone de texte 153"/>
@@ -13141,8 +17256,8 @@
               </a:fontRef>
             </p:style>
           </p:cxnSp>
-          <mc:AlternateContent xmlns:mc="http://schemas.openxmlformats.org/markup-compatibility/2006">
-            <mc:Choice xmlns:a14="http://schemas.microsoft.com/office/drawing/2010/main" Requires="a14">
+          <mc:AlternateContent xmlns:mc="http://schemas.openxmlformats.org/markup-compatibility/2006" xmlns:a14="http://schemas.microsoft.com/office/drawing/2010/main">
+            <mc:Choice Requires="a14">
               <p:sp>
                 <p:nvSpPr>
                   <p:cNvPr id="58" name="Zone de texte 153"/>
@@ -13245,7 +17360,7 @@
                 </p:txBody>
               </p:sp>
             </mc:Choice>
-            <mc:Fallback>
+            <mc:Fallback xmlns="">
               <p:sp>
                 <p:nvSpPr>
                   <p:cNvPr id="58" name="Zone de texte 153"/>
@@ -13289,8 +17404,8 @@
               </p:sp>
             </mc:Fallback>
           </mc:AlternateContent>
-          <mc:AlternateContent xmlns:mc="http://schemas.openxmlformats.org/markup-compatibility/2006">
-            <mc:Choice xmlns:a14="http://schemas.microsoft.com/office/drawing/2010/main" Requires="a14">
+          <mc:AlternateContent xmlns:mc="http://schemas.openxmlformats.org/markup-compatibility/2006" xmlns:a14="http://schemas.microsoft.com/office/drawing/2010/main">
+            <mc:Choice Requires="a14">
               <p:sp>
                 <p:nvSpPr>
                   <p:cNvPr id="59" name="Zone de texte 153"/>
@@ -13393,7 +17508,7 @@
                 </p:txBody>
               </p:sp>
             </mc:Choice>
-            <mc:Fallback>
+            <mc:Fallback xmlns="">
               <p:sp>
                 <p:nvSpPr>
                   <p:cNvPr id="59" name="Zone de texte 153"/>
@@ -13527,8 +17642,8 @@
                   </a:p>
                 </p:txBody>
               </p:sp>
-              <mc:AlternateContent xmlns:mc="http://schemas.openxmlformats.org/markup-compatibility/2006">
-                <mc:Choice xmlns:a14="http://schemas.microsoft.com/office/drawing/2010/main" Requires="a14">
+              <mc:AlternateContent xmlns:mc="http://schemas.openxmlformats.org/markup-compatibility/2006" xmlns:a14="http://schemas.microsoft.com/office/drawing/2010/main">
+                <mc:Choice Requires="a14">
                   <p:sp>
                     <p:nvSpPr>
                       <p:cNvPr id="102" name="Zone de texte 153"/>
@@ -13640,7 +17755,7 @@
                     </p:txBody>
                   </p:sp>
                 </mc:Choice>
-                <mc:Fallback>
+                <mc:Fallback xmlns="">
                   <p:sp>
                     <p:nvSpPr>
                       <p:cNvPr id="102" name="Zone de texte 153"/>
@@ -13746,8 +17861,8 @@
                   </a:p>
                 </p:txBody>
               </p:sp>
-              <mc:AlternateContent xmlns:mc="http://schemas.openxmlformats.org/markup-compatibility/2006">
-                <mc:Choice xmlns:a14="http://schemas.microsoft.com/office/drawing/2010/main" Requires="a14">
+              <mc:AlternateContent xmlns:mc="http://schemas.openxmlformats.org/markup-compatibility/2006" xmlns:a14="http://schemas.microsoft.com/office/drawing/2010/main">
+                <mc:Choice Requires="a14">
                   <p:sp>
                     <p:nvSpPr>
                       <p:cNvPr id="100" name="Zone de texte 153"/>
@@ -13859,7 +17974,7 @@
                     </p:txBody>
                   </p:sp>
                 </mc:Choice>
-                <mc:Fallback>
+                <mc:Fallback xmlns="">
                   <p:sp>
                     <p:nvSpPr>
                       <p:cNvPr id="100" name="Zone de texte 153"/>
@@ -13979,8 +18094,8 @@
               </a:fontRef>
             </p:style>
           </p:cxnSp>
-          <mc:AlternateContent xmlns:mc="http://schemas.openxmlformats.org/markup-compatibility/2006">
-            <mc:Choice xmlns:a14="http://schemas.microsoft.com/office/drawing/2010/main" Requires="a14">
+          <mc:AlternateContent xmlns:mc="http://schemas.openxmlformats.org/markup-compatibility/2006" xmlns:a14="http://schemas.microsoft.com/office/drawing/2010/main">
+            <mc:Choice Requires="a14">
               <p:sp>
                 <p:nvSpPr>
                   <p:cNvPr id="95" name="Zone de texte 153"/>
@@ -14092,7 +18207,7 @@
                 </p:txBody>
               </p:sp>
             </mc:Choice>
-            <mc:Fallback>
+            <mc:Fallback xmlns="">
               <p:sp>
                 <p:nvSpPr>
                   <p:cNvPr id="95" name="Zone de texte 153"/>
@@ -14136,8 +18251,8 @@
               </p:sp>
             </mc:Fallback>
           </mc:AlternateContent>
-          <mc:AlternateContent xmlns:mc="http://schemas.openxmlformats.org/markup-compatibility/2006">
-            <mc:Choice xmlns:a14="http://schemas.microsoft.com/office/drawing/2010/main" Requires="a14">
+          <mc:AlternateContent xmlns:mc="http://schemas.openxmlformats.org/markup-compatibility/2006" xmlns:a14="http://schemas.microsoft.com/office/drawing/2010/main">
+            <mc:Choice Requires="a14">
               <p:sp>
                 <p:nvSpPr>
                   <p:cNvPr id="96" name="Zone de texte 153"/>
@@ -14249,7 +18364,7 @@
                 </p:txBody>
               </p:sp>
             </mc:Choice>
-            <mc:Fallback>
+            <mc:Fallback xmlns="">
               <p:sp>
                 <p:nvSpPr>
                   <p:cNvPr id="96" name="Zone de texte 153"/>
@@ -14295,8 +18410,8 @@
           </mc:AlternateContent>
         </p:grpSp>
       </p:grpSp>
-      <mc:AlternateContent xmlns:mc="http://schemas.openxmlformats.org/markup-compatibility/2006">
-        <mc:Choice xmlns:a14="http://schemas.microsoft.com/office/drawing/2010/main" Requires="a14">
+      <mc:AlternateContent xmlns:mc="http://schemas.openxmlformats.org/markup-compatibility/2006" xmlns:a14="http://schemas.microsoft.com/office/drawing/2010/main">
+        <mc:Choice Requires="a14">
           <p:sp>
             <p:nvSpPr>
               <p:cNvPr id="107" name="ZoneTexte 106"/>
@@ -14476,7 +18591,7 @@
             </p:txBody>
           </p:sp>
         </mc:Choice>
-        <mc:Fallback>
+        <mc:Fallback xmlns="">
           <p:sp>
             <p:nvSpPr>
               <p:cNvPr id="107" name="ZoneTexte 106"/>
@@ -14515,8 +18630,8 @@
           </p:sp>
         </mc:Fallback>
       </mc:AlternateContent>
-      <mc:AlternateContent xmlns:mc="http://schemas.openxmlformats.org/markup-compatibility/2006">
-        <mc:Choice xmlns:a14="http://schemas.microsoft.com/office/drawing/2010/main" Requires="a14">
+      <mc:AlternateContent xmlns:mc="http://schemas.openxmlformats.org/markup-compatibility/2006" xmlns:a14="http://schemas.microsoft.com/office/drawing/2010/main">
+        <mc:Choice Requires="a14">
           <p:sp>
             <p:nvSpPr>
               <p:cNvPr id="108" name="Rectangle 107"/>
@@ -14590,7 +18705,7 @@
                               <m:begChr m:val="["/>
                               <m:endChr m:val="]"/>
                               <m:ctrlPr>
-                                <a:rPr lang="fr-FR" b="0" i="0" smtClean="0">
+                                <a:rPr lang="fr-FR" b="0" i="1" smtClean="0">
                                   <a:latin typeface="Cambria Math" panose="02040503050406030204" pitchFamily="18" charset="0"/>
                                 </a:rPr>
                               </m:ctrlPr>
@@ -14890,7 +19005,7 @@
             </p:txBody>
           </p:sp>
         </mc:Choice>
-        <mc:Fallback>
+        <mc:Fallback xmlns="">
           <p:sp>
             <p:nvSpPr>
               <p:cNvPr id="108" name="Rectangle 107"/>
@@ -14949,7 +19064,7 @@
 </p:sld>
 </file>
 
-<file path=ppt/slides/slide5.xml><?xml version="1.0" encoding="utf-8"?>
+<file path=ppt/slides/slide6.xml><?xml version="1.0" encoding="utf-8"?>
 <p:sld xmlns:a="http://schemas.openxmlformats.org/drawingml/2006/main" xmlns:r="http://schemas.openxmlformats.org/officeDocument/2006/relationships" xmlns:p="http://schemas.openxmlformats.org/presentationml/2006/main">
   <p:cSld>
     <p:spTree>
@@ -15432,14 +19547,7 @@
                   <a:latin typeface="Times New Roman" panose="02020603050405020304" pitchFamily="18" charset="0"/>
                   <a:cs typeface="Times New Roman" panose="02020603050405020304" pitchFamily="18" charset="0"/>
                 </a:rPr>
-                <a:t>Palier </a:t>
-              </a:r>
-              <a:r>
-                <a:rPr lang="fr-FR" sz="1600" dirty="0" smtClean="0">
-                  <a:latin typeface="Times New Roman" panose="02020603050405020304" pitchFamily="18" charset="0"/>
-                  <a:cs typeface="Times New Roman" panose="02020603050405020304" pitchFamily="18" charset="0"/>
-                </a:rPr>
-                <a:t>2</a:t>
+                <a:t>Palier 2</a:t>
               </a:r>
               <a:endParaRPr lang="fr-FR" sz="1600" dirty="0">
                 <a:latin typeface="Times New Roman" panose="02020603050405020304" pitchFamily="18" charset="0"/>
@@ -15579,8 +19687,8 @@
                   </a:fontRef>
                 </p:style>
               </p:cxnSp>
-              <mc:AlternateContent xmlns:mc="http://schemas.openxmlformats.org/markup-compatibility/2006">
-                <mc:Choice xmlns:a14="http://schemas.microsoft.com/office/drawing/2010/main" Requires="a14">
+              <mc:AlternateContent xmlns:mc="http://schemas.openxmlformats.org/markup-compatibility/2006" xmlns:a14="http://schemas.microsoft.com/office/drawing/2010/main">
+                <mc:Choice Requires="a14">
                   <p:sp>
                     <p:nvSpPr>
                       <p:cNvPr id="66" name="Zone de texte 153"/>
@@ -15661,7 +19769,7 @@
                     </p:txBody>
                   </p:sp>
                 </mc:Choice>
-                <mc:Fallback>
+                <mc:Fallback xmlns="">
                   <p:sp>
                     <p:nvSpPr>
                       <p:cNvPr id="66" name="Zone de texte 153"/>
@@ -15705,8 +19813,8 @@
                   </p:sp>
                 </mc:Fallback>
               </mc:AlternateContent>
-              <mc:AlternateContent xmlns:mc="http://schemas.openxmlformats.org/markup-compatibility/2006">
-                <mc:Choice xmlns:a14="http://schemas.microsoft.com/office/drawing/2010/main" Requires="a14">
+              <mc:AlternateContent xmlns:mc="http://schemas.openxmlformats.org/markup-compatibility/2006" xmlns:a14="http://schemas.microsoft.com/office/drawing/2010/main">
+                <mc:Choice Requires="a14">
                   <p:sp>
                     <p:nvSpPr>
                       <p:cNvPr id="67" name="Zone de texte 154"/>
@@ -15787,7 +19895,7 @@
                     </p:txBody>
                   </p:sp>
                 </mc:Choice>
-                <mc:Fallback>
+                <mc:Fallback xmlns="">
                   <p:sp>
                     <p:nvSpPr>
                       <p:cNvPr id="67" name="Zone de texte 154"/>
@@ -15831,8 +19939,8 @@
                   </p:sp>
                 </mc:Fallback>
               </mc:AlternateContent>
-              <mc:AlternateContent xmlns:mc="http://schemas.openxmlformats.org/markup-compatibility/2006">
-                <mc:Choice xmlns:a14="http://schemas.microsoft.com/office/drawing/2010/main" Requires="a14">
+              <mc:AlternateContent xmlns:mc="http://schemas.openxmlformats.org/markup-compatibility/2006" xmlns:a14="http://schemas.microsoft.com/office/drawing/2010/main">
+                <mc:Choice Requires="a14">
                   <p:sp>
                     <p:nvSpPr>
                       <p:cNvPr id="68" name="Zone de texte 154"/>
@@ -15913,7 +20021,7 @@
                     </p:txBody>
                   </p:sp>
                 </mc:Choice>
-                <mc:Fallback>
+                <mc:Fallback xmlns="">
                   <p:sp>
                     <p:nvSpPr>
                       <p:cNvPr id="68" name="Zone de texte 154"/>
@@ -16056,8 +20164,8 @@
                   </a:p>
                 </p:txBody>
               </p:sp>
-              <mc:AlternateContent xmlns:mc="http://schemas.openxmlformats.org/markup-compatibility/2006">
-                <mc:Choice xmlns:a14="http://schemas.microsoft.com/office/drawing/2010/main" Requires="a14">
+              <mc:AlternateContent xmlns:mc="http://schemas.openxmlformats.org/markup-compatibility/2006" xmlns:a14="http://schemas.microsoft.com/office/drawing/2010/main">
+                <mc:Choice Requires="a14">
                   <p:sp>
                     <p:nvSpPr>
                       <p:cNvPr id="63" name="Zone de texte 153"/>
@@ -16135,7 +20243,7 @@
                     </p:txBody>
                   </p:sp>
                 </mc:Choice>
-                <mc:Fallback>
+                <mc:Fallback xmlns="">
                   <p:sp>
                     <p:nvSpPr>
                       <p:cNvPr id="63" name="Zone de texte 153"/>
@@ -16241,8 +20349,8 @@
                   </a:p>
                 </p:txBody>
               </p:sp>
-              <mc:AlternateContent xmlns:mc="http://schemas.openxmlformats.org/markup-compatibility/2006">
-                <mc:Choice xmlns:a14="http://schemas.microsoft.com/office/drawing/2010/main" Requires="a14">
+              <mc:AlternateContent xmlns:mc="http://schemas.openxmlformats.org/markup-compatibility/2006" xmlns:a14="http://schemas.microsoft.com/office/drawing/2010/main">
+                <mc:Choice Requires="a14">
                   <p:sp>
                     <p:nvSpPr>
                       <p:cNvPr id="61" name="Zone de texte 153"/>
@@ -16320,7 +20428,7 @@
                     </p:txBody>
                   </p:sp>
                 </mc:Choice>
-                <mc:Fallback>
+                <mc:Fallback xmlns="">
                   <p:sp>
                     <p:nvSpPr>
                       <p:cNvPr id="61" name="Zone de texte 153"/>
@@ -16440,8 +20548,8 @@
               </a:fontRef>
             </p:style>
           </p:cxnSp>
-          <mc:AlternateContent xmlns:mc="http://schemas.openxmlformats.org/markup-compatibility/2006">
-            <mc:Choice xmlns:a14="http://schemas.microsoft.com/office/drawing/2010/main" Requires="a14">
+          <mc:AlternateContent xmlns:mc="http://schemas.openxmlformats.org/markup-compatibility/2006" xmlns:a14="http://schemas.microsoft.com/office/drawing/2010/main">
+            <mc:Choice Requires="a14">
               <p:sp>
                 <p:nvSpPr>
                   <p:cNvPr id="55" name="Zone de texte 153"/>
@@ -16519,7 +20627,7 @@
                 </p:txBody>
               </p:sp>
             </mc:Choice>
-            <mc:Fallback>
+            <mc:Fallback xmlns="">
               <p:sp>
                 <p:nvSpPr>
                   <p:cNvPr id="55" name="Zone de texte 153"/>
@@ -16563,8 +20671,8 @@
               </p:sp>
             </mc:Fallback>
           </mc:AlternateContent>
-          <mc:AlternateContent xmlns:mc="http://schemas.openxmlformats.org/markup-compatibility/2006">
-            <mc:Choice xmlns:a14="http://schemas.microsoft.com/office/drawing/2010/main" Requires="a14">
+          <mc:AlternateContent xmlns:mc="http://schemas.openxmlformats.org/markup-compatibility/2006" xmlns:a14="http://schemas.microsoft.com/office/drawing/2010/main">
+            <mc:Choice Requires="a14">
               <p:sp>
                 <p:nvSpPr>
                   <p:cNvPr id="56" name="Zone de texte 153"/>
@@ -16642,7 +20750,7 @@
                 </p:txBody>
               </p:sp>
             </mc:Choice>
-            <mc:Fallback>
+            <mc:Fallback xmlns="">
               <p:sp>
                 <p:nvSpPr>
                   <p:cNvPr id="56" name="Zone de texte 153"/>
@@ -17365,8 +21473,8 @@
               </a:fontRef>
             </p:style>
           </p:cxnSp>
-          <mc:AlternateContent xmlns:mc="http://schemas.openxmlformats.org/markup-compatibility/2006">
-            <mc:Choice xmlns:a14="http://schemas.microsoft.com/office/drawing/2010/main" Requires="a14">
+          <mc:AlternateContent xmlns:mc="http://schemas.openxmlformats.org/markup-compatibility/2006" xmlns:a14="http://schemas.microsoft.com/office/drawing/2010/main">
+            <mc:Choice Requires="a14">
               <p:sp>
                 <p:nvSpPr>
                   <p:cNvPr id="171" name="Zone de texte 153"/>
@@ -17468,7 +21576,7 @@
                 </p:txBody>
               </p:sp>
             </mc:Choice>
-            <mc:Fallback>
+            <mc:Fallback xmlns="">
               <p:sp>
                 <p:nvSpPr>
                   <p:cNvPr id="171" name="Zone de texte 153"/>
@@ -17512,8 +21620,8 @@
               </p:sp>
             </mc:Fallback>
           </mc:AlternateContent>
-          <mc:AlternateContent xmlns:mc="http://schemas.openxmlformats.org/markup-compatibility/2006">
-            <mc:Choice xmlns:a14="http://schemas.microsoft.com/office/drawing/2010/main" Requires="a14">
+          <mc:AlternateContent xmlns:mc="http://schemas.openxmlformats.org/markup-compatibility/2006" xmlns:a14="http://schemas.microsoft.com/office/drawing/2010/main">
+            <mc:Choice Requires="a14">
               <p:sp>
                 <p:nvSpPr>
                   <p:cNvPr id="172" name="Zone de texte 153"/>
@@ -17615,7 +21723,7 @@
                 </p:txBody>
               </p:sp>
             </mc:Choice>
-            <mc:Fallback>
+            <mc:Fallback xmlns="">
               <p:sp>
                 <p:nvSpPr>
                   <p:cNvPr id="172" name="Zone de texte 153"/>
@@ -17740,8 +21848,8 @@
               </a:fontRef>
             </p:style>
           </p:cxnSp>
-          <mc:AlternateContent xmlns:mc="http://schemas.openxmlformats.org/markup-compatibility/2006">
-            <mc:Choice xmlns:a14="http://schemas.microsoft.com/office/drawing/2010/main" Requires="a14">
+          <mc:AlternateContent xmlns:mc="http://schemas.openxmlformats.org/markup-compatibility/2006" xmlns:a14="http://schemas.microsoft.com/office/drawing/2010/main">
+            <mc:Choice Requires="a14">
               <p:sp>
                 <p:nvSpPr>
                   <p:cNvPr id="167" name="Zone de texte 153"/>
@@ -17853,7 +21961,7 @@
                 </p:txBody>
               </p:sp>
             </mc:Choice>
-            <mc:Fallback>
+            <mc:Fallback xmlns="">
               <p:sp>
                 <p:nvSpPr>
                   <p:cNvPr id="167" name="Zone de texte 153"/>
@@ -17897,8 +22005,8 @@
               </p:sp>
             </mc:Fallback>
           </mc:AlternateContent>
-          <mc:AlternateContent xmlns:mc="http://schemas.openxmlformats.org/markup-compatibility/2006">
-            <mc:Choice xmlns:a14="http://schemas.microsoft.com/office/drawing/2010/main" Requires="a14">
+          <mc:AlternateContent xmlns:mc="http://schemas.openxmlformats.org/markup-compatibility/2006" xmlns:a14="http://schemas.microsoft.com/office/drawing/2010/main">
+            <mc:Choice Requires="a14">
               <p:sp>
                 <p:nvSpPr>
                   <p:cNvPr id="168" name="Zone de texte 153"/>
@@ -18010,7 +22118,7 @@
                 </p:txBody>
               </p:sp>
             </mc:Choice>
-            <mc:Fallback>
+            <mc:Fallback xmlns="">
               <p:sp>
                 <p:nvSpPr>
                   <p:cNvPr id="168" name="Zone de texte 153"/>
@@ -18135,8 +22243,8 @@
               </a:fontRef>
             </p:style>
           </p:cxnSp>
-          <mc:AlternateContent xmlns:mc="http://schemas.openxmlformats.org/markup-compatibility/2006">
-            <mc:Choice xmlns:a14="http://schemas.microsoft.com/office/drawing/2010/main" Requires="a14">
+          <mc:AlternateContent xmlns:mc="http://schemas.openxmlformats.org/markup-compatibility/2006" xmlns:a14="http://schemas.microsoft.com/office/drawing/2010/main">
+            <mc:Choice Requires="a14">
               <p:sp>
                 <p:nvSpPr>
                   <p:cNvPr id="163" name="Zone de texte 153"/>
@@ -18248,7 +22356,7 @@
                 </p:txBody>
               </p:sp>
             </mc:Choice>
-            <mc:Fallback>
+            <mc:Fallback xmlns="">
               <p:sp>
                 <p:nvSpPr>
                   <p:cNvPr id="163" name="Zone de texte 153"/>
@@ -18292,8 +22400,8 @@
               </p:sp>
             </mc:Fallback>
           </mc:AlternateContent>
-          <mc:AlternateContent xmlns:mc="http://schemas.openxmlformats.org/markup-compatibility/2006">
-            <mc:Choice xmlns:a14="http://schemas.microsoft.com/office/drawing/2010/main" Requires="a14">
+          <mc:AlternateContent xmlns:mc="http://schemas.openxmlformats.org/markup-compatibility/2006" xmlns:a14="http://schemas.microsoft.com/office/drawing/2010/main">
+            <mc:Choice Requires="a14">
               <p:sp>
                 <p:nvSpPr>
                   <p:cNvPr id="164" name="Zone de texte 153"/>
@@ -18405,7 +22513,7 @@
                 </p:txBody>
               </p:sp>
             </mc:Choice>
-            <mc:Fallback>
+            <mc:Fallback xmlns="">
               <p:sp>
                 <p:nvSpPr>
                   <p:cNvPr id="164" name="Zone de texte 153"/>
@@ -18721,6 +22829,2097 @@
 </p:sld>
 </file>
 
+<file path=ppt/slides/slide7.xml><?xml version="1.0" encoding="utf-8"?>
+<p:sld xmlns:a="http://schemas.openxmlformats.org/drawingml/2006/main" xmlns:r="http://schemas.openxmlformats.org/officeDocument/2006/relationships" xmlns:p="http://schemas.openxmlformats.org/presentationml/2006/main">
+  <p:cSld>
+    <p:spTree>
+      <p:nvGrpSpPr>
+        <p:cNvPr id="1" name=""/>
+        <p:cNvGrpSpPr/>
+        <p:nvPr/>
+      </p:nvGrpSpPr>
+      <p:grpSpPr>
+        <a:xfrm>
+          <a:off x="0" y="0"/>
+          <a:ext cx="0" cy="0"/>
+          <a:chOff x="0" y="0"/>
+          <a:chExt cx="0" cy="0"/>
+        </a:xfrm>
+      </p:grpSpPr>
+      <p:grpSp>
+        <p:nvGrpSpPr>
+          <p:cNvPr id="35" name="Groupe 34"/>
+          <p:cNvGrpSpPr/>
+          <p:nvPr/>
+        </p:nvGrpSpPr>
+        <p:grpSpPr>
+          <a:xfrm>
+            <a:off x="1413803" y="1840515"/>
+            <a:ext cx="6534726" cy="1637447"/>
+            <a:chOff x="1413803" y="1840515"/>
+            <a:chExt cx="6534726" cy="1637447"/>
+          </a:xfrm>
+        </p:grpSpPr>
+        <p:grpSp>
+          <p:nvGrpSpPr>
+            <p:cNvPr id="4" name="Groupe 3"/>
+            <p:cNvGrpSpPr/>
+            <p:nvPr/>
+          </p:nvGrpSpPr>
+          <p:grpSpPr>
+            <a:xfrm>
+              <a:off x="1413803" y="1840515"/>
+              <a:ext cx="6534726" cy="1637447"/>
+              <a:chOff x="1530411" y="1884240"/>
+              <a:chExt cx="6534726" cy="1637447"/>
+            </a:xfrm>
+          </p:grpSpPr>
+          <p:pic>
+            <p:nvPicPr>
+              <p:cNvPr id="5" name="Image 4"/>
+              <p:cNvPicPr/>
+              <p:nvPr/>
+            </p:nvPicPr>
+            <p:blipFill>
+              <a:blip r:embed="rId2"/>
+              <a:stretch>
+                <a:fillRect/>
+              </a:stretch>
+            </p:blipFill>
+            <p:spPr>
+              <a:xfrm>
+                <a:off x="2621722" y="1884240"/>
+                <a:ext cx="5443415" cy="1568077"/>
+              </a:xfrm>
+              <a:prstGeom prst="rect">
+                <a:avLst/>
+              </a:prstGeom>
+            </p:spPr>
+          </p:pic>
+          <p:grpSp>
+            <p:nvGrpSpPr>
+              <p:cNvPr id="6" name="Groupe 5"/>
+              <p:cNvGrpSpPr/>
+              <p:nvPr/>
+            </p:nvGrpSpPr>
+            <p:grpSpPr>
+              <a:xfrm>
+                <a:off x="1530411" y="2092196"/>
+                <a:ext cx="1127467" cy="1429491"/>
+                <a:chOff x="986142" y="2446409"/>
+                <a:chExt cx="1127467" cy="1429491"/>
+              </a:xfrm>
+            </p:grpSpPr>
+            <p:grpSp>
+              <p:nvGrpSpPr>
+                <p:cNvPr id="7" name="Groupe 6"/>
+                <p:cNvGrpSpPr/>
+                <p:nvPr/>
+              </p:nvGrpSpPr>
+              <p:grpSpPr>
+                <a:xfrm>
+                  <a:off x="986142" y="2446409"/>
+                  <a:ext cx="1127467" cy="1429491"/>
+                  <a:chOff x="724214" y="2859266"/>
+                  <a:chExt cx="1127467" cy="1429491"/>
+                </a:xfrm>
+              </p:grpSpPr>
+              <p:grpSp>
+                <p:nvGrpSpPr>
+                  <p:cNvPr id="12" name="Groupe 11"/>
+                  <p:cNvGrpSpPr/>
+                  <p:nvPr/>
+                </p:nvGrpSpPr>
+                <p:grpSpPr>
+                  <a:xfrm>
+                    <a:off x="1053220" y="2859266"/>
+                    <a:ext cx="798461" cy="1429491"/>
+                    <a:chOff x="1049422" y="2910837"/>
+                    <a:chExt cx="798461" cy="1429491"/>
+                  </a:xfrm>
+                </p:grpSpPr>
+                <p:cxnSp>
+                  <p:nvCxnSpPr>
+                    <p:cNvPr id="19" name="Connecteur droit avec flèche 18"/>
+                    <p:cNvCxnSpPr/>
+                    <p:nvPr/>
+                  </p:nvCxnSpPr>
+                  <p:spPr>
+                    <a:xfrm>
+                      <a:off x="1066579" y="3525170"/>
+                      <a:ext cx="624466" cy="0"/>
+                    </a:xfrm>
+                    <a:prstGeom prst="straightConnector1">
+                      <a:avLst/>
+                    </a:prstGeom>
+                    <a:ln w="19050">
+                      <a:solidFill>
+                        <a:srgbClr val="767171"/>
+                      </a:solidFill>
+                      <a:prstDash val="solid"/>
+                      <a:tailEnd type="triangle"/>
+                    </a:ln>
+                  </p:spPr>
+                  <p:style>
+                    <a:lnRef idx="1">
+                      <a:schemeClr val="accent1"/>
+                    </a:lnRef>
+                    <a:fillRef idx="0">
+                      <a:schemeClr val="accent1"/>
+                    </a:fillRef>
+                    <a:effectRef idx="0">
+                      <a:schemeClr val="accent1"/>
+                    </a:effectRef>
+                    <a:fontRef idx="minor">
+                      <a:schemeClr val="tx1"/>
+                    </a:fontRef>
+                  </p:style>
+                </p:cxnSp>
+                <p:cxnSp>
+                  <p:nvCxnSpPr>
+                    <p:cNvPr id="20" name="Connecteur droit avec flèche 19"/>
+                    <p:cNvCxnSpPr/>
+                    <p:nvPr/>
+                  </p:nvCxnSpPr>
+                  <p:spPr>
+                    <a:xfrm>
+                      <a:off x="1066580" y="3525170"/>
+                      <a:ext cx="0" cy="677833"/>
+                    </a:xfrm>
+                    <a:prstGeom prst="straightConnector1">
+                      <a:avLst/>
+                    </a:prstGeom>
+                    <a:ln w="19050">
+                      <a:solidFill>
+                        <a:srgbClr val="767171"/>
+                      </a:solidFill>
+                      <a:prstDash val="solid"/>
+                      <a:tailEnd type="triangle"/>
+                    </a:ln>
+                  </p:spPr>
+                  <p:style>
+                    <a:lnRef idx="1">
+                      <a:schemeClr val="accent1"/>
+                    </a:lnRef>
+                    <a:fillRef idx="0">
+                      <a:schemeClr val="accent1"/>
+                    </a:fillRef>
+                    <a:effectRef idx="0">
+                      <a:schemeClr val="accent1"/>
+                    </a:effectRef>
+                    <a:fontRef idx="minor">
+                      <a:schemeClr val="tx1"/>
+                    </a:fontRef>
+                  </p:style>
+                </p:cxnSp>
+                <mc:AlternateContent xmlns:mc="http://schemas.openxmlformats.org/markup-compatibility/2006" xmlns:a14="http://schemas.microsoft.com/office/drawing/2010/main">
+                  <mc:Choice Requires="a14">
+                    <p:sp>
+                      <p:nvSpPr>
+                        <p:cNvPr id="21" name="Zone de texte 153"/>
+                        <p:cNvSpPr txBox="1"/>
+                        <p:nvPr/>
+                      </p:nvSpPr>
+                      <p:spPr>
+                        <a:xfrm>
+                          <a:off x="1049422" y="4065678"/>
+                          <a:ext cx="301748" cy="274650"/>
+                        </a:xfrm>
+                        <a:prstGeom prst="rect">
+                          <a:avLst/>
+                        </a:prstGeom>
+                        <a:noFill/>
+                        <a:ln w="6350">
+                          <a:noFill/>
+                          <a:prstDash val="sysDash"/>
+                        </a:ln>
+                        <a:effectLst/>
+                      </p:spPr>
+                      <p:style>
+                        <a:lnRef idx="0">
+                          <a:schemeClr val="accent1"/>
+                        </a:lnRef>
+                        <a:fillRef idx="0">
+                          <a:schemeClr val="accent1"/>
+                        </a:fillRef>
+                        <a:effectRef idx="0">
+                          <a:schemeClr val="accent1"/>
+                        </a:effectRef>
+                        <a:fontRef idx="minor">
+                          <a:schemeClr val="dk1"/>
+                        </a:fontRef>
+                      </p:style>
+                      <p:txBody>
+                        <a:bodyPr rot="0" spcFirstLastPara="0" vert="horz" wrap="square" lIns="91440" tIns="45720" rIns="91440" bIns="45720" numCol="1" spcCol="0" rtlCol="0" fromWordArt="0" anchor="t" anchorCtr="0" forceAA="0" compatLnSpc="1">
+                          <a:prstTxWarp prst="textNoShape">
+                            <a:avLst/>
+                          </a:prstTxWarp>
+                          <a:noAutofit/>
+                        </a:bodyPr>
+                        <a:lstStyle/>
+                        <a:p>
+                          <a:pPr>
+                            <a:lnSpc>
+                              <a:spcPct val="107000"/>
+                            </a:lnSpc>
+                            <a:spcAft>
+                              <a:spcPts val="800"/>
+                            </a:spcAft>
+                          </a:pPr>
+                          <a14:m>
+                            <m:oMath xmlns:m="http://schemas.openxmlformats.org/officeDocument/2006/math">
+                              <m:r>
+                                <a:rPr lang="fr-FR" sz="1400" b="1" i="1" smtClean="0">
+                                  <a:solidFill>
+                                    <a:srgbClr val="767171"/>
+                                  </a:solidFill>
+                                  <a:effectLst/>
+                                  <a:latin typeface="Cambria Math" panose="02040503050406030204" pitchFamily="18" charset="0"/>
+                                  <a:ea typeface="Calibri" panose="020F0502020204030204" pitchFamily="34" charset="0"/>
+                                  <a:cs typeface="Times New Roman" panose="02020603050405020304" pitchFamily="18" charset="0"/>
+                                </a:rPr>
+                                <m:t>𝑿</m:t>
+                              </m:r>
+                            </m:oMath>
+                          </a14:m>
+                          <a:r>
+                            <a:rPr lang="fr-FR" sz="1400" dirty="0">
+                              <a:effectLst/>
+                              <a:ea typeface="Calibri" panose="020F0502020204030204" pitchFamily="34" charset="0"/>
+                              <a:cs typeface="Times New Roman" panose="02020603050405020304" pitchFamily="18" charset="0"/>
+                            </a:rPr>
+                            <a:t> </a:t>
+                          </a:r>
+                        </a:p>
+                      </p:txBody>
+                    </p:sp>
+                  </mc:Choice>
+                  <mc:Fallback xmlns="">
+                    <p:sp>
+                      <p:nvSpPr>
+                        <p:cNvPr id="140" name="Zone de texte 153"/>
+                        <p:cNvSpPr txBox="1">
+                          <a:spLocks noRot="1" noChangeAspect="1" noMove="1" noResize="1" noEditPoints="1" noAdjustHandles="1" noChangeArrowheads="1" noChangeShapeType="1" noTextEdit="1"/>
+                        </p:cNvSpPr>
+                        <p:nvPr/>
+                      </p:nvSpPr>
+                      <p:spPr>
+                        <a:xfrm>
+                          <a:off x="1049422" y="4065678"/>
+                          <a:ext cx="301748" cy="274650"/>
+                        </a:xfrm>
+                        <a:prstGeom prst="rect">
+                          <a:avLst/>
+                        </a:prstGeom>
+                        <a:blipFill rotWithShape="0">
+                          <a:blip r:embed="rId13"/>
+                          <a:stretch>
+                            <a:fillRect/>
+                          </a:stretch>
+                        </a:blipFill>
+                        <a:ln w="6350">
+                          <a:noFill/>
+                          <a:prstDash val="sysDash"/>
+                        </a:ln>
+                        <a:effectLst/>
+                      </p:spPr>
+                      <p:txBody>
+                        <a:bodyPr/>
+                        <a:lstStyle/>
+                        <a:p>
+                          <a:r>
+                            <a:rPr lang="fr-FR">
+                              <a:noFill/>
+                            </a:rPr>
+                            <a:t> </a:t>
+                          </a:r>
+                        </a:p>
+                      </p:txBody>
+                    </p:sp>
+                  </mc:Fallback>
+                </mc:AlternateContent>
+                <mc:AlternateContent xmlns:mc="http://schemas.openxmlformats.org/markup-compatibility/2006" xmlns:a14="http://schemas.microsoft.com/office/drawing/2010/main">
+                  <mc:Choice Requires="a14">
+                    <p:sp>
+                      <p:nvSpPr>
+                        <p:cNvPr id="22" name="Zone de texte 154"/>
+                        <p:cNvSpPr txBox="1"/>
+                        <p:nvPr/>
+                      </p:nvSpPr>
+                      <p:spPr>
+                        <a:xfrm>
+                          <a:off x="1546135" y="3480903"/>
+                          <a:ext cx="301748" cy="274650"/>
+                        </a:xfrm>
+                        <a:prstGeom prst="rect">
+                          <a:avLst/>
+                        </a:prstGeom>
+                        <a:noFill/>
+                        <a:ln w="6350">
+                          <a:noFill/>
+                          <a:prstDash val="sysDash"/>
+                        </a:ln>
+                        <a:effectLst/>
+                      </p:spPr>
+                      <p:style>
+                        <a:lnRef idx="0">
+                          <a:schemeClr val="accent1"/>
+                        </a:lnRef>
+                        <a:fillRef idx="0">
+                          <a:schemeClr val="accent1"/>
+                        </a:fillRef>
+                        <a:effectRef idx="0">
+                          <a:schemeClr val="accent1"/>
+                        </a:effectRef>
+                        <a:fontRef idx="minor">
+                          <a:schemeClr val="dk1"/>
+                        </a:fontRef>
+                      </p:style>
+                      <p:txBody>
+                        <a:bodyPr rot="0" spcFirstLastPara="0" vert="horz" wrap="square" lIns="91440" tIns="45720" rIns="91440" bIns="45720" numCol="1" spcCol="0" rtlCol="0" fromWordArt="0" anchor="t" anchorCtr="0" forceAA="0" compatLnSpc="1">
+                          <a:prstTxWarp prst="textNoShape">
+                            <a:avLst/>
+                          </a:prstTxWarp>
+                          <a:noAutofit/>
+                        </a:bodyPr>
+                        <a:lstStyle/>
+                        <a:p>
+                          <a:pPr>
+                            <a:lnSpc>
+                              <a:spcPct val="107000"/>
+                            </a:lnSpc>
+                            <a:spcAft>
+                              <a:spcPts val="800"/>
+                            </a:spcAft>
+                          </a:pPr>
+                          <a14:m>
+                            <m:oMath xmlns:m="http://schemas.openxmlformats.org/officeDocument/2006/math">
+                              <m:r>
+                                <a:rPr lang="fr-FR" sz="1400" b="1" i="1" dirty="0" smtClean="0">
+                                  <a:solidFill>
+                                    <a:srgbClr val="767171"/>
+                                  </a:solidFill>
+                                  <a:effectLst/>
+                                  <a:latin typeface="Cambria Math" panose="02040503050406030204" pitchFamily="18" charset="0"/>
+                                  <a:ea typeface="Calibri" panose="020F0502020204030204" pitchFamily="34" charset="0"/>
+                                  <a:cs typeface="Times New Roman" panose="02020603050405020304" pitchFamily="18" charset="0"/>
+                                </a:rPr>
+                                <m:t>𝒁</m:t>
+                              </m:r>
+                            </m:oMath>
+                          </a14:m>
+                          <a:r>
+                            <a:rPr lang="fr-FR" sz="1400" dirty="0">
+                              <a:effectLst/>
+                              <a:ea typeface="Calibri" panose="020F0502020204030204" pitchFamily="34" charset="0"/>
+                              <a:cs typeface="Times New Roman" panose="02020603050405020304" pitchFamily="18" charset="0"/>
+                            </a:rPr>
+                            <a:t> </a:t>
+                          </a:r>
+                        </a:p>
+                      </p:txBody>
+                    </p:sp>
+                  </mc:Choice>
+                  <mc:Fallback xmlns="">
+                    <p:sp>
+                      <p:nvSpPr>
+                        <p:cNvPr id="141" name="Zone de texte 154"/>
+                        <p:cNvSpPr txBox="1">
+                          <a:spLocks noRot="1" noChangeAspect="1" noMove="1" noResize="1" noEditPoints="1" noAdjustHandles="1" noChangeArrowheads="1" noChangeShapeType="1" noTextEdit="1"/>
+                        </p:cNvSpPr>
+                        <p:nvPr/>
+                      </p:nvSpPr>
+                      <p:spPr>
+                        <a:xfrm>
+                          <a:off x="1546135" y="3480903"/>
+                          <a:ext cx="301748" cy="274650"/>
+                        </a:xfrm>
+                        <a:prstGeom prst="rect">
+                          <a:avLst/>
+                        </a:prstGeom>
+                        <a:blipFill rotWithShape="0">
+                          <a:blip r:embed="rId14"/>
+                          <a:stretch>
+                            <a:fillRect/>
+                          </a:stretch>
+                        </a:blipFill>
+                        <a:ln w="6350">
+                          <a:noFill/>
+                          <a:prstDash val="sysDash"/>
+                        </a:ln>
+                        <a:effectLst/>
+                      </p:spPr>
+                      <p:txBody>
+                        <a:bodyPr/>
+                        <a:lstStyle/>
+                        <a:p>
+                          <a:r>
+                            <a:rPr lang="fr-FR">
+                              <a:noFill/>
+                            </a:rPr>
+                            <a:t> </a:t>
+                          </a:r>
+                        </a:p>
+                      </p:txBody>
+                    </p:sp>
+                  </mc:Fallback>
+                </mc:AlternateContent>
+                <mc:AlternateContent xmlns:mc="http://schemas.openxmlformats.org/markup-compatibility/2006" xmlns:a14="http://schemas.microsoft.com/office/drawing/2010/main">
+                  <mc:Choice Requires="a14">
+                    <p:sp>
+                      <p:nvSpPr>
+                        <p:cNvPr id="23" name="Zone de texte 154"/>
+                        <p:cNvSpPr txBox="1"/>
+                        <p:nvPr/>
+                      </p:nvSpPr>
+                      <p:spPr>
+                        <a:xfrm>
+                          <a:off x="1415686" y="2910837"/>
+                          <a:ext cx="183498" cy="274250"/>
+                        </a:xfrm>
+                        <a:prstGeom prst="rect">
+                          <a:avLst/>
+                        </a:prstGeom>
+                        <a:noFill/>
+                        <a:ln w="6350">
+                          <a:noFill/>
+                          <a:prstDash val="sysDash"/>
+                        </a:ln>
+                        <a:effectLst/>
+                      </p:spPr>
+                      <p:style>
+                        <a:lnRef idx="0">
+                          <a:schemeClr val="accent1"/>
+                        </a:lnRef>
+                        <a:fillRef idx="0">
+                          <a:schemeClr val="accent1"/>
+                        </a:fillRef>
+                        <a:effectRef idx="0">
+                          <a:schemeClr val="accent1"/>
+                        </a:effectRef>
+                        <a:fontRef idx="minor">
+                          <a:schemeClr val="dk1"/>
+                        </a:fontRef>
+                      </p:style>
+                      <p:txBody>
+                        <a:bodyPr rot="0" spcFirstLastPara="0" vert="horz" wrap="square" lIns="91440" tIns="45720" rIns="91440" bIns="45720" numCol="1" spcCol="0" rtlCol="0" fromWordArt="0" anchor="t" anchorCtr="0" forceAA="0" compatLnSpc="1">
+                          <a:prstTxWarp prst="textNoShape">
+                            <a:avLst/>
+                          </a:prstTxWarp>
+                          <a:noAutofit/>
+                        </a:bodyPr>
+                        <a:lstStyle/>
+                        <a:p>
+                          <a:pPr>
+                            <a:lnSpc>
+                              <a:spcPct val="107000"/>
+                            </a:lnSpc>
+                            <a:spcAft>
+                              <a:spcPts val="800"/>
+                            </a:spcAft>
+                          </a:pPr>
+                          <a14:m>
+                            <m:oMath xmlns:m="http://schemas.openxmlformats.org/officeDocument/2006/math">
+                              <m:r>
+                                <a:rPr lang="fr-FR" sz="1400" b="1" i="1" dirty="0" smtClean="0">
+                                  <a:solidFill>
+                                    <a:srgbClr val="767171"/>
+                                  </a:solidFill>
+                                  <a:effectLst/>
+                                  <a:latin typeface="Cambria Math" panose="02040503050406030204" pitchFamily="18" charset="0"/>
+                                  <a:ea typeface="Calibri" panose="020F0502020204030204" pitchFamily="34" charset="0"/>
+                                  <a:cs typeface="Times New Roman" panose="02020603050405020304" pitchFamily="18" charset="0"/>
+                                </a:rPr>
+                                <m:t>𝒀</m:t>
+                              </m:r>
+                            </m:oMath>
+                          </a14:m>
+                          <a:r>
+                            <a:rPr lang="fr-FR" sz="1400" dirty="0">
+                              <a:effectLst/>
+                              <a:ea typeface="Calibri" panose="020F0502020204030204" pitchFamily="34" charset="0"/>
+                              <a:cs typeface="Times New Roman" panose="02020603050405020304" pitchFamily="18" charset="0"/>
+                            </a:rPr>
+                            <a:t> </a:t>
+                          </a:r>
+                        </a:p>
+                      </p:txBody>
+                    </p:sp>
+                  </mc:Choice>
+                  <mc:Fallback xmlns="">
+                    <p:sp>
+                      <p:nvSpPr>
+                        <p:cNvPr id="142" name="Zone de texte 154"/>
+                        <p:cNvSpPr txBox="1">
+                          <a:spLocks noRot="1" noChangeAspect="1" noMove="1" noResize="1" noEditPoints="1" noAdjustHandles="1" noChangeArrowheads="1" noChangeShapeType="1" noTextEdit="1"/>
+                        </p:cNvSpPr>
+                        <p:nvPr/>
+                      </p:nvSpPr>
+                      <p:spPr>
+                        <a:xfrm>
+                          <a:off x="1415686" y="2910837"/>
+                          <a:ext cx="183498" cy="274250"/>
+                        </a:xfrm>
+                        <a:prstGeom prst="rect">
+                          <a:avLst/>
+                        </a:prstGeom>
+                        <a:blipFill rotWithShape="0">
+                          <a:blip r:embed="rId15"/>
+                          <a:stretch>
+                            <a:fillRect r="-43333"/>
+                          </a:stretch>
+                        </a:blipFill>
+                        <a:ln w="6350">
+                          <a:noFill/>
+                          <a:prstDash val="sysDash"/>
+                        </a:ln>
+                        <a:effectLst/>
+                      </p:spPr>
+                      <p:txBody>
+                        <a:bodyPr/>
+                        <a:lstStyle/>
+                        <a:p>
+                          <a:r>
+                            <a:rPr lang="fr-FR">
+                              <a:noFill/>
+                            </a:rPr>
+                            <a:t> </a:t>
+                          </a:r>
+                        </a:p>
+                      </p:txBody>
+                    </p:sp>
+                  </mc:Fallback>
+                </mc:AlternateContent>
+                <p:cxnSp>
+                  <p:nvCxnSpPr>
+                    <p:cNvPr id="24" name="Connecteur droit avec flèche 23"/>
+                    <p:cNvCxnSpPr/>
+                    <p:nvPr/>
+                  </p:nvCxnSpPr>
+                  <p:spPr>
+                    <a:xfrm flipV="1">
+                      <a:off x="1066579" y="3125988"/>
+                      <a:ext cx="599334" cy="401932"/>
+                    </a:xfrm>
+                    <a:prstGeom prst="straightConnector1">
+                      <a:avLst/>
+                    </a:prstGeom>
+                    <a:ln w="19050">
+                      <a:solidFill>
+                        <a:srgbClr val="767171"/>
+                      </a:solidFill>
+                      <a:prstDash val="solid"/>
+                      <a:tailEnd type="triangle"/>
+                    </a:ln>
+                  </p:spPr>
+                  <p:style>
+                    <a:lnRef idx="1">
+                      <a:schemeClr val="accent1"/>
+                    </a:lnRef>
+                    <a:fillRef idx="0">
+                      <a:schemeClr val="accent1"/>
+                    </a:fillRef>
+                    <a:effectRef idx="0">
+                      <a:schemeClr val="accent1"/>
+                    </a:effectRef>
+                    <a:fontRef idx="minor">
+                      <a:schemeClr val="tx1"/>
+                    </a:fontRef>
+                  </p:style>
+                </p:cxnSp>
+              </p:grpSp>
+              <p:grpSp>
+                <p:nvGrpSpPr>
+                  <p:cNvPr id="13" name="Groupe 12"/>
+                  <p:cNvGrpSpPr/>
+                  <p:nvPr/>
+                </p:nvGrpSpPr>
+                <p:grpSpPr>
+                  <a:xfrm>
+                    <a:off x="724214" y="3727527"/>
+                    <a:ext cx="472729" cy="290512"/>
+                    <a:chOff x="724214" y="3727527"/>
+                    <a:chExt cx="472729" cy="290512"/>
+                  </a:xfrm>
+                </p:grpSpPr>
+                <p:sp>
+                  <p:nvSpPr>
+                    <p:cNvPr id="17" name="Arc 16"/>
+                    <p:cNvSpPr/>
+                    <p:nvPr/>
+                  </p:nvSpPr>
+                  <p:spPr>
+                    <a:xfrm rot="7260465">
+                      <a:off x="928150" y="3749246"/>
+                      <a:ext cx="290512" cy="247074"/>
+                    </a:xfrm>
+                    <a:prstGeom prst="arc">
+                      <a:avLst>
+                        <a:gd name="adj1" fmla="val 16200000"/>
+                        <a:gd name="adj2" fmla="val 2933405"/>
+                      </a:avLst>
+                    </a:prstGeom>
+                    <a:ln w="12700">
+                      <a:solidFill>
+                        <a:schemeClr val="tx1"/>
+                      </a:solidFill>
+                      <a:tailEnd type="triangle"/>
+                    </a:ln>
+                  </p:spPr>
+                  <p:style>
+                    <a:lnRef idx="1">
+                      <a:schemeClr val="accent1"/>
+                    </a:lnRef>
+                    <a:fillRef idx="0">
+                      <a:schemeClr val="accent1"/>
+                    </a:fillRef>
+                    <a:effectRef idx="0">
+                      <a:schemeClr val="accent1"/>
+                    </a:effectRef>
+                    <a:fontRef idx="minor">
+                      <a:schemeClr val="tx1"/>
+                    </a:fontRef>
+                  </p:style>
+                  <p:txBody>
+                    <a:bodyPr rtlCol="0" anchor="ctr"/>
+                    <a:lstStyle/>
+                    <a:p>
+                      <a:pPr algn="ctr"/>
+                      <a:endParaRPr lang="fr-FR"/>
+                    </a:p>
+                  </p:txBody>
+                </p:sp>
+                <mc:AlternateContent xmlns:mc="http://schemas.openxmlformats.org/markup-compatibility/2006" xmlns:a14="http://schemas.microsoft.com/office/drawing/2010/main">
+                  <mc:Choice Requires="a14">
+                    <p:sp>
+                      <p:nvSpPr>
+                        <p:cNvPr id="18" name="Zone de texte 153"/>
+                        <p:cNvSpPr txBox="1"/>
+                        <p:nvPr/>
+                      </p:nvSpPr>
+                      <p:spPr>
+                        <a:xfrm>
+                          <a:off x="724214" y="3741005"/>
+                          <a:ext cx="301748" cy="274650"/>
+                        </a:xfrm>
+                        <a:prstGeom prst="rect">
+                          <a:avLst/>
+                        </a:prstGeom>
+                        <a:noFill/>
+                        <a:ln w="6350">
+                          <a:noFill/>
+                          <a:prstDash val="sysDash"/>
+                        </a:ln>
+                        <a:effectLst/>
+                      </p:spPr>
+                      <p:style>
+                        <a:lnRef idx="0">
+                          <a:schemeClr val="accent1"/>
+                        </a:lnRef>
+                        <a:fillRef idx="0">
+                          <a:schemeClr val="accent1"/>
+                        </a:fillRef>
+                        <a:effectRef idx="0">
+                          <a:schemeClr val="accent1"/>
+                        </a:effectRef>
+                        <a:fontRef idx="minor">
+                          <a:schemeClr val="dk1"/>
+                        </a:fontRef>
+                      </p:style>
+                      <p:txBody>
+                        <a:bodyPr rot="0" spcFirstLastPara="0" vert="horz" wrap="square" lIns="91440" tIns="45720" rIns="91440" bIns="45720" numCol="1" spcCol="0" rtlCol="0" fromWordArt="0" anchor="t" anchorCtr="0" forceAA="0" compatLnSpc="1">
+                          <a:prstTxWarp prst="textNoShape">
+                            <a:avLst/>
+                          </a:prstTxWarp>
+                          <a:noAutofit/>
+                        </a:bodyPr>
+                        <a:lstStyle/>
+                        <a:p>
+                          <a:pPr>
+                            <a:lnSpc>
+                              <a:spcPct val="107000"/>
+                            </a:lnSpc>
+                            <a:spcAft>
+                              <a:spcPts val="800"/>
+                            </a:spcAft>
+                          </a:pPr>
+                          <a14:m>
+                            <m:oMath xmlns:m="http://schemas.openxmlformats.org/officeDocument/2006/math">
+                              <m:r>
+                                <a:rPr lang="fr-FR" sz="1400" b="0" i="1" smtClean="0">
+                                  <a:effectLst/>
+                                  <a:latin typeface="Cambria Math" panose="02040503050406030204" pitchFamily="18" charset="0"/>
+                                  <a:ea typeface="Calibri" panose="020F0502020204030204" pitchFamily="34" charset="0"/>
+                                  <a:cs typeface="Times New Roman" panose="02020603050405020304" pitchFamily="18" charset="0"/>
+                                </a:rPr>
+                                <m:t>𝜃</m:t>
+                              </m:r>
+                            </m:oMath>
+                          </a14:m>
+                          <a:r>
+                            <a:rPr lang="fr-FR" sz="1400" dirty="0">
+                              <a:effectLst/>
+                              <a:ea typeface="Calibri" panose="020F0502020204030204" pitchFamily="34" charset="0"/>
+                              <a:cs typeface="Times New Roman" panose="02020603050405020304" pitchFamily="18" charset="0"/>
+                            </a:rPr>
+                            <a:t> </a:t>
+                          </a:r>
+                        </a:p>
+                      </p:txBody>
+                    </p:sp>
+                  </mc:Choice>
+                  <mc:Fallback xmlns="">
+                    <p:sp>
+                      <p:nvSpPr>
+                        <p:cNvPr id="181" name="Zone de texte 153"/>
+                        <p:cNvSpPr txBox="1">
+                          <a:spLocks noRot="1" noChangeAspect="1" noMove="1" noResize="1" noEditPoints="1" noAdjustHandles="1" noChangeArrowheads="1" noChangeShapeType="1" noTextEdit="1"/>
+                        </p:cNvSpPr>
+                        <p:nvPr/>
+                      </p:nvSpPr>
+                      <p:spPr>
+                        <a:xfrm>
+                          <a:off x="724214" y="3741005"/>
+                          <a:ext cx="301748" cy="274650"/>
+                        </a:xfrm>
+                        <a:prstGeom prst="rect">
+                          <a:avLst/>
+                        </a:prstGeom>
+                        <a:blipFill rotWithShape="0">
+                          <a:blip r:embed="rId16"/>
+                          <a:stretch>
+                            <a:fillRect/>
+                          </a:stretch>
+                        </a:blipFill>
+                        <a:ln w="6350">
+                          <a:noFill/>
+                          <a:prstDash val="sysDash"/>
+                        </a:ln>
+                        <a:effectLst/>
+                      </p:spPr>
+                      <p:txBody>
+                        <a:bodyPr/>
+                        <a:lstStyle/>
+                        <a:p>
+                          <a:r>
+                            <a:rPr lang="fr-FR">
+                              <a:noFill/>
+                            </a:rPr>
+                            <a:t> </a:t>
+                          </a:r>
+                        </a:p>
+                      </p:txBody>
+                    </p:sp>
+                  </mc:Fallback>
+                </mc:AlternateContent>
+              </p:grpSp>
+              <p:grpSp>
+                <p:nvGrpSpPr>
+                  <p:cNvPr id="14" name="Groupe 13"/>
+                  <p:cNvGrpSpPr/>
+                  <p:nvPr/>
+                </p:nvGrpSpPr>
+                <p:grpSpPr>
+                  <a:xfrm>
+                    <a:off x="1280274" y="3088980"/>
+                    <a:ext cx="553070" cy="336536"/>
+                    <a:chOff x="1280274" y="3088980"/>
+                    <a:chExt cx="553070" cy="336536"/>
+                  </a:xfrm>
+                </p:grpSpPr>
+                <p:sp>
+                  <p:nvSpPr>
+                    <p:cNvPr id="15" name="Arc 14"/>
+                    <p:cNvSpPr/>
+                    <p:nvPr/>
+                  </p:nvSpPr>
+                  <p:spPr>
+                    <a:xfrm>
+                      <a:off x="1280274" y="3088980"/>
+                      <a:ext cx="290512" cy="247074"/>
+                    </a:xfrm>
+                    <a:prstGeom prst="arc">
+                      <a:avLst>
+                        <a:gd name="adj1" fmla="val 16200000"/>
+                        <a:gd name="adj2" fmla="val 2933405"/>
+                      </a:avLst>
+                    </a:prstGeom>
+                    <a:ln w="12700">
+                      <a:solidFill>
+                        <a:schemeClr val="tx1"/>
+                      </a:solidFill>
+                      <a:tailEnd type="triangle"/>
+                    </a:ln>
+                  </p:spPr>
+                  <p:style>
+                    <a:lnRef idx="1">
+                      <a:schemeClr val="accent1"/>
+                    </a:lnRef>
+                    <a:fillRef idx="0">
+                      <a:schemeClr val="accent1"/>
+                    </a:fillRef>
+                    <a:effectRef idx="0">
+                      <a:schemeClr val="accent1"/>
+                    </a:effectRef>
+                    <a:fontRef idx="minor">
+                      <a:schemeClr val="tx1"/>
+                    </a:fontRef>
+                  </p:style>
+                  <p:txBody>
+                    <a:bodyPr rtlCol="0" anchor="ctr"/>
+                    <a:lstStyle/>
+                    <a:p>
+                      <a:pPr algn="ctr"/>
+                      <a:endParaRPr lang="fr-FR"/>
+                    </a:p>
+                  </p:txBody>
+                </p:sp>
+                <mc:AlternateContent xmlns:mc="http://schemas.openxmlformats.org/markup-compatibility/2006" xmlns:a14="http://schemas.microsoft.com/office/drawing/2010/main">
+                  <mc:Choice Requires="a14">
+                    <p:sp>
+                      <p:nvSpPr>
+                        <p:cNvPr id="16" name="Zone de texte 153"/>
+                        <p:cNvSpPr txBox="1"/>
+                        <p:nvPr/>
+                      </p:nvSpPr>
+                      <p:spPr>
+                        <a:xfrm>
+                          <a:off x="1531596" y="3150866"/>
+                          <a:ext cx="301748" cy="274650"/>
+                        </a:xfrm>
+                        <a:prstGeom prst="rect">
+                          <a:avLst/>
+                        </a:prstGeom>
+                        <a:noFill/>
+                        <a:ln w="6350">
+                          <a:noFill/>
+                          <a:prstDash val="sysDash"/>
+                        </a:ln>
+                        <a:effectLst/>
+                      </p:spPr>
+                      <p:style>
+                        <a:lnRef idx="0">
+                          <a:schemeClr val="accent1"/>
+                        </a:lnRef>
+                        <a:fillRef idx="0">
+                          <a:schemeClr val="accent1"/>
+                        </a:fillRef>
+                        <a:effectRef idx="0">
+                          <a:schemeClr val="accent1"/>
+                        </a:effectRef>
+                        <a:fontRef idx="minor">
+                          <a:schemeClr val="dk1"/>
+                        </a:fontRef>
+                      </p:style>
+                      <p:txBody>
+                        <a:bodyPr rot="0" spcFirstLastPara="0" vert="horz" wrap="square" lIns="91440" tIns="45720" rIns="91440" bIns="45720" numCol="1" spcCol="0" rtlCol="0" fromWordArt="0" anchor="t" anchorCtr="0" forceAA="0" compatLnSpc="1">
+                          <a:prstTxWarp prst="textNoShape">
+                            <a:avLst/>
+                          </a:prstTxWarp>
+                          <a:noAutofit/>
+                        </a:bodyPr>
+                        <a:lstStyle/>
+                        <a:p>
+                          <a:pPr>
+                            <a:lnSpc>
+                              <a:spcPct val="107000"/>
+                            </a:lnSpc>
+                            <a:spcAft>
+                              <a:spcPts val="800"/>
+                            </a:spcAft>
+                          </a:pPr>
+                          <a14:m>
+                            <m:oMath xmlns:m="http://schemas.openxmlformats.org/officeDocument/2006/math">
+                              <m:r>
+                                <a:rPr lang="fr-FR" sz="1400" b="0" i="1" smtClean="0">
+                                  <a:effectLst/>
+                                  <a:latin typeface="Cambria Math" panose="02040503050406030204" pitchFamily="18" charset="0"/>
+                                  <a:ea typeface="Calibri" panose="020F0502020204030204" pitchFamily="34" charset="0"/>
+                                  <a:cs typeface="Times New Roman" panose="02020603050405020304" pitchFamily="18" charset="0"/>
+                                </a:rPr>
+                                <m:t>𝜓</m:t>
+                              </m:r>
+                            </m:oMath>
+                          </a14:m>
+                          <a:r>
+                            <a:rPr lang="fr-FR" sz="1400" dirty="0">
+                              <a:effectLst/>
+                              <a:ea typeface="Calibri" panose="020F0502020204030204" pitchFamily="34" charset="0"/>
+                              <a:cs typeface="Times New Roman" panose="02020603050405020304" pitchFamily="18" charset="0"/>
+                            </a:rPr>
+                            <a:t> </a:t>
+                          </a:r>
+                        </a:p>
+                      </p:txBody>
+                    </p:sp>
+                  </mc:Choice>
+                  <mc:Fallback xmlns="">
+                    <p:sp>
+                      <p:nvSpPr>
+                        <p:cNvPr id="182" name="Zone de texte 153"/>
+                        <p:cNvSpPr txBox="1">
+                          <a:spLocks noRot="1" noChangeAspect="1" noMove="1" noResize="1" noEditPoints="1" noAdjustHandles="1" noChangeArrowheads="1" noChangeShapeType="1" noTextEdit="1"/>
+                        </p:cNvSpPr>
+                        <p:nvPr/>
+                      </p:nvSpPr>
+                      <p:spPr>
+                        <a:xfrm>
+                          <a:off x="1531596" y="3150866"/>
+                          <a:ext cx="301748" cy="274650"/>
+                        </a:xfrm>
+                        <a:prstGeom prst="rect">
+                          <a:avLst/>
+                        </a:prstGeom>
+                        <a:blipFill rotWithShape="0">
+                          <a:blip r:embed="rId17"/>
+                          <a:stretch>
+                            <a:fillRect b="-20000"/>
+                          </a:stretch>
+                        </a:blipFill>
+                        <a:ln w="6350">
+                          <a:noFill/>
+                          <a:prstDash val="sysDash"/>
+                        </a:ln>
+                        <a:effectLst/>
+                      </p:spPr>
+                      <p:txBody>
+                        <a:bodyPr/>
+                        <a:lstStyle/>
+                        <a:p>
+                          <a:r>
+                            <a:rPr lang="fr-FR">
+                              <a:noFill/>
+                            </a:rPr>
+                            <a:t> </a:t>
+                          </a:r>
+                        </a:p>
+                      </p:txBody>
+                    </p:sp>
+                  </mc:Fallback>
+                </mc:AlternateContent>
+              </p:grpSp>
+            </p:grpSp>
+            <p:cxnSp>
+              <p:nvCxnSpPr>
+                <p:cNvPr id="8" name="Connecteur droit avec flèche 7"/>
+                <p:cNvCxnSpPr/>
+                <p:nvPr/>
+              </p:nvCxnSpPr>
+              <p:spPr>
+                <a:xfrm>
+                  <a:off x="1328751" y="3067308"/>
+                  <a:ext cx="0" cy="334320"/>
+                </a:xfrm>
+                <a:prstGeom prst="straightConnector1">
+                  <a:avLst/>
+                </a:prstGeom>
+                <a:ln w="12700">
+                  <a:solidFill>
+                    <a:schemeClr val="tx1"/>
+                  </a:solidFill>
+                  <a:prstDash val="solid"/>
+                  <a:tailEnd type="triangle"/>
+                </a:ln>
+              </p:spPr>
+              <p:style>
+                <a:lnRef idx="1">
+                  <a:schemeClr val="accent1"/>
+                </a:lnRef>
+                <a:fillRef idx="0">
+                  <a:schemeClr val="accent1"/>
+                </a:fillRef>
+                <a:effectRef idx="0">
+                  <a:schemeClr val="accent1"/>
+                </a:effectRef>
+                <a:fontRef idx="minor">
+                  <a:schemeClr val="tx1"/>
+                </a:fontRef>
+              </p:style>
+            </p:cxnSp>
+            <p:cxnSp>
+              <p:nvCxnSpPr>
+                <p:cNvPr id="9" name="Connecteur droit avec flèche 8"/>
+                <p:cNvCxnSpPr/>
+                <p:nvPr/>
+              </p:nvCxnSpPr>
+              <p:spPr>
+                <a:xfrm flipV="1">
+                  <a:off x="1328751" y="2875748"/>
+                  <a:ext cx="274353" cy="184994"/>
+                </a:xfrm>
+                <a:prstGeom prst="straightConnector1">
+                  <a:avLst/>
+                </a:prstGeom>
+                <a:ln w="12700">
+                  <a:solidFill>
+                    <a:schemeClr val="tx1"/>
+                  </a:solidFill>
+                  <a:prstDash val="solid"/>
+                  <a:tailEnd type="triangle"/>
+                </a:ln>
+              </p:spPr>
+              <p:style>
+                <a:lnRef idx="1">
+                  <a:schemeClr val="accent1"/>
+                </a:lnRef>
+                <a:fillRef idx="0">
+                  <a:schemeClr val="accent1"/>
+                </a:fillRef>
+                <a:effectRef idx="0">
+                  <a:schemeClr val="accent1"/>
+                </a:effectRef>
+                <a:fontRef idx="minor">
+                  <a:schemeClr val="tx1"/>
+                </a:fontRef>
+              </p:style>
+            </p:cxnSp>
+            <mc:AlternateContent xmlns:mc="http://schemas.openxmlformats.org/markup-compatibility/2006" xmlns:a14="http://schemas.microsoft.com/office/drawing/2010/main">
+              <mc:Choice Requires="a14">
+                <p:sp>
+                  <p:nvSpPr>
+                    <p:cNvPr id="10" name="Zone de texte 153"/>
+                    <p:cNvSpPr txBox="1"/>
+                    <p:nvPr/>
+                  </p:nvSpPr>
+                  <p:spPr>
+                    <a:xfrm>
+                      <a:off x="1068555" y="3115556"/>
+                      <a:ext cx="301748" cy="274650"/>
+                    </a:xfrm>
+                    <a:prstGeom prst="rect">
+                      <a:avLst/>
+                    </a:prstGeom>
+                    <a:noFill/>
+                    <a:ln w="6350">
+                      <a:noFill/>
+                      <a:prstDash val="sysDash"/>
+                    </a:ln>
+                    <a:effectLst/>
+                  </p:spPr>
+                  <p:style>
+                    <a:lnRef idx="0">
+                      <a:schemeClr val="accent1"/>
+                    </a:lnRef>
+                    <a:fillRef idx="0">
+                      <a:schemeClr val="accent1"/>
+                    </a:fillRef>
+                    <a:effectRef idx="0">
+                      <a:schemeClr val="accent1"/>
+                    </a:effectRef>
+                    <a:fontRef idx="minor">
+                      <a:schemeClr val="dk1"/>
+                    </a:fontRef>
+                  </p:style>
+                  <p:txBody>
+                    <a:bodyPr rot="0" spcFirstLastPara="0" vert="horz" wrap="square" lIns="91440" tIns="45720" rIns="91440" bIns="45720" numCol="1" spcCol="0" rtlCol="0" fromWordArt="0" anchor="t" anchorCtr="0" forceAA="0" compatLnSpc="1">
+                      <a:prstTxWarp prst="textNoShape">
+                        <a:avLst/>
+                      </a:prstTxWarp>
+                      <a:noAutofit/>
+                    </a:bodyPr>
+                    <a:lstStyle/>
+                    <a:p>
+                      <a:pPr>
+                        <a:lnSpc>
+                          <a:spcPct val="107000"/>
+                        </a:lnSpc>
+                        <a:spcAft>
+                          <a:spcPts val="800"/>
+                        </a:spcAft>
+                      </a:pPr>
+                      <a14:m>
+                        <m:oMath xmlns:m="http://schemas.openxmlformats.org/officeDocument/2006/math">
+                          <m:r>
+                            <a:rPr lang="fr-FR" sz="1400" b="0" i="1" smtClean="0">
+                              <a:effectLst/>
+                              <a:latin typeface="Cambria Math" panose="02040503050406030204" pitchFamily="18" charset="0"/>
+                              <a:ea typeface="Calibri" panose="020F0502020204030204" pitchFamily="34" charset="0"/>
+                              <a:cs typeface="Times New Roman" panose="02020603050405020304" pitchFamily="18" charset="0"/>
+                            </a:rPr>
+                            <m:t>𝑢</m:t>
+                          </m:r>
+                        </m:oMath>
+                      </a14:m>
+                      <a:r>
+                        <a:rPr lang="fr-FR" sz="1400" dirty="0">
+                          <a:effectLst/>
+                          <a:ea typeface="Calibri" panose="020F0502020204030204" pitchFamily="34" charset="0"/>
+                          <a:cs typeface="Times New Roman" panose="02020603050405020304" pitchFamily="18" charset="0"/>
+                        </a:rPr>
+                        <a:t> </a:t>
+                      </a:r>
+                    </a:p>
+                  </p:txBody>
+                </p:sp>
+              </mc:Choice>
+              <mc:Fallback xmlns="">
+                <p:sp>
+                  <p:nvSpPr>
+                    <p:cNvPr id="197" name="Zone de texte 153"/>
+                    <p:cNvSpPr txBox="1">
+                      <a:spLocks noRot="1" noChangeAspect="1" noMove="1" noResize="1" noEditPoints="1" noAdjustHandles="1" noChangeArrowheads="1" noChangeShapeType="1" noTextEdit="1"/>
+                    </p:cNvSpPr>
+                    <p:nvPr/>
+                  </p:nvSpPr>
+                  <p:spPr>
+                    <a:xfrm>
+                      <a:off x="1068555" y="3115556"/>
+                      <a:ext cx="301748" cy="274650"/>
+                    </a:xfrm>
+                    <a:prstGeom prst="rect">
+                      <a:avLst/>
+                    </a:prstGeom>
+                    <a:blipFill rotWithShape="0">
+                      <a:blip r:embed="rId18"/>
+                      <a:stretch>
+                        <a:fillRect/>
+                      </a:stretch>
+                    </a:blipFill>
+                    <a:ln w="6350">
+                      <a:noFill/>
+                      <a:prstDash val="sysDash"/>
+                    </a:ln>
+                    <a:effectLst/>
+                  </p:spPr>
+                  <p:txBody>
+                    <a:bodyPr/>
+                    <a:lstStyle/>
+                    <a:p>
+                      <a:r>
+                        <a:rPr lang="fr-FR">
+                          <a:noFill/>
+                        </a:rPr>
+                        <a:t> </a:t>
+                      </a:r>
+                    </a:p>
+                  </p:txBody>
+                </p:sp>
+              </mc:Fallback>
+            </mc:AlternateContent>
+            <mc:AlternateContent xmlns:mc="http://schemas.openxmlformats.org/markup-compatibility/2006" xmlns:a14="http://schemas.microsoft.com/office/drawing/2010/main">
+              <mc:Choice Requires="a14">
+                <p:sp>
+                  <p:nvSpPr>
+                    <p:cNvPr id="11" name="Zone de texte 153"/>
+                    <p:cNvSpPr txBox="1"/>
+                    <p:nvPr/>
+                  </p:nvSpPr>
+                  <p:spPr>
+                    <a:xfrm>
+                      <a:off x="1338898" y="2648980"/>
+                      <a:ext cx="301748" cy="274650"/>
+                    </a:xfrm>
+                    <a:prstGeom prst="rect">
+                      <a:avLst/>
+                    </a:prstGeom>
+                    <a:noFill/>
+                    <a:ln w="6350">
+                      <a:noFill/>
+                      <a:prstDash val="sysDash"/>
+                    </a:ln>
+                    <a:effectLst/>
+                  </p:spPr>
+                  <p:style>
+                    <a:lnRef idx="0">
+                      <a:schemeClr val="accent1"/>
+                    </a:lnRef>
+                    <a:fillRef idx="0">
+                      <a:schemeClr val="accent1"/>
+                    </a:fillRef>
+                    <a:effectRef idx="0">
+                      <a:schemeClr val="accent1"/>
+                    </a:effectRef>
+                    <a:fontRef idx="minor">
+                      <a:schemeClr val="dk1"/>
+                    </a:fontRef>
+                  </p:style>
+                  <p:txBody>
+                    <a:bodyPr rot="0" spcFirstLastPara="0" vert="horz" wrap="square" lIns="91440" tIns="45720" rIns="91440" bIns="45720" numCol="1" spcCol="0" rtlCol="0" fromWordArt="0" anchor="t" anchorCtr="0" forceAA="0" compatLnSpc="1">
+                      <a:prstTxWarp prst="textNoShape">
+                        <a:avLst/>
+                      </a:prstTxWarp>
+                      <a:noAutofit/>
+                    </a:bodyPr>
+                    <a:lstStyle/>
+                    <a:p>
+                      <a:pPr>
+                        <a:lnSpc>
+                          <a:spcPct val="107000"/>
+                        </a:lnSpc>
+                        <a:spcAft>
+                          <a:spcPts val="800"/>
+                        </a:spcAft>
+                      </a:pPr>
+                      <a14:m>
+                        <m:oMath xmlns:m="http://schemas.openxmlformats.org/officeDocument/2006/math">
+                          <m:r>
+                            <a:rPr lang="fr-FR" sz="1400" b="0" i="1" smtClean="0">
+                              <a:effectLst/>
+                              <a:latin typeface="Cambria Math" panose="02040503050406030204" pitchFamily="18" charset="0"/>
+                              <a:ea typeface="Calibri" panose="020F0502020204030204" pitchFamily="34" charset="0"/>
+                              <a:cs typeface="Times New Roman" panose="02020603050405020304" pitchFamily="18" charset="0"/>
+                            </a:rPr>
+                            <m:t>𝑣</m:t>
+                          </m:r>
+                        </m:oMath>
+                      </a14:m>
+                      <a:r>
+                        <a:rPr lang="fr-FR" sz="1400" dirty="0">
+                          <a:effectLst/>
+                          <a:ea typeface="Calibri" panose="020F0502020204030204" pitchFamily="34" charset="0"/>
+                          <a:cs typeface="Times New Roman" panose="02020603050405020304" pitchFamily="18" charset="0"/>
+                        </a:rPr>
+                        <a:t> </a:t>
+                      </a:r>
+                    </a:p>
+                  </p:txBody>
+                </p:sp>
+              </mc:Choice>
+              <mc:Fallback xmlns="">
+                <p:sp>
+                  <p:nvSpPr>
+                    <p:cNvPr id="198" name="Zone de texte 153"/>
+                    <p:cNvSpPr txBox="1">
+                      <a:spLocks noRot="1" noChangeAspect="1" noMove="1" noResize="1" noEditPoints="1" noAdjustHandles="1" noChangeArrowheads="1" noChangeShapeType="1" noTextEdit="1"/>
+                    </p:cNvSpPr>
+                    <p:nvPr/>
+                  </p:nvSpPr>
+                  <p:spPr>
+                    <a:xfrm>
+                      <a:off x="1338898" y="2648980"/>
+                      <a:ext cx="301748" cy="274650"/>
+                    </a:xfrm>
+                    <a:prstGeom prst="rect">
+                      <a:avLst/>
+                    </a:prstGeom>
+                    <a:blipFill rotWithShape="0">
+                      <a:blip r:embed="rId19"/>
+                      <a:stretch>
+                        <a:fillRect/>
+                      </a:stretch>
+                    </a:blipFill>
+                    <a:ln w="6350">
+                      <a:noFill/>
+                      <a:prstDash val="sysDash"/>
+                    </a:ln>
+                    <a:effectLst/>
+                  </p:spPr>
+                  <p:txBody>
+                    <a:bodyPr/>
+                    <a:lstStyle/>
+                    <a:p>
+                      <a:r>
+                        <a:rPr lang="fr-FR">
+                          <a:noFill/>
+                        </a:rPr>
+                        <a:t> </a:t>
+                      </a:r>
+                    </a:p>
+                  </p:txBody>
+                </p:sp>
+              </mc:Fallback>
+            </mc:AlternateContent>
+          </p:grpSp>
+        </p:grpSp>
+        <p:sp>
+          <p:nvSpPr>
+            <p:cNvPr id="25" name="Ellipse 24"/>
+            <p:cNvSpPr/>
+            <p:nvPr/>
+          </p:nvSpPr>
+          <p:spPr>
+            <a:xfrm>
+              <a:off x="2615105" y="2468728"/>
+              <a:ext cx="113062" cy="113062"/>
+            </a:xfrm>
+            <a:prstGeom prst="ellipse">
+              <a:avLst/>
+            </a:prstGeom>
+          </p:spPr>
+          <p:style>
+            <a:lnRef idx="2">
+              <a:schemeClr val="dk1">
+                <a:shade val="50000"/>
+              </a:schemeClr>
+            </a:lnRef>
+            <a:fillRef idx="1">
+              <a:schemeClr val="dk1"/>
+            </a:fillRef>
+            <a:effectRef idx="0">
+              <a:schemeClr val="dk1"/>
+            </a:effectRef>
+            <a:fontRef idx="minor">
+              <a:schemeClr val="lt1"/>
+            </a:fontRef>
+          </p:style>
+          <p:txBody>
+            <a:bodyPr rtlCol="0" anchor="ctr"/>
+            <a:lstStyle/>
+            <a:p>
+              <a:pPr algn="ctr"/>
+              <a:endParaRPr lang="fr-FR" sz="2400"/>
+            </a:p>
+          </p:txBody>
+        </p:sp>
+        <p:sp>
+          <p:nvSpPr>
+            <p:cNvPr id="28" name="Ellipse 27"/>
+            <p:cNvSpPr/>
+            <p:nvPr/>
+          </p:nvSpPr>
+          <p:spPr>
+            <a:xfrm>
+              <a:off x="3321144" y="2528949"/>
+              <a:ext cx="113062" cy="113062"/>
+            </a:xfrm>
+            <a:prstGeom prst="ellipse">
+              <a:avLst/>
+            </a:prstGeom>
+          </p:spPr>
+          <p:style>
+            <a:lnRef idx="2">
+              <a:schemeClr val="dk1">
+                <a:shade val="50000"/>
+              </a:schemeClr>
+            </a:lnRef>
+            <a:fillRef idx="1">
+              <a:schemeClr val="dk1"/>
+            </a:fillRef>
+            <a:effectRef idx="0">
+              <a:schemeClr val="dk1"/>
+            </a:effectRef>
+            <a:fontRef idx="minor">
+              <a:schemeClr val="lt1"/>
+            </a:fontRef>
+          </p:style>
+          <p:txBody>
+            <a:bodyPr rtlCol="0" anchor="ctr"/>
+            <a:lstStyle/>
+            <a:p>
+              <a:pPr algn="ctr"/>
+              <a:endParaRPr lang="fr-FR" sz="2400"/>
+            </a:p>
+          </p:txBody>
+        </p:sp>
+        <p:sp>
+          <p:nvSpPr>
+            <p:cNvPr id="29" name="Ellipse 28"/>
+            <p:cNvSpPr/>
+            <p:nvPr/>
+          </p:nvSpPr>
+          <p:spPr>
+            <a:xfrm>
+              <a:off x="4346980" y="2604556"/>
+              <a:ext cx="113062" cy="113062"/>
+            </a:xfrm>
+            <a:prstGeom prst="ellipse">
+              <a:avLst/>
+            </a:prstGeom>
+          </p:spPr>
+          <p:style>
+            <a:lnRef idx="2">
+              <a:schemeClr val="dk1">
+                <a:shade val="50000"/>
+              </a:schemeClr>
+            </a:lnRef>
+            <a:fillRef idx="1">
+              <a:schemeClr val="dk1"/>
+            </a:fillRef>
+            <a:effectRef idx="0">
+              <a:schemeClr val="dk1"/>
+            </a:effectRef>
+            <a:fontRef idx="minor">
+              <a:schemeClr val="lt1"/>
+            </a:fontRef>
+          </p:style>
+          <p:txBody>
+            <a:bodyPr rtlCol="0" anchor="ctr"/>
+            <a:lstStyle/>
+            <a:p>
+              <a:pPr algn="ctr"/>
+              <a:endParaRPr lang="fr-FR" sz="2400"/>
+            </a:p>
+          </p:txBody>
+        </p:sp>
+        <p:sp>
+          <p:nvSpPr>
+            <p:cNvPr id="30" name="Ellipse 29"/>
+            <p:cNvSpPr/>
+            <p:nvPr/>
+          </p:nvSpPr>
+          <p:spPr>
+            <a:xfrm>
+              <a:off x="5021448" y="2661087"/>
+              <a:ext cx="113062" cy="113062"/>
+            </a:xfrm>
+            <a:prstGeom prst="ellipse">
+              <a:avLst/>
+            </a:prstGeom>
+          </p:spPr>
+          <p:style>
+            <a:lnRef idx="2">
+              <a:schemeClr val="dk1">
+                <a:shade val="50000"/>
+              </a:schemeClr>
+            </a:lnRef>
+            <a:fillRef idx="1">
+              <a:schemeClr val="dk1"/>
+            </a:fillRef>
+            <a:effectRef idx="0">
+              <a:schemeClr val="dk1"/>
+            </a:effectRef>
+            <a:fontRef idx="minor">
+              <a:schemeClr val="lt1"/>
+            </a:fontRef>
+          </p:style>
+          <p:txBody>
+            <a:bodyPr rtlCol="0" anchor="ctr"/>
+            <a:lstStyle/>
+            <a:p>
+              <a:pPr algn="ctr"/>
+              <a:endParaRPr lang="fr-FR" sz="2400"/>
+            </a:p>
+          </p:txBody>
+        </p:sp>
+        <p:sp>
+          <p:nvSpPr>
+            <p:cNvPr id="31" name="Ellipse 30"/>
+            <p:cNvSpPr/>
+            <p:nvPr/>
+          </p:nvSpPr>
+          <p:spPr>
+            <a:xfrm>
+              <a:off x="5796012" y="2705681"/>
+              <a:ext cx="113062" cy="113062"/>
+            </a:xfrm>
+            <a:prstGeom prst="ellipse">
+              <a:avLst/>
+            </a:prstGeom>
+          </p:spPr>
+          <p:style>
+            <a:lnRef idx="2">
+              <a:schemeClr val="dk1">
+                <a:shade val="50000"/>
+              </a:schemeClr>
+            </a:lnRef>
+            <a:fillRef idx="1">
+              <a:schemeClr val="dk1"/>
+            </a:fillRef>
+            <a:effectRef idx="0">
+              <a:schemeClr val="dk1"/>
+            </a:effectRef>
+            <a:fontRef idx="minor">
+              <a:schemeClr val="lt1"/>
+            </a:fontRef>
+          </p:style>
+          <p:txBody>
+            <a:bodyPr rtlCol="0" anchor="ctr"/>
+            <a:lstStyle/>
+            <a:p>
+              <a:pPr algn="ctr"/>
+              <a:endParaRPr lang="fr-FR" sz="2400"/>
+            </a:p>
+          </p:txBody>
+        </p:sp>
+        <p:sp>
+          <p:nvSpPr>
+            <p:cNvPr id="32" name="Ellipse 31"/>
+            <p:cNvSpPr/>
+            <p:nvPr/>
+          </p:nvSpPr>
+          <p:spPr>
+            <a:xfrm>
+              <a:off x="6514045" y="2670426"/>
+              <a:ext cx="113062" cy="113062"/>
+            </a:xfrm>
+            <a:prstGeom prst="ellipse">
+              <a:avLst/>
+            </a:prstGeom>
+          </p:spPr>
+          <p:style>
+            <a:lnRef idx="2">
+              <a:schemeClr val="dk1">
+                <a:shade val="50000"/>
+              </a:schemeClr>
+            </a:lnRef>
+            <a:fillRef idx="1">
+              <a:schemeClr val="dk1"/>
+            </a:fillRef>
+            <a:effectRef idx="0">
+              <a:schemeClr val="dk1"/>
+            </a:effectRef>
+            <a:fontRef idx="minor">
+              <a:schemeClr val="lt1"/>
+            </a:fontRef>
+          </p:style>
+          <p:txBody>
+            <a:bodyPr rtlCol="0" anchor="ctr"/>
+            <a:lstStyle/>
+            <a:p>
+              <a:pPr algn="ctr"/>
+              <a:endParaRPr lang="fr-FR" sz="2400"/>
+            </a:p>
+          </p:txBody>
+        </p:sp>
+        <p:sp>
+          <p:nvSpPr>
+            <p:cNvPr id="33" name="Ellipse 32"/>
+            <p:cNvSpPr/>
+            <p:nvPr/>
+          </p:nvSpPr>
+          <p:spPr>
+            <a:xfrm>
+              <a:off x="7131982" y="2582846"/>
+              <a:ext cx="113062" cy="113062"/>
+            </a:xfrm>
+            <a:prstGeom prst="ellipse">
+              <a:avLst/>
+            </a:prstGeom>
+          </p:spPr>
+          <p:style>
+            <a:lnRef idx="2">
+              <a:schemeClr val="dk1">
+                <a:shade val="50000"/>
+              </a:schemeClr>
+            </a:lnRef>
+            <a:fillRef idx="1">
+              <a:schemeClr val="dk1"/>
+            </a:fillRef>
+            <a:effectRef idx="0">
+              <a:schemeClr val="dk1"/>
+            </a:effectRef>
+            <a:fontRef idx="minor">
+              <a:schemeClr val="lt1"/>
+            </a:fontRef>
+          </p:style>
+          <p:txBody>
+            <a:bodyPr rtlCol="0" anchor="ctr"/>
+            <a:lstStyle/>
+            <a:p>
+              <a:pPr algn="ctr"/>
+              <a:endParaRPr lang="fr-FR" sz="2400"/>
+            </a:p>
+          </p:txBody>
+        </p:sp>
+        <p:sp>
+          <p:nvSpPr>
+            <p:cNvPr id="34" name="Ellipse 33"/>
+            <p:cNvSpPr/>
+            <p:nvPr/>
+          </p:nvSpPr>
+          <p:spPr>
+            <a:xfrm>
+              <a:off x="7601044" y="2399062"/>
+              <a:ext cx="113062" cy="113062"/>
+            </a:xfrm>
+            <a:prstGeom prst="ellipse">
+              <a:avLst/>
+            </a:prstGeom>
+          </p:spPr>
+          <p:style>
+            <a:lnRef idx="2">
+              <a:schemeClr val="dk1">
+                <a:shade val="50000"/>
+              </a:schemeClr>
+            </a:lnRef>
+            <a:fillRef idx="1">
+              <a:schemeClr val="dk1"/>
+            </a:fillRef>
+            <a:effectRef idx="0">
+              <a:schemeClr val="dk1"/>
+            </a:effectRef>
+            <a:fontRef idx="minor">
+              <a:schemeClr val="lt1"/>
+            </a:fontRef>
+          </p:style>
+          <p:txBody>
+            <a:bodyPr rtlCol="0" anchor="ctr"/>
+            <a:lstStyle/>
+            <a:p>
+              <a:pPr algn="ctr"/>
+              <a:endParaRPr lang="fr-FR" sz="2400"/>
+            </a:p>
+          </p:txBody>
+        </p:sp>
+      </p:grpSp>
+    </p:spTree>
+    <p:extLst>
+      <p:ext uri="{BB962C8B-B14F-4D97-AF65-F5344CB8AC3E}">
+        <p14:creationId xmlns:p14="http://schemas.microsoft.com/office/powerpoint/2010/main" val="3802294699"/>
+      </p:ext>
+    </p:extLst>
+  </p:cSld>
+  <p:clrMapOvr>
+    <a:masterClrMapping/>
+  </p:clrMapOvr>
+</p:sld>
+</file>
+
+<file path=ppt/slides/slide8.xml><?xml version="1.0" encoding="utf-8"?>
+<p:sld xmlns:a="http://schemas.openxmlformats.org/drawingml/2006/main" xmlns:r="http://schemas.openxmlformats.org/officeDocument/2006/relationships" xmlns:p="http://schemas.openxmlformats.org/presentationml/2006/main">
+  <p:cSld>
+    <p:spTree>
+      <p:nvGrpSpPr>
+        <p:cNvPr id="1" name=""/>
+        <p:cNvGrpSpPr/>
+        <p:nvPr/>
+      </p:nvGrpSpPr>
+      <p:grpSpPr>
+        <a:xfrm>
+          <a:off x="0" y="0"/>
+          <a:ext cx="0" cy="0"/>
+          <a:chOff x="0" y="0"/>
+          <a:chExt cx="0" cy="0"/>
+        </a:xfrm>
+      </p:grpSpPr>
+      <p:grpSp>
+        <p:nvGrpSpPr>
+          <p:cNvPr id="6" name="Groupe 5"/>
+          <p:cNvGrpSpPr/>
+          <p:nvPr/>
+        </p:nvGrpSpPr>
+        <p:grpSpPr>
+          <a:xfrm>
+            <a:off x="6883662" y="1513825"/>
+            <a:ext cx="4859315" cy="2958169"/>
+            <a:chOff x="53679" y="538547"/>
+            <a:chExt cx="7095974" cy="4319763"/>
+          </a:xfrm>
+        </p:grpSpPr>
+        <p:pic>
+          <p:nvPicPr>
+            <p:cNvPr id="7" name="Image 6"/>
+            <p:cNvPicPr>
+              <a:picLocks noChangeAspect="1"/>
+            </p:cNvPicPr>
+            <p:nvPr/>
+          </p:nvPicPr>
+          <p:blipFill>
+            <a:blip r:embed="rId2" cstate="print">
+              <a:extLst>
+                <a:ext uri="{28A0092B-C50C-407E-A947-70E740481C1C}">
+                  <a14:useLocalDpi xmlns:a14="http://schemas.microsoft.com/office/drawing/2010/main" val="0"/>
+                </a:ext>
+              </a:extLst>
+            </a:blip>
+            <a:stretch>
+              <a:fillRect/>
+            </a:stretch>
+          </p:blipFill>
+          <p:spPr>
+            <a:xfrm>
+              <a:off x="2871018" y="538547"/>
+              <a:ext cx="4278635" cy="4166187"/>
+            </a:xfrm>
+            <a:prstGeom prst="rect">
+              <a:avLst/>
+            </a:prstGeom>
+          </p:spPr>
+        </p:pic>
+        <p:grpSp>
+          <p:nvGrpSpPr>
+            <p:cNvPr id="8" name="Groupe 7"/>
+            <p:cNvGrpSpPr/>
+            <p:nvPr/>
+          </p:nvGrpSpPr>
+          <p:grpSpPr>
+            <a:xfrm>
+              <a:off x="587235" y="1268043"/>
+              <a:ext cx="4448480" cy="1399185"/>
+              <a:chOff x="587235" y="1268043"/>
+              <a:chExt cx="4448480" cy="1399185"/>
+            </a:xfrm>
+          </p:grpSpPr>
+          <p:sp>
+            <p:nvSpPr>
+              <p:cNvPr id="13" name="Ellipse 12"/>
+              <p:cNvSpPr/>
+              <p:nvPr/>
+            </p:nvSpPr>
+            <p:spPr>
+              <a:xfrm>
+                <a:off x="4858735" y="2490248"/>
+                <a:ext cx="176980" cy="176980"/>
+              </a:xfrm>
+              <a:prstGeom prst="ellipse">
+                <a:avLst/>
+              </a:prstGeom>
+            </p:spPr>
+            <p:style>
+              <a:lnRef idx="2">
+                <a:schemeClr val="dk1">
+                  <a:shade val="50000"/>
+                </a:schemeClr>
+              </a:lnRef>
+              <a:fillRef idx="1">
+                <a:schemeClr val="dk1"/>
+              </a:fillRef>
+              <a:effectRef idx="0">
+                <a:schemeClr val="dk1"/>
+              </a:effectRef>
+              <a:fontRef idx="minor">
+                <a:schemeClr val="lt1"/>
+              </a:fontRef>
+            </p:style>
+            <p:txBody>
+              <a:bodyPr rtlCol="0" anchor="ctr"/>
+              <a:lstStyle/>
+              <a:p>
+                <a:pPr algn="ctr"/>
+                <a:endParaRPr lang="fr-FR"/>
+              </a:p>
+            </p:txBody>
+          </p:sp>
+          <p:cxnSp>
+            <p:nvCxnSpPr>
+              <p:cNvPr id="14" name="Connecteur en arc 13"/>
+              <p:cNvCxnSpPr>
+                <a:stCxn id="13" idx="2"/>
+                <a:endCxn id="15" idx="3"/>
+              </p:cNvCxnSpPr>
+              <p:nvPr/>
+            </p:nvCxnSpPr>
+            <p:spPr>
+              <a:xfrm rot="10800000">
+                <a:off x="2683532" y="1874791"/>
+                <a:ext cx="2175202" cy="703949"/>
+              </a:xfrm>
+              <a:prstGeom prst="curvedConnector3">
+                <a:avLst>
+                  <a:gd name="adj1" fmla="val 50000"/>
+                </a:avLst>
+              </a:prstGeom>
+              <a:ln>
+                <a:solidFill>
+                  <a:schemeClr val="tx1"/>
+                </a:solidFill>
+                <a:tailEnd type="triangle"/>
+              </a:ln>
+            </p:spPr>
+            <p:style>
+              <a:lnRef idx="1">
+                <a:schemeClr val="accent1"/>
+              </a:lnRef>
+              <a:fillRef idx="0">
+                <a:schemeClr val="accent1"/>
+              </a:fillRef>
+              <a:effectRef idx="0">
+                <a:schemeClr val="accent1"/>
+              </a:effectRef>
+              <a:fontRef idx="minor">
+                <a:schemeClr val="tx1"/>
+              </a:fontRef>
+            </p:style>
+          </p:cxnSp>
+          <p:sp>
+            <p:nvSpPr>
+              <p:cNvPr id="15" name="ZoneTexte 14"/>
+              <p:cNvSpPr txBox="1"/>
+              <p:nvPr/>
+            </p:nvSpPr>
+            <p:spPr>
+              <a:xfrm>
+                <a:off x="587235" y="1268043"/>
+                <a:ext cx="2096297" cy="1213491"/>
+              </a:xfrm>
+              <a:prstGeom prst="rect">
+                <a:avLst/>
+              </a:prstGeom>
+              <a:noFill/>
+            </p:spPr>
+            <p:txBody>
+              <a:bodyPr wrap="square" rtlCol="0">
+                <a:spAutoFit/>
+              </a:bodyPr>
+              <a:lstStyle/>
+              <a:p>
+                <a:r>
+                  <a:rPr lang="fr-FR" sz="1600" dirty="0"/>
+                  <a:t>point du modèle dynamique</a:t>
+                </a:r>
+              </a:p>
+            </p:txBody>
+          </p:sp>
+        </p:grpSp>
+        <p:grpSp>
+          <p:nvGrpSpPr>
+            <p:cNvPr id="9" name="Groupe 8"/>
+            <p:cNvGrpSpPr/>
+            <p:nvPr/>
+          </p:nvGrpSpPr>
+          <p:grpSpPr>
+            <a:xfrm>
+              <a:off x="53679" y="2554116"/>
+              <a:ext cx="4157994" cy="2304194"/>
+              <a:chOff x="53679" y="2554116"/>
+              <a:chExt cx="4157994" cy="2304194"/>
+            </a:xfrm>
+          </p:grpSpPr>
+          <p:sp>
+            <p:nvSpPr>
+              <p:cNvPr id="10" name="Ellipse 9"/>
+              <p:cNvSpPr/>
+              <p:nvPr/>
+            </p:nvSpPr>
+            <p:spPr>
+              <a:xfrm>
+                <a:off x="2897906" y="2554116"/>
+                <a:ext cx="90086" cy="66763"/>
+              </a:xfrm>
+              <a:prstGeom prst="ellipse">
+                <a:avLst/>
+              </a:prstGeom>
+              <a:solidFill>
+                <a:srgbClr val="ED7D31"/>
+              </a:solidFill>
+              <a:ln>
+                <a:solidFill>
+                  <a:srgbClr val="ED7D31"/>
+                </a:solidFill>
+              </a:ln>
+            </p:spPr>
+            <p:style>
+              <a:lnRef idx="2">
+                <a:schemeClr val="accent2">
+                  <a:shade val="50000"/>
+                </a:schemeClr>
+              </a:lnRef>
+              <a:fillRef idx="1">
+                <a:schemeClr val="accent2"/>
+              </a:fillRef>
+              <a:effectRef idx="0">
+                <a:schemeClr val="accent2"/>
+              </a:effectRef>
+              <a:fontRef idx="minor">
+                <a:schemeClr val="lt1"/>
+              </a:fontRef>
+            </p:style>
+            <p:txBody>
+              <a:bodyPr rtlCol="0" anchor="ctr"/>
+              <a:lstStyle/>
+              <a:p>
+                <a:pPr algn="ctr"/>
+                <a:endParaRPr lang="fr-FR"/>
+              </a:p>
+            </p:txBody>
+          </p:sp>
+          <p:cxnSp>
+            <p:nvCxnSpPr>
+              <p:cNvPr id="11" name="Connecteur en arc 10"/>
+              <p:cNvCxnSpPr>
+                <a:stCxn id="10" idx="4"/>
+                <a:endCxn id="12" idx="0"/>
+              </p:cNvCxnSpPr>
+              <p:nvPr/>
+            </p:nvCxnSpPr>
+            <p:spPr>
+              <a:xfrm rot="5400000">
+                <a:off x="1846066" y="2907490"/>
+                <a:ext cx="1383495" cy="810274"/>
+              </a:xfrm>
+              <a:prstGeom prst="curvedConnector3">
+                <a:avLst>
+                  <a:gd name="adj1" fmla="val 50000"/>
+                </a:avLst>
+              </a:prstGeom>
+              <a:ln>
+                <a:solidFill>
+                  <a:schemeClr val="tx1"/>
+                </a:solidFill>
+                <a:tailEnd type="triangle"/>
+              </a:ln>
+            </p:spPr>
+            <p:style>
+              <a:lnRef idx="1">
+                <a:schemeClr val="accent1"/>
+              </a:lnRef>
+              <a:fillRef idx="0">
+                <a:schemeClr val="accent1"/>
+              </a:fillRef>
+              <a:effectRef idx="0">
+                <a:schemeClr val="accent1"/>
+              </a:effectRef>
+              <a:fontRef idx="minor">
+                <a:schemeClr val="tx1"/>
+              </a:fontRef>
+            </p:style>
+          </p:cxnSp>
+          <p:sp>
+            <p:nvSpPr>
+              <p:cNvPr id="12" name="ZoneTexte 11"/>
+              <p:cNvSpPr txBox="1"/>
+              <p:nvPr/>
+            </p:nvSpPr>
+            <p:spPr>
+              <a:xfrm>
+                <a:off x="53679" y="4004373"/>
+                <a:ext cx="4157994" cy="853937"/>
+              </a:xfrm>
+              <a:prstGeom prst="rect">
+                <a:avLst/>
+              </a:prstGeom>
+              <a:noFill/>
+            </p:spPr>
+            <p:txBody>
+              <a:bodyPr wrap="square" rtlCol="0">
+                <a:spAutoFit/>
+              </a:bodyPr>
+              <a:lstStyle/>
+              <a:p>
+                <a:r>
+                  <a:rPr lang="fr-FR" sz="1600" dirty="0" smtClean="0"/>
+                  <a:t>Point aux sections du modèle thermomécanique</a:t>
+                </a:r>
+                <a:endParaRPr lang="fr-FR" sz="1600" dirty="0"/>
+              </a:p>
+            </p:txBody>
+          </p:sp>
+        </p:grpSp>
+      </p:grpSp>
+      <p:grpSp>
+        <p:nvGrpSpPr>
+          <p:cNvPr id="52" name="Groupe 51"/>
+          <p:cNvGrpSpPr/>
+          <p:nvPr/>
+        </p:nvGrpSpPr>
+        <p:grpSpPr>
+          <a:xfrm>
+            <a:off x="1089118" y="2206935"/>
+            <a:ext cx="2218187" cy="2159890"/>
+            <a:chOff x="4405978" y="2397747"/>
+            <a:chExt cx="2218187" cy="2159890"/>
+          </a:xfrm>
+        </p:grpSpPr>
+        <p:pic>
+          <p:nvPicPr>
+            <p:cNvPr id="53" name="Image 52"/>
+            <p:cNvPicPr>
+              <a:picLocks noChangeAspect="1"/>
+            </p:cNvPicPr>
+            <p:nvPr/>
+          </p:nvPicPr>
+          <p:blipFill>
+            <a:blip r:embed="rId2" cstate="print">
+              <a:extLst>
+                <a:ext uri="{28A0092B-C50C-407E-A947-70E740481C1C}">
+                  <a14:useLocalDpi xmlns:a14="http://schemas.microsoft.com/office/drawing/2010/main" val="0"/>
+                </a:ext>
+              </a:extLst>
+            </a:blip>
+            <a:stretch>
+              <a:fillRect/>
+            </a:stretch>
+          </p:blipFill>
+          <p:spPr>
+            <a:xfrm>
+              <a:off x="4405978" y="2397747"/>
+              <a:ext cx="2218187" cy="2159890"/>
+            </a:xfrm>
+            <a:prstGeom prst="rect">
+              <a:avLst/>
+            </a:prstGeom>
+          </p:spPr>
+        </p:pic>
+        <p:sp>
+          <p:nvSpPr>
+            <p:cNvPr id="54" name="Ellipse 53"/>
+            <p:cNvSpPr/>
+            <p:nvPr/>
+          </p:nvSpPr>
+          <p:spPr>
+            <a:xfrm>
+              <a:off x="5436477" y="3409574"/>
+              <a:ext cx="91752" cy="91752"/>
+            </a:xfrm>
+            <a:prstGeom prst="ellipse">
+              <a:avLst/>
+            </a:prstGeom>
+          </p:spPr>
+          <p:style>
+            <a:lnRef idx="2">
+              <a:schemeClr val="dk1">
+                <a:shade val="50000"/>
+              </a:schemeClr>
+            </a:lnRef>
+            <a:fillRef idx="1">
+              <a:schemeClr val="dk1"/>
+            </a:fillRef>
+            <a:effectRef idx="0">
+              <a:schemeClr val="dk1"/>
+            </a:effectRef>
+            <a:fontRef idx="minor">
+              <a:schemeClr val="lt1"/>
+            </a:fontRef>
+          </p:style>
+          <p:txBody>
+            <a:bodyPr rtlCol="0" anchor="ctr"/>
+            <a:lstStyle/>
+            <a:p>
+              <a:pPr algn="ctr"/>
+              <a:endParaRPr lang="fr-FR"/>
+            </a:p>
+          </p:txBody>
+        </p:sp>
+      </p:grpSp>
+      <p:sp>
+        <p:nvSpPr>
+          <p:cNvPr id="55" name="Ellipse 54"/>
+          <p:cNvSpPr/>
+          <p:nvPr/>
+        </p:nvSpPr>
+        <p:spPr>
+          <a:xfrm>
+            <a:off x="1122456" y="2844380"/>
+            <a:ext cx="351538" cy="329066"/>
+          </a:xfrm>
+          <a:prstGeom prst="ellipse">
+            <a:avLst/>
+          </a:prstGeom>
+          <a:noFill/>
+          <a:ln>
+            <a:solidFill>
+              <a:schemeClr val="tx1"/>
+            </a:solidFill>
+          </a:ln>
+        </p:spPr>
+        <p:style>
+          <a:lnRef idx="2">
+            <a:schemeClr val="accent1">
+              <a:shade val="50000"/>
+            </a:schemeClr>
+          </a:lnRef>
+          <a:fillRef idx="1">
+            <a:schemeClr val="accent1"/>
+          </a:fillRef>
+          <a:effectRef idx="0">
+            <a:schemeClr val="accent1"/>
+          </a:effectRef>
+          <a:fontRef idx="minor">
+            <a:schemeClr val="lt1"/>
+          </a:fontRef>
+        </p:style>
+        <p:txBody>
+          <a:bodyPr rtlCol="0" anchor="ctr"/>
+          <a:lstStyle/>
+          <a:p>
+            <a:pPr algn="ctr"/>
+            <a:endParaRPr lang="fr-FR"/>
+          </a:p>
+        </p:txBody>
+      </p:sp>
+    </p:spTree>
+    <p:extLst>
+      <p:ext uri="{BB962C8B-B14F-4D97-AF65-F5344CB8AC3E}">
+        <p14:creationId xmlns:p14="http://schemas.microsoft.com/office/powerpoint/2010/main" val="3003564951"/>
+      </p:ext>
+    </p:extLst>
+  </p:cSld>
+  <p:clrMapOvr>
+    <a:masterClrMapping/>
+  </p:clrMapOvr>
+</p:sld>
+</file>
+
 <file path=ppt/theme/theme1.xml><?xml version="1.0" encoding="utf-8"?>
 <a:theme xmlns:a="http://schemas.openxmlformats.org/drawingml/2006/main" name="Thème Office">
   <a:themeElements>

--- a/Support/Figures.pptx
+++ b/Support/Figures.pptx
@@ -13,6 +13,7 @@
     <p:sldId id="259" r:id="rId7"/>
     <p:sldId id="262" r:id="rId8"/>
     <p:sldId id="263" r:id="rId9"/>
+    <p:sldId id="264" r:id="rId10"/>
   </p:sldIdLst>
   <p:sldSz cx="12192000" cy="6858000"/>
   <p:notesSz cx="6858000" cy="9144000"/>
@@ -250,7 +251,7 @@
           <a:p>
             <a:fld id="{66CF1B35-9962-4754-9069-4529B19CDBAF}" type="datetimeFigureOut">
               <a:rPr lang="fr-FR" smtClean="0"/>
-              <a:t>07/03/2019</a:t>
+              <a:t>08/03/2019</a:t>
             </a:fld>
             <a:endParaRPr lang="fr-FR"/>
           </a:p>
@@ -420,7 +421,7 @@
           <a:p>
             <a:fld id="{66CF1B35-9962-4754-9069-4529B19CDBAF}" type="datetimeFigureOut">
               <a:rPr lang="fr-FR" smtClean="0"/>
-              <a:t>07/03/2019</a:t>
+              <a:t>08/03/2019</a:t>
             </a:fld>
             <a:endParaRPr lang="fr-FR"/>
           </a:p>
@@ -600,7 +601,7 @@
           <a:p>
             <a:fld id="{66CF1B35-9962-4754-9069-4529B19CDBAF}" type="datetimeFigureOut">
               <a:rPr lang="fr-FR" smtClean="0"/>
-              <a:t>07/03/2019</a:t>
+              <a:t>08/03/2019</a:t>
             </a:fld>
             <a:endParaRPr lang="fr-FR"/>
           </a:p>
@@ -770,7 +771,7 @@
           <a:p>
             <a:fld id="{66CF1B35-9962-4754-9069-4529B19CDBAF}" type="datetimeFigureOut">
               <a:rPr lang="fr-FR" smtClean="0"/>
-              <a:t>07/03/2019</a:t>
+              <a:t>08/03/2019</a:t>
             </a:fld>
             <a:endParaRPr lang="fr-FR"/>
           </a:p>
@@ -1016,7 +1017,7 @@
           <a:p>
             <a:fld id="{66CF1B35-9962-4754-9069-4529B19CDBAF}" type="datetimeFigureOut">
               <a:rPr lang="fr-FR" smtClean="0"/>
-              <a:t>07/03/2019</a:t>
+              <a:t>08/03/2019</a:t>
             </a:fld>
             <a:endParaRPr lang="fr-FR"/>
           </a:p>
@@ -1248,7 +1249,7 @@
           <a:p>
             <a:fld id="{66CF1B35-9962-4754-9069-4529B19CDBAF}" type="datetimeFigureOut">
               <a:rPr lang="fr-FR" smtClean="0"/>
-              <a:t>07/03/2019</a:t>
+              <a:t>08/03/2019</a:t>
             </a:fld>
             <a:endParaRPr lang="fr-FR"/>
           </a:p>
@@ -1615,7 +1616,7 @@
           <a:p>
             <a:fld id="{66CF1B35-9962-4754-9069-4529B19CDBAF}" type="datetimeFigureOut">
               <a:rPr lang="fr-FR" smtClean="0"/>
-              <a:t>07/03/2019</a:t>
+              <a:t>08/03/2019</a:t>
             </a:fld>
             <a:endParaRPr lang="fr-FR"/>
           </a:p>
@@ -1733,7 +1734,7 @@
           <a:p>
             <a:fld id="{66CF1B35-9962-4754-9069-4529B19CDBAF}" type="datetimeFigureOut">
               <a:rPr lang="fr-FR" smtClean="0"/>
-              <a:t>07/03/2019</a:t>
+              <a:t>08/03/2019</a:t>
             </a:fld>
             <a:endParaRPr lang="fr-FR"/>
           </a:p>
@@ -1828,7 +1829,7 @@
           <a:p>
             <a:fld id="{66CF1B35-9962-4754-9069-4529B19CDBAF}" type="datetimeFigureOut">
               <a:rPr lang="fr-FR" smtClean="0"/>
-              <a:t>07/03/2019</a:t>
+              <a:t>08/03/2019</a:t>
             </a:fld>
             <a:endParaRPr lang="fr-FR"/>
           </a:p>
@@ -2105,7 +2106,7 @@
           <a:p>
             <a:fld id="{66CF1B35-9962-4754-9069-4529B19CDBAF}" type="datetimeFigureOut">
               <a:rPr lang="fr-FR" smtClean="0"/>
-              <a:t>07/03/2019</a:t>
+              <a:t>08/03/2019</a:t>
             </a:fld>
             <a:endParaRPr lang="fr-FR"/>
           </a:p>
@@ -2358,7 +2359,7 @@
           <a:p>
             <a:fld id="{66CF1B35-9962-4754-9069-4529B19CDBAF}" type="datetimeFigureOut">
               <a:rPr lang="fr-FR" smtClean="0"/>
-              <a:t>07/03/2019</a:t>
+              <a:t>08/03/2019</a:t>
             </a:fld>
             <a:endParaRPr lang="fr-FR"/>
           </a:p>
@@ -2571,7 +2572,7 @@
           <a:p>
             <a:fld id="{66CF1B35-9962-4754-9069-4529B19CDBAF}" type="datetimeFigureOut">
               <a:rPr lang="fr-FR" smtClean="0"/>
-              <a:t>07/03/2019</a:t>
+              <a:t>08/03/2019</a:t>
             </a:fld>
             <a:endParaRPr lang="fr-FR"/>
           </a:p>
@@ -24920,6 +24921,2166 @@
 </p:sld>
 </file>
 
+<file path=ppt/slides/slide9.xml><?xml version="1.0" encoding="utf-8"?>
+<p:sld xmlns:a="http://schemas.openxmlformats.org/drawingml/2006/main" xmlns:r="http://schemas.openxmlformats.org/officeDocument/2006/relationships" xmlns:p="http://schemas.openxmlformats.org/presentationml/2006/main">
+  <p:cSld>
+    <p:spTree>
+      <p:nvGrpSpPr>
+        <p:cNvPr id="1" name=""/>
+        <p:cNvGrpSpPr/>
+        <p:nvPr/>
+      </p:nvGrpSpPr>
+      <p:grpSpPr>
+        <a:xfrm>
+          <a:off x="0" y="0"/>
+          <a:ext cx="0" cy="0"/>
+          <a:chOff x="0" y="0"/>
+          <a:chExt cx="0" cy="0"/>
+        </a:xfrm>
+      </p:grpSpPr>
+      <p:grpSp>
+        <p:nvGrpSpPr>
+          <p:cNvPr id="23" name="Groupe 22"/>
+          <p:cNvGrpSpPr/>
+          <p:nvPr/>
+        </p:nvGrpSpPr>
+        <p:grpSpPr>
+          <a:xfrm>
+            <a:off x="1733418" y="5008003"/>
+            <a:ext cx="798461" cy="1429491"/>
+            <a:chOff x="1049422" y="2910837"/>
+            <a:chExt cx="798461" cy="1429491"/>
+          </a:xfrm>
+        </p:grpSpPr>
+        <p:cxnSp>
+          <p:nvCxnSpPr>
+            <p:cNvPr id="30" name="Connecteur droit avec flèche 29"/>
+            <p:cNvCxnSpPr/>
+            <p:nvPr/>
+          </p:nvCxnSpPr>
+          <p:spPr>
+            <a:xfrm>
+              <a:off x="1066579" y="3525170"/>
+              <a:ext cx="624466" cy="0"/>
+            </a:xfrm>
+            <a:prstGeom prst="straightConnector1">
+              <a:avLst/>
+            </a:prstGeom>
+            <a:ln w="19050">
+              <a:solidFill>
+                <a:srgbClr val="767171"/>
+              </a:solidFill>
+              <a:prstDash val="solid"/>
+              <a:tailEnd type="triangle"/>
+            </a:ln>
+          </p:spPr>
+          <p:style>
+            <a:lnRef idx="1">
+              <a:schemeClr val="accent1"/>
+            </a:lnRef>
+            <a:fillRef idx="0">
+              <a:schemeClr val="accent1"/>
+            </a:fillRef>
+            <a:effectRef idx="0">
+              <a:schemeClr val="accent1"/>
+            </a:effectRef>
+            <a:fontRef idx="minor">
+              <a:schemeClr val="tx1"/>
+            </a:fontRef>
+          </p:style>
+        </p:cxnSp>
+        <p:cxnSp>
+          <p:nvCxnSpPr>
+            <p:cNvPr id="31" name="Connecteur droit avec flèche 30"/>
+            <p:cNvCxnSpPr/>
+            <p:nvPr/>
+          </p:nvCxnSpPr>
+          <p:spPr>
+            <a:xfrm>
+              <a:off x="1066580" y="3525170"/>
+              <a:ext cx="0" cy="677833"/>
+            </a:xfrm>
+            <a:prstGeom prst="straightConnector1">
+              <a:avLst/>
+            </a:prstGeom>
+            <a:ln w="19050">
+              <a:solidFill>
+                <a:srgbClr val="767171"/>
+              </a:solidFill>
+              <a:prstDash val="solid"/>
+              <a:tailEnd type="triangle"/>
+            </a:ln>
+          </p:spPr>
+          <p:style>
+            <a:lnRef idx="1">
+              <a:schemeClr val="accent1"/>
+            </a:lnRef>
+            <a:fillRef idx="0">
+              <a:schemeClr val="accent1"/>
+            </a:fillRef>
+            <a:effectRef idx="0">
+              <a:schemeClr val="accent1"/>
+            </a:effectRef>
+            <a:fontRef idx="minor">
+              <a:schemeClr val="tx1"/>
+            </a:fontRef>
+          </p:style>
+        </p:cxnSp>
+        <mc:AlternateContent xmlns:mc="http://schemas.openxmlformats.org/markup-compatibility/2006">
+          <mc:Choice xmlns:a14="http://schemas.microsoft.com/office/drawing/2010/main" Requires="a14">
+            <p:sp>
+              <p:nvSpPr>
+                <p:cNvPr id="32" name="Zone de texte 153"/>
+                <p:cNvSpPr txBox="1"/>
+                <p:nvPr/>
+              </p:nvSpPr>
+              <p:spPr>
+                <a:xfrm>
+                  <a:off x="1049422" y="4065678"/>
+                  <a:ext cx="301748" cy="274650"/>
+                </a:xfrm>
+                <a:prstGeom prst="rect">
+                  <a:avLst/>
+                </a:prstGeom>
+                <a:noFill/>
+                <a:ln w="6350">
+                  <a:noFill/>
+                  <a:prstDash val="sysDash"/>
+                </a:ln>
+                <a:effectLst/>
+              </p:spPr>
+              <p:style>
+                <a:lnRef idx="0">
+                  <a:schemeClr val="accent1"/>
+                </a:lnRef>
+                <a:fillRef idx="0">
+                  <a:schemeClr val="accent1"/>
+                </a:fillRef>
+                <a:effectRef idx="0">
+                  <a:schemeClr val="accent1"/>
+                </a:effectRef>
+                <a:fontRef idx="minor">
+                  <a:schemeClr val="dk1"/>
+                </a:fontRef>
+              </p:style>
+              <p:txBody>
+                <a:bodyPr rot="0" spcFirstLastPara="0" vert="horz" wrap="square" lIns="91440" tIns="45720" rIns="91440" bIns="45720" numCol="1" spcCol="0" rtlCol="0" fromWordArt="0" anchor="t" anchorCtr="0" forceAA="0" compatLnSpc="1">
+                  <a:prstTxWarp prst="textNoShape">
+                    <a:avLst/>
+                  </a:prstTxWarp>
+                  <a:noAutofit/>
+                </a:bodyPr>
+                <a:lstStyle/>
+                <a:p>
+                  <a:pPr>
+                    <a:lnSpc>
+                      <a:spcPct val="107000"/>
+                    </a:lnSpc>
+                    <a:spcAft>
+                      <a:spcPts val="800"/>
+                    </a:spcAft>
+                  </a:pPr>
+                  <a14:m>
+                    <m:oMath xmlns:m="http://schemas.openxmlformats.org/officeDocument/2006/math">
+                      <m:r>
+                        <a:rPr lang="fr-FR" sz="1400" b="1" i="1" smtClean="0">
+                          <a:solidFill>
+                            <a:srgbClr val="767171"/>
+                          </a:solidFill>
+                          <a:effectLst/>
+                          <a:latin typeface="Cambria Math" panose="02040503050406030204" pitchFamily="18" charset="0"/>
+                          <a:ea typeface="Calibri" panose="020F0502020204030204" pitchFamily="34" charset="0"/>
+                          <a:cs typeface="Times New Roman" panose="02020603050405020304" pitchFamily="18" charset="0"/>
+                        </a:rPr>
+                        <m:t>𝒓</m:t>
+                      </m:r>
+                    </m:oMath>
+                  </a14:m>
+                  <a:r>
+                    <a:rPr lang="fr-FR" sz="1400" dirty="0">
+                      <a:effectLst/>
+                      <a:ea typeface="Calibri" panose="020F0502020204030204" pitchFamily="34" charset="0"/>
+                      <a:cs typeface="Times New Roman" panose="02020603050405020304" pitchFamily="18" charset="0"/>
+                    </a:rPr>
+                    <a:t> </a:t>
+                  </a:r>
+                </a:p>
+              </p:txBody>
+            </p:sp>
+          </mc:Choice>
+          <mc:Fallback>
+            <p:sp>
+              <p:nvSpPr>
+                <p:cNvPr id="32" name="Zone de texte 153"/>
+                <p:cNvSpPr txBox="1">
+                  <a:spLocks noRot="1" noChangeAspect="1" noMove="1" noResize="1" noEditPoints="1" noAdjustHandles="1" noChangeArrowheads="1" noChangeShapeType="1" noTextEdit="1"/>
+                </p:cNvSpPr>
+                <p:nvPr/>
+              </p:nvSpPr>
+              <p:spPr>
+                <a:xfrm>
+                  <a:off x="1049422" y="4065678"/>
+                  <a:ext cx="301748" cy="274650"/>
+                </a:xfrm>
+                <a:prstGeom prst="rect">
+                  <a:avLst/>
+                </a:prstGeom>
+                <a:blipFill rotWithShape="0">
+                  <a:blip r:embed="rId2"/>
+                  <a:stretch>
+                    <a:fillRect/>
+                  </a:stretch>
+                </a:blipFill>
+                <a:ln w="6350">
+                  <a:noFill/>
+                  <a:prstDash val="sysDash"/>
+                </a:ln>
+                <a:effectLst/>
+              </p:spPr>
+              <p:txBody>
+                <a:bodyPr/>
+                <a:lstStyle/>
+                <a:p>
+                  <a:r>
+                    <a:rPr lang="fr-FR">
+                      <a:noFill/>
+                    </a:rPr>
+                    <a:t> </a:t>
+                  </a:r>
+                </a:p>
+              </p:txBody>
+            </p:sp>
+          </mc:Fallback>
+        </mc:AlternateContent>
+        <mc:AlternateContent xmlns:mc="http://schemas.openxmlformats.org/markup-compatibility/2006" xmlns:a14="http://schemas.microsoft.com/office/drawing/2010/main">
+          <mc:Choice Requires="a14">
+            <p:sp>
+              <p:nvSpPr>
+                <p:cNvPr id="33" name="Zone de texte 154"/>
+                <p:cNvSpPr txBox="1"/>
+                <p:nvPr/>
+              </p:nvSpPr>
+              <p:spPr>
+                <a:xfrm>
+                  <a:off x="1546135" y="3480903"/>
+                  <a:ext cx="301748" cy="274650"/>
+                </a:xfrm>
+                <a:prstGeom prst="rect">
+                  <a:avLst/>
+                </a:prstGeom>
+                <a:noFill/>
+                <a:ln w="6350">
+                  <a:noFill/>
+                  <a:prstDash val="sysDash"/>
+                </a:ln>
+                <a:effectLst/>
+              </p:spPr>
+              <p:style>
+                <a:lnRef idx="0">
+                  <a:schemeClr val="accent1"/>
+                </a:lnRef>
+                <a:fillRef idx="0">
+                  <a:schemeClr val="accent1"/>
+                </a:fillRef>
+                <a:effectRef idx="0">
+                  <a:schemeClr val="accent1"/>
+                </a:effectRef>
+                <a:fontRef idx="minor">
+                  <a:schemeClr val="dk1"/>
+                </a:fontRef>
+              </p:style>
+              <p:txBody>
+                <a:bodyPr rot="0" spcFirstLastPara="0" vert="horz" wrap="square" lIns="91440" tIns="45720" rIns="91440" bIns="45720" numCol="1" spcCol="0" rtlCol="0" fromWordArt="0" anchor="t" anchorCtr="0" forceAA="0" compatLnSpc="1">
+                  <a:prstTxWarp prst="textNoShape">
+                    <a:avLst/>
+                  </a:prstTxWarp>
+                  <a:noAutofit/>
+                </a:bodyPr>
+                <a:lstStyle/>
+                <a:p>
+                  <a:pPr>
+                    <a:lnSpc>
+                      <a:spcPct val="107000"/>
+                    </a:lnSpc>
+                    <a:spcAft>
+                      <a:spcPts val="800"/>
+                    </a:spcAft>
+                  </a:pPr>
+                  <a14:m>
+                    <m:oMath xmlns:m="http://schemas.openxmlformats.org/officeDocument/2006/math">
+                      <m:r>
+                        <a:rPr lang="fr-FR" sz="1400" b="1" i="1" dirty="0" smtClean="0">
+                          <a:solidFill>
+                            <a:srgbClr val="767171"/>
+                          </a:solidFill>
+                          <a:effectLst/>
+                          <a:latin typeface="Cambria Math" panose="02040503050406030204" pitchFamily="18" charset="0"/>
+                          <a:ea typeface="Calibri" panose="020F0502020204030204" pitchFamily="34" charset="0"/>
+                          <a:cs typeface="Times New Roman" panose="02020603050405020304" pitchFamily="18" charset="0"/>
+                        </a:rPr>
+                        <m:t>𝒁</m:t>
+                      </m:r>
+                    </m:oMath>
+                  </a14:m>
+                  <a:r>
+                    <a:rPr lang="fr-FR" sz="1400" dirty="0">
+                      <a:effectLst/>
+                      <a:ea typeface="Calibri" panose="020F0502020204030204" pitchFamily="34" charset="0"/>
+                      <a:cs typeface="Times New Roman" panose="02020603050405020304" pitchFamily="18" charset="0"/>
+                    </a:rPr>
+                    <a:t> </a:t>
+                  </a:r>
+                </a:p>
+              </p:txBody>
+            </p:sp>
+          </mc:Choice>
+          <mc:Fallback xmlns="">
+            <p:sp>
+              <p:nvSpPr>
+                <p:cNvPr id="141" name="Zone de texte 154"/>
+                <p:cNvSpPr txBox="1">
+                  <a:spLocks noRot="1" noChangeAspect="1" noMove="1" noResize="1" noEditPoints="1" noAdjustHandles="1" noChangeArrowheads="1" noChangeShapeType="1" noTextEdit="1"/>
+                </p:cNvSpPr>
+                <p:nvPr/>
+              </p:nvSpPr>
+              <p:spPr>
+                <a:xfrm>
+                  <a:off x="1546135" y="3480903"/>
+                  <a:ext cx="301748" cy="274650"/>
+                </a:xfrm>
+                <a:prstGeom prst="rect">
+                  <a:avLst/>
+                </a:prstGeom>
+                <a:blipFill rotWithShape="0">
+                  <a:blip r:embed="rId14"/>
+                  <a:stretch>
+                    <a:fillRect/>
+                  </a:stretch>
+                </a:blipFill>
+                <a:ln w="6350">
+                  <a:noFill/>
+                  <a:prstDash val="sysDash"/>
+                </a:ln>
+                <a:effectLst/>
+              </p:spPr>
+              <p:txBody>
+                <a:bodyPr/>
+                <a:lstStyle/>
+                <a:p>
+                  <a:r>
+                    <a:rPr lang="fr-FR">
+                      <a:noFill/>
+                    </a:rPr>
+                    <a:t> </a:t>
+                  </a:r>
+                </a:p>
+              </p:txBody>
+            </p:sp>
+          </mc:Fallback>
+        </mc:AlternateContent>
+        <mc:AlternateContent xmlns:mc="http://schemas.openxmlformats.org/markup-compatibility/2006">
+          <mc:Choice xmlns:a14="http://schemas.microsoft.com/office/drawing/2010/main" Requires="a14">
+            <p:sp>
+              <p:nvSpPr>
+                <p:cNvPr id="34" name="Zone de texte 154"/>
+                <p:cNvSpPr txBox="1"/>
+                <p:nvPr/>
+              </p:nvSpPr>
+              <p:spPr>
+                <a:xfrm>
+                  <a:off x="1415686" y="2910837"/>
+                  <a:ext cx="183498" cy="274250"/>
+                </a:xfrm>
+                <a:prstGeom prst="rect">
+                  <a:avLst/>
+                </a:prstGeom>
+                <a:noFill/>
+                <a:ln w="6350">
+                  <a:noFill/>
+                  <a:prstDash val="sysDash"/>
+                </a:ln>
+                <a:effectLst/>
+              </p:spPr>
+              <p:style>
+                <a:lnRef idx="0">
+                  <a:schemeClr val="accent1"/>
+                </a:lnRef>
+                <a:fillRef idx="0">
+                  <a:schemeClr val="accent1"/>
+                </a:fillRef>
+                <a:effectRef idx="0">
+                  <a:schemeClr val="accent1"/>
+                </a:effectRef>
+                <a:fontRef idx="minor">
+                  <a:schemeClr val="dk1"/>
+                </a:fontRef>
+              </p:style>
+              <p:txBody>
+                <a:bodyPr rot="0" spcFirstLastPara="0" vert="horz" wrap="square" lIns="91440" tIns="45720" rIns="91440" bIns="45720" numCol="1" spcCol="0" rtlCol="0" fromWordArt="0" anchor="t" anchorCtr="0" forceAA="0" compatLnSpc="1">
+                  <a:prstTxWarp prst="textNoShape">
+                    <a:avLst/>
+                  </a:prstTxWarp>
+                  <a:noAutofit/>
+                </a:bodyPr>
+                <a:lstStyle/>
+                <a:p>
+                  <a:pPr>
+                    <a:lnSpc>
+                      <a:spcPct val="107000"/>
+                    </a:lnSpc>
+                    <a:spcAft>
+                      <a:spcPts val="800"/>
+                    </a:spcAft>
+                  </a:pPr>
+                  <a14:m>
+                    <m:oMath xmlns:m="http://schemas.openxmlformats.org/officeDocument/2006/math">
+                      <m:r>
+                        <a:rPr lang="fr-FR" sz="1400" b="1" i="1" dirty="0" smtClean="0">
+                          <a:solidFill>
+                            <a:srgbClr val="767171"/>
+                          </a:solidFill>
+                          <a:effectLst/>
+                          <a:latin typeface="Cambria Math" panose="02040503050406030204" pitchFamily="18" charset="0"/>
+                          <a:ea typeface="Calibri" panose="020F0502020204030204" pitchFamily="34" charset="0"/>
+                          <a:cs typeface="Times New Roman" panose="02020603050405020304" pitchFamily="18" charset="0"/>
+                        </a:rPr>
+                        <m:t>𝒕</m:t>
+                      </m:r>
+                    </m:oMath>
+                  </a14:m>
+                  <a:r>
+                    <a:rPr lang="fr-FR" sz="1400" dirty="0">
+                      <a:effectLst/>
+                      <a:ea typeface="Calibri" panose="020F0502020204030204" pitchFamily="34" charset="0"/>
+                      <a:cs typeface="Times New Roman" panose="02020603050405020304" pitchFamily="18" charset="0"/>
+                    </a:rPr>
+                    <a:t> </a:t>
+                  </a:r>
+                </a:p>
+              </p:txBody>
+            </p:sp>
+          </mc:Choice>
+          <mc:Fallback>
+            <p:sp>
+              <p:nvSpPr>
+                <p:cNvPr id="34" name="Zone de texte 154"/>
+                <p:cNvSpPr txBox="1">
+                  <a:spLocks noRot="1" noChangeAspect="1" noMove="1" noResize="1" noEditPoints="1" noAdjustHandles="1" noChangeArrowheads="1" noChangeShapeType="1" noTextEdit="1"/>
+                </p:cNvSpPr>
+                <p:nvPr/>
+              </p:nvSpPr>
+              <p:spPr>
+                <a:xfrm>
+                  <a:off x="1415686" y="2910837"/>
+                  <a:ext cx="183498" cy="274250"/>
+                </a:xfrm>
+                <a:prstGeom prst="rect">
+                  <a:avLst/>
+                </a:prstGeom>
+                <a:blipFill rotWithShape="0">
+                  <a:blip r:embed="rId15"/>
+                  <a:stretch>
+                    <a:fillRect r="-19355"/>
+                  </a:stretch>
+                </a:blipFill>
+                <a:ln w="6350">
+                  <a:noFill/>
+                  <a:prstDash val="sysDash"/>
+                </a:ln>
+                <a:effectLst/>
+              </p:spPr>
+              <p:txBody>
+                <a:bodyPr/>
+                <a:lstStyle/>
+                <a:p>
+                  <a:r>
+                    <a:rPr lang="fr-FR">
+                      <a:noFill/>
+                    </a:rPr>
+                    <a:t> </a:t>
+                  </a:r>
+                </a:p>
+              </p:txBody>
+            </p:sp>
+          </mc:Fallback>
+        </mc:AlternateContent>
+        <p:cxnSp>
+          <p:nvCxnSpPr>
+            <p:cNvPr id="35" name="Connecteur droit avec flèche 34"/>
+            <p:cNvCxnSpPr/>
+            <p:nvPr/>
+          </p:nvCxnSpPr>
+          <p:spPr>
+            <a:xfrm flipV="1">
+              <a:off x="1066579" y="3125988"/>
+              <a:ext cx="599334" cy="401932"/>
+            </a:xfrm>
+            <a:prstGeom prst="straightConnector1">
+              <a:avLst/>
+            </a:prstGeom>
+            <a:ln w="19050">
+              <a:solidFill>
+                <a:srgbClr val="767171"/>
+              </a:solidFill>
+              <a:prstDash val="solid"/>
+              <a:tailEnd type="triangle"/>
+            </a:ln>
+          </p:spPr>
+          <p:style>
+            <a:lnRef idx="1">
+              <a:schemeClr val="accent1"/>
+            </a:lnRef>
+            <a:fillRef idx="0">
+              <a:schemeClr val="accent1"/>
+            </a:fillRef>
+            <a:effectRef idx="0">
+              <a:schemeClr val="accent1"/>
+            </a:effectRef>
+            <a:fontRef idx="minor">
+              <a:schemeClr val="tx1"/>
+            </a:fontRef>
+          </p:style>
+        </p:cxnSp>
+      </p:grpSp>
+      <p:grpSp>
+        <p:nvGrpSpPr>
+          <p:cNvPr id="65" name="Groupe 64"/>
+          <p:cNvGrpSpPr/>
+          <p:nvPr/>
+        </p:nvGrpSpPr>
+        <p:grpSpPr>
+          <a:xfrm>
+            <a:off x="3189101" y="1336302"/>
+            <a:ext cx="4774789" cy="3416650"/>
+            <a:chOff x="3189101" y="1336302"/>
+            <a:chExt cx="4774789" cy="3416650"/>
+          </a:xfrm>
+        </p:grpSpPr>
+        <p:grpSp>
+          <p:nvGrpSpPr>
+            <p:cNvPr id="62" name="Groupe 61"/>
+            <p:cNvGrpSpPr/>
+            <p:nvPr/>
+          </p:nvGrpSpPr>
+          <p:grpSpPr>
+            <a:xfrm>
+              <a:off x="3189101" y="1336302"/>
+              <a:ext cx="4774789" cy="3416650"/>
+              <a:chOff x="3189101" y="1336302"/>
+              <a:chExt cx="4774789" cy="3416650"/>
+            </a:xfrm>
+          </p:grpSpPr>
+          <p:grpSp>
+            <p:nvGrpSpPr>
+              <p:cNvPr id="43" name="Groupe 42"/>
+              <p:cNvGrpSpPr/>
+              <p:nvPr/>
+            </p:nvGrpSpPr>
+            <p:grpSpPr>
+              <a:xfrm>
+                <a:off x="3189101" y="1336302"/>
+                <a:ext cx="4774789" cy="3416650"/>
+                <a:chOff x="3192772" y="1336302"/>
+                <a:chExt cx="4774789" cy="3416650"/>
+              </a:xfrm>
+            </p:grpSpPr>
+            <p:pic>
+              <p:nvPicPr>
+                <p:cNvPr id="36" name="Image 35"/>
+                <p:cNvPicPr/>
+                <p:nvPr/>
+              </p:nvPicPr>
+              <p:blipFill>
+                <a:blip r:embed="rId16"/>
+                <a:stretch>
+                  <a:fillRect/>
+                </a:stretch>
+              </p:blipFill>
+              <p:spPr>
+                <a:xfrm>
+                  <a:off x="3192772" y="1336302"/>
+                  <a:ext cx="4774789" cy="3416650"/>
+                </a:xfrm>
+                <a:prstGeom prst="rect">
+                  <a:avLst/>
+                </a:prstGeom>
+              </p:spPr>
+            </p:pic>
+            <p:grpSp>
+              <p:nvGrpSpPr>
+                <p:cNvPr id="37" name="Groupe 36"/>
+                <p:cNvGrpSpPr/>
+                <p:nvPr/>
+              </p:nvGrpSpPr>
+              <p:grpSpPr>
+                <a:xfrm>
+                  <a:off x="5805821" y="3369369"/>
+                  <a:ext cx="514243" cy="359565"/>
+                  <a:chOff x="5805821" y="3369369"/>
+                  <a:chExt cx="514243" cy="359565"/>
+                </a:xfrm>
+              </p:grpSpPr>
+              <p:sp>
+                <p:nvSpPr>
+                  <p:cNvPr id="28" name="Arc 27"/>
+                  <p:cNvSpPr/>
+                  <p:nvPr/>
+                </p:nvSpPr>
+                <p:spPr>
+                  <a:xfrm rot="4876348">
+                    <a:off x="5784102" y="3391088"/>
+                    <a:ext cx="290512" cy="247074"/>
+                  </a:xfrm>
+                  <a:prstGeom prst="arc">
+                    <a:avLst>
+                      <a:gd name="adj1" fmla="val 16200000"/>
+                      <a:gd name="adj2" fmla="val 2933405"/>
+                    </a:avLst>
+                  </a:prstGeom>
+                  <a:ln w="12700">
+                    <a:solidFill>
+                      <a:srgbClr val="036DBF"/>
+                    </a:solidFill>
+                    <a:tailEnd type="triangle"/>
+                  </a:ln>
+                </p:spPr>
+                <p:style>
+                  <a:lnRef idx="1">
+                    <a:schemeClr val="accent1"/>
+                  </a:lnRef>
+                  <a:fillRef idx="0">
+                    <a:schemeClr val="accent1"/>
+                  </a:fillRef>
+                  <a:effectRef idx="0">
+                    <a:schemeClr val="accent1"/>
+                  </a:effectRef>
+                  <a:fontRef idx="minor">
+                    <a:schemeClr val="tx1"/>
+                  </a:fontRef>
+                </p:style>
+                <p:txBody>
+                  <a:bodyPr rtlCol="0" anchor="ctr"/>
+                  <a:lstStyle/>
+                  <a:p>
+                    <a:pPr algn="ctr"/>
+                    <a:endParaRPr lang="fr-FR"/>
+                  </a:p>
+                </p:txBody>
+              </p:sp>
+              <mc:AlternateContent xmlns:mc="http://schemas.openxmlformats.org/markup-compatibility/2006">
+                <mc:Choice xmlns:a14="http://schemas.microsoft.com/office/drawing/2010/main" Requires="a14">
+                  <p:sp>
+                    <p:nvSpPr>
+                      <p:cNvPr id="29" name="Zone de texte 153"/>
+                      <p:cNvSpPr txBox="1"/>
+                      <p:nvPr/>
+                    </p:nvSpPr>
+                    <p:spPr>
+                      <a:xfrm>
+                        <a:off x="6018316" y="3454284"/>
+                        <a:ext cx="301748" cy="274650"/>
+                      </a:xfrm>
+                      <a:prstGeom prst="rect">
+                        <a:avLst/>
+                      </a:prstGeom>
+                      <a:noFill/>
+                      <a:ln w="6350">
+                        <a:noFill/>
+                        <a:prstDash val="sysDash"/>
+                      </a:ln>
+                      <a:effectLst/>
+                    </p:spPr>
+                    <p:style>
+                      <a:lnRef idx="0">
+                        <a:schemeClr val="accent1"/>
+                      </a:lnRef>
+                      <a:fillRef idx="0">
+                        <a:schemeClr val="accent1"/>
+                      </a:fillRef>
+                      <a:effectRef idx="0">
+                        <a:schemeClr val="accent1"/>
+                      </a:effectRef>
+                      <a:fontRef idx="minor">
+                        <a:schemeClr val="dk1"/>
+                      </a:fontRef>
+                    </p:style>
+                    <p:txBody>
+                      <a:bodyPr rot="0" spcFirstLastPara="0" vert="horz" wrap="square" lIns="91440" tIns="45720" rIns="91440" bIns="45720" numCol="1" spcCol="0" rtlCol="0" fromWordArt="0" anchor="t" anchorCtr="0" forceAA="0" compatLnSpc="1">
+                        <a:prstTxWarp prst="textNoShape">
+                          <a:avLst/>
+                        </a:prstTxWarp>
+                        <a:noAutofit/>
+                      </a:bodyPr>
+                      <a:lstStyle/>
+                      <a:p>
+                        <a:pPr>
+                          <a:lnSpc>
+                            <a:spcPct val="107000"/>
+                          </a:lnSpc>
+                          <a:spcAft>
+                            <a:spcPts val="800"/>
+                          </a:spcAft>
+                        </a:pPr>
+                        <a14:m>
+                          <m:oMath xmlns:m="http://schemas.openxmlformats.org/officeDocument/2006/math">
+                            <m:acc>
+                              <m:accPr>
+                                <m:chr m:val="̃"/>
+                                <m:ctrlPr>
+                                  <a:rPr lang="fr-FR" sz="1400" b="0" i="1" smtClean="0">
+                                    <a:solidFill>
+                                      <a:srgbClr val="036DBF"/>
+                                    </a:solidFill>
+                                    <a:effectLst/>
+                                    <a:latin typeface="Cambria Math" panose="02040503050406030204" pitchFamily="18" charset="0"/>
+                                    <a:cs typeface="Times New Roman" panose="02020603050405020304" pitchFamily="18" charset="0"/>
+                                  </a:rPr>
+                                </m:ctrlPr>
+                              </m:accPr>
+                              <m:e>
+                                <m:r>
+                                  <a:rPr lang="fr-FR" sz="1400" i="1">
+                                    <a:solidFill>
+                                      <a:srgbClr val="036DBF"/>
+                                    </a:solidFill>
+                                    <a:latin typeface="Cambria Math" panose="02040503050406030204" pitchFamily="18" charset="0"/>
+                                    <a:ea typeface="Calibri" panose="020F0502020204030204" pitchFamily="34" charset="0"/>
+                                    <a:cs typeface="Times New Roman" panose="02020603050405020304" pitchFamily="18" charset="0"/>
+                                  </a:rPr>
+                                  <m:t>𝜃</m:t>
+                                </m:r>
+                              </m:e>
+                            </m:acc>
+                          </m:oMath>
+                        </a14:m>
+                        <a:r>
+                          <a:rPr lang="fr-FR" sz="1400" dirty="0">
+                            <a:solidFill>
+                              <a:srgbClr val="036DBF"/>
+                            </a:solidFill>
+                            <a:effectLst/>
+                            <a:ea typeface="Calibri" panose="020F0502020204030204" pitchFamily="34" charset="0"/>
+                            <a:cs typeface="Times New Roman" panose="02020603050405020304" pitchFamily="18" charset="0"/>
+                          </a:rPr>
+                          <a:t> </a:t>
+                        </a:r>
+                      </a:p>
+                    </p:txBody>
+                  </p:sp>
+                </mc:Choice>
+                <mc:Fallback>
+                  <p:sp>
+                    <p:nvSpPr>
+                      <p:cNvPr id="29" name="Zone de texte 153"/>
+                      <p:cNvSpPr txBox="1">
+                        <a:spLocks noRot="1" noChangeAspect="1" noMove="1" noResize="1" noEditPoints="1" noAdjustHandles="1" noChangeArrowheads="1" noChangeShapeType="1" noTextEdit="1"/>
+                      </p:cNvSpPr>
+                      <p:nvPr/>
+                    </p:nvSpPr>
+                    <p:spPr>
+                      <a:xfrm>
+                        <a:off x="6018316" y="3454284"/>
+                        <a:ext cx="301748" cy="274650"/>
+                      </a:xfrm>
+                      <a:prstGeom prst="rect">
+                        <a:avLst/>
+                      </a:prstGeom>
+                      <a:blipFill rotWithShape="0">
+                        <a:blip r:embed="rId17"/>
+                        <a:stretch>
+                          <a:fillRect b="-4444"/>
+                        </a:stretch>
+                      </a:blipFill>
+                      <a:ln w="6350">
+                        <a:noFill/>
+                        <a:prstDash val="sysDash"/>
+                      </a:ln>
+                      <a:effectLst/>
+                    </p:spPr>
+                    <p:txBody>
+                      <a:bodyPr/>
+                      <a:lstStyle/>
+                      <a:p>
+                        <a:r>
+                          <a:rPr lang="fr-FR">
+                            <a:noFill/>
+                          </a:rPr>
+                          <a:t> </a:t>
+                        </a:r>
+                      </a:p>
+                    </p:txBody>
+                  </p:sp>
+                </mc:Fallback>
+              </mc:AlternateContent>
+            </p:grpSp>
+            <p:grpSp>
+              <p:nvGrpSpPr>
+                <p:cNvPr id="25" name="Groupe 24"/>
+                <p:cNvGrpSpPr/>
+                <p:nvPr/>
+              </p:nvGrpSpPr>
+              <p:grpSpPr>
+                <a:xfrm>
+                  <a:off x="5693428" y="2448282"/>
+                  <a:ext cx="364078" cy="409534"/>
+                  <a:chOff x="3778458" y="2054982"/>
+                  <a:chExt cx="364078" cy="409534"/>
+                </a:xfrm>
+              </p:grpSpPr>
+              <p:sp>
+                <p:nvSpPr>
+                  <p:cNvPr id="26" name="Arc 25"/>
+                  <p:cNvSpPr/>
+                  <p:nvPr/>
+                </p:nvSpPr>
+                <p:spPr>
+                  <a:xfrm>
+                    <a:off x="3852024" y="2217442"/>
+                    <a:ext cx="290512" cy="247074"/>
+                  </a:xfrm>
+                  <a:prstGeom prst="arc">
+                    <a:avLst>
+                      <a:gd name="adj1" fmla="val 16200000"/>
+                      <a:gd name="adj2" fmla="val 2933405"/>
+                    </a:avLst>
+                  </a:prstGeom>
+                  <a:ln w="12700">
+                    <a:solidFill>
+                      <a:srgbClr val="036DBF"/>
+                    </a:solidFill>
+                    <a:tailEnd type="triangle"/>
+                  </a:ln>
+                </p:spPr>
+                <p:style>
+                  <a:lnRef idx="1">
+                    <a:schemeClr val="accent1"/>
+                  </a:lnRef>
+                  <a:fillRef idx="0">
+                    <a:schemeClr val="accent1"/>
+                  </a:fillRef>
+                  <a:effectRef idx="0">
+                    <a:schemeClr val="accent1"/>
+                  </a:effectRef>
+                  <a:fontRef idx="minor">
+                    <a:schemeClr val="tx1"/>
+                  </a:fontRef>
+                </p:style>
+                <p:txBody>
+                  <a:bodyPr rtlCol="0" anchor="ctr"/>
+                  <a:lstStyle/>
+                  <a:p>
+                    <a:pPr algn="ctr"/>
+                    <a:endParaRPr lang="fr-FR"/>
+                  </a:p>
+                </p:txBody>
+              </p:sp>
+              <mc:AlternateContent xmlns:mc="http://schemas.openxmlformats.org/markup-compatibility/2006">
+                <mc:Choice xmlns:a14="http://schemas.microsoft.com/office/drawing/2010/main" Requires="a14">
+                  <p:sp>
+                    <p:nvSpPr>
+                      <p:cNvPr id="27" name="Zone de texte 153"/>
+                      <p:cNvSpPr txBox="1"/>
+                      <p:nvPr/>
+                    </p:nvSpPr>
+                    <p:spPr>
+                      <a:xfrm>
+                        <a:off x="3778458" y="2054982"/>
+                        <a:ext cx="301748" cy="274650"/>
+                      </a:xfrm>
+                      <a:prstGeom prst="rect">
+                        <a:avLst/>
+                      </a:prstGeom>
+                      <a:noFill/>
+                      <a:ln w="6350">
+                        <a:noFill/>
+                        <a:prstDash val="sysDash"/>
+                      </a:ln>
+                      <a:effectLst/>
+                    </p:spPr>
+                    <p:style>
+                      <a:lnRef idx="0">
+                        <a:schemeClr val="accent1"/>
+                      </a:lnRef>
+                      <a:fillRef idx="0">
+                        <a:schemeClr val="accent1"/>
+                      </a:fillRef>
+                      <a:effectRef idx="0">
+                        <a:schemeClr val="accent1"/>
+                      </a:effectRef>
+                      <a:fontRef idx="minor">
+                        <a:schemeClr val="dk1"/>
+                      </a:fontRef>
+                    </p:style>
+                    <p:txBody>
+                      <a:bodyPr rot="0" spcFirstLastPara="0" vert="horz" wrap="square" lIns="91440" tIns="45720" rIns="91440" bIns="45720" numCol="1" spcCol="0" rtlCol="0" fromWordArt="0" anchor="t" anchorCtr="0" forceAA="0" compatLnSpc="1">
+                        <a:prstTxWarp prst="textNoShape">
+                          <a:avLst/>
+                        </a:prstTxWarp>
+                        <a:noAutofit/>
+                      </a:bodyPr>
+                      <a:lstStyle/>
+                      <a:p>
+                        <a:pPr>
+                          <a:lnSpc>
+                            <a:spcPct val="107000"/>
+                          </a:lnSpc>
+                          <a:spcAft>
+                            <a:spcPts val="800"/>
+                          </a:spcAft>
+                        </a:pPr>
+                        <a14:m>
+                          <m:oMath xmlns:m="http://schemas.openxmlformats.org/officeDocument/2006/math">
+                            <m:acc>
+                              <m:accPr>
+                                <m:chr m:val="̃"/>
+                                <m:ctrlPr>
+                                  <a:rPr lang="fr-FR" sz="1400" b="0" i="1" smtClean="0">
+                                    <a:solidFill>
+                                      <a:srgbClr val="036DBF"/>
+                                    </a:solidFill>
+                                    <a:effectLst/>
+                                    <a:latin typeface="Cambria Math" panose="02040503050406030204" pitchFamily="18" charset="0"/>
+                                    <a:cs typeface="Times New Roman" panose="02020603050405020304" pitchFamily="18" charset="0"/>
+                                  </a:rPr>
+                                </m:ctrlPr>
+                              </m:accPr>
+                              <m:e>
+                                <m:r>
+                                  <a:rPr lang="fr-FR" sz="1400" i="1">
+                                    <a:solidFill>
+                                      <a:srgbClr val="036DBF"/>
+                                    </a:solidFill>
+                                    <a:latin typeface="Cambria Math" panose="02040503050406030204" pitchFamily="18" charset="0"/>
+                                    <a:ea typeface="Calibri" panose="020F0502020204030204" pitchFamily="34" charset="0"/>
+                                    <a:cs typeface="Times New Roman" panose="02020603050405020304" pitchFamily="18" charset="0"/>
+                                  </a:rPr>
+                                  <m:t>𝜓</m:t>
+                                </m:r>
+                              </m:e>
+                            </m:acc>
+                          </m:oMath>
+                        </a14:m>
+                        <a:r>
+                          <a:rPr lang="fr-FR" sz="1400" dirty="0">
+                            <a:solidFill>
+                              <a:srgbClr val="036DBF"/>
+                            </a:solidFill>
+                            <a:effectLst/>
+                            <a:ea typeface="Calibri" panose="020F0502020204030204" pitchFamily="34" charset="0"/>
+                            <a:cs typeface="Times New Roman" panose="02020603050405020304" pitchFamily="18" charset="0"/>
+                          </a:rPr>
+                          <a:t> </a:t>
+                        </a:r>
+                      </a:p>
+                    </p:txBody>
+                  </p:sp>
+                </mc:Choice>
+                <mc:Fallback>
+                  <p:sp>
+                    <p:nvSpPr>
+                      <p:cNvPr id="27" name="Zone de texte 153"/>
+                      <p:cNvSpPr txBox="1">
+                        <a:spLocks noRot="1" noChangeAspect="1" noMove="1" noResize="1" noEditPoints="1" noAdjustHandles="1" noChangeArrowheads="1" noChangeShapeType="1" noTextEdit="1"/>
+                      </p:cNvSpPr>
+                      <p:nvPr/>
+                    </p:nvSpPr>
+                    <p:spPr>
+                      <a:xfrm>
+                        <a:off x="3778458" y="2054982"/>
+                        <a:ext cx="301748" cy="274650"/>
+                      </a:xfrm>
+                      <a:prstGeom prst="rect">
+                        <a:avLst/>
+                      </a:prstGeom>
+                      <a:blipFill rotWithShape="0">
+                        <a:blip r:embed="rId18"/>
+                        <a:stretch>
+                          <a:fillRect r="-2000" b="-24444"/>
+                        </a:stretch>
+                      </a:blipFill>
+                      <a:ln w="6350">
+                        <a:noFill/>
+                        <a:prstDash val="sysDash"/>
+                      </a:ln>
+                      <a:effectLst/>
+                    </p:spPr>
+                    <p:txBody>
+                      <a:bodyPr/>
+                      <a:lstStyle/>
+                      <a:p>
+                        <a:r>
+                          <a:rPr lang="fr-FR">
+                            <a:noFill/>
+                          </a:rPr>
+                          <a:t> </a:t>
+                        </a:r>
+                      </a:p>
+                    </p:txBody>
+                  </p:sp>
+                </mc:Fallback>
+              </mc:AlternateContent>
+            </p:grpSp>
+            <p:grpSp>
+              <p:nvGrpSpPr>
+                <p:cNvPr id="38" name="Groupe 37"/>
+                <p:cNvGrpSpPr/>
+                <p:nvPr/>
+              </p:nvGrpSpPr>
+              <p:grpSpPr>
+                <a:xfrm>
+                  <a:off x="5230093" y="3112173"/>
+                  <a:ext cx="583233" cy="351065"/>
+                  <a:chOff x="1358181" y="5560770"/>
+                  <a:chExt cx="583233" cy="351065"/>
+                </a:xfrm>
+              </p:grpSpPr>
+              <p:cxnSp>
+                <p:nvCxnSpPr>
+                  <p:cNvPr id="19" name="Connecteur droit avec flèche 18"/>
+                  <p:cNvCxnSpPr/>
+                  <p:nvPr/>
+                </p:nvCxnSpPr>
+                <p:spPr>
+                  <a:xfrm>
+                    <a:off x="1612802" y="5560770"/>
+                    <a:ext cx="328612" cy="351065"/>
+                  </a:xfrm>
+                  <a:prstGeom prst="straightConnector1">
+                    <a:avLst/>
+                  </a:prstGeom>
+                  <a:ln w="12700">
+                    <a:solidFill>
+                      <a:srgbClr val="036DBF"/>
+                    </a:solidFill>
+                    <a:prstDash val="solid"/>
+                    <a:tailEnd type="triangle"/>
+                  </a:ln>
+                </p:spPr>
+                <p:style>
+                  <a:lnRef idx="1">
+                    <a:schemeClr val="accent1"/>
+                  </a:lnRef>
+                  <a:fillRef idx="0">
+                    <a:schemeClr val="accent1"/>
+                  </a:fillRef>
+                  <a:effectRef idx="0">
+                    <a:schemeClr val="accent1"/>
+                  </a:effectRef>
+                  <a:fontRef idx="minor">
+                    <a:schemeClr val="tx1"/>
+                  </a:fontRef>
+                </p:style>
+              </p:cxnSp>
+              <mc:AlternateContent xmlns:mc="http://schemas.openxmlformats.org/markup-compatibility/2006">
+                <mc:Choice xmlns:a14="http://schemas.microsoft.com/office/drawing/2010/main" Requires="a14">
+                  <p:sp>
+                    <p:nvSpPr>
+                      <p:cNvPr id="21" name="Zone de texte 153"/>
+                      <p:cNvSpPr txBox="1"/>
+                      <p:nvPr/>
+                    </p:nvSpPr>
+                    <p:spPr>
+                      <a:xfrm>
+                        <a:off x="1358181" y="5630491"/>
+                        <a:ext cx="301748" cy="274650"/>
+                      </a:xfrm>
+                      <a:prstGeom prst="rect">
+                        <a:avLst/>
+                      </a:prstGeom>
+                      <a:noFill/>
+                      <a:ln w="6350">
+                        <a:noFill/>
+                        <a:prstDash val="sysDash"/>
+                      </a:ln>
+                      <a:effectLst/>
+                    </p:spPr>
+                    <p:style>
+                      <a:lnRef idx="0">
+                        <a:schemeClr val="accent1"/>
+                      </a:lnRef>
+                      <a:fillRef idx="0">
+                        <a:schemeClr val="accent1"/>
+                      </a:fillRef>
+                      <a:effectRef idx="0">
+                        <a:schemeClr val="accent1"/>
+                      </a:effectRef>
+                      <a:fontRef idx="minor">
+                        <a:schemeClr val="dk1"/>
+                      </a:fontRef>
+                    </p:style>
+                    <p:txBody>
+                      <a:bodyPr rot="0" spcFirstLastPara="0" vert="horz" wrap="square" lIns="91440" tIns="45720" rIns="91440" bIns="45720" numCol="1" spcCol="0" rtlCol="0" fromWordArt="0" anchor="t" anchorCtr="0" forceAA="0" compatLnSpc="1">
+                        <a:prstTxWarp prst="textNoShape">
+                          <a:avLst/>
+                        </a:prstTxWarp>
+                        <a:noAutofit/>
+                      </a:bodyPr>
+                      <a:lstStyle/>
+                      <a:p>
+                        <a:pPr>
+                          <a:lnSpc>
+                            <a:spcPct val="107000"/>
+                          </a:lnSpc>
+                          <a:spcAft>
+                            <a:spcPts val="800"/>
+                          </a:spcAft>
+                        </a:pPr>
+                        <a14:m>
+                          <m:oMath xmlns:m="http://schemas.openxmlformats.org/officeDocument/2006/math">
+                            <m:r>
+                              <a:rPr lang="fr-FR" sz="1400" i="1" smtClean="0">
+                                <a:solidFill>
+                                  <a:schemeClr val="tx1"/>
+                                </a:solidFill>
+                                <a:latin typeface="Cambria Math" panose="02040503050406030204" pitchFamily="18" charset="0"/>
+                                <a:ea typeface="Calibri" panose="020F0502020204030204" pitchFamily="34" charset="0"/>
+                                <a:cs typeface="Times New Roman" panose="02020603050405020304" pitchFamily="18" charset="0"/>
+                              </a:rPr>
+                              <m:t>𝑢</m:t>
+                            </m:r>
+                            <m:r>
+                              <a:rPr lang="fr-FR" sz="1400" i="1">
+                                <a:solidFill>
+                                  <a:srgbClr val="036DBF"/>
+                                </a:solidFill>
+                                <a:latin typeface="Cambria Math" panose="02040503050406030204" pitchFamily="18" charset="0"/>
+                                <a:ea typeface="Calibri" panose="020F0502020204030204" pitchFamily="34" charset="0"/>
+                                <a:cs typeface="Times New Roman" panose="02020603050405020304" pitchFamily="18" charset="0"/>
+                              </a:rPr>
+                              <m:t> </m:t>
+                            </m:r>
+                          </m:oMath>
+                        </a14:m>
+                        <a:r>
+                          <a:rPr lang="fr-FR" sz="1400" dirty="0">
+                            <a:solidFill>
+                              <a:srgbClr val="036DBF"/>
+                            </a:solidFill>
+                            <a:effectLst/>
+                            <a:ea typeface="Calibri" panose="020F0502020204030204" pitchFamily="34" charset="0"/>
+                            <a:cs typeface="Times New Roman" panose="02020603050405020304" pitchFamily="18" charset="0"/>
+                          </a:rPr>
+                          <a:t> </a:t>
+                        </a:r>
+                        <a:endParaRPr lang="fr-FR" sz="1400" dirty="0">
+                          <a:effectLst/>
+                          <a:ea typeface="Calibri" panose="020F0502020204030204" pitchFamily="34" charset="0"/>
+                          <a:cs typeface="Times New Roman" panose="02020603050405020304" pitchFamily="18" charset="0"/>
+                        </a:endParaRPr>
+                      </a:p>
+                    </p:txBody>
+                  </p:sp>
+                </mc:Choice>
+                <mc:Fallback>
+                  <p:sp>
+                    <p:nvSpPr>
+                      <p:cNvPr id="21" name="Zone de texte 153"/>
+                      <p:cNvSpPr txBox="1">
+                        <a:spLocks noRot="1" noChangeAspect="1" noMove="1" noResize="1" noEditPoints="1" noAdjustHandles="1" noChangeArrowheads="1" noChangeShapeType="1" noTextEdit="1"/>
+                      </p:cNvSpPr>
+                      <p:nvPr/>
+                    </p:nvSpPr>
+                    <p:spPr>
+                      <a:xfrm>
+                        <a:off x="1358181" y="5630491"/>
+                        <a:ext cx="301748" cy="274650"/>
+                      </a:xfrm>
+                      <a:prstGeom prst="rect">
+                        <a:avLst/>
+                      </a:prstGeom>
+                      <a:blipFill rotWithShape="0">
+                        <a:blip r:embed="rId19"/>
+                        <a:stretch>
+                          <a:fillRect/>
+                        </a:stretch>
+                      </a:blipFill>
+                      <a:ln w="6350">
+                        <a:noFill/>
+                        <a:prstDash val="sysDash"/>
+                      </a:ln>
+                      <a:effectLst/>
+                    </p:spPr>
+                    <p:txBody>
+                      <a:bodyPr/>
+                      <a:lstStyle/>
+                      <a:p>
+                        <a:r>
+                          <a:rPr lang="fr-FR">
+                            <a:noFill/>
+                          </a:rPr>
+                          <a:t> </a:t>
+                        </a:r>
+                      </a:p>
+                    </p:txBody>
+                  </p:sp>
+                </mc:Fallback>
+              </mc:AlternateContent>
+            </p:grpSp>
+            <p:grpSp>
+              <p:nvGrpSpPr>
+                <p:cNvPr id="41" name="Groupe 40"/>
+                <p:cNvGrpSpPr/>
+                <p:nvPr/>
+              </p:nvGrpSpPr>
+              <p:grpSpPr>
+                <a:xfrm>
+                  <a:off x="5429292" y="2730669"/>
+                  <a:ext cx="366065" cy="373767"/>
+                  <a:chOff x="1702998" y="5240832"/>
+                  <a:chExt cx="366065" cy="373767"/>
+                </a:xfrm>
+              </p:grpSpPr>
+              <p:cxnSp>
+                <p:nvCxnSpPr>
+                  <p:cNvPr id="20" name="Connecteur droit avec flèche 19"/>
+                  <p:cNvCxnSpPr/>
+                  <p:nvPr/>
+                </p:nvCxnSpPr>
+                <p:spPr>
+                  <a:xfrm flipV="1">
+                    <a:off x="1757168" y="5340162"/>
+                    <a:ext cx="311895" cy="274437"/>
+                  </a:xfrm>
+                  <a:prstGeom prst="straightConnector1">
+                    <a:avLst/>
+                  </a:prstGeom>
+                  <a:ln w="12700">
+                    <a:solidFill>
+                      <a:srgbClr val="036DBF"/>
+                    </a:solidFill>
+                    <a:prstDash val="solid"/>
+                    <a:tailEnd type="triangle"/>
+                  </a:ln>
+                </p:spPr>
+                <p:style>
+                  <a:lnRef idx="1">
+                    <a:schemeClr val="accent1"/>
+                  </a:lnRef>
+                  <a:fillRef idx="0">
+                    <a:schemeClr val="accent1"/>
+                  </a:fillRef>
+                  <a:effectRef idx="0">
+                    <a:schemeClr val="accent1"/>
+                  </a:effectRef>
+                  <a:fontRef idx="minor">
+                    <a:schemeClr val="tx1"/>
+                  </a:fontRef>
+                </p:style>
+              </p:cxnSp>
+              <mc:AlternateContent xmlns:mc="http://schemas.openxmlformats.org/markup-compatibility/2006">
+                <mc:Choice xmlns:a14="http://schemas.microsoft.com/office/drawing/2010/main" Requires="a14">
+                  <p:sp>
+                    <p:nvSpPr>
+                      <p:cNvPr id="22" name="Zone de texte 153"/>
+                      <p:cNvSpPr txBox="1"/>
+                      <p:nvPr/>
+                    </p:nvSpPr>
+                    <p:spPr>
+                      <a:xfrm>
+                        <a:off x="1702998" y="5240832"/>
+                        <a:ext cx="301748" cy="274650"/>
+                      </a:xfrm>
+                      <a:prstGeom prst="rect">
+                        <a:avLst/>
+                      </a:prstGeom>
+                      <a:noFill/>
+                      <a:ln w="6350">
+                        <a:noFill/>
+                        <a:prstDash val="sysDash"/>
+                      </a:ln>
+                      <a:effectLst/>
+                    </p:spPr>
+                    <p:style>
+                      <a:lnRef idx="0">
+                        <a:schemeClr val="accent1"/>
+                      </a:lnRef>
+                      <a:fillRef idx="0">
+                        <a:schemeClr val="accent1"/>
+                      </a:fillRef>
+                      <a:effectRef idx="0">
+                        <a:schemeClr val="accent1"/>
+                      </a:effectRef>
+                      <a:fontRef idx="minor">
+                        <a:schemeClr val="dk1"/>
+                      </a:fontRef>
+                    </p:style>
+                    <p:txBody>
+                      <a:bodyPr rot="0" spcFirstLastPara="0" vert="horz" wrap="square" lIns="91440" tIns="45720" rIns="91440" bIns="45720" numCol="1" spcCol="0" rtlCol="0" fromWordArt="0" anchor="t" anchorCtr="0" forceAA="0" compatLnSpc="1">
+                        <a:prstTxWarp prst="textNoShape">
+                          <a:avLst/>
+                        </a:prstTxWarp>
+                        <a:noAutofit/>
+                      </a:bodyPr>
+                      <a:lstStyle/>
+                      <a:p>
+                        <a:pPr>
+                          <a:lnSpc>
+                            <a:spcPct val="107000"/>
+                          </a:lnSpc>
+                          <a:spcAft>
+                            <a:spcPts val="800"/>
+                          </a:spcAft>
+                        </a:pPr>
+                        <a14:m>
+                          <m:oMath xmlns:m="http://schemas.openxmlformats.org/officeDocument/2006/math">
+                            <m:acc>
+                              <m:accPr>
+                                <m:chr m:val="̃"/>
+                                <m:ctrlPr>
+                                  <a:rPr lang="fr-FR" sz="1400" b="0" i="1" smtClean="0">
+                                    <a:solidFill>
+                                      <a:srgbClr val="036DBF"/>
+                                    </a:solidFill>
+                                    <a:effectLst/>
+                                    <a:latin typeface="Cambria Math" panose="02040503050406030204" pitchFamily="18" charset="0"/>
+                                    <a:cs typeface="Times New Roman" panose="02020603050405020304" pitchFamily="18" charset="0"/>
+                                  </a:rPr>
+                                </m:ctrlPr>
+                              </m:accPr>
+                              <m:e>
+                                <m:r>
+                                  <a:rPr lang="fr-FR" sz="1400" i="1" smtClean="0">
+                                    <a:solidFill>
+                                      <a:srgbClr val="036DBF"/>
+                                    </a:solidFill>
+                                    <a:latin typeface="Cambria Math" panose="02040503050406030204" pitchFamily="18" charset="0"/>
+                                    <a:ea typeface="Calibri" panose="020F0502020204030204" pitchFamily="34" charset="0"/>
+                                    <a:cs typeface="Times New Roman" panose="02020603050405020304" pitchFamily="18" charset="0"/>
+                                  </a:rPr>
+                                  <m:t>𝑣</m:t>
+                                </m:r>
+                              </m:e>
+                            </m:acc>
+                          </m:oMath>
+                        </a14:m>
+                        <a:r>
+                          <a:rPr lang="fr-FR" sz="1400" dirty="0">
+                            <a:solidFill>
+                              <a:srgbClr val="036DBF"/>
+                            </a:solidFill>
+                            <a:effectLst/>
+                            <a:ea typeface="Calibri" panose="020F0502020204030204" pitchFamily="34" charset="0"/>
+                            <a:cs typeface="Times New Roman" panose="02020603050405020304" pitchFamily="18" charset="0"/>
+                          </a:rPr>
+                          <a:t> </a:t>
+                        </a:r>
+                      </a:p>
+                    </p:txBody>
+                  </p:sp>
+                </mc:Choice>
+                <mc:Fallback>
+                  <p:sp>
+                    <p:nvSpPr>
+                      <p:cNvPr id="22" name="Zone de texte 153"/>
+                      <p:cNvSpPr txBox="1">
+                        <a:spLocks noRot="1" noChangeAspect="1" noMove="1" noResize="1" noEditPoints="1" noAdjustHandles="1" noChangeArrowheads="1" noChangeShapeType="1" noTextEdit="1"/>
+                      </p:cNvSpPr>
+                      <p:nvPr/>
+                    </p:nvSpPr>
+                    <p:spPr>
+                      <a:xfrm>
+                        <a:off x="1702998" y="5240832"/>
+                        <a:ext cx="301748" cy="274650"/>
+                      </a:xfrm>
+                      <a:prstGeom prst="rect">
+                        <a:avLst/>
+                      </a:prstGeom>
+                      <a:blipFill rotWithShape="0">
+                        <a:blip r:embed="rId20"/>
+                        <a:stretch>
+                          <a:fillRect/>
+                        </a:stretch>
+                      </a:blipFill>
+                      <a:ln w="6350">
+                        <a:noFill/>
+                        <a:prstDash val="sysDash"/>
+                      </a:ln>
+                      <a:effectLst/>
+                    </p:spPr>
+                    <p:txBody>
+                      <a:bodyPr/>
+                      <a:lstStyle/>
+                      <a:p>
+                        <a:r>
+                          <a:rPr lang="fr-FR">
+                            <a:noFill/>
+                          </a:rPr>
+                          <a:t> </a:t>
+                        </a:r>
+                      </a:p>
+                    </p:txBody>
+                  </p:sp>
+                </mc:Fallback>
+              </mc:AlternateContent>
+            </p:grpSp>
+          </p:grpSp>
+          <p:cxnSp>
+            <p:nvCxnSpPr>
+              <p:cNvPr id="44" name="Connecteur droit avec flèche 43"/>
+              <p:cNvCxnSpPr/>
+              <p:nvPr/>
+            </p:nvCxnSpPr>
+            <p:spPr>
+              <a:xfrm>
+                <a:off x="5486234" y="3104436"/>
+                <a:ext cx="0" cy="624498"/>
+              </a:xfrm>
+              <a:prstGeom prst="straightConnector1">
+                <a:avLst/>
+              </a:prstGeom>
+              <a:ln w="12700">
+                <a:solidFill>
+                  <a:schemeClr val="tx1"/>
+                </a:solidFill>
+                <a:prstDash val="solid"/>
+                <a:tailEnd type="triangle"/>
+              </a:ln>
+            </p:spPr>
+            <p:style>
+              <a:lnRef idx="1">
+                <a:schemeClr val="accent1"/>
+              </a:lnRef>
+              <a:fillRef idx="0">
+                <a:schemeClr val="accent1"/>
+              </a:fillRef>
+              <a:effectRef idx="0">
+                <a:schemeClr val="accent1"/>
+              </a:effectRef>
+              <a:fontRef idx="minor">
+                <a:schemeClr val="tx1"/>
+              </a:fontRef>
+            </p:style>
+          </p:cxnSp>
+          <p:cxnSp>
+            <p:nvCxnSpPr>
+              <p:cNvPr id="46" name="Connecteur droit avec flèche 45"/>
+              <p:cNvCxnSpPr/>
+              <p:nvPr/>
+            </p:nvCxnSpPr>
+            <p:spPr>
+              <a:xfrm>
+                <a:off x="5473784" y="3100067"/>
+                <a:ext cx="744862" cy="8671"/>
+              </a:xfrm>
+              <a:prstGeom prst="straightConnector1">
+                <a:avLst/>
+              </a:prstGeom>
+              <a:ln w="12700">
+                <a:solidFill>
+                  <a:schemeClr val="tx1"/>
+                </a:solidFill>
+                <a:prstDash val="solid"/>
+                <a:tailEnd type="triangle"/>
+              </a:ln>
+            </p:spPr>
+            <p:style>
+              <a:lnRef idx="1">
+                <a:schemeClr val="accent1"/>
+              </a:lnRef>
+              <a:fillRef idx="0">
+                <a:schemeClr val="accent1"/>
+              </a:fillRef>
+              <a:effectRef idx="0">
+                <a:schemeClr val="accent1"/>
+              </a:effectRef>
+              <a:fontRef idx="minor">
+                <a:schemeClr val="tx1"/>
+              </a:fontRef>
+            </p:style>
+          </p:cxnSp>
+          <mc:AlternateContent xmlns:mc="http://schemas.openxmlformats.org/markup-compatibility/2006">
+            <mc:Choice xmlns:a14="http://schemas.microsoft.com/office/drawing/2010/main" Requires="a14">
+              <p:sp>
+                <p:nvSpPr>
+                  <p:cNvPr id="51" name="Zone de texte 153"/>
+                  <p:cNvSpPr txBox="1"/>
+                  <p:nvPr/>
+                </p:nvSpPr>
+                <p:spPr>
+                  <a:xfrm>
+                    <a:off x="5991451" y="2848764"/>
+                    <a:ext cx="301748" cy="274650"/>
+                  </a:xfrm>
+                  <a:prstGeom prst="rect">
+                    <a:avLst/>
+                  </a:prstGeom>
+                  <a:noFill/>
+                  <a:ln w="6350">
+                    <a:noFill/>
+                    <a:prstDash val="sysDash"/>
+                  </a:ln>
+                  <a:effectLst/>
+                </p:spPr>
+                <p:style>
+                  <a:lnRef idx="0">
+                    <a:schemeClr val="accent1"/>
+                  </a:lnRef>
+                  <a:fillRef idx="0">
+                    <a:schemeClr val="accent1"/>
+                  </a:fillRef>
+                  <a:effectRef idx="0">
+                    <a:schemeClr val="accent1"/>
+                  </a:effectRef>
+                  <a:fontRef idx="minor">
+                    <a:schemeClr val="dk1"/>
+                  </a:fontRef>
+                </p:style>
+                <p:txBody>
+                  <a:bodyPr rot="0" spcFirstLastPara="0" vert="horz" wrap="square" lIns="91440" tIns="45720" rIns="91440" bIns="45720" numCol="1" spcCol="0" rtlCol="0" fromWordArt="0" anchor="t" anchorCtr="0" forceAA="0" compatLnSpc="1">
+                    <a:prstTxWarp prst="textNoShape">
+                      <a:avLst/>
+                    </a:prstTxWarp>
+                    <a:noAutofit/>
+                  </a:bodyPr>
+                  <a:lstStyle/>
+                  <a:p>
+                    <a:pPr>
+                      <a:lnSpc>
+                        <a:spcPct val="107000"/>
+                      </a:lnSpc>
+                      <a:spcAft>
+                        <a:spcPts val="800"/>
+                      </a:spcAft>
+                    </a:pPr>
+                    <a14:m>
+                      <m:oMath xmlns:m="http://schemas.openxmlformats.org/officeDocument/2006/math">
+                        <m:r>
+                          <a:rPr lang="fr-FR" sz="1400" i="1" smtClean="0">
+                            <a:solidFill>
+                              <a:schemeClr val="tx1"/>
+                            </a:solidFill>
+                            <a:latin typeface="Cambria Math" panose="02040503050406030204" pitchFamily="18" charset="0"/>
+                            <a:ea typeface="Calibri" panose="020F0502020204030204" pitchFamily="34" charset="0"/>
+                            <a:cs typeface="Times New Roman" panose="02020603050405020304" pitchFamily="18" charset="0"/>
+                          </a:rPr>
+                          <m:t>𝑣</m:t>
+                        </m:r>
+                        <m:r>
+                          <a:rPr lang="fr-FR" sz="1400" i="1">
+                            <a:solidFill>
+                              <a:srgbClr val="036DBF"/>
+                            </a:solidFill>
+                            <a:latin typeface="Cambria Math" panose="02040503050406030204" pitchFamily="18" charset="0"/>
+                            <a:ea typeface="Calibri" panose="020F0502020204030204" pitchFamily="34" charset="0"/>
+                            <a:cs typeface="Times New Roman" panose="02020603050405020304" pitchFamily="18" charset="0"/>
+                          </a:rPr>
+                          <m:t> </m:t>
+                        </m:r>
+                      </m:oMath>
+                    </a14:m>
+                    <a:r>
+                      <a:rPr lang="fr-FR" sz="1400" dirty="0">
+                        <a:solidFill>
+                          <a:srgbClr val="036DBF"/>
+                        </a:solidFill>
+                        <a:effectLst/>
+                        <a:ea typeface="Calibri" panose="020F0502020204030204" pitchFamily="34" charset="0"/>
+                        <a:cs typeface="Times New Roman" panose="02020603050405020304" pitchFamily="18" charset="0"/>
+                      </a:rPr>
+                      <a:t> </a:t>
+                    </a:r>
+                  </a:p>
+                </p:txBody>
+              </p:sp>
+            </mc:Choice>
+            <mc:Fallback>
+              <p:sp>
+                <p:nvSpPr>
+                  <p:cNvPr id="51" name="Zone de texte 153"/>
+                  <p:cNvSpPr txBox="1">
+                    <a:spLocks noRot="1" noChangeAspect="1" noMove="1" noResize="1" noEditPoints="1" noAdjustHandles="1" noChangeArrowheads="1" noChangeShapeType="1" noTextEdit="1"/>
+                  </p:cNvSpPr>
+                  <p:nvPr/>
+                </p:nvSpPr>
+                <p:spPr>
+                  <a:xfrm>
+                    <a:off x="5991451" y="2848764"/>
+                    <a:ext cx="301748" cy="274650"/>
+                  </a:xfrm>
+                  <a:prstGeom prst="rect">
+                    <a:avLst/>
+                  </a:prstGeom>
+                  <a:blipFill rotWithShape="0">
+                    <a:blip r:embed="rId21"/>
+                    <a:stretch>
+                      <a:fillRect/>
+                    </a:stretch>
+                  </a:blipFill>
+                  <a:ln w="6350">
+                    <a:noFill/>
+                    <a:prstDash val="sysDash"/>
+                  </a:ln>
+                  <a:effectLst/>
+                </p:spPr>
+                <p:txBody>
+                  <a:bodyPr/>
+                  <a:lstStyle/>
+                  <a:p>
+                    <a:r>
+                      <a:rPr lang="fr-FR">
+                        <a:noFill/>
+                      </a:rPr>
+                      <a:t> </a:t>
+                    </a:r>
+                  </a:p>
+                </p:txBody>
+              </p:sp>
+            </mc:Fallback>
+          </mc:AlternateContent>
+          <p:grpSp>
+            <p:nvGrpSpPr>
+              <p:cNvPr id="55" name="Groupe 54"/>
+              <p:cNvGrpSpPr/>
+              <p:nvPr/>
+            </p:nvGrpSpPr>
+            <p:grpSpPr>
+              <a:xfrm>
+                <a:off x="5117467" y="3317981"/>
+                <a:ext cx="479854" cy="345609"/>
+                <a:chOff x="5117467" y="3317981"/>
+                <a:chExt cx="479854" cy="345609"/>
+              </a:xfrm>
+            </p:grpSpPr>
+            <p:sp>
+              <p:nvSpPr>
+                <p:cNvPr id="52" name="Arc 51"/>
+                <p:cNvSpPr/>
+                <p:nvPr/>
+              </p:nvSpPr>
+              <p:spPr>
+                <a:xfrm rot="6652779">
+                  <a:off x="5328528" y="3339700"/>
+                  <a:ext cx="290512" cy="247074"/>
+                </a:xfrm>
+                <a:prstGeom prst="arc">
+                  <a:avLst>
+                    <a:gd name="adj1" fmla="val 16200000"/>
+                    <a:gd name="adj2" fmla="val 2933405"/>
+                  </a:avLst>
+                </a:prstGeom>
+                <a:ln w="12700">
+                  <a:solidFill>
+                    <a:schemeClr val="tx1"/>
+                  </a:solidFill>
+                  <a:tailEnd type="triangle"/>
+                </a:ln>
+              </p:spPr>
+              <p:style>
+                <a:lnRef idx="1">
+                  <a:schemeClr val="accent1"/>
+                </a:lnRef>
+                <a:fillRef idx="0">
+                  <a:schemeClr val="accent1"/>
+                </a:fillRef>
+                <a:effectRef idx="0">
+                  <a:schemeClr val="accent1"/>
+                </a:effectRef>
+                <a:fontRef idx="minor">
+                  <a:schemeClr val="tx1"/>
+                </a:fontRef>
+              </p:style>
+              <p:txBody>
+                <a:bodyPr rtlCol="0" anchor="ctr"/>
+                <a:lstStyle/>
+                <a:p>
+                  <a:pPr algn="ctr"/>
+                  <a:endParaRPr lang="fr-FR"/>
+                </a:p>
+              </p:txBody>
+            </p:sp>
+            <mc:AlternateContent xmlns:mc="http://schemas.openxmlformats.org/markup-compatibility/2006">
+              <mc:Choice xmlns:a14="http://schemas.microsoft.com/office/drawing/2010/main" Requires="a14">
+                <p:sp>
+                  <p:nvSpPr>
+                    <p:cNvPr id="53" name="Zone de texte 153"/>
+                    <p:cNvSpPr txBox="1"/>
+                    <p:nvPr/>
+                  </p:nvSpPr>
+                  <p:spPr>
+                    <a:xfrm>
+                      <a:off x="5117467" y="3388940"/>
+                      <a:ext cx="301748" cy="274650"/>
+                    </a:xfrm>
+                    <a:prstGeom prst="rect">
+                      <a:avLst/>
+                    </a:prstGeom>
+                    <a:noFill/>
+                    <a:ln w="6350">
+                      <a:noFill/>
+                      <a:prstDash val="sysDash"/>
+                    </a:ln>
+                    <a:effectLst/>
+                  </p:spPr>
+                  <p:style>
+                    <a:lnRef idx="0">
+                      <a:schemeClr val="accent1"/>
+                    </a:lnRef>
+                    <a:fillRef idx="0">
+                      <a:schemeClr val="accent1"/>
+                    </a:fillRef>
+                    <a:effectRef idx="0">
+                      <a:schemeClr val="accent1"/>
+                    </a:effectRef>
+                    <a:fontRef idx="minor">
+                      <a:schemeClr val="dk1"/>
+                    </a:fontRef>
+                  </p:style>
+                  <p:txBody>
+                    <a:bodyPr rot="0" spcFirstLastPara="0" vert="horz" wrap="square" lIns="91440" tIns="45720" rIns="91440" bIns="45720" numCol="1" spcCol="0" rtlCol="0" fromWordArt="0" anchor="t" anchorCtr="0" forceAA="0" compatLnSpc="1">
+                      <a:prstTxWarp prst="textNoShape">
+                        <a:avLst/>
+                      </a:prstTxWarp>
+                      <a:noAutofit/>
+                    </a:bodyPr>
+                    <a:lstStyle/>
+                    <a:p>
+                      <a:pPr>
+                        <a:lnSpc>
+                          <a:spcPct val="107000"/>
+                        </a:lnSpc>
+                        <a:spcAft>
+                          <a:spcPts val="800"/>
+                        </a:spcAft>
+                      </a:pPr>
+                      <a14:m>
+                        <m:oMath xmlns:m="http://schemas.openxmlformats.org/officeDocument/2006/math">
+                          <m:r>
+                            <a:rPr lang="fr-FR" sz="1400" i="1" smtClean="0">
+                              <a:solidFill>
+                                <a:schemeClr val="tx1"/>
+                              </a:solidFill>
+                              <a:latin typeface="Cambria Math" panose="02040503050406030204" pitchFamily="18" charset="0"/>
+                              <a:ea typeface="Calibri" panose="020F0502020204030204" pitchFamily="34" charset="0"/>
+                              <a:cs typeface="Times New Roman" panose="02020603050405020304" pitchFamily="18" charset="0"/>
+                            </a:rPr>
+                            <m:t>𝜃</m:t>
+                          </m:r>
+                          <m:r>
+                            <a:rPr lang="fr-FR" sz="1400" i="1">
+                              <a:solidFill>
+                                <a:srgbClr val="036DBF"/>
+                              </a:solidFill>
+                              <a:latin typeface="Cambria Math" panose="02040503050406030204" pitchFamily="18" charset="0"/>
+                              <a:ea typeface="Calibri" panose="020F0502020204030204" pitchFamily="34" charset="0"/>
+                              <a:cs typeface="Times New Roman" panose="02020603050405020304" pitchFamily="18" charset="0"/>
+                            </a:rPr>
+                            <m:t> </m:t>
+                          </m:r>
+                        </m:oMath>
+                      </a14:m>
+                      <a:r>
+                        <a:rPr lang="fr-FR" sz="1400" dirty="0">
+                          <a:solidFill>
+                            <a:srgbClr val="036DBF"/>
+                          </a:solidFill>
+                          <a:effectLst/>
+                          <a:ea typeface="Calibri" panose="020F0502020204030204" pitchFamily="34" charset="0"/>
+                          <a:cs typeface="Times New Roman" panose="02020603050405020304" pitchFamily="18" charset="0"/>
+                        </a:rPr>
+                        <a:t> </a:t>
+                      </a:r>
+                    </a:p>
+                  </p:txBody>
+                </p:sp>
+              </mc:Choice>
+              <mc:Fallback>
+                <p:sp>
+                  <p:nvSpPr>
+                    <p:cNvPr id="53" name="Zone de texte 153"/>
+                    <p:cNvSpPr txBox="1">
+                      <a:spLocks noRot="1" noChangeAspect="1" noMove="1" noResize="1" noEditPoints="1" noAdjustHandles="1" noChangeArrowheads="1" noChangeShapeType="1" noTextEdit="1"/>
+                    </p:cNvSpPr>
+                    <p:nvPr/>
+                  </p:nvSpPr>
+                  <p:spPr>
+                    <a:xfrm>
+                      <a:off x="5117467" y="3388940"/>
+                      <a:ext cx="301748" cy="274650"/>
+                    </a:xfrm>
+                    <a:prstGeom prst="rect">
+                      <a:avLst/>
+                    </a:prstGeom>
+                    <a:blipFill rotWithShape="0">
+                      <a:blip r:embed="rId22"/>
+                      <a:stretch>
+                        <a:fillRect/>
+                      </a:stretch>
+                    </a:blipFill>
+                    <a:ln w="6350">
+                      <a:noFill/>
+                      <a:prstDash val="sysDash"/>
+                    </a:ln>
+                    <a:effectLst/>
+                  </p:spPr>
+                  <p:txBody>
+                    <a:bodyPr/>
+                    <a:lstStyle/>
+                    <a:p>
+                      <a:r>
+                        <a:rPr lang="fr-FR">
+                          <a:noFill/>
+                        </a:rPr>
+                        <a:t> </a:t>
+                      </a:r>
+                    </a:p>
+                  </p:txBody>
+                </p:sp>
+              </mc:Fallback>
+            </mc:AlternateContent>
+          </p:grpSp>
+          <mc:AlternateContent xmlns:mc="http://schemas.openxmlformats.org/markup-compatibility/2006">
+            <mc:Choice xmlns:a14="http://schemas.microsoft.com/office/drawing/2010/main" Requires="a14">
+              <p:sp>
+                <p:nvSpPr>
+                  <p:cNvPr id="58" name="Zone de texte 153"/>
+                  <p:cNvSpPr txBox="1"/>
+                  <p:nvPr/>
+                </p:nvSpPr>
+                <p:spPr>
+                  <a:xfrm>
+                    <a:off x="5814789" y="3080096"/>
+                    <a:ext cx="301748" cy="274650"/>
+                  </a:xfrm>
+                  <a:prstGeom prst="rect">
+                    <a:avLst/>
+                  </a:prstGeom>
+                  <a:noFill/>
+                  <a:ln w="6350">
+                    <a:noFill/>
+                    <a:prstDash val="sysDash"/>
+                  </a:ln>
+                  <a:effectLst/>
+                </p:spPr>
+                <p:style>
+                  <a:lnRef idx="0">
+                    <a:schemeClr val="accent1"/>
+                  </a:lnRef>
+                  <a:fillRef idx="0">
+                    <a:schemeClr val="accent1"/>
+                  </a:fillRef>
+                  <a:effectRef idx="0">
+                    <a:schemeClr val="accent1"/>
+                  </a:effectRef>
+                  <a:fontRef idx="minor">
+                    <a:schemeClr val="dk1"/>
+                  </a:fontRef>
+                </p:style>
+                <p:txBody>
+                  <a:bodyPr rot="0" spcFirstLastPara="0" vert="horz" wrap="square" lIns="91440" tIns="45720" rIns="91440" bIns="45720" numCol="1" spcCol="0" rtlCol="0" fromWordArt="0" anchor="t" anchorCtr="0" forceAA="0" compatLnSpc="1">
+                    <a:prstTxWarp prst="textNoShape">
+                      <a:avLst/>
+                    </a:prstTxWarp>
+                    <a:noAutofit/>
+                  </a:bodyPr>
+                  <a:lstStyle/>
+                  <a:p>
+                    <a:pPr>
+                      <a:lnSpc>
+                        <a:spcPct val="107000"/>
+                      </a:lnSpc>
+                      <a:spcAft>
+                        <a:spcPts val="800"/>
+                      </a:spcAft>
+                    </a:pPr>
+                    <a14:m>
+                      <m:oMath xmlns:m="http://schemas.openxmlformats.org/officeDocument/2006/math">
+                        <m:r>
+                          <a:rPr lang="fr-FR" sz="1400" i="1" smtClean="0">
+                            <a:solidFill>
+                              <a:schemeClr val="tx1"/>
+                            </a:solidFill>
+                            <a:latin typeface="Cambria Math" panose="02040503050406030204" pitchFamily="18" charset="0"/>
+                            <a:ea typeface="Calibri" panose="020F0502020204030204" pitchFamily="34" charset="0"/>
+                            <a:cs typeface="Times New Roman" panose="02020603050405020304" pitchFamily="18" charset="0"/>
+                          </a:rPr>
+                          <m:t>𝜓</m:t>
+                        </m:r>
+                        <m:r>
+                          <a:rPr lang="fr-FR" sz="1400" i="1">
+                            <a:solidFill>
+                              <a:srgbClr val="036DBF"/>
+                            </a:solidFill>
+                            <a:latin typeface="Cambria Math" panose="02040503050406030204" pitchFamily="18" charset="0"/>
+                            <a:ea typeface="Calibri" panose="020F0502020204030204" pitchFamily="34" charset="0"/>
+                            <a:cs typeface="Times New Roman" panose="02020603050405020304" pitchFamily="18" charset="0"/>
+                          </a:rPr>
+                          <m:t> </m:t>
+                        </m:r>
+                      </m:oMath>
+                    </a14:m>
+                    <a:r>
+                      <a:rPr lang="fr-FR" sz="1400" dirty="0">
+                        <a:solidFill>
+                          <a:srgbClr val="036DBF"/>
+                        </a:solidFill>
+                        <a:effectLst/>
+                        <a:ea typeface="Calibri" panose="020F0502020204030204" pitchFamily="34" charset="0"/>
+                        <a:cs typeface="Times New Roman" panose="02020603050405020304" pitchFamily="18" charset="0"/>
+                      </a:rPr>
+                      <a:t> </a:t>
+                    </a:r>
+                  </a:p>
+                </p:txBody>
+              </p:sp>
+            </mc:Choice>
+            <mc:Fallback>
+              <p:sp>
+                <p:nvSpPr>
+                  <p:cNvPr id="58" name="Zone de texte 153"/>
+                  <p:cNvSpPr txBox="1">
+                    <a:spLocks noRot="1" noChangeAspect="1" noMove="1" noResize="1" noEditPoints="1" noAdjustHandles="1" noChangeArrowheads="1" noChangeShapeType="1" noTextEdit="1"/>
+                  </p:cNvSpPr>
+                  <p:nvPr/>
+                </p:nvSpPr>
+                <p:spPr>
+                  <a:xfrm>
+                    <a:off x="5814789" y="3080096"/>
+                    <a:ext cx="301748" cy="274650"/>
+                  </a:xfrm>
+                  <a:prstGeom prst="rect">
+                    <a:avLst/>
+                  </a:prstGeom>
+                  <a:blipFill rotWithShape="0">
+                    <a:blip r:embed="rId23"/>
+                    <a:stretch>
+                      <a:fillRect b="-20000"/>
+                    </a:stretch>
+                  </a:blipFill>
+                  <a:ln w="6350">
+                    <a:noFill/>
+                    <a:prstDash val="sysDash"/>
+                  </a:ln>
+                  <a:effectLst/>
+                </p:spPr>
+                <p:txBody>
+                  <a:bodyPr/>
+                  <a:lstStyle/>
+                  <a:p>
+                    <a:r>
+                      <a:rPr lang="fr-FR">
+                        <a:noFill/>
+                      </a:rPr>
+                      <a:t> </a:t>
+                    </a:r>
+                  </a:p>
+                </p:txBody>
+              </p:sp>
+            </mc:Fallback>
+          </mc:AlternateContent>
+          <p:sp>
+            <p:nvSpPr>
+              <p:cNvPr id="56" name="Arc 55"/>
+              <p:cNvSpPr/>
+              <p:nvPr/>
+            </p:nvSpPr>
+            <p:spPr>
+              <a:xfrm rot="1719114">
+                <a:off x="5619426" y="2980865"/>
+                <a:ext cx="290512" cy="247074"/>
+              </a:xfrm>
+              <a:prstGeom prst="arc">
+                <a:avLst>
+                  <a:gd name="adj1" fmla="val 16200000"/>
+                  <a:gd name="adj2" fmla="val 2933405"/>
+                </a:avLst>
+              </a:prstGeom>
+              <a:ln w="12700">
+                <a:solidFill>
+                  <a:schemeClr val="tx1"/>
+                </a:solidFill>
+                <a:tailEnd type="triangle"/>
+              </a:ln>
+            </p:spPr>
+            <p:style>
+              <a:lnRef idx="1">
+                <a:schemeClr val="accent1"/>
+              </a:lnRef>
+              <a:fillRef idx="0">
+                <a:schemeClr val="accent1"/>
+              </a:fillRef>
+              <a:effectRef idx="0">
+                <a:schemeClr val="accent1"/>
+              </a:effectRef>
+              <a:fontRef idx="minor">
+                <a:schemeClr val="tx1"/>
+              </a:fontRef>
+            </p:style>
+            <p:txBody>
+              <a:bodyPr rtlCol="0" anchor="ctr"/>
+              <a:lstStyle/>
+              <a:p>
+                <a:pPr algn="ctr"/>
+                <a:endParaRPr lang="fr-FR"/>
+              </a:p>
+            </p:txBody>
+          </p:sp>
+        </p:grpSp>
+        <mc:AlternateContent xmlns:mc="http://schemas.openxmlformats.org/markup-compatibility/2006">
+          <mc:Choice xmlns:a14="http://schemas.microsoft.com/office/drawing/2010/main" Requires="a14">
+            <p:sp>
+              <p:nvSpPr>
+                <p:cNvPr id="64" name="Zone de texte 153"/>
+                <p:cNvSpPr txBox="1"/>
+                <p:nvPr/>
+              </p:nvSpPr>
+              <p:spPr>
+                <a:xfrm>
+                  <a:off x="5574443" y="3384824"/>
+                  <a:ext cx="301748" cy="274650"/>
+                </a:xfrm>
+                <a:prstGeom prst="rect">
+                  <a:avLst/>
+                </a:prstGeom>
+                <a:noFill/>
+                <a:ln w="6350">
+                  <a:noFill/>
+                  <a:prstDash val="sysDash"/>
+                </a:ln>
+                <a:effectLst/>
+              </p:spPr>
+              <p:style>
+                <a:lnRef idx="0">
+                  <a:schemeClr val="accent1"/>
+                </a:lnRef>
+                <a:fillRef idx="0">
+                  <a:schemeClr val="accent1"/>
+                </a:fillRef>
+                <a:effectRef idx="0">
+                  <a:schemeClr val="accent1"/>
+                </a:effectRef>
+                <a:fontRef idx="minor">
+                  <a:schemeClr val="dk1"/>
+                </a:fontRef>
+              </p:style>
+              <p:txBody>
+                <a:bodyPr rot="0" spcFirstLastPara="0" vert="horz" wrap="square" lIns="91440" tIns="45720" rIns="91440" bIns="45720" numCol="1" spcCol="0" rtlCol="0" fromWordArt="0" anchor="t" anchorCtr="0" forceAA="0" compatLnSpc="1">
+                  <a:prstTxWarp prst="textNoShape">
+                    <a:avLst/>
+                  </a:prstTxWarp>
+                  <a:noAutofit/>
+                </a:bodyPr>
+                <a:lstStyle/>
+                <a:p>
+                  <a:pPr>
+                    <a:lnSpc>
+                      <a:spcPct val="107000"/>
+                    </a:lnSpc>
+                    <a:spcAft>
+                      <a:spcPts val="800"/>
+                    </a:spcAft>
+                  </a:pPr>
+                  <a14:m>
+                    <m:oMath xmlns:m="http://schemas.openxmlformats.org/officeDocument/2006/math">
+                      <m:acc>
+                        <m:accPr>
+                          <m:chr m:val="̃"/>
+                          <m:ctrlPr>
+                            <a:rPr lang="fr-FR" sz="1400" b="0" i="1" smtClean="0">
+                              <a:solidFill>
+                                <a:srgbClr val="036DBF"/>
+                              </a:solidFill>
+                              <a:effectLst/>
+                              <a:latin typeface="Cambria Math" panose="02040503050406030204" pitchFamily="18" charset="0"/>
+                              <a:cs typeface="Times New Roman" panose="02020603050405020304" pitchFamily="18" charset="0"/>
+                            </a:rPr>
+                          </m:ctrlPr>
+                        </m:accPr>
+                        <m:e>
+                          <m:r>
+                            <a:rPr lang="fr-FR" sz="1400" b="0" i="1" smtClean="0">
+                              <a:solidFill>
+                                <a:srgbClr val="036DBF"/>
+                              </a:solidFill>
+                              <a:effectLst/>
+                              <a:latin typeface="Cambria Math" panose="02040503050406030204" pitchFamily="18" charset="0"/>
+                              <a:cs typeface="Times New Roman" panose="02020603050405020304" pitchFamily="18" charset="0"/>
+                            </a:rPr>
+                            <m:t>𝑢</m:t>
+                          </m:r>
+                        </m:e>
+                      </m:acc>
+                    </m:oMath>
+                  </a14:m>
+                  <a:r>
+                    <a:rPr lang="fr-FR" sz="1400" dirty="0">
+                      <a:solidFill>
+                        <a:srgbClr val="036DBF"/>
+                      </a:solidFill>
+                      <a:effectLst/>
+                      <a:ea typeface="Calibri" panose="020F0502020204030204" pitchFamily="34" charset="0"/>
+                      <a:cs typeface="Times New Roman" panose="02020603050405020304" pitchFamily="18" charset="0"/>
+                    </a:rPr>
+                    <a:t> </a:t>
+                  </a:r>
+                </a:p>
+              </p:txBody>
+            </p:sp>
+          </mc:Choice>
+          <mc:Fallback>
+            <p:sp>
+              <p:nvSpPr>
+                <p:cNvPr id="64" name="Zone de texte 153"/>
+                <p:cNvSpPr txBox="1">
+                  <a:spLocks noRot="1" noChangeAspect="1" noMove="1" noResize="1" noEditPoints="1" noAdjustHandles="1" noChangeArrowheads="1" noChangeShapeType="1" noTextEdit="1"/>
+                </p:cNvSpPr>
+                <p:nvPr/>
+              </p:nvSpPr>
+              <p:spPr>
+                <a:xfrm>
+                  <a:off x="5574443" y="3384824"/>
+                  <a:ext cx="301748" cy="274650"/>
+                </a:xfrm>
+                <a:prstGeom prst="rect">
+                  <a:avLst/>
+                </a:prstGeom>
+                <a:blipFill rotWithShape="0">
+                  <a:blip r:embed="rId24"/>
+                  <a:stretch>
+                    <a:fillRect/>
+                  </a:stretch>
+                </a:blipFill>
+                <a:ln w="6350">
+                  <a:noFill/>
+                  <a:prstDash val="sysDash"/>
+                </a:ln>
+                <a:effectLst/>
+              </p:spPr>
+              <p:txBody>
+                <a:bodyPr/>
+                <a:lstStyle/>
+                <a:p>
+                  <a:r>
+                    <a:rPr lang="fr-FR">
+                      <a:noFill/>
+                    </a:rPr>
+                    <a:t> </a:t>
+                  </a:r>
+                </a:p>
+              </p:txBody>
+            </p:sp>
+          </mc:Fallback>
+        </mc:AlternateContent>
+      </p:grpSp>
+    </p:spTree>
+    <p:extLst>
+      <p:ext uri="{BB962C8B-B14F-4D97-AF65-F5344CB8AC3E}">
+        <p14:creationId xmlns:p14="http://schemas.microsoft.com/office/powerpoint/2010/main" val="2335155220"/>
+      </p:ext>
+    </p:extLst>
+  </p:cSld>
+  <p:clrMapOvr>
+    <a:masterClrMapping/>
+  </p:clrMapOvr>
+  <p:timing>
+    <p:tnLst>
+      <p:par>
+        <p:cTn id="1" dur="indefinite" restart="never" nodeType="tmRoot"/>
+      </p:par>
+    </p:tnLst>
+  </p:timing>
+</p:sld>
+</file>
+
 <file path=ppt/theme/theme1.xml><?xml version="1.0" encoding="utf-8"?>
 <a:theme xmlns:a="http://schemas.openxmlformats.org/drawingml/2006/main" name="Thème Office">
   <a:themeElements>

--- a/Support/Figures.pptx
+++ b/Support/Figures.pptx
@@ -14,6 +14,8 @@
     <p:sldId id="262" r:id="rId8"/>
     <p:sldId id="263" r:id="rId9"/>
     <p:sldId id="264" r:id="rId10"/>
+    <p:sldId id="266" r:id="rId11"/>
+    <p:sldId id="265" r:id="rId12"/>
   </p:sldIdLst>
   <p:sldSz cx="12192000" cy="6858000"/>
   <p:notesSz cx="6858000" cy="9144000"/>
@@ -251,7 +253,7 @@
           <a:p>
             <a:fld id="{66CF1B35-9962-4754-9069-4529B19CDBAF}" type="datetimeFigureOut">
               <a:rPr lang="fr-FR" smtClean="0"/>
-              <a:t>08/03/2019</a:t>
+              <a:t>14/03/2019</a:t>
             </a:fld>
             <a:endParaRPr lang="fr-FR"/>
           </a:p>
@@ -421,7 +423,7 @@
           <a:p>
             <a:fld id="{66CF1B35-9962-4754-9069-4529B19CDBAF}" type="datetimeFigureOut">
               <a:rPr lang="fr-FR" smtClean="0"/>
-              <a:t>08/03/2019</a:t>
+              <a:t>14/03/2019</a:t>
             </a:fld>
             <a:endParaRPr lang="fr-FR"/>
           </a:p>
@@ -601,7 +603,7 @@
           <a:p>
             <a:fld id="{66CF1B35-9962-4754-9069-4529B19CDBAF}" type="datetimeFigureOut">
               <a:rPr lang="fr-FR" smtClean="0"/>
-              <a:t>08/03/2019</a:t>
+              <a:t>14/03/2019</a:t>
             </a:fld>
             <a:endParaRPr lang="fr-FR"/>
           </a:p>
@@ -771,7 +773,7 @@
           <a:p>
             <a:fld id="{66CF1B35-9962-4754-9069-4529B19CDBAF}" type="datetimeFigureOut">
               <a:rPr lang="fr-FR" smtClean="0"/>
-              <a:t>08/03/2019</a:t>
+              <a:t>14/03/2019</a:t>
             </a:fld>
             <a:endParaRPr lang="fr-FR"/>
           </a:p>
@@ -1017,7 +1019,7 @@
           <a:p>
             <a:fld id="{66CF1B35-9962-4754-9069-4529B19CDBAF}" type="datetimeFigureOut">
               <a:rPr lang="fr-FR" smtClean="0"/>
-              <a:t>08/03/2019</a:t>
+              <a:t>14/03/2019</a:t>
             </a:fld>
             <a:endParaRPr lang="fr-FR"/>
           </a:p>
@@ -1249,7 +1251,7 @@
           <a:p>
             <a:fld id="{66CF1B35-9962-4754-9069-4529B19CDBAF}" type="datetimeFigureOut">
               <a:rPr lang="fr-FR" smtClean="0"/>
-              <a:t>08/03/2019</a:t>
+              <a:t>14/03/2019</a:t>
             </a:fld>
             <a:endParaRPr lang="fr-FR"/>
           </a:p>
@@ -1616,7 +1618,7 @@
           <a:p>
             <a:fld id="{66CF1B35-9962-4754-9069-4529B19CDBAF}" type="datetimeFigureOut">
               <a:rPr lang="fr-FR" smtClean="0"/>
-              <a:t>08/03/2019</a:t>
+              <a:t>14/03/2019</a:t>
             </a:fld>
             <a:endParaRPr lang="fr-FR"/>
           </a:p>
@@ -1734,7 +1736,7 @@
           <a:p>
             <a:fld id="{66CF1B35-9962-4754-9069-4529B19CDBAF}" type="datetimeFigureOut">
               <a:rPr lang="fr-FR" smtClean="0"/>
-              <a:t>08/03/2019</a:t>
+              <a:t>14/03/2019</a:t>
             </a:fld>
             <a:endParaRPr lang="fr-FR"/>
           </a:p>
@@ -1829,7 +1831,7 @@
           <a:p>
             <a:fld id="{66CF1B35-9962-4754-9069-4529B19CDBAF}" type="datetimeFigureOut">
               <a:rPr lang="fr-FR" smtClean="0"/>
-              <a:t>08/03/2019</a:t>
+              <a:t>14/03/2019</a:t>
             </a:fld>
             <a:endParaRPr lang="fr-FR"/>
           </a:p>
@@ -2106,7 +2108,7 @@
           <a:p>
             <a:fld id="{66CF1B35-9962-4754-9069-4529B19CDBAF}" type="datetimeFigureOut">
               <a:rPr lang="fr-FR" smtClean="0"/>
-              <a:t>08/03/2019</a:t>
+              <a:t>14/03/2019</a:t>
             </a:fld>
             <a:endParaRPr lang="fr-FR"/>
           </a:p>
@@ -2359,7 +2361,7 @@
           <a:p>
             <a:fld id="{66CF1B35-9962-4754-9069-4529B19CDBAF}" type="datetimeFigureOut">
               <a:rPr lang="fr-FR" smtClean="0"/>
-              <a:t>08/03/2019</a:t>
+              <a:t>14/03/2019</a:t>
             </a:fld>
             <a:endParaRPr lang="fr-FR"/>
           </a:p>
@@ -2572,7 +2574,7 @@
           <a:p>
             <a:fld id="{66CF1B35-9962-4754-9069-4529B19CDBAF}" type="datetimeFigureOut">
               <a:rPr lang="fr-FR" smtClean="0"/>
-              <a:t>08/03/2019</a:t>
+              <a:t>14/03/2019</a:t>
             </a:fld>
             <a:endParaRPr lang="fr-FR"/>
           </a:p>
@@ -3885,6 +3887,3386 @@
   <p:clrMapOvr>
     <a:masterClrMapping/>
   </p:clrMapOvr>
+</p:sld>
+</file>
+
+<file path=ppt/slides/slide10.xml><?xml version="1.0" encoding="utf-8"?>
+<p:sld xmlns:a="http://schemas.openxmlformats.org/drawingml/2006/main" xmlns:r="http://schemas.openxmlformats.org/officeDocument/2006/relationships" xmlns:p="http://schemas.openxmlformats.org/presentationml/2006/main">
+  <p:cSld>
+    <p:spTree>
+      <p:nvGrpSpPr>
+        <p:cNvPr id="1" name=""/>
+        <p:cNvGrpSpPr/>
+        <p:nvPr/>
+      </p:nvGrpSpPr>
+      <p:grpSpPr>
+        <a:xfrm>
+          <a:off x="0" y="0"/>
+          <a:ext cx="0" cy="0"/>
+          <a:chOff x="0" y="0"/>
+          <a:chExt cx="0" cy="0"/>
+        </a:xfrm>
+      </p:grpSpPr>
+      <p:grpSp>
+        <p:nvGrpSpPr>
+          <p:cNvPr id="95" name="Groupe 94"/>
+          <p:cNvGrpSpPr/>
+          <p:nvPr/>
+        </p:nvGrpSpPr>
+        <p:grpSpPr>
+          <a:xfrm>
+            <a:off x="3125036" y="1120442"/>
+            <a:ext cx="6126059" cy="3379961"/>
+            <a:chOff x="3125036" y="1120442"/>
+            <a:chExt cx="6126059" cy="3379961"/>
+          </a:xfrm>
+        </p:grpSpPr>
+        <p:grpSp>
+          <p:nvGrpSpPr>
+            <p:cNvPr id="25" name="Groupe 24"/>
+            <p:cNvGrpSpPr/>
+            <p:nvPr/>
+          </p:nvGrpSpPr>
+          <p:grpSpPr>
+            <a:xfrm>
+              <a:off x="3847224" y="1392023"/>
+              <a:ext cx="3108380" cy="3108380"/>
+              <a:chOff x="6328880" y="565401"/>
+              <a:chExt cx="4489807" cy="4489807"/>
+            </a:xfrm>
+          </p:grpSpPr>
+          <p:grpSp>
+            <p:nvGrpSpPr>
+              <p:cNvPr id="7" name="Groupe 6"/>
+              <p:cNvGrpSpPr/>
+              <p:nvPr/>
+            </p:nvGrpSpPr>
+            <p:grpSpPr>
+              <a:xfrm>
+                <a:off x="6328880" y="565401"/>
+                <a:ext cx="4489807" cy="4489807"/>
+                <a:chOff x="6688476" y="853077"/>
+                <a:chExt cx="4489807" cy="4489807"/>
+              </a:xfrm>
+            </p:grpSpPr>
+            <p:sp>
+              <p:nvSpPr>
+                <p:cNvPr id="5" name="Ellipse 4"/>
+                <p:cNvSpPr/>
+                <p:nvPr/>
+              </p:nvSpPr>
+              <p:spPr>
+                <a:xfrm>
+                  <a:off x="6688476" y="853077"/>
+                  <a:ext cx="4489807" cy="4489807"/>
+                </a:xfrm>
+                <a:prstGeom prst="ellipse">
+                  <a:avLst/>
+                </a:prstGeom>
+                <a:ln>
+                  <a:solidFill>
+                    <a:schemeClr val="tx1"/>
+                  </a:solidFill>
+                </a:ln>
+              </p:spPr>
+              <p:style>
+                <a:lnRef idx="2">
+                  <a:schemeClr val="accent3">
+                    <a:shade val="50000"/>
+                  </a:schemeClr>
+                </a:lnRef>
+                <a:fillRef idx="1">
+                  <a:schemeClr val="accent3"/>
+                </a:fillRef>
+                <a:effectRef idx="0">
+                  <a:schemeClr val="accent3"/>
+                </a:effectRef>
+                <a:fontRef idx="minor">
+                  <a:schemeClr val="lt1"/>
+                </a:fontRef>
+              </p:style>
+              <p:txBody>
+                <a:bodyPr rtlCol="0" anchor="ctr"/>
+                <a:lstStyle/>
+                <a:p>
+                  <a:pPr algn="ctr"/>
+                  <a:endParaRPr lang="fr-FR" sz="1600"/>
+                </a:p>
+              </p:txBody>
+            </p:sp>
+            <p:sp>
+              <p:nvSpPr>
+                <p:cNvPr id="6" name="Ellipse 5"/>
+                <p:cNvSpPr/>
+                <p:nvPr/>
+              </p:nvSpPr>
+              <p:spPr>
+                <a:xfrm>
+                  <a:off x="6996701" y="1160979"/>
+                  <a:ext cx="3873357" cy="3873357"/>
+                </a:xfrm>
+                <a:prstGeom prst="ellipse">
+                  <a:avLst/>
+                </a:prstGeom>
+                <a:ln>
+                  <a:solidFill>
+                    <a:schemeClr val="tx1"/>
+                  </a:solidFill>
+                </a:ln>
+              </p:spPr>
+              <p:style>
+                <a:lnRef idx="1">
+                  <a:schemeClr val="accent1"/>
+                </a:lnRef>
+                <a:fillRef idx="2">
+                  <a:schemeClr val="accent1"/>
+                </a:fillRef>
+                <a:effectRef idx="1">
+                  <a:schemeClr val="accent1"/>
+                </a:effectRef>
+                <a:fontRef idx="minor">
+                  <a:schemeClr val="dk1"/>
+                </a:fontRef>
+              </p:style>
+              <p:txBody>
+                <a:bodyPr rtlCol="0" anchor="ctr"/>
+                <a:lstStyle/>
+                <a:p>
+                  <a:pPr algn="ctr"/>
+                  <a:endParaRPr lang="fr-FR" sz="1600"/>
+                </a:p>
+              </p:txBody>
+            </p:sp>
+          </p:grpSp>
+          <p:sp>
+            <p:nvSpPr>
+              <p:cNvPr id="9" name="Ellipse 8"/>
+              <p:cNvSpPr/>
+              <p:nvPr/>
+            </p:nvSpPr>
+            <p:spPr>
+              <a:xfrm rot="19197934">
+                <a:off x="8105239" y="2730186"/>
+                <a:ext cx="1925833" cy="1253447"/>
+              </a:xfrm>
+              <a:prstGeom prst="ellipse">
+                <a:avLst/>
+              </a:prstGeom>
+              <a:noFill/>
+              <a:ln w="28575">
+                <a:solidFill>
+                  <a:schemeClr val="tx1"/>
+                </a:solidFill>
+                <a:prstDash val="lgDash"/>
+              </a:ln>
+            </p:spPr>
+            <p:style>
+              <a:lnRef idx="2">
+                <a:schemeClr val="accent1">
+                  <a:shade val="50000"/>
+                </a:schemeClr>
+              </a:lnRef>
+              <a:fillRef idx="1">
+                <a:schemeClr val="accent1"/>
+              </a:fillRef>
+              <a:effectRef idx="0">
+                <a:schemeClr val="accent1"/>
+              </a:effectRef>
+              <a:fontRef idx="minor">
+                <a:schemeClr val="lt1"/>
+              </a:fontRef>
+            </p:style>
+            <p:txBody>
+              <a:bodyPr rtlCol="0" anchor="ctr"/>
+              <a:lstStyle/>
+              <a:p>
+                <a:pPr algn="ctr"/>
+                <a:endParaRPr lang="fr-FR" sz="1600"/>
+              </a:p>
+            </p:txBody>
+          </p:sp>
+          <p:grpSp>
+            <p:nvGrpSpPr>
+              <p:cNvPr id="14" name="Groupe 13"/>
+              <p:cNvGrpSpPr/>
+              <p:nvPr/>
+            </p:nvGrpSpPr>
+            <p:grpSpPr>
+              <a:xfrm rot="1310540">
+                <a:off x="7720959" y="3022510"/>
+                <a:ext cx="890938" cy="766601"/>
+                <a:chOff x="7682845" y="3337840"/>
+                <a:chExt cx="890938" cy="766601"/>
+              </a:xfrm>
+            </p:grpSpPr>
+            <p:grpSp>
+              <p:nvGrpSpPr>
+                <p:cNvPr id="12" name="Groupe 11"/>
+                <p:cNvGrpSpPr/>
+                <p:nvPr/>
+              </p:nvGrpSpPr>
+              <p:grpSpPr>
+                <a:xfrm>
+                  <a:off x="7826252" y="3356910"/>
+                  <a:ext cx="747531" cy="747531"/>
+                  <a:chOff x="7826252" y="3356910"/>
+                  <a:chExt cx="747531" cy="747531"/>
+                </a:xfrm>
+              </p:grpSpPr>
+              <p:sp>
+                <p:nvSpPr>
+                  <p:cNvPr id="10" name="Ellipse 9"/>
+                  <p:cNvSpPr/>
+                  <p:nvPr/>
+                </p:nvSpPr>
+                <p:spPr>
+                  <a:xfrm>
+                    <a:off x="7826252" y="3356910"/>
+                    <a:ext cx="747531" cy="747531"/>
+                  </a:xfrm>
+                  <a:prstGeom prst="ellipse">
+                    <a:avLst/>
+                  </a:prstGeom>
+                  <a:pattFill prst="wdDnDiag">
+                    <a:fgClr>
+                      <a:schemeClr val="tx1"/>
+                    </a:fgClr>
+                    <a:bgClr>
+                      <a:schemeClr val="bg1"/>
+                    </a:bgClr>
+                  </a:pattFill>
+                  <a:ln w="28575">
+                    <a:solidFill>
+                      <a:schemeClr val="tx1"/>
+                    </a:solidFill>
+                  </a:ln>
+                </p:spPr>
+                <p:style>
+                  <a:lnRef idx="2">
+                    <a:schemeClr val="accent1">
+                      <a:shade val="50000"/>
+                    </a:schemeClr>
+                  </a:lnRef>
+                  <a:fillRef idx="1">
+                    <a:schemeClr val="accent1"/>
+                  </a:fillRef>
+                  <a:effectRef idx="0">
+                    <a:schemeClr val="accent1"/>
+                  </a:effectRef>
+                  <a:fontRef idx="minor">
+                    <a:schemeClr val="lt1"/>
+                  </a:fontRef>
+                </p:style>
+                <p:txBody>
+                  <a:bodyPr rtlCol="0" anchor="ctr"/>
+                  <a:lstStyle/>
+                  <a:p>
+                    <a:pPr algn="ctr"/>
+                    <a:endParaRPr lang="fr-FR" sz="1600"/>
+                  </a:p>
+                </p:txBody>
+              </p:sp>
+              <p:sp>
+                <p:nvSpPr>
+                  <p:cNvPr id="11" name="Ellipse 10"/>
+                  <p:cNvSpPr/>
+                  <p:nvPr/>
+                </p:nvSpPr>
+                <p:spPr>
+                  <a:xfrm>
+                    <a:off x="7826252" y="3901441"/>
+                    <a:ext cx="203000" cy="203000"/>
+                  </a:xfrm>
+                  <a:prstGeom prst="ellipse">
+                    <a:avLst/>
+                  </a:prstGeom>
+                  <a:solidFill>
+                    <a:srgbClr val="FF0000"/>
+                  </a:solidFill>
+                  <a:ln>
+                    <a:solidFill>
+                      <a:srgbClr val="FF0000"/>
+                    </a:solidFill>
+                  </a:ln>
+                </p:spPr>
+                <p:style>
+                  <a:lnRef idx="2">
+                    <a:schemeClr val="accent1">
+                      <a:shade val="50000"/>
+                    </a:schemeClr>
+                  </a:lnRef>
+                  <a:fillRef idx="1">
+                    <a:schemeClr val="accent1"/>
+                  </a:fillRef>
+                  <a:effectRef idx="0">
+                    <a:schemeClr val="accent1"/>
+                  </a:effectRef>
+                  <a:fontRef idx="minor">
+                    <a:schemeClr val="lt1"/>
+                  </a:fontRef>
+                </p:style>
+                <p:txBody>
+                  <a:bodyPr rtlCol="0" anchor="ctr"/>
+                  <a:lstStyle/>
+                  <a:p>
+                    <a:pPr algn="ctr"/>
+                    <a:endParaRPr lang="fr-FR" sz="1600"/>
+                  </a:p>
+                </p:txBody>
+              </p:sp>
+            </p:grpSp>
+            <p:sp>
+              <p:nvSpPr>
+                <p:cNvPr id="13" name="Arc 12"/>
+                <p:cNvSpPr/>
+                <p:nvPr/>
+              </p:nvSpPr>
+              <p:spPr>
+                <a:xfrm rot="14577736">
+                  <a:off x="7682845" y="3337840"/>
+                  <a:ext cx="698642" cy="698642"/>
+                </a:xfrm>
+                <a:prstGeom prst="arc">
+                  <a:avLst/>
+                </a:prstGeom>
+                <a:ln w="28575">
+                  <a:solidFill>
+                    <a:schemeClr val="tx1"/>
+                  </a:solidFill>
+                  <a:headEnd type="triangle" w="med" len="med"/>
+                  <a:tailEnd type="none" w="med" len="med"/>
+                </a:ln>
+              </p:spPr>
+              <p:style>
+                <a:lnRef idx="1">
+                  <a:schemeClr val="accent1"/>
+                </a:lnRef>
+                <a:fillRef idx="0">
+                  <a:schemeClr val="accent1"/>
+                </a:fillRef>
+                <a:effectRef idx="0">
+                  <a:schemeClr val="accent1"/>
+                </a:effectRef>
+                <a:fontRef idx="minor">
+                  <a:schemeClr val="tx1"/>
+                </a:fontRef>
+              </p:style>
+              <p:txBody>
+                <a:bodyPr rtlCol="0" anchor="ctr"/>
+                <a:lstStyle/>
+                <a:p>
+                  <a:pPr algn="ctr"/>
+                  <a:endParaRPr lang="fr-FR" sz="1600"/>
+                </a:p>
+              </p:txBody>
+            </p:sp>
+          </p:grpSp>
+          <p:grpSp>
+            <p:nvGrpSpPr>
+              <p:cNvPr id="15" name="Groupe 14"/>
+              <p:cNvGrpSpPr/>
+              <p:nvPr/>
+            </p:nvGrpSpPr>
+            <p:grpSpPr>
+              <a:xfrm rot="16200000">
+                <a:off x="9016526" y="3438396"/>
+                <a:ext cx="890938" cy="766601"/>
+                <a:chOff x="7682845" y="3337840"/>
+                <a:chExt cx="890938" cy="766601"/>
+              </a:xfrm>
+            </p:grpSpPr>
+            <p:grpSp>
+              <p:nvGrpSpPr>
+                <p:cNvPr id="16" name="Groupe 15"/>
+                <p:cNvGrpSpPr/>
+                <p:nvPr/>
+              </p:nvGrpSpPr>
+              <p:grpSpPr>
+                <a:xfrm>
+                  <a:off x="7826252" y="3356910"/>
+                  <a:ext cx="747531" cy="747531"/>
+                  <a:chOff x="7826252" y="3356910"/>
+                  <a:chExt cx="747531" cy="747531"/>
+                </a:xfrm>
+              </p:grpSpPr>
+              <p:sp>
+                <p:nvSpPr>
+                  <p:cNvPr id="18" name="Ellipse 17"/>
+                  <p:cNvSpPr/>
+                  <p:nvPr/>
+                </p:nvSpPr>
+                <p:spPr>
+                  <a:xfrm>
+                    <a:off x="7826252" y="3356910"/>
+                    <a:ext cx="747531" cy="747531"/>
+                  </a:xfrm>
+                  <a:prstGeom prst="ellipse">
+                    <a:avLst/>
+                  </a:prstGeom>
+                  <a:pattFill prst="wdDnDiag">
+                    <a:fgClr>
+                      <a:schemeClr val="tx1"/>
+                    </a:fgClr>
+                    <a:bgClr>
+                      <a:schemeClr val="bg1"/>
+                    </a:bgClr>
+                  </a:pattFill>
+                  <a:ln w="28575">
+                    <a:solidFill>
+                      <a:schemeClr val="tx1"/>
+                    </a:solidFill>
+                  </a:ln>
+                </p:spPr>
+                <p:style>
+                  <a:lnRef idx="2">
+                    <a:schemeClr val="accent1">
+                      <a:shade val="50000"/>
+                    </a:schemeClr>
+                  </a:lnRef>
+                  <a:fillRef idx="1">
+                    <a:schemeClr val="accent1"/>
+                  </a:fillRef>
+                  <a:effectRef idx="0">
+                    <a:schemeClr val="accent1"/>
+                  </a:effectRef>
+                  <a:fontRef idx="minor">
+                    <a:schemeClr val="lt1"/>
+                  </a:fontRef>
+                </p:style>
+                <p:txBody>
+                  <a:bodyPr rtlCol="0" anchor="ctr"/>
+                  <a:lstStyle/>
+                  <a:p>
+                    <a:pPr algn="ctr"/>
+                    <a:endParaRPr lang="fr-FR" sz="1600"/>
+                  </a:p>
+                </p:txBody>
+              </p:sp>
+              <p:sp>
+                <p:nvSpPr>
+                  <p:cNvPr id="19" name="Ellipse 18"/>
+                  <p:cNvSpPr/>
+                  <p:nvPr/>
+                </p:nvSpPr>
+                <p:spPr>
+                  <a:xfrm>
+                    <a:off x="7826252" y="3901441"/>
+                    <a:ext cx="203000" cy="203000"/>
+                  </a:xfrm>
+                  <a:prstGeom prst="ellipse">
+                    <a:avLst/>
+                  </a:prstGeom>
+                  <a:solidFill>
+                    <a:srgbClr val="FF0000"/>
+                  </a:solidFill>
+                  <a:ln>
+                    <a:solidFill>
+                      <a:srgbClr val="FF0000"/>
+                    </a:solidFill>
+                  </a:ln>
+                </p:spPr>
+                <p:style>
+                  <a:lnRef idx="2">
+                    <a:schemeClr val="accent1">
+                      <a:shade val="50000"/>
+                    </a:schemeClr>
+                  </a:lnRef>
+                  <a:fillRef idx="1">
+                    <a:schemeClr val="accent1"/>
+                  </a:fillRef>
+                  <a:effectRef idx="0">
+                    <a:schemeClr val="accent1"/>
+                  </a:effectRef>
+                  <a:fontRef idx="minor">
+                    <a:schemeClr val="lt1"/>
+                  </a:fontRef>
+                </p:style>
+                <p:txBody>
+                  <a:bodyPr rtlCol="0" anchor="ctr"/>
+                  <a:lstStyle/>
+                  <a:p>
+                    <a:pPr algn="ctr"/>
+                    <a:endParaRPr lang="fr-FR" sz="1600"/>
+                  </a:p>
+                </p:txBody>
+              </p:sp>
+            </p:grpSp>
+            <p:sp>
+              <p:nvSpPr>
+                <p:cNvPr id="17" name="Arc 16"/>
+                <p:cNvSpPr/>
+                <p:nvPr/>
+              </p:nvSpPr>
+              <p:spPr>
+                <a:xfrm rot="14577736">
+                  <a:off x="7682845" y="3337840"/>
+                  <a:ext cx="698642" cy="698642"/>
+                </a:xfrm>
+                <a:prstGeom prst="arc">
+                  <a:avLst/>
+                </a:prstGeom>
+                <a:ln w="28575">
+                  <a:solidFill>
+                    <a:schemeClr val="tx1"/>
+                  </a:solidFill>
+                  <a:headEnd type="triangle" w="med" len="med"/>
+                  <a:tailEnd type="none" w="med" len="med"/>
+                </a:ln>
+              </p:spPr>
+              <p:style>
+                <a:lnRef idx="1">
+                  <a:schemeClr val="accent1"/>
+                </a:lnRef>
+                <a:fillRef idx="0">
+                  <a:schemeClr val="accent1"/>
+                </a:fillRef>
+                <a:effectRef idx="0">
+                  <a:schemeClr val="accent1"/>
+                </a:effectRef>
+                <a:fontRef idx="minor">
+                  <a:schemeClr val="tx1"/>
+                </a:fontRef>
+              </p:style>
+              <p:txBody>
+                <a:bodyPr rtlCol="0" anchor="ctr"/>
+                <a:lstStyle/>
+                <a:p>
+                  <a:pPr algn="ctr"/>
+                  <a:endParaRPr lang="fr-FR" sz="1600"/>
+                </a:p>
+              </p:txBody>
+            </p:sp>
+          </p:grpSp>
+          <p:grpSp>
+            <p:nvGrpSpPr>
+              <p:cNvPr id="20" name="Groupe 19"/>
+              <p:cNvGrpSpPr/>
+              <p:nvPr/>
+            </p:nvGrpSpPr>
+            <p:grpSpPr>
+              <a:xfrm rot="10135127">
+                <a:off x="9243173" y="2265738"/>
+                <a:ext cx="890938" cy="766601"/>
+                <a:chOff x="7682845" y="3337840"/>
+                <a:chExt cx="890938" cy="766601"/>
+              </a:xfrm>
+            </p:grpSpPr>
+            <p:grpSp>
+              <p:nvGrpSpPr>
+                <p:cNvPr id="21" name="Groupe 20"/>
+                <p:cNvGrpSpPr/>
+                <p:nvPr/>
+              </p:nvGrpSpPr>
+              <p:grpSpPr>
+                <a:xfrm>
+                  <a:off x="7826252" y="3356910"/>
+                  <a:ext cx="747531" cy="747531"/>
+                  <a:chOff x="7826252" y="3356910"/>
+                  <a:chExt cx="747531" cy="747531"/>
+                </a:xfrm>
+              </p:grpSpPr>
+              <p:sp>
+                <p:nvSpPr>
+                  <p:cNvPr id="23" name="Ellipse 22"/>
+                  <p:cNvSpPr/>
+                  <p:nvPr/>
+                </p:nvSpPr>
+                <p:spPr>
+                  <a:xfrm>
+                    <a:off x="7826252" y="3356910"/>
+                    <a:ext cx="747531" cy="747531"/>
+                  </a:xfrm>
+                  <a:prstGeom prst="ellipse">
+                    <a:avLst/>
+                  </a:prstGeom>
+                  <a:pattFill prst="wdDnDiag">
+                    <a:fgClr>
+                      <a:schemeClr val="tx1"/>
+                    </a:fgClr>
+                    <a:bgClr>
+                      <a:schemeClr val="bg1"/>
+                    </a:bgClr>
+                  </a:pattFill>
+                  <a:ln w="28575">
+                    <a:solidFill>
+                      <a:schemeClr val="tx1"/>
+                    </a:solidFill>
+                  </a:ln>
+                </p:spPr>
+                <p:style>
+                  <a:lnRef idx="2">
+                    <a:schemeClr val="accent1">
+                      <a:shade val="50000"/>
+                    </a:schemeClr>
+                  </a:lnRef>
+                  <a:fillRef idx="1">
+                    <a:schemeClr val="accent1"/>
+                  </a:fillRef>
+                  <a:effectRef idx="0">
+                    <a:schemeClr val="accent1"/>
+                  </a:effectRef>
+                  <a:fontRef idx="minor">
+                    <a:schemeClr val="lt1"/>
+                  </a:fontRef>
+                </p:style>
+                <p:txBody>
+                  <a:bodyPr rtlCol="0" anchor="ctr"/>
+                  <a:lstStyle/>
+                  <a:p>
+                    <a:pPr algn="ctr"/>
+                    <a:endParaRPr lang="fr-FR" sz="1600"/>
+                  </a:p>
+                </p:txBody>
+              </p:sp>
+              <p:sp>
+                <p:nvSpPr>
+                  <p:cNvPr id="24" name="Ellipse 23"/>
+                  <p:cNvSpPr/>
+                  <p:nvPr/>
+                </p:nvSpPr>
+                <p:spPr>
+                  <a:xfrm>
+                    <a:off x="7826252" y="3901441"/>
+                    <a:ext cx="203000" cy="203000"/>
+                  </a:xfrm>
+                  <a:prstGeom prst="ellipse">
+                    <a:avLst/>
+                  </a:prstGeom>
+                  <a:solidFill>
+                    <a:srgbClr val="FF0000"/>
+                  </a:solidFill>
+                  <a:ln>
+                    <a:solidFill>
+                      <a:srgbClr val="FF0000"/>
+                    </a:solidFill>
+                  </a:ln>
+                </p:spPr>
+                <p:style>
+                  <a:lnRef idx="2">
+                    <a:schemeClr val="accent1">
+                      <a:shade val="50000"/>
+                    </a:schemeClr>
+                  </a:lnRef>
+                  <a:fillRef idx="1">
+                    <a:schemeClr val="accent1"/>
+                  </a:fillRef>
+                  <a:effectRef idx="0">
+                    <a:schemeClr val="accent1"/>
+                  </a:effectRef>
+                  <a:fontRef idx="minor">
+                    <a:schemeClr val="lt1"/>
+                  </a:fontRef>
+                </p:style>
+                <p:txBody>
+                  <a:bodyPr rtlCol="0" anchor="ctr"/>
+                  <a:lstStyle/>
+                  <a:p>
+                    <a:pPr algn="ctr"/>
+                    <a:endParaRPr lang="fr-FR" sz="1600"/>
+                  </a:p>
+                </p:txBody>
+              </p:sp>
+            </p:grpSp>
+            <p:sp>
+              <p:nvSpPr>
+                <p:cNvPr id="22" name="Arc 21"/>
+                <p:cNvSpPr/>
+                <p:nvPr/>
+              </p:nvSpPr>
+              <p:spPr>
+                <a:xfrm rot="14577736">
+                  <a:off x="7682845" y="3337840"/>
+                  <a:ext cx="698642" cy="698642"/>
+                </a:xfrm>
+                <a:prstGeom prst="arc">
+                  <a:avLst/>
+                </a:prstGeom>
+                <a:ln w="28575">
+                  <a:solidFill>
+                    <a:schemeClr val="tx1"/>
+                  </a:solidFill>
+                  <a:headEnd type="triangle" w="med" len="med"/>
+                  <a:tailEnd type="none" w="med" len="med"/>
+                </a:ln>
+              </p:spPr>
+              <p:style>
+                <a:lnRef idx="1">
+                  <a:schemeClr val="accent1"/>
+                </a:lnRef>
+                <a:fillRef idx="0">
+                  <a:schemeClr val="accent1"/>
+                </a:fillRef>
+                <a:effectRef idx="0">
+                  <a:schemeClr val="accent1"/>
+                </a:effectRef>
+                <a:fontRef idx="minor">
+                  <a:schemeClr val="tx1"/>
+                </a:fontRef>
+              </p:style>
+              <p:txBody>
+                <a:bodyPr rtlCol="0" anchor="ctr"/>
+                <a:lstStyle/>
+                <a:p>
+                  <a:pPr algn="ctr"/>
+                  <a:endParaRPr lang="fr-FR" sz="1600"/>
+                </a:p>
+              </p:txBody>
+            </p:sp>
+          </p:grpSp>
+        </p:grpSp>
+        <p:cxnSp>
+          <p:nvCxnSpPr>
+            <p:cNvPr id="27" name="Connecteur droit avec flèche 26"/>
+            <p:cNvCxnSpPr>
+              <a:stCxn id="28" idx="2"/>
+            </p:cNvCxnSpPr>
+            <p:nvPr/>
+          </p:nvCxnSpPr>
+          <p:spPr>
+            <a:xfrm>
+              <a:off x="3449901" y="2990189"/>
+              <a:ext cx="1353711" cy="374211"/>
+            </a:xfrm>
+            <a:prstGeom prst="straightConnector1">
+              <a:avLst/>
+            </a:prstGeom>
+            <a:ln>
+              <a:solidFill>
+                <a:schemeClr val="tx1"/>
+              </a:solidFill>
+              <a:tailEnd type="triangle"/>
+            </a:ln>
+          </p:spPr>
+          <p:style>
+            <a:lnRef idx="1">
+              <a:schemeClr val="accent1"/>
+            </a:lnRef>
+            <a:fillRef idx="0">
+              <a:schemeClr val="accent1"/>
+            </a:fillRef>
+            <a:effectRef idx="0">
+              <a:schemeClr val="accent1"/>
+            </a:effectRef>
+            <a:fontRef idx="minor">
+              <a:schemeClr val="tx1"/>
+            </a:fontRef>
+          </p:style>
+        </p:cxnSp>
+        <p:sp>
+          <p:nvSpPr>
+            <p:cNvPr id="28" name="ZoneTexte 27"/>
+            <p:cNvSpPr txBox="1"/>
+            <p:nvPr/>
+          </p:nvSpPr>
+          <p:spPr>
+            <a:xfrm>
+              <a:off x="3125036" y="2651635"/>
+              <a:ext cx="649730" cy="338554"/>
+            </a:xfrm>
+            <a:prstGeom prst="rect">
+              <a:avLst/>
+            </a:prstGeom>
+            <a:noFill/>
+          </p:spPr>
+          <p:txBody>
+            <a:bodyPr wrap="none" rtlCol="0">
+              <a:spAutoFit/>
+            </a:bodyPr>
+            <a:lstStyle/>
+            <a:p>
+              <a:r>
+                <a:rPr lang="fr-FR" sz="1600" dirty="0" smtClean="0"/>
+                <a:t>Rotor</a:t>
+              </a:r>
+              <a:endParaRPr lang="fr-FR" sz="1600" dirty="0"/>
+            </a:p>
+          </p:txBody>
+        </p:sp>
+        <p:sp>
+          <p:nvSpPr>
+            <p:cNvPr id="30" name="ZoneTexte 29"/>
+            <p:cNvSpPr txBox="1"/>
+            <p:nvPr/>
+          </p:nvSpPr>
+          <p:spPr>
+            <a:xfrm>
+              <a:off x="6742214" y="1120442"/>
+              <a:ext cx="1639103" cy="338554"/>
+            </a:xfrm>
+            <a:prstGeom prst="rect">
+              <a:avLst/>
+            </a:prstGeom>
+            <a:noFill/>
+          </p:spPr>
+          <p:txBody>
+            <a:bodyPr wrap="none" rtlCol="0">
+              <a:spAutoFit/>
+            </a:bodyPr>
+            <a:lstStyle/>
+            <a:p>
+              <a:r>
+                <a:rPr lang="fr-FR" sz="1600" dirty="0" smtClean="0"/>
+                <a:t>Coussinet (palier)</a:t>
+              </a:r>
+              <a:endParaRPr lang="fr-FR" sz="1600" dirty="0"/>
+            </a:p>
+          </p:txBody>
+        </p:sp>
+        <p:cxnSp>
+          <p:nvCxnSpPr>
+            <p:cNvPr id="31" name="Connecteur droit avec flèche 30"/>
+            <p:cNvCxnSpPr>
+              <a:stCxn id="30" idx="2"/>
+            </p:cNvCxnSpPr>
+            <p:nvPr/>
+          </p:nvCxnSpPr>
+          <p:spPr>
+            <a:xfrm flipH="1">
+              <a:off x="6742214" y="1458996"/>
+              <a:ext cx="819552" cy="676671"/>
+            </a:xfrm>
+            <a:prstGeom prst="straightConnector1">
+              <a:avLst/>
+            </a:prstGeom>
+            <a:ln>
+              <a:solidFill>
+                <a:schemeClr val="tx1"/>
+              </a:solidFill>
+              <a:tailEnd type="triangle"/>
+            </a:ln>
+          </p:spPr>
+          <p:style>
+            <a:lnRef idx="1">
+              <a:schemeClr val="accent1"/>
+            </a:lnRef>
+            <a:fillRef idx="0">
+              <a:schemeClr val="accent1"/>
+            </a:fillRef>
+            <a:effectRef idx="0">
+              <a:schemeClr val="accent1"/>
+            </a:effectRef>
+            <a:fontRef idx="minor">
+              <a:schemeClr val="tx1"/>
+            </a:fontRef>
+          </p:style>
+        </p:cxnSp>
+        <p:cxnSp>
+          <p:nvCxnSpPr>
+            <p:cNvPr id="35" name="Connecteur droit avec flèche 34"/>
+            <p:cNvCxnSpPr>
+              <a:stCxn id="36" idx="1"/>
+              <a:endCxn id="24" idx="2"/>
+            </p:cNvCxnSpPr>
+            <p:nvPr/>
+          </p:nvCxnSpPr>
+          <p:spPr>
+            <a:xfrm flipH="1" flipV="1">
+              <a:off x="6340979" y="2602913"/>
+              <a:ext cx="1053902" cy="41546"/>
+            </a:xfrm>
+            <a:prstGeom prst="straightConnector1">
+              <a:avLst/>
+            </a:prstGeom>
+            <a:ln>
+              <a:solidFill>
+                <a:schemeClr val="tx1"/>
+              </a:solidFill>
+              <a:tailEnd type="triangle"/>
+            </a:ln>
+          </p:spPr>
+          <p:style>
+            <a:lnRef idx="1">
+              <a:schemeClr val="accent1"/>
+            </a:lnRef>
+            <a:fillRef idx="0">
+              <a:schemeClr val="accent1"/>
+            </a:fillRef>
+            <a:effectRef idx="0">
+              <a:schemeClr val="accent1"/>
+            </a:effectRef>
+            <a:fontRef idx="minor">
+              <a:schemeClr val="tx1"/>
+            </a:fontRef>
+          </p:style>
+        </p:cxnSp>
+        <p:sp>
+          <p:nvSpPr>
+            <p:cNvPr id="36" name="ZoneTexte 35"/>
+            <p:cNvSpPr txBox="1"/>
+            <p:nvPr/>
+          </p:nvSpPr>
+          <p:spPr>
+            <a:xfrm>
+              <a:off x="7394881" y="2352071"/>
+              <a:ext cx="1856214" cy="584775"/>
+            </a:xfrm>
+            <a:prstGeom prst="rect">
+              <a:avLst/>
+            </a:prstGeom>
+            <a:noFill/>
+          </p:spPr>
+          <p:txBody>
+            <a:bodyPr wrap="none" rtlCol="0">
+              <a:spAutoFit/>
+            </a:bodyPr>
+            <a:lstStyle/>
+            <a:p>
+              <a:pPr algn="ctr"/>
+              <a:r>
+                <a:rPr lang="fr-FR" sz="1600" dirty="0" smtClean="0"/>
+                <a:t>Zone plus échauffée</a:t>
+              </a:r>
+            </a:p>
+            <a:p>
+              <a:pPr algn="ctr"/>
+              <a:r>
+                <a:rPr lang="fr-FR" sz="1600" dirty="0" smtClean="0"/>
+                <a:t>(Point chaud)</a:t>
+              </a:r>
+              <a:endParaRPr lang="fr-FR" sz="1600" dirty="0"/>
+            </a:p>
+          </p:txBody>
+        </p:sp>
+        <p:grpSp>
+          <p:nvGrpSpPr>
+            <p:cNvPr id="47" name="Groupe 46"/>
+            <p:cNvGrpSpPr/>
+            <p:nvPr/>
+          </p:nvGrpSpPr>
+          <p:grpSpPr>
+            <a:xfrm>
+              <a:off x="3407947" y="1451766"/>
+              <a:ext cx="1395665" cy="966926"/>
+              <a:chOff x="7271030" y="2006571"/>
+              <a:chExt cx="1395665" cy="966926"/>
+            </a:xfrm>
+          </p:grpSpPr>
+          <p:cxnSp>
+            <p:nvCxnSpPr>
+              <p:cNvPr id="41" name="Connecteur droit avec flèche 40"/>
+              <p:cNvCxnSpPr/>
+              <p:nvPr/>
+            </p:nvCxnSpPr>
+            <p:spPr>
+              <a:xfrm>
+                <a:off x="7847060" y="2262241"/>
+                <a:ext cx="819635" cy="711256"/>
+              </a:xfrm>
+              <a:prstGeom prst="straightConnector1">
+                <a:avLst/>
+              </a:prstGeom>
+              <a:ln>
+                <a:solidFill>
+                  <a:schemeClr val="tx1"/>
+                </a:solidFill>
+                <a:tailEnd type="triangle"/>
+              </a:ln>
+            </p:spPr>
+            <p:style>
+              <a:lnRef idx="1">
+                <a:schemeClr val="accent1"/>
+              </a:lnRef>
+              <a:fillRef idx="0">
+                <a:schemeClr val="accent1"/>
+              </a:fillRef>
+              <a:effectRef idx="0">
+                <a:schemeClr val="accent1"/>
+              </a:effectRef>
+              <a:fontRef idx="minor">
+                <a:schemeClr val="tx1"/>
+              </a:fontRef>
+            </p:style>
+          </p:cxnSp>
+          <p:sp>
+            <p:nvSpPr>
+              <p:cNvPr id="42" name="ZoneTexte 41"/>
+              <p:cNvSpPr txBox="1"/>
+              <p:nvPr/>
+            </p:nvSpPr>
+            <p:spPr>
+              <a:xfrm>
+                <a:off x="7271030" y="2006571"/>
+                <a:ext cx="985847" cy="338554"/>
+              </a:xfrm>
+              <a:prstGeom prst="rect">
+                <a:avLst/>
+              </a:prstGeom>
+              <a:noFill/>
+            </p:spPr>
+            <p:txBody>
+              <a:bodyPr wrap="none" rtlCol="0">
+                <a:spAutoFit/>
+              </a:bodyPr>
+              <a:lstStyle/>
+              <a:p>
+                <a:pPr algn="ctr"/>
+                <a:r>
+                  <a:rPr lang="fr-FR" sz="1600" dirty="0"/>
+                  <a:t>L</a:t>
+                </a:r>
+                <a:r>
+                  <a:rPr lang="fr-FR" sz="1600" dirty="0" smtClean="0"/>
+                  <a:t>ubrifiant</a:t>
+                </a:r>
+                <a:endParaRPr lang="fr-FR" sz="1600" dirty="0"/>
+              </a:p>
+            </p:txBody>
+          </p:sp>
+        </p:grpSp>
+      </p:grpSp>
+    </p:spTree>
+    <p:extLst>
+      <p:ext uri="{BB962C8B-B14F-4D97-AF65-F5344CB8AC3E}">
+        <p14:creationId xmlns:p14="http://schemas.microsoft.com/office/powerpoint/2010/main" val="3810617963"/>
+      </p:ext>
+    </p:extLst>
+  </p:cSld>
+  <p:clrMapOvr>
+    <a:masterClrMapping/>
+  </p:clrMapOvr>
+</p:sld>
+</file>
+
+<file path=ppt/slides/slide11.xml><?xml version="1.0" encoding="utf-8"?>
+<p:sld xmlns:a="http://schemas.openxmlformats.org/drawingml/2006/main" xmlns:r="http://schemas.openxmlformats.org/officeDocument/2006/relationships" xmlns:p="http://schemas.openxmlformats.org/presentationml/2006/main">
+  <p:cSld>
+    <p:spTree>
+      <p:nvGrpSpPr>
+        <p:cNvPr id="1" name=""/>
+        <p:cNvGrpSpPr/>
+        <p:nvPr/>
+      </p:nvGrpSpPr>
+      <p:grpSpPr>
+        <a:xfrm>
+          <a:off x="0" y="0"/>
+          <a:ext cx="0" cy="0"/>
+          <a:chOff x="0" y="0"/>
+          <a:chExt cx="0" cy="0"/>
+        </a:xfrm>
+      </p:grpSpPr>
+      <p:sp>
+        <p:nvSpPr>
+          <p:cNvPr id="7" name="ZoneTexte 6"/>
+          <p:cNvSpPr txBox="1"/>
+          <p:nvPr/>
+        </p:nvSpPr>
+        <p:spPr>
+          <a:xfrm>
+            <a:off x="2756227" y="708304"/>
+            <a:ext cx="1331354" cy="307777"/>
+          </a:xfrm>
+          <a:prstGeom prst="rect">
+            <a:avLst/>
+          </a:prstGeom>
+          <a:noFill/>
+        </p:spPr>
+        <p:txBody>
+          <a:bodyPr wrap="square" rtlCol="0">
+            <a:spAutoFit/>
+          </a:bodyPr>
+          <a:lstStyle/>
+          <a:p>
+            <a:pPr algn="ctr"/>
+            <a:r>
+              <a:rPr lang="fr-FR" sz="1400" dirty="0" smtClean="0">
+                <a:solidFill>
+                  <a:schemeClr val="tx1">
+                    <a:lumMod val="65000"/>
+                    <a:lumOff val="35000"/>
+                  </a:schemeClr>
+                </a:solidFill>
+              </a:rPr>
+              <a:t>Orbite</a:t>
+            </a:r>
+            <a:endParaRPr lang="fr-FR" sz="1400" dirty="0">
+              <a:solidFill>
+                <a:schemeClr val="tx1">
+                  <a:lumMod val="65000"/>
+                  <a:lumOff val="35000"/>
+                </a:schemeClr>
+              </a:solidFill>
+            </a:endParaRPr>
+          </a:p>
+        </p:txBody>
+      </p:sp>
+      <p:sp>
+        <p:nvSpPr>
+          <p:cNvPr id="8" name="Arc 7"/>
+          <p:cNvSpPr/>
+          <p:nvPr/>
+        </p:nvSpPr>
+        <p:spPr>
+          <a:xfrm rot="19200000">
+            <a:off x="433690" y="19812"/>
+            <a:ext cx="2786400" cy="2185200"/>
+          </a:xfrm>
+          <a:prstGeom prst="arc">
+            <a:avLst>
+              <a:gd name="adj1" fmla="val 1325772"/>
+              <a:gd name="adj2" fmla="val 1895273"/>
+            </a:avLst>
+          </a:prstGeom>
+          <a:ln>
+            <a:solidFill>
+              <a:schemeClr val="tx1">
+                <a:lumMod val="65000"/>
+                <a:lumOff val="35000"/>
+              </a:schemeClr>
+            </a:solidFill>
+            <a:headEnd type="none"/>
+            <a:tailEnd type="oval"/>
+          </a:ln>
+        </p:spPr>
+        <p:style>
+          <a:lnRef idx="1">
+            <a:schemeClr val="accent1"/>
+          </a:lnRef>
+          <a:fillRef idx="0">
+            <a:schemeClr val="accent1"/>
+          </a:fillRef>
+          <a:effectRef idx="0">
+            <a:schemeClr val="accent1"/>
+          </a:effectRef>
+          <a:fontRef idx="minor">
+            <a:schemeClr val="tx1"/>
+          </a:fontRef>
+        </p:style>
+        <p:txBody>
+          <a:bodyPr rtlCol="0" anchor="ctr"/>
+          <a:lstStyle/>
+          <a:p>
+            <a:pPr algn="ctr"/>
+            <a:endParaRPr lang="fr-FR"/>
+          </a:p>
+        </p:txBody>
+      </p:sp>
+      <p:cxnSp>
+        <p:nvCxnSpPr>
+          <p:cNvPr id="9" name="Connecteur droit 8"/>
+          <p:cNvCxnSpPr>
+            <a:endCxn id="14" idx="2"/>
+          </p:cNvCxnSpPr>
+          <p:nvPr/>
+        </p:nvCxnSpPr>
+        <p:spPr>
+          <a:xfrm flipH="1" flipV="1">
+            <a:off x="2552717" y="1919131"/>
+            <a:ext cx="181293" cy="1369853"/>
+          </a:xfrm>
+          <a:prstGeom prst="line">
+            <a:avLst/>
+          </a:prstGeom>
+          <a:ln>
+            <a:solidFill>
+              <a:schemeClr val="tx1"/>
+            </a:solidFill>
+            <a:prstDash val="dashDot"/>
+          </a:ln>
+        </p:spPr>
+        <p:style>
+          <a:lnRef idx="1">
+            <a:schemeClr val="accent1"/>
+          </a:lnRef>
+          <a:fillRef idx="0">
+            <a:schemeClr val="accent1"/>
+          </a:fillRef>
+          <a:effectRef idx="0">
+            <a:schemeClr val="accent1"/>
+          </a:effectRef>
+          <a:fontRef idx="minor">
+            <a:schemeClr val="tx1"/>
+          </a:fontRef>
+        </p:style>
+      </p:cxnSp>
+      <p:sp>
+        <p:nvSpPr>
+          <p:cNvPr id="10" name="Arc 9"/>
+          <p:cNvSpPr/>
+          <p:nvPr/>
+        </p:nvSpPr>
+        <p:spPr>
+          <a:xfrm rot="19200000">
+            <a:off x="429370" y="23348"/>
+            <a:ext cx="2786400" cy="2185200"/>
+          </a:xfrm>
+          <a:prstGeom prst="arc">
+            <a:avLst>
+              <a:gd name="adj1" fmla="val 2178782"/>
+              <a:gd name="adj2" fmla="val 8363717"/>
+            </a:avLst>
+          </a:prstGeom>
+          <a:ln>
+            <a:solidFill>
+              <a:schemeClr val="tx1">
+                <a:lumMod val="65000"/>
+                <a:lumOff val="35000"/>
+              </a:schemeClr>
+            </a:solidFill>
+            <a:headEnd type="none" w="med" len="med"/>
+            <a:tailEnd type="none" w="med" len="med"/>
+          </a:ln>
+        </p:spPr>
+        <p:style>
+          <a:lnRef idx="1">
+            <a:schemeClr val="accent1"/>
+          </a:lnRef>
+          <a:fillRef idx="0">
+            <a:schemeClr val="accent1"/>
+          </a:fillRef>
+          <a:effectRef idx="0">
+            <a:schemeClr val="accent1"/>
+          </a:effectRef>
+          <a:fontRef idx="minor">
+            <a:schemeClr val="tx1"/>
+          </a:fontRef>
+        </p:style>
+        <p:txBody>
+          <a:bodyPr rtlCol="0" anchor="ctr"/>
+          <a:lstStyle/>
+          <a:p>
+            <a:pPr algn="ctr"/>
+            <a:endParaRPr lang="fr-FR"/>
+          </a:p>
+        </p:txBody>
+      </p:sp>
+      <p:sp>
+        <p:nvSpPr>
+          <p:cNvPr id="11" name="Arc 10"/>
+          <p:cNvSpPr/>
+          <p:nvPr/>
+        </p:nvSpPr>
+        <p:spPr>
+          <a:xfrm>
+            <a:off x="-1053599" y="-1850730"/>
+            <a:ext cx="5040000" cy="5040000"/>
+          </a:xfrm>
+          <a:prstGeom prst="arc">
+            <a:avLst>
+              <a:gd name="adj1" fmla="val 21548828"/>
+              <a:gd name="adj2" fmla="val 5471460"/>
+            </a:avLst>
+          </a:prstGeom>
+          <a:ln w="19050">
+            <a:solidFill>
+              <a:schemeClr val="tx1"/>
+            </a:solidFill>
+          </a:ln>
+        </p:spPr>
+        <p:style>
+          <a:lnRef idx="1">
+            <a:schemeClr val="accent1"/>
+          </a:lnRef>
+          <a:fillRef idx="0">
+            <a:schemeClr val="accent1"/>
+          </a:fillRef>
+          <a:effectRef idx="0">
+            <a:schemeClr val="accent1"/>
+          </a:effectRef>
+          <a:fontRef idx="minor">
+            <a:schemeClr val="tx1"/>
+          </a:fontRef>
+        </p:style>
+        <p:txBody>
+          <a:bodyPr rtlCol="0" anchor="ctr"/>
+          <a:lstStyle/>
+          <a:p>
+            <a:pPr algn="ctr"/>
+            <a:endParaRPr lang="fr-FR"/>
+          </a:p>
+        </p:txBody>
+      </p:sp>
+      <p:cxnSp>
+        <p:nvCxnSpPr>
+          <p:cNvPr id="12" name="Connecteur droit 11"/>
+          <p:cNvCxnSpPr/>
+          <p:nvPr/>
+        </p:nvCxnSpPr>
+        <p:spPr>
+          <a:xfrm flipH="1">
+            <a:off x="1916547" y="1785694"/>
+            <a:ext cx="2899722" cy="193514"/>
+          </a:xfrm>
+          <a:prstGeom prst="line">
+            <a:avLst/>
+          </a:prstGeom>
+          <a:ln>
+            <a:solidFill>
+              <a:schemeClr val="tx1"/>
+            </a:solidFill>
+            <a:prstDash val="dashDot"/>
+          </a:ln>
+        </p:spPr>
+        <p:style>
+          <a:lnRef idx="1">
+            <a:schemeClr val="accent1"/>
+          </a:lnRef>
+          <a:fillRef idx="0">
+            <a:schemeClr val="accent1"/>
+          </a:fillRef>
+          <a:effectRef idx="0">
+            <a:schemeClr val="accent1"/>
+          </a:effectRef>
+          <a:fontRef idx="minor">
+            <a:schemeClr val="tx1"/>
+          </a:fontRef>
+        </p:style>
+      </p:cxnSp>
+      <p:cxnSp>
+        <p:nvCxnSpPr>
+          <p:cNvPr id="13" name="Connecteur droit 12"/>
+          <p:cNvCxnSpPr/>
+          <p:nvPr/>
+        </p:nvCxnSpPr>
+        <p:spPr>
+          <a:xfrm flipH="1" flipV="1">
+            <a:off x="1647917" y="849590"/>
+            <a:ext cx="1944216" cy="2337072"/>
+          </a:xfrm>
+          <a:prstGeom prst="line">
+            <a:avLst/>
+          </a:prstGeom>
+          <a:ln>
+            <a:solidFill>
+              <a:schemeClr val="tx1"/>
+            </a:solidFill>
+            <a:prstDash val="dashDot"/>
+          </a:ln>
+        </p:spPr>
+        <p:style>
+          <a:lnRef idx="1">
+            <a:schemeClr val="accent1"/>
+          </a:lnRef>
+          <a:fillRef idx="0">
+            <a:schemeClr val="accent1"/>
+          </a:fillRef>
+          <a:effectRef idx="0">
+            <a:schemeClr val="accent1"/>
+          </a:effectRef>
+          <a:fontRef idx="minor">
+            <a:schemeClr val="tx1"/>
+          </a:fontRef>
+        </p:style>
+      </p:cxnSp>
+      <p:sp>
+        <p:nvSpPr>
+          <p:cNvPr id="14" name="ZoneTexte 13"/>
+          <p:cNvSpPr txBox="1"/>
+          <p:nvPr/>
+        </p:nvSpPr>
+        <p:spPr>
+          <a:xfrm>
+            <a:off x="2300689" y="1611354"/>
+            <a:ext cx="504056" cy="307777"/>
+          </a:xfrm>
+          <a:prstGeom prst="rect">
+            <a:avLst/>
+          </a:prstGeom>
+          <a:noFill/>
+        </p:spPr>
+        <p:txBody>
+          <a:bodyPr wrap="square" rtlCol="0">
+            <a:spAutoFit/>
+          </a:bodyPr>
+          <a:lstStyle/>
+          <a:p>
+            <a:pPr algn="ctr"/>
+            <a:r>
+              <a:rPr lang="fr-FR" sz="1400" dirty="0" smtClean="0"/>
+              <a:t>O</a:t>
+            </a:r>
+            <a:r>
+              <a:rPr lang="fr-FR" sz="1400" baseline="-25000" dirty="0" smtClean="0"/>
+              <a:t>r</a:t>
+            </a:r>
+            <a:endParaRPr lang="fr-FR" sz="1400" baseline="-25000" dirty="0"/>
+          </a:p>
+        </p:txBody>
+      </p:sp>
+      <p:sp>
+        <p:nvSpPr>
+          <p:cNvPr id="15" name="ZoneTexte 14"/>
+          <p:cNvSpPr txBox="1"/>
+          <p:nvPr/>
+        </p:nvSpPr>
+        <p:spPr>
+          <a:xfrm>
+            <a:off x="2120669" y="1281638"/>
+            <a:ext cx="504056" cy="338554"/>
+          </a:xfrm>
+          <a:prstGeom prst="rect">
+            <a:avLst/>
+          </a:prstGeom>
+          <a:noFill/>
+        </p:spPr>
+        <p:txBody>
+          <a:bodyPr wrap="square" rtlCol="0">
+            <a:spAutoFit/>
+          </a:bodyPr>
+          <a:lstStyle/>
+          <a:p>
+            <a:pPr algn="ctr"/>
+            <a:r>
+              <a:rPr lang="el-GR" sz="1600" dirty="0" smtClean="0"/>
+              <a:t>Ω</a:t>
+            </a:r>
+            <a:endParaRPr lang="fr-FR" sz="1600" dirty="0"/>
+          </a:p>
+        </p:txBody>
+      </p:sp>
+      <p:sp>
+        <p:nvSpPr>
+          <p:cNvPr id="16" name="Arc 15"/>
+          <p:cNvSpPr/>
+          <p:nvPr/>
+        </p:nvSpPr>
+        <p:spPr>
+          <a:xfrm rot="16200000">
+            <a:off x="1916547" y="1313209"/>
+            <a:ext cx="1260000" cy="1260000"/>
+          </a:xfrm>
+          <a:prstGeom prst="arc">
+            <a:avLst>
+              <a:gd name="adj1" fmla="val 19438523"/>
+              <a:gd name="adj2" fmla="val 20425042"/>
+            </a:avLst>
+          </a:prstGeom>
+          <a:ln>
+            <a:solidFill>
+              <a:schemeClr val="tx1"/>
+            </a:solidFill>
+            <a:headEnd type="arrow" w="med" len="med"/>
+            <a:tailEnd type="none" w="med" len="med"/>
+          </a:ln>
+        </p:spPr>
+        <p:style>
+          <a:lnRef idx="1">
+            <a:schemeClr val="accent1"/>
+          </a:lnRef>
+          <a:fillRef idx="0">
+            <a:schemeClr val="accent1"/>
+          </a:fillRef>
+          <a:effectRef idx="0">
+            <a:schemeClr val="accent1"/>
+          </a:effectRef>
+          <a:fontRef idx="minor">
+            <a:schemeClr val="tx1"/>
+          </a:fontRef>
+        </p:style>
+        <p:txBody>
+          <a:bodyPr rtlCol="0" anchor="ctr"/>
+          <a:lstStyle/>
+          <a:p>
+            <a:pPr algn="ctr"/>
+            <a:endParaRPr lang="fr-FR"/>
+          </a:p>
+        </p:txBody>
+      </p:sp>
+      <p:sp>
+        <p:nvSpPr>
+          <p:cNvPr id="17" name="ZoneTexte 16"/>
+          <p:cNvSpPr txBox="1"/>
+          <p:nvPr/>
+        </p:nvSpPr>
+        <p:spPr>
+          <a:xfrm>
+            <a:off x="999845" y="3134101"/>
+            <a:ext cx="1728192" cy="307777"/>
+          </a:xfrm>
+          <a:prstGeom prst="rect">
+            <a:avLst/>
+          </a:prstGeom>
+          <a:noFill/>
+        </p:spPr>
+        <p:txBody>
+          <a:bodyPr wrap="square" rtlCol="0">
+            <a:spAutoFit/>
+          </a:bodyPr>
+          <a:lstStyle/>
+          <a:p>
+            <a:pPr algn="ctr"/>
+            <a:r>
+              <a:rPr lang="fr-FR" sz="1400" dirty="0" smtClean="0"/>
+              <a:t>Coussinet</a:t>
+            </a:r>
+            <a:endParaRPr lang="fr-FR" sz="1400" dirty="0"/>
+          </a:p>
+        </p:txBody>
+      </p:sp>
+      <p:sp>
+        <p:nvSpPr>
+          <p:cNvPr id="18" name="ZoneTexte 17"/>
+          <p:cNvSpPr txBox="1"/>
+          <p:nvPr/>
+        </p:nvSpPr>
+        <p:spPr>
+          <a:xfrm>
+            <a:off x="1791932" y="1941505"/>
+            <a:ext cx="435955" cy="338554"/>
+          </a:xfrm>
+          <a:prstGeom prst="rect">
+            <a:avLst/>
+          </a:prstGeom>
+          <a:noFill/>
+        </p:spPr>
+        <p:txBody>
+          <a:bodyPr wrap="square" rtlCol="0">
+            <a:spAutoFit/>
+          </a:bodyPr>
+          <a:lstStyle/>
+          <a:p>
+            <a:pPr algn="ctr"/>
+            <a:r>
+              <a:rPr lang="el-GR" sz="1600" dirty="0" smtClean="0">
+                <a:solidFill>
+                  <a:schemeClr val="tx1">
+                    <a:lumMod val="65000"/>
+                    <a:lumOff val="35000"/>
+                  </a:schemeClr>
+                </a:solidFill>
+                <a:latin typeface="Calibri"/>
+              </a:rPr>
+              <a:t>Ω</a:t>
+            </a:r>
+            <a:endParaRPr lang="fr-FR" sz="1600" dirty="0">
+              <a:solidFill>
+                <a:schemeClr val="tx1">
+                  <a:lumMod val="65000"/>
+                  <a:lumOff val="35000"/>
+                </a:schemeClr>
+              </a:solidFill>
+            </a:endParaRPr>
+          </a:p>
+        </p:txBody>
+      </p:sp>
+      <p:cxnSp>
+        <p:nvCxnSpPr>
+          <p:cNvPr id="19" name="Connecteur droit avec flèche 18"/>
+          <p:cNvCxnSpPr/>
+          <p:nvPr/>
+        </p:nvCxnSpPr>
+        <p:spPr>
+          <a:xfrm flipV="1">
+            <a:off x="2082489" y="2178266"/>
+            <a:ext cx="103816" cy="43200"/>
+          </a:xfrm>
+          <a:prstGeom prst="straightConnector1">
+            <a:avLst/>
+          </a:prstGeom>
+          <a:ln w="9525">
+            <a:solidFill>
+              <a:schemeClr val="tx1">
+                <a:lumMod val="65000"/>
+                <a:lumOff val="35000"/>
+              </a:schemeClr>
+            </a:solidFill>
+            <a:tailEnd type="arrow"/>
+          </a:ln>
+        </p:spPr>
+        <p:style>
+          <a:lnRef idx="1">
+            <a:schemeClr val="accent1"/>
+          </a:lnRef>
+          <a:fillRef idx="0">
+            <a:schemeClr val="accent1"/>
+          </a:fillRef>
+          <a:effectRef idx="0">
+            <a:schemeClr val="accent1"/>
+          </a:effectRef>
+          <a:fontRef idx="minor">
+            <a:schemeClr val="tx1"/>
+          </a:fontRef>
+        </p:style>
+      </p:cxnSp>
+      <p:sp>
+        <p:nvSpPr>
+          <p:cNvPr id="20" name="Ellipse 19"/>
+          <p:cNvSpPr/>
+          <p:nvPr/>
+        </p:nvSpPr>
+        <p:spPr>
+          <a:xfrm>
+            <a:off x="2960519" y="2441397"/>
+            <a:ext cx="108000" cy="108000"/>
+          </a:xfrm>
+          <a:prstGeom prst="ellipse">
+            <a:avLst/>
+          </a:prstGeom>
+          <a:solidFill>
+            <a:schemeClr val="tx1"/>
+          </a:solidFill>
+          <a:ln>
+            <a:noFill/>
+          </a:ln>
+        </p:spPr>
+        <p:style>
+          <a:lnRef idx="2">
+            <a:schemeClr val="accent1">
+              <a:shade val="50000"/>
+            </a:schemeClr>
+          </a:lnRef>
+          <a:fillRef idx="1">
+            <a:schemeClr val="accent1"/>
+          </a:fillRef>
+          <a:effectRef idx="0">
+            <a:schemeClr val="accent1"/>
+          </a:effectRef>
+          <a:fontRef idx="minor">
+            <a:schemeClr val="lt1"/>
+          </a:fontRef>
+        </p:style>
+        <p:txBody>
+          <a:bodyPr rtlCol="0" anchor="ctr"/>
+          <a:lstStyle/>
+          <a:p>
+            <a:pPr algn="ctr"/>
+            <a:endParaRPr lang="fr-FR"/>
+          </a:p>
+        </p:txBody>
+      </p:sp>
+      <p:sp>
+        <p:nvSpPr>
+          <p:cNvPr id="21" name="Rectangle 20"/>
+          <p:cNvSpPr/>
+          <p:nvPr/>
+        </p:nvSpPr>
+        <p:spPr>
+          <a:xfrm rot="21300000">
+            <a:off x="3220827" y="1848793"/>
+            <a:ext cx="45719" cy="85506"/>
+          </a:xfrm>
+          <a:prstGeom prst="rect">
+            <a:avLst/>
+          </a:prstGeom>
+          <a:solidFill>
+            <a:schemeClr val="tx1"/>
+          </a:solidFill>
+          <a:ln>
+            <a:noFill/>
+          </a:ln>
+        </p:spPr>
+        <p:style>
+          <a:lnRef idx="2">
+            <a:schemeClr val="accent1">
+              <a:shade val="50000"/>
+            </a:schemeClr>
+          </a:lnRef>
+          <a:fillRef idx="1">
+            <a:schemeClr val="accent1"/>
+          </a:fillRef>
+          <a:effectRef idx="0">
+            <a:schemeClr val="accent1"/>
+          </a:effectRef>
+          <a:fontRef idx="minor">
+            <a:schemeClr val="lt1"/>
+          </a:fontRef>
+        </p:style>
+        <p:txBody>
+          <a:bodyPr rtlCol="0" anchor="ctr"/>
+          <a:lstStyle/>
+          <a:p>
+            <a:pPr algn="ctr"/>
+            <a:endParaRPr lang="fr-FR"/>
+          </a:p>
+        </p:txBody>
+      </p:sp>
+      <mc:AlternateContent xmlns:mc="http://schemas.openxmlformats.org/markup-compatibility/2006">
+        <mc:Choice xmlns:a14="http://schemas.microsoft.com/office/drawing/2010/main" Requires="a14">
+          <p:sp>
+            <p:nvSpPr>
+              <p:cNvPr id="22" name="ZoneTexte 21"/>
+              <p:cNvSpPr txBox="1"/>
+              <p:nvPr/>
+            </p:nvSpPr>
+            <p:spPr>
+              <a:xfrm>
+                <a:off x="3808157" y="1435942"/>
+                <a:ext cx="1277195" cy="333938"/>
+              </a:xfrm>
+              <a:prstGeom prst="rect">
+                <a:avLst/>
+              </a:prstGeom>
+              <a:noFill/>
+            </p:spPr>
+            <p:txBody>
+              <a:bodyPr wrap="square" rtlCol="0">
+                <a:spAutoFit/>
+              </a:bodyPr>
+              <a:lstStyle/>
+              <a:p>
+                <a:pPr algn="ctr"/>
+                <a14:m>
+                  <m:oMathPara xmlns:m="http://schemas.openxmlformats.org/officeDocument/2006/math">
+                    <m:oMathParaPr>
+                      <m:jc m:val="centerGroup"/>
+                    </m:oMathParaPr>
+                    <m:oMath xmlns:m="http://schemas.openxmlformats.org/officeDocument/2006/math">
+                      <m:acc>
+                        <m:accPr>
+                          <m:chr m:val="⃗"/>
+                          <m:ctrlPr>
+                            <a:rPr lang="fr-FR" sz="1400" b="0" i="1" dirty="0" smtClean="0">
+                              <a:solidFill>
+                                <a:srgbClr val="00B050"/>
+                              </a:solidFill>
+                              <a:latin typeface="Cambria Math" panose="02040503050406030204" pitchFamily="18" charset="0"/>
+                            </a:rPr>
+                          </m:ctrlPr>
+                        </m:accPr>
+                        <m:e>
+                          <m:sSub>
+                            <m:sSubPr>
+                              <m:ctrlPr>
+                                <a:rPr lang="fr-FR" sz="1400" b="0" i="1" dirty="0" smtClean="0">
+                                  <a:solidFill>
+                                    <a:srgbClr val="00B050"/>
+                                  </a:solidFill>
+                                  <a:latin typeface="Cambria Math" panose="02040503050406030204" pitchFamily="18" charset="0"/>
+                                </a:rPr>
+                              </m:ctrlPr>
+                            </m:sSubPr>
+                            <m:e>
+                              <m:r>
+                                <a:rPr lang="fr-FR" sz="1400" b="0" i="1" dirty="0" smtClean="0">
+                                  <a:solidFill>
+                                    <a:srgbClr val="00B050"/>
+                                  </a:solidFill>
+                                  <a:latin typeface="Cambria Math"/>
+                                </a:rPr>
+                                <m:t>𝐹</m:t>
+                              </m:r>
+                            </m:e>
+                            <m:sub>
+                              <m:r>
+                                <a:rPr lang="fr-FR" sz="1400" b="0" i="1" dirty="0" smtClean="0">
+                                  <a:solidFill>
+                                    <a:srgbClr val="00B050"/>
+                                  </a:solidFill>
+                                  <a:latin typeface="Cambria Math"/>
+                                </a:rPr>
+                                <m:t>𝑏</m:t>
+                              </m:r>
+                            </m:sub>
+                          </m:sSub>
+                        </m:e>
+                      </m:acc>
+                      <m:r>
+                        <a:rPr lang="fr-FR" sz="1400" b="0" i="1" dirty="0" smtClean="0">
+                          <a:solidFill>
+                            <a:srgbClr val="00B050"/>
+                          </a:solidFill>
+                          <a:latin typeface="Cambria Math"/>
+                        </a:rPr>
+                        <m:t>=</m:t>
+                      </m:r>
+                      <m:r>
+                        <a:rPr lang="fr-FR" sz="1400" b="0" i="1" dirty="0" smtClean="0">
+                          <a:solidFill>
+                            <a:srgbClr val="00B050"/>
+                          </a:solidFill>
+                          <a:latin typeface="Cambria Math"/>
+                        </a:rPr>
+                        <m:t>𝑚</m:t>
+                      </m:r>
+                      <m:acc>
+                        <m:accPr>
+                          <m:chr m:val="⃗"/>
+                          <m:ctrlPr>
+                            <a:rPr lang="fr-FR" sz="1400" i="1" dirty="0" smtClean="0">
+                              <a:solidFill>
+                                <a:srgbClr val="00B050"/>
+                              </a:solidFill>
+                              <a:latin typeface="Cambria Math" panose="02040503050406030204" pitchFamily="18" charset="0"/>
+                            </a:rPr>
+                          </m:ctrlPr>
+                        </m:accPr>
+                        <m:e>
+                          <m:r>
+                            <a:rPr lang="fr-FR" sz="1400" b="0" i="1" dirty="0" smtClean="0">
+                              <a:solidFill>
+                                <a:srgbClr val="00B050"/>
+                              </a:solidFill>
+                              <a:latin typeface="Cambria Math"/>
+                            </a:rPr>
+                            <m:t>𝑒</m:t>
+                          </m:r>
+                        </m:e>
+                      </m:acc>
+                      <m:sSup>
+                        <m:sSupPr>
+                          <m:ctrlPr>
+                            <a:rPr lang="fr-FR" sz="1400" b="0" i="1" dirty="0" smtClean="0">
+                              <a:solidFill>
+                                <a:srgbClr val="00B050"/>
+                              </a:solidFill>
+                              <a:latin typeface="Cambria Math" panose="02040503050406030204" pitchFamily="18" charset="0"/>
+                            </a:rPr>
+                          </m:ctrlPr>
+                        </m:sSupPr>
+                        <m:e>
+                          <m:r>
+                            <m:rPr>
+                              <m:sty m:val="p"/>
+                            </m:rPr>
+                            <a:rPr lang="fr-FR" sz="1400" b="0" i="0" dirty="0" smtClean="0">
+                              <a:solidFill>
+                                <a:srgbClr val="00B050"/>
+                              </a:solidFill>
+                              <a:latin typeface="Cambria Math"/>
+                            </a:rPr>
+                            <m:t>Ω</m:t>
+                          </m:r>
+                        </m:e>
+                        <m:sup>
+                          <m:r>
+                            <a:rPr lang="fr-FR" sz="1400" b="0" i="1" dirty="0" smtClean="0">
+                              <a:solidFill>
+                                <a:srgbClr val="00B050"/>
+                              </a:solidFill>
+                              <a:latin typeface="Cambria Math"/>
+                            </a:rPr>
+                            <m:t>2</m:t>
+                          </m:r>
+                        </m:sup>
+                      </m:sSup>
+                    </m:oMath>
+                  </m:oMathPara>
+                </a14:m>
+                <a:endParaRPr lang="fr-FR" sz="1400" dirty="0">
+                  <a:solidFill>
+                    <a:srgbClr val="00B050"/>
+                  </a:solidFill>
+                </a:endParaRPr>
+              </a:p>
+            </p:txBody>
+          </p:sp>
+        </mc:Choice>
+        <mc:Fallback>
+          <p:sp>
+            <p:nvSpPr>
+              <p:cNvPr id="22" name="ZoneTexte 21"/>
+              <p:cNvSpPr txBox="1">
+                <a:spLocks noRot="1" noChangeAspect="1" noMove="1" noResize="1" noEditPoints="1" noAdjustHandles="1" noChangeArrowheads="1" noChangeShapeType="1" noTextEdit="1"/>
+              </p:cNvSpPr>
+              <p:nvPr/>
+            </p:nvSpPr>
+            <p:spPr>
+              <a:xfrm>
+                <a:off x="3808157" y="1435942"/>
+                <a:ext cx="1277195" cy="333938"/>
+              </a:xfrm>
+              <a:prstGeom prst="rect">
+                <a:avLst/>
+              </a:prstGeom>
+              <a:blipFill rotWithShape="0">
+                <a:blip r:embed="rId2"/>
+                <a:stretch>
+                  <a:fillRect t="-1852"/>
+                </a:stretch>
+              </a:blipFill>
+            </p:spPr>
+            <p:txBody>
+              <a:bodyPr/>
+              <a:lstStyle/>
+              <a:p>
+                <a:r>
+                  <a:rPr lang="fr-FR">
+                    <a:noFill/>
+                  </a:rPr>
+                  <a:t> </a:t>
+                </a:r>
+              </a:p>
+            </p:txBody>
+          </p:sp>
+        </mc:Fallback>
+      </mc:AlternateContent>
+      <p:sp>
+        <p:nvSpPr>
+          <p:cNvPr id="23" name="ZoneTexte 22"/>
+          <p:cNvSpPr txBox="1"/>
+          <p:nvPr/>
+        </p:nvSpPr>
+        <p:spPr>
+          <a:xfrm>
+            <a:off x="963165" y="1481692"/>
+            <a:ext cx="1331354" cy="307777"/>
+          </a:xfrm>
+          <a:prstGeom prst="rect">
+            <a:avLst/>
+          </a:prstGeom>
+          <a:noFill/>
+        </p:spPr>
+        <p:txBody>
+          <a:bodyPr wrap="square" rtlCol="0">
+            <a:spAutoFit/>
+          </a:bodyPr>
+          <a:lstStyle/>
+          <a:p>
+            <a:pPr algn="ctr"/>
+            <a:r>
+              <a:rPr lang="fr-FR" sz="1400" dirty="0" smtClean="0"/>
+              <a:t>Rotor</a:t>
+            </a:r>
+            <a:endParaRPr lang="fr-FR" sz="1400" dirty="0"/>
+          </a:p>
+        </p:txBody>
+      </p:sp>
+      <p:sp>
+        <p:nvSpPr>
+          <p:cNvPr id="24" name="Rectangle 23"/>
+          <p:cNvSpPr/>
+          <p:nvPr/>
+        </p:nvSpPr>
+        <p:spPr>
+          <a:xfrm rot="21300000">
+            <a:off x="1831819" y="1943904"/>
+            <a:ext cx="46800" cy="86400"/>
+          </a:xfrm>
+          <a:prstGeom prst="rect">
+            <a:avLst/>
+          </a:prstGeom>
+          <a:noFill/>
+          <a:ln w="9525">
+            <a:solidFill>
+              <a:schemeClr val="tx1"/>
+            </a:solidFill>
+          </a:ln>
+        </p:spPr>
+        <p:style>
+          <a:lnRef idx="2">
+            <a:schemeClr val="accent1">
+              <a:shade val="50000"/>
+            </a:schemeClr>
+          </a:lnRef>
+          <a:fillRef idx="1">
+            <a:schemeClr val="accent1"/>
+          </a:fillRef>
+          <a:effectRef idx="0">
+            <a:schemeClr val="accent1"/>
+          </a:effectRef>
+          <a:fontRef idx="minor">
+            <a:schemeClr val="lt1"/>
+          </a:fontRef>
+        </p:style>
+        <p:txBody>
+          <a:bodyPr rtlCol="0" anchor="ctr"/>
+          <a:lstStyle/>
+          <a:p>
+            <a:pPr algn="ctr"/>
+            <a:endParaRPr lang="fr-FR"/>
+          </a:p>
+        </p:txBody>
+      </p:sp>
+      <p:cxnSp>
+        <p:nvCxnSpPr>
+          <p:cNvPr id="25" name="Connecteur droit avec flèche 24"/>
+          <p:cNvCxnSpPr/>
+          <p:nvPr/>
+        </p:nvCxnSpPr>
+        <p:spPr>
+          <a:xfrm>
+            <a:off x="4096189" y="1833215"/>
+            <a:ext cx="51188" cy="360985"/>
+          </a:xfrm>
+          <a:prstGeom prst="straightConnector1">
+            <a:avLst/>
+          </a:prstGeom>
+          <a:ln w="19050">
+            <a:solidFill>
+              <a:srgbClr val="FF0000"/>
+            </a:solidFill>
+            <a:prstDash val="sysDot"/>
+            <a:tailEnd type="arrow"/>
+          </a:ln>
+        </p:spPr>
+        <p:style>
+          <a:lnRef idx="1">
+            <a:schemeClr val="accent1"/>
+          </a:lnRef>
+          <a:fillRef idx="0">
+            <a:schemeClr val="accent1"/>
+          </a:fillRef>
+          <a:effectRef idx="0">
+            <a:schemeClr val="accent1"/>
+          </a:effectRef>
+          <a:fontRef idx="minor">
+            <a:schemeClr val="tx1"/>
+          </a:fontRef>
+        </p:style>
+      </p:cxnSp>
+      <mc:AlternateContent xmlns:mc="http://schemas.openxmlformats.org/markup-compatibility/2006">
+        <mc:Choice xmlns:a14="http://schemas.microsoft.com/office/drawing/2010/main" Requires="a14">
+          <p:sp>
+            <p:nvSpPr>
+              <p:cNvPr id="26" name="ZoneTexte 25"/>
+              <p:cNvSpPr txBox="1"/>
+              <p:nvPr/>
+            </p:nvSpPr>
+            <p:spPr>
+              <a:xfrm>
+                <a:off x="1694021" y="2175832"/>
+                <a:ext cx="1261916" cy="333938"/>
+              </a:xfrm>
+              <a:prstGeom prst="rect">
+                <a:avLst/>
+              </a:prstGeom>
+              <a:noFill/>
+            </p:spPr>
+            <p:txBody>
+              <a:bodyPr wrap="square" rtlCol="0">
+                <a:spAutoFit/>
+              </a:bodyPr>
+              <a:lstStyle/>
+              <a:p>
+                <a:pPr algn="ctr"/>
+                <a14:m>
+                  <m:oMathPara xmlns:m="http://schemas.openxmlformats.org/officeDocument/2006/math">
+                    <m:oMathParaPr>
+                      <m:jc m:val="centerGroup"/>
+                    </m:oMathParaPr>
+                    <m:oMath xmlns:m="http://schemas.openxmlformats.org/officeDocument/2006/math">
+                      <m:acc>
+                        <m:accPr>
+                          <m:chr m:val="⃗"/>
+                          <m:ctrlPr>
+                            <a:rPr lang="fr-FR" sz="1400" i="1" smtClean="0">
+                              <a:solidFill>
+                                <a:srgbClr val="FF0000"/>
+                              </a:solidFill>
+                              <a:latin typeface="Cambria Math" panose="02040503050406030204" pitchFamily="18" charset="0"/>
+                            </a:rPr>
+                          </m:ctrlPr>
+                        </m:accPr>
+                        <m:e>
+                          <m:sSub>
+                            <m:sSubPr>
+                              <m:ctrlPr>
+                                <a:rPr lang="fr-FR" sz="1400" b="0" i="1" smtClean="0">
+                                  <a:solidFill>
+                                    <a:srgbClr val="FF0000"/>
+                                  </a:solidFill>
+                                  <a:latin typeface="Cambria Math" panose="02040503050406030204" pitchFamily="18" charset="0"/>
+                                </a:rPr>
+                              </m:ctrlPr>
+                            </m:sSubPr>
+                            <m:e>
+                              <m:r>
+                                <a:rPr lang="fr-FR" sz="1400" b="0" i="1" smtClean="0">
+                                  <a:solidFill>
+                                    <a:srgbClr val="FF0000"/>
+                                  </a:solidFill>
+                                  <a:latin typeface="Cambria Math"/>
+                                </a:rPr>
+                                <m:t>𝐹</m:t>
+                              </m:r>
+                            </m:e>
+                            <m:sub>
+                              <m:r>
+                                <a:rPr lang="fr-FR" sz="1400" b="0" i="1" smtClean="0">
+                                  <a:solidFill>
+                                    <a:srgbClr val="FF0000"/>
+                                  </a:solidFill>
+                                  <a:latin typeface="Cambria Math"/>
+                                </a:rPr>
+                                <m:t>𝑏𝑜𝑤</m:t>
+                              </m:r>
+                            </m:sub>
+                          </m:sSub>
+                        </m:e>
+                      </m:acc>
+                      <m:r>
+                        <a:rPr lang="fr-FR" sz="1400" b="0" i="1" smtClean="0">
+                          <a:solidFill>
+                            <a:srgbClr val="FF0000"/>
+                          </a:solidFill>
+                          <a:latin typeface="Cambria Math"/>
+                        </a:rPr>
+                        <m:t>=</m:t>
+                      </m:r>
+                      <m:r>
+                        <a:rPr lang="fr-FR" sz="1400" b="1" i="1" smtClean="0">
+                          <a:solidFill>
+                            <a:srgbClr val="FF0000"/>
+                          </a:solidFill>
+                          <a:latin typeface="Cambria Math"/>
+                        </a:rPr>
+                        <m:t>𝑲</m:t>
+                      </m:r>
+                      <m:acc>
+                        <m:accPr>
+                          <m:chr m:val="⃗"/>
+                          <m:ctrlPr>
+                            <a:rPr lang="fr-FR" sz="1400" b="0" i="1" smtClean="0">
+                              <a:solidFill>
+                                <a:srgbClr val="FF0000"/>
+                              </a:solidFill>
+                              <a:latin typeface="Cambria Math" panose="02040503050406030204" pitchFamily="18" charset="0"/>
+                            </a:rPr>
+                          </m:ctrlPr>
+                        </m:accPr>
+                        <m:e>
+                          <m:sSub>
+                            <m:sSubPr>
+                              <m:ctrlPr>
+                                <a:rPr lang="fr-FR" sz="1400" b="0" i="1" smtClean="0">
+                                  <a:solidFill>
+                                    <a:srgbClr val="FF0000"/>
+                                  </a:solidFill>
+                                  <a:latin typeface="Cambria Math" panose="02040503050406030204" pitchFamily="18" charset="0"/>
+                                </a:rPr>
+                              </m:ctrlPr>
+                            </m:sSubPr>
+                            <m:e>
+                              <m:r>
+                                <a:rPr lang="fr-FR" sz="1400" b="0" i="1" smtClean="0">
+                                  <a:solidFill>
+                                    <a:srgbClr val="FF0000"/>
+                                  </a:solidFill>
+                                  <a:latin typeface="Cambria Math"/>
+                                </a:rPr>
+                                <m:t>𝑟</m:t>
+                              </m:r>
+                            </m:e>
+                            <m:sub>
+                              <m:r>
+                                <a:rPr lang="fr-FR" sz="1400" b="0" i="1" smtClean="0">
+                                  <a:solidFill>
+                                    <a:srgbClr val="FF0000"/>
+                                  </a:solidFill>
+                                  <a:latin typeface="Cambria Math"/>
+                                </a:rPr>
+                                <m:t>𝑇</m:t>
+                              </m:r>
+                            </m:sub>
+                          </m:sSub>
+                        </m:e>
+                      </m:acc>
+                    </m:oMath>
+                  </m:oMathPara>
+                </a14:m>
+                <a:endParaRPr lang="fr-FR" sz="1400" dirty="0">
+                  <a:solidFill>
+                    <a:srgbClr val="FF0000"/>
+                  </a:solidFill>
+                </a:endParaRPr>
+              </a:p>
+            </p:txBody>
+          </p:sp>
+        </mc:Choice>
+        <mc:Fallback>
+          <p:sp>
+            <p:nvSpPr>
+              <p:cNvPr id="26" name="ZoneTexte 25"/>
+              <p:cNvSpPr txBox="1">
+                <a:spLocks noRot="1" noChangeAspect="1" noMove="1" noResize="1" noEditPoints="1" noAdjustHandles="1" noChangeArrowheads="1" noChangeShapeType="1" noTextEdit="1"/>
+              </p:cNvSpPr>
+              <p:nvPr/>
+            </p:nvSpPr>
+            <p:spPr>
+              <a:xfrm>
+                <a:off x="1694021" y="2175832"/>
+                <a:ext cx="1261916" cy="333938"/>
+              </a:xfrm>
+              <a:prstGeom prst="rect">
+                <a:avLst/>
+              </a:prstGeom>
+              <a:blipFill rotWithShape="0">
+                <a:blip r:embed="rId3"/>
+                <a:stretch>
+                  <a:fillRect/>
+                </a:stretch>
+              </a:blipFill>
+            </p:spPr>
+            <p:txBody>
+              <a:bodyPr/>
+              <a:lstStyle/>
+              <a:p>
+                <a:r>
+                  <a:rPr lang="fr-FR">
+                    <a:noFill/>
+                  </a:rPr>
+                  <a:t> </a:t>
+                </a:r>
+              </a:p>
+            </p:txBody>
+          </p:sp>
+        </mc:Fallback>
+      </mc:AlternateContent>
+      <p:sp>
+        <p:nvSpPr>
+          <p:cNvPr id="27" name="ZoneTexte 26"/>
+          <p:cNvSpPr txBox="1"/>
+          <p:nvPr/>
+        </p:nvSpPr>
+        <p:spPr>
+          <a:xfrm>
+            <a:off x="1633814" y="2667708"/>
+            <a:ext cx="1104981" cy="307777"/>
+          </a:xfrm>
+          <a:prstGeom prst="rect">
+            <a:avLst/>
+          </a:prstGeom>
+          <a:noFill/>
+        </p:spPr>
+        <p:txBody>
+          <a:bodyPr wrap="square" rtlCol="0">
+            <a:spAutoFit/>
+          </a:bodyPr>
+          <a:lstStyle/>
+          <a:p>
+            <a:pPr algn="ctr"/>
+            <a:r>
+              <a:rPr lang="fr-FR" sz="1400" dirty="0" smtClean="0">
+                <a:solidFill>
+                  <a:srgbClr val="FF0000"/>
+                </a:solidFill>
+              </a:rPr>
+              <a:t>Point chaud</a:t>
+            </a:r>
+            <a:endParaRPr lang="fr-FR" sz="1400" dirty="0">
+              <a:solidFill>
+                <a:srgbClr val="FF0000"/>
+              </a:solidFill>
+            </a:endParaRPr>
+          </a:p>
+        </p:txBody>
+      </p:sp>
+      <mc:AlternateContent xmlns:mc="http://schemas.openxmlformats.org/markup-compatibility/2006">
+        <mc:Choice xmlns:a14="http://schemas.microsoft.com/office/drawing/2010/main" Requires="a14">
+          <p:sp>
+            <p:nvSpPr>
+              <p:cNvPr id="28" name="ZoneTexte 27"/>
+              <p:cNvSpPr txBox="1"/>
+              <p:nvPr/>
+            </p:nvSpPr>
+            <p:spPr>
+              <a:xfrm>
+                <a:off x="3366408" y="2215459"/>
+                <a:ext cx="1593877" cy="333938"/>
+              </a:xfrm>
+              <a:prstGeom prst="rect">
+                <a:avLst/>
+              </a:prstGeom>
+              <a:noFill/>
+            </p:spPr>
+            <p:txBody>
+              <a:bodyPr wrap="square" rtlCol="0">
+                <a:spAutoFit/>
+              </a:bodyPr>
+              <a:lstStyle/>
+              <a:p>
+                <a:pPr algn="ctr"/>
+                <a14:m>
+                  <m:oMathPara xmlns:m="http://schemas.openxmlformats.org/officeDocument/2006/math">
+                    <m:oMathParaPr>
+                      <m:jc m:val="centerGroup"/>
+                    </m:oMathParaPr>
+                    <m:oMath xmlns:m="http://schemas.openxmlformats.org/officeDocument/2006/math">
+                      <m:acc>
+                        <m:accPr>
+                          <m:chr m:val="⃗"/>
+                          <m:ctrlPr>
+                            <a:rPr lang="fr-FR" sz="1400" i="1" smtClean="0">
+                              <a:solidFill>
+                                <a:schemeClr val="tx1"/>
+                              </a:solidFill>
+                              <a:latin typeface="Cambria Math" panose="02040503050406030204" pitchFamily="18" charset="0"/>
+                            </a:rPr>
+                          </m:ctrlPr>
+                        </m:accPr>
+                        <m:e>
+                          <m:sSub>
+                            <m:sSubPr>
+                              <m:ctrlPr>
+                                <a:rPr lang="fr-FR" sz="1400" b="0" i="1" smtClean="0">
+                                  <a:solidFill>
+                                    <a:schemeClr val="tx1"/>
+                                  </a:solidFill>
+                                  <a:latin typeface="Cambria Math" panose="02040503050406030204" pitchFamily="18" charset="0"/>
+                                </a:rPr>
+                              </m:ctrlPr>
+                            </m:sSubPr>
+                            <m:e>
+                              <m:r>
+                                <a:rPr lang="fr-FR" sz="1400" b="0" i="1" smtClean="0">
+                                  <a:solidFill>
+                                    <a:schemeClr val="tx1"/>
+                                  </a:solidFill>
+                                  <a:latin typeface="Cambria Math"/>
+                                </a:rPr>
+                                <m:t>𝐹</m:t>
+                              </m:r>
+                            </m:e>
+                            <m:sub>
+                              <m:r>
+                                <a:rPr lang="fr-FR" sz="1400" b="0" i="1" smtClean="0">
+                                  <a:solidFill>
+                                    <a:schemeClr val="tx1"/>
+                                  </a:solidFill>
+                                  <a:latin typeface="Cambria Math"/>
+                                </a:rPr>
+                                <m:t>𝑟𝑒𝑠</m:t>
+                              </m:r>
+                            </m:sub>
+                          </m:sSub>
+                        </m:e>
+                      </m:acc>
+                      <m:r>
+                        <a:rPr lang="fr-FR" sz="1400" b="0" i="1" smtClean="0">
+                          <a:solidFill>
+                            <a:schemeClr val="tx1"/>
+                          </a:solidFill>
+                          <a:latin typeface="Cambria Math"/>
+                        </a:rPr>
+                        <m:t>=</m:t>
+                      </m:r>
+                      <m:acc>
+                        <m:accPr>
+                          <m:chr m:val="⃗"/>
+                          <m:ctrlPr>
+                            <a:rPr lang="fr-FR" sz="1400" b="0" i="1" smtClean="0">
+                              <a:solidFill>
+                                <a:schemeClr val="tx1"/>
+                              </a:solidFill>
+                              <a:latin typeface="Cambria Math" panose="02040503050406030204" pitchFamily="18" charset="0"/>
+                            </a:rPr>
+                          </m:ctrlPr>
+                        </m:accPr>
+                        <m:e>
+                          <m:sSub>
+                            <m:sSubPr>
+                              <m:ctrlPr>
+                                <a:rPr lang="fr-FR" sz="1400" b="0" i="1" smtClean="0">
+                                  <a:solidFill>
+                                    <a:schemeClr val="tx1"/>
+                                  </a:solidFill>
+                                  <a:latin typeface="Cambria Math" panose="02040503050406030204" pitchFamily="18" charset="0"/>
+                                </a:rPr>
+                              </m:ctrlPr>
+                            </m:sSubPr>
+                            <m:e>
+                              <m:r>
+                                <a:rPr lang="fr-FR" sz="1400" b="0" i="1" smtClean="0">
+                                  <a:solidFill>
+                                    <a:schemeClr val="tx1"/>
+                                  </a:solidFill>
+                                  <a:latin typeface="Cambria Math"/>
+                                </a:rPr>
+                                <m:t>𝐹</m:t>
+                              </m:r>
+                            </m:e>
+                            <m:sub>
+                              <m:r>
+                                <a:rPr lang="fr-FR" sz="1400" b="0" i="1" smtClean="0">
+                                  <a:solidFill>
+                                    <a:schemeClr val="tx1"/>
+                                  </a:solidFill>
+                                  <a:latin typeface="Cambria Math"/>
+                                </a:rPr>
+                                <m:t>𝑏</m:t>
+                              </m:r>
+                            </m:sub>
+                          </m:sSub>
+                        </m:e>
+                      </m:acc>
+                      <m:r>
+                        <a:rPr lang="fr-FR" sz="1400" b="0" i="1" smtClean="0">
+                          <a:solidFill>
+                            <a:schemeClr val="tx1"/>
+                          </a:solidFill>
+                          <a:latin typeface="Cambria Math"/>
+                        </a:rPr>
+                        <m:t>+</m:t>
+                      </m:r>
+                      <m:acc>
+                        <m:accPr>
+                          <m:chr m:val="⃗"/>
+                          <m:ctrlPr>
+                            <a:rPr lang="fr-FR" sz="1400" b="0" i="1" smtClean="0">
+                              <a:solidFill>
+                                <a:schemeClr val="tx1"/>
+                              </a:solidFill>
+                              <a:latin typeface="Cambria Math" panose="02040503050406030204" pitchFamily="18" charset="0"/>
+                            </a:rPr>
+                          </m:ctrlPr>
+                        </m:accPr>
+                        <m:e>
+                          <m:sSub>
+                            <m:sSubPr>
+                              <m:ctrlPr>
+                                <a:rPr lang="fr-FR" sz="1400" b="0" i="1" smtClean="0">
+                                  <a:solidFill>
+                                    <a:schemeClr val="tx1"/>
+                                  </a:solidFill>
+                                  <a:latin typeface="Cambria Math" panose="02040503050406030204" pitchFamily="18" charset="0"/>
+                                </a:rPr>
+                              </m:ctrlPr>
+                            </m:sSubPr>
+                            <m:e>
+                              <m:r>
+                                <a:rPr lang="fr-FR" sz="1400" b="0" i="1" smtClean="0">
+                                  <a:solidFill>
+                                    <a:schemeClr val="tx1"/>
+                                  </a:solidFill>
+                                  <a:latin typeface="Cambria Math"/>
+                                </a:rPr>
+                                <m:t>𝐹</m:t>
+                              </m:r>
+                            </m:e>
+                            <m:sub>
+                              <m:r>
+                                <a:rPr lang="fr-FR" sz="1400" b="0" i="1" smtClean="0">
+                                  <a:solidFill>
+                                    <a:schemeClr val="tx1"/>
+                                  </a:solidFill>
+                                  <a:latin typeface="Cambria Math"/>
+                                </a:rPr>
+                                <m:t>𝑏𝑜𝑤</m:t>
+                              </m:r>
+                            </m:sub>
+                          </m:sSub>
+                        </m:e>
+                      </m:acc>
+                      <m:r>
+                        <a:rPr lang="fr-FR" sz="1400" b="0" i="1" smtClean="0">
+                          <a:solidFill>
+                            <a:schemeClr val="tx1"/>
+                          </a:solidFill>
+                          <a:latin typeface="Cambria Math"/>
+                        </a:rPr>
+                        <m:t> </m:t>
+                      </m:r>
+                    </m:oMath>
+                  </m:oMathPara>
+                </a14:m>
+                <a:endParaRPr lang="fr-FR" sz="1400" dirty="0">
+                  <a:solidFill>
+                    <a:schemeClr val="tx1"/>
+                  </a:solidFill>
+                </a:endParaRPr>
+              </a:p>
+            </p:txBody>
+          </p:sp>
+        </mc:Choice>
+        <mc:Fallback>
+          <p:sp>
+            <p:nvSpPr>
+              <p:cNvPr id="28" name="ZoneTexte 27"/>
+              <p:cNvSpPr txBox="1">
+                <a:spLocks noRot="1" noChangeAspect="1" noMove="1" noResize="1" noEditPoints="1" noAdjustHandles="1" noChangeArrowheads="1" noChangeShapeType="1" noTextEdit="1"/>
+              </p:cNvSpPr>
+              <p:nvPr/>
+            </p:nvSpPr>
+            <p:spPr>
+              <a:xfrm>
+                <a:off x="3366408" y="2215459"/>
+                <a:ext cx="1593877" cy="333938"/>
+              </a:xfrm>
+              <a:prstGeom prst="rect">
+                <a:avLst/>
+              </a:prstGeom>
+              <a:blipFill rotWithShape="0">
+                <a:blip r:embed="rId4"/>
+                <a:stretch>
+                  <a:fillRect/>
+                </a:stretch>
+              </a:blipFill>
+            </p:spPr>
+            <p:txBody>
+              <a:bodyPr/>
+              <a:lstStyle/>
+              <a:p>
+                <a:r>
+                  <a:rPr lang="fr-FR">
+                    <a:noFill/>
+                  </a:rPr>
+                  <a:t> </a:t>
+                </a:r>
+              </a:p>
+            </p:txBody>
+          </p:sp>
+        </mc:Fallback>
+      </mc:AlternateContent>
+      <p:sp>
+        <p:nvSpPr>
+          <p:cNvPr id="29" name="Ellipse 28"/>
+          <p:cNvSpPr/>
+          <p:nvPr/>
+        </p:nvSpPr>
+        <p:spPr>
+          <a:xfrm>
+            <a:off x="1833653" y="1227708"/>
+            <a:ext cx="1440000" cy="1440000"/>
+          </a:xfrm>
+          <a:prstGeom prst="ellipse">
+            <a:avLst/>
+          </a:prstGeom>
+          <a:noFill/>
+          <a:ln w="19050">
+            <a:solidFill>
+              <a:schemeClr val="tx1"/>
+            </a:solidFill>
+          </a:ln>
+        </p:spPr>
+        <p:style>
+          <a:lnRef idx="2">
+            <a:schemeClr val="accent1">
+              <a:shade val="50000"/>
+            </a:schemeClr>
+          </a:lnRef>
+          <a:fillRef idx="1">
+            <a:schemeClr val="accent1"/>
+          </a:fillRef>
+          <a:effectRef idx="0">
+            <a:schemeClr val="accent1"/>
+          </a:effectRef>
+          <a:fontRef idx="minor">
+            <a:schemeClr val="lt1"/>
+          </a:fontRef>
+        </p:style>
+        <p:txBody>
+          <a:bodyPr rtlCol="0" anchor="ctr"/>
+          <a:lstStyle/>
+          <a:p>
+            <a:pPr algn="ctr"/>
+            <a:endParaRPr lang="fr-FR"/>
+          </a:p>
+        </p:txBody>
+      </p:sp>
+      <p:cxnSp>
+        <p:nvCxnSpPr>
+          <p:cNvPr id="30" name="Connecteur droit avec flèche 29"/>
+          <p:cNvCxnSpPr/>
+          <p:nvPr/>
+        </p:nvCxnSpPr>
+        <p:spPr>
+          <a:xfrm flipV="1">
+            <a:off x="2552717" y="1837452"/>
+            <a:ext cx="1543472" cy="99004"/>
+          </a:xfrm>
+          <a:prstGeom prst="straightConnector1">
+            <a:avLst/>
+          </a:prstGeom>
+          <a:ln w="19050">
+            <a:solidFill>
+              <a:srgbClr val="00B050"/>
+            </a:solidFill>
+            <a:tailEnd type="arrow"/>
+          </a:ln>
+        </p:spPr>
+        <p:style>
+          <a:lnRef idx="1">
+            <a:schemeClr val="accent1"/>
+          </a:lnRef>
+          <a:fillRef idx="0">
+            <a:schemeClr val="accent1"/>
+          </a:fillRef>
+          <a:effectRef idx="0">
+            <a:schemeClr val="accent1"/>
+          </a:effectRef>
+          <a:fontRef idx="minor">
+            <a:schemeClr val="tx1"/>
+          </a:fontRef>
+        </p:style>
+      </p:cxnSp>
+      <p:cxnSp>
+        <p:nvCxnSpPr>
+          <p:cNvPr id="31" name="Connecteur droit avec flèche 30"/>
+          <p:cNvCxnSpPr/>
+          <p:nvPr/>
+        </p:nvCxnSpPr>
+        <p:spPr>
+          <a:xfrm>
+            <a:off x="2553653" y="1936456"/>
+            <a:ext cx="51188" cy="360985"/>
+          </a:xfrm>
+          <a:prstGeom prst="straightConnector1">
+            <a:avLst/>
+          </a:prstGeom>
+          <a:ln w="19050">
+            <a:solidFill>
+              <a:srgbClr val="FF0000"/>
+            </a:solidFill>
+            <a:tailEnd type="arrow"/>
+          </a:ln>
+        </p:spPr>
+        <p:style>
+          <a:lnRef idx="1">
+            <a:schemeClr val="accent1"/>
+          </a:lnRef>
+          <a:fillRef idx="0">
+            <a:schemeClr val="accent1"/>
+          </a:fillRef>
+          <a:effectRef idx="0">
+            <a:schemeClr val="accent1"/>
+          </a:effectRef>
+          <a:fontRef idx="minor">
+            <a:schemeClr val="tx1"/>
+          </a:fontRef>
+        </p:style>
+      </p:cxnSp>
+      <p:cxnSp>
+        <p:nvCxnSpPr>
+          <p:cNvPr id="32" name="Connecteur droit avec flèche 31"/>
+          <p:cNvCxnSpPr/>
+          <p:nvPr/>
+        </p:nvCxnSpPr>
+        <p:spPr>
+          <a:xfrm>
+            <a:off x="2557502" y="1947708"/>
+            <a:ext cx="1589875" cy="246492"/>
+          </a:xfrm>
+          <a:prstGeom prst="straightConnector1">
+            <a:avLst/>
+          </a:prstGeom>
+          <a:ln w="19050">
+            <a:solidFill>
+              <a:schemeClr val="tx1"/>
+            </a:solidFill>
+            <a:tailEnd type="arrow"/>
+          </a:ln>
+        </p:spPr>
+        <p:style>
+          <a:lnRef idx="1">
+            <a:schemeClr val="accent1"/>
+          </a:lnRef>
+          <a:fillRef idx="0">
+            <a:schemeClr val="accent1"/>
+          </a:fillRef>
+          <a:effectRef idx="0">
+            <a:schemeClr val="accent1"/>
+          </a:effectRef>
+          <a:fontRef idx="minor">
+            <a:schemeClr val="tx1"/>
+          </a:fontRef>
+        </p:style>
+      </p:cxnSp>
+      <p:sp>
+        <p:nvSpPr>
+          <p:cNvPr id="33" name="Ellipse 32"/>
+          <p:cNvSpPr/>
+          <p:nvPr/>
+        </p:nvSpPr>
+        <p:spPr>
+          <a:xfrm>
+            <a:off x="2604841" y="2605882"/>
+            <a:ext cx="108000" cy="108000"/>
+          </a:xfrm>
+          <a:prstGeom prst="ellipse">
+            <a:avLst/>
+          </a:prstGeom>
+          <a:solidFill>
+            <a:srgbClr val="FF0000"/>
+          </a:solidFill>
+          <a:ln>
+            <a:noFill/>
+          </a:ln>
+        </p:spPr>
+        <p:style>
+          <a:lnRef idx="2">
+            <a:schemeClr val="accent1">
+              <a:shade val="50000"/>
+            </a:schemeClr>
+          </a:lnRef>
+          <a:fillRef idx="1">
+            <a:schemeClr val="accent1"/>
+          </a:fillRef>
+          <a:effectRef idx="0">
+            <a:schemeClr val="accent1"/>
+          </a:effectRef>
+          <a:fontRef idx="minor">
+            <a:schemeClr val="lt1"/>
+          </a:fontRef>
+        </p:style>
+        <p:txBody>
+          <a:bodyPr rtlCol="0" anchor="ctr"/>
+          <a:lstStyle/>
+          <a:p>
+            <a:pPr algn="ctr"/>
+            <a:endParaRPr lang="fr-FR"/>
+          </a:p>
+        </p:txBody>
+      </p:sp>
+      <p:grpSp>
+        <p:nvGrpSpPr>
+          <p:cNvPr id="34" name="Groupe 33"/>
+          <p:cNvGrpSpPr/>
+          <p:nvPr/>
+        </p:nvGrpSpPr>
+        <p:grpSpPr>
+          <a:xfrm>
+            <a:off x="2510547" y="1900455"/>
+            <a:ext cx="72000" cy="72000"/>
+            <a:chOff x="7080908" y="3465008"/>
+            <a:chExt cx="72000" cy="72000"/>
+          </a:xfrm>
+        </p:grpSpPr>
+        <p:cxnSp>
+          <p:nvCxnSpPr>
+            <p:cNvPr id="35" name="Connecteur droit 34"/>
+            <p:cNvCxnSpPr/>
+            <p:nvPr/>
+          </p:nvCxnSpPr>
+          <p:spPr>
+            <a:xfrm>
+              <a:off x="7116908" y="3465008"/>
+              <a:ext cx="0" cy="72000"/>
+            </a:xfrm>
+            <a:prstGeom prst="line">
+              <a:avLst/>
+            </a:prstGeom>
+            <a:ln w="9525">
+              <a:solidFill>
+                <a:schemeClr val="tx1"/>
+              </a:solidFill>
+            </a:ln>
+          </p:spPr>
+          <p:style>
+            <a:lnRef idx="1">
+              <a:schemeClr val="accent1"/>
+            </a:lnRef>
+            <a:fillRef idx="0">
+              <a:schemeClr val="accent1"/>
+            </a:fillRef>
+            <a:effectRef idx="0">
+              <a:schemeClr val="accent1"/>
+            </a:effectRef>
+            <a:fontRef idx="minor">
+              <a:schemeClr val="tx1"/>
+            </a:fontRef>
+          </p:style>
+        </p:cxnSp>
+        <p:cxnSp>
+          <p:nvCxnSpPr>
+            <p:cNvPr id="36" name="Connecteur droit 35"/>
+            <p:cNvCxnSpPr/>
+            <p:nvPr/>
+          </p:nvCxnSpPr>
+          <p:spPr>
+            <a:xfrm flipH="1">
+              <a:off x="7080908" y="3501008"/>
+              <a:ext cx="72000" cy="0"/>
+            </a:xfrm>
+            <a:prstGeom prst="line">
+              <a:avLst/>
+            </a:prstGeom>
+            <a:ln w="9525">
+              <a:solidFill>
+                <a:schemeClr val="tx1"/>
+              </a:solidFill>
+            </a:ln>
+          </p:spPr>
+          <p:style>
+            <a:lnRef idx="1">
+              <a:schemeClr val="accent1"/>
+            </a:lnRef>
+            <a:fillRef idx="0">
+              <a:schemeClr val="accent1"/>
+            </a:fillRef>
+            <a:effectRef idx="0">
+              <a:schemeClr val="accent1"/>
+            </a:effectRef>
+            <a:fontRef idx="minor">
+              <a:schemeClr val="tx1"/>
+            </a:fontRef>
+          </p:style>
+        </p:cxnSp>
+      </p:grpSp>
+      <p:grpSp>
+        <p:nvGrpSpPr>
+          <p:cNvPr id="42" name="Groupe 41"/>
+          <p:cNvGrpSpPr/>
+          <p:nvPr/>
+        </p:nvGrpSpPr>
+        <p:grpSpPr>
+          <a:xfrm>
+            <a:off x="927121" y="3818764"/>
+            <a:ext cx="3658211" cy="2185200"/>
+            <a:chOff x="7404165" y="203668"/>
+            <a:chExt cx="3658211" cy="2185200"/>
+          </a:xfrm>
+        </p:grpSpPr>
+        <p:sp>
+          <p:nvSpPr>
+            <p:cNvPr id="39" name="ZoneTexte 38"/>
+            <p:cNvSpPr txBox="1"/>
+            <p:nvPr/>
+          </p:nvSpPr>
+          <p:spPr>
+            <a:xfrm>
+              <a:off x="9731022" y="888624"/>
+              <a:ext cx="1331354" cy="307777"/>
+            </a:xfrm>
+            <a:prstGeom prst="rect">
+              <a:avLst/>
+            </a:prstGeom>
+            <a:noFill/>
+          </p:spPr>
+          <p:txBody>
+            <a:bodyPr wrap="square" rtlCol="0">
+              <a:spAutoFit/>
+            </a:bodyPr>
+            <a:lstStyle/>
+            <a:p>
+              <a:pPr algn="ctr"/>
+              <a:r>
+                <a:rPr lang="fr-FR" sz="1400" dirty="0" smtClean="0">
+                  <a:solidFill>
+                    <a:schemeClr val="tx1">
+                      <a:lumMod val="65000"/>
+                      <a:lumOff val="35000"/>
+                    </a:schemeClr>
+                  </a:solidFill>
+                </a:rPr>
+                <a:t>Orbite</a:t>
+              </a:r>
+              <a:endParaRPr lang="fr-FR" sz="1400" dirty="0">
+                <a:solidFill>
+                  <a:schemeClr val="tx1">
+                    <a:lumMod val="65000"/>
+                    <a:lumOff val="35000"/>
+                  </a:schemeClr>
+                </a:solidFill>
+              </a:endParaRPr>
+            </a:p>
+          </p:txBody>
+        </p:sp>
+        <p:sp>
+          <p:nvSpPr>
+            <p:cNvPr id="40" name="Arc 39"/>
+            <p:cNvSpPr/>
+            <p:nvPr/>
+          </p:nvSpPr>
+          <p:spPr>
+            <a:xfrm rot="19200000">
+              <a:off x="7404165" y="203668"/>
+              <a:ext cx="2786400" cy="2185200"/>
+            </a:xfrm>
+            <a:prstGeom prst="arc">
+              <a:avLst>
+                <a:gd name="adj1" fmla="val 2178782"/>
+                <a:gd name="adj2" fmla="val 8363717"/>
+              </a:avLst>
+            </a:prstGeom>
+            <a:ln>
+              <a:solidFill>
+                <a:schemeClr val="tx1">
+                  <a:lumMod val="65000"/>
+                  <a:lumOff val="35000"/>
+                </a:schemeClr>
+              </a:solidFill>
+              <a:headEnd type="none" w="med" len="med"/>
+              <a:tailEnd type="none" w="med" len="med"/>
+            </a:ln>
+          </p:spPr>
+          <p:style>
+            <a:lnRef idx="1">
+              <a:schemeClr val="accent1"/>
+            </a:lnRef>
+            <a:fillRef idx="0">
+              <a:schemeClr val="accent1"/>
+            </a:fillRef>
+            <a:effectRef idx="0">
+              <a:schemeClr val="accent1"/>
+            </a:effectRef>
+            <a:fontRef idx="minor">
+              <a:schemeClr val="tx1"/>
+            </a:fontRef>
+          </p:style>
+          <p:txBody>
+            <a:bodyPr rtlCol="0" anchor="ctr"/>
+            <a:lstStyle/>
+            <a:p>
+              <a:pPr algn="ctr"/>
+              <a:endParaRPr lang="fr-FR"/>
+            </a:p>
+          </p:txBody>
+        </p:sp>
+      </p:grpSp>
+      <p:grpSp>
+        <p:nvGrpSpPr>
+          <p:cNvPr id="54" name="Groupe 53"/>
+          <p:cNvGrpSpPr/>
+          <p:nvPr/>
+        </p:nvGrpSpPr>
+        <p:grpSpPr>
+          <a:xfrm>
+            <a:off x="4130523" y="-394064"/>
+            <a:ext cx="6604151" cy="7007446"/>
+            <a:chOff x="6404385" y="1446849"/>
+            <a:chExt cx="5040000" cy="5347777"/>
+          </a:xfrm>
+        </p:grpSpPr>
+        <p:sp>
+          <p:nvSpPr>
+            <p:cNvPr id="52" name="Arc 51"/>
+            <p:cNvSpPr/>
+            <p:nvPr/>
+          </p:nvSpPr>
+          <p:spPr>
+            <a:xfrm>
+              <a:off x="6404385" y="1446849"/>
+              <a:ext cx="5040000" cy="5040000"/>
+            </a:xfrm>
+            <a:prstGeom prst="arc">
+              <a:avLst>
+                <a:gd name="adj1" fmla="val 21548828"/>
+                <a:gd name="adj2" fmla="val 5471460"/>
+              </a:avLst>
+            </a:prstGeom>
+            <a:solidFill>
+              <a:srgbClr val="9DC3E6"/>
+            </a:solidFill>
+            <a:ln w="19050">
+              <a:solidFill>
+                <a:schemeClr val="tx1"/>
+              </a:solidFill>
+            </a:ln>
+          </p:spPr>
+          <p:style>
+            <a:lnRef idx="1">
+              <a:schemeClr val="accent1"/>
+            </a:lnRef>
+            <a:fillRef idx="0">
+              <a:schemeClr val="accent1"/>
+            </a:fillRef>
+            <a:effectRef idx="0">
+              <a:schemeClr val="accent1"/>
+            </a:effectRef>
+            <a:fontRef idx="minor">
+              <a:schemeClr val="tx1"/>
+            </a:fontRef>
+          </p:style>
+          <p:txBody>
+            <a:bodyPr rtlCol="0" anchor="ctr"/>
+            <a:lstStyle/>
+            <a:p>
+              <a:pPr algn="ctr"/>
+              <a:endParaRPr lang="fr-FR"/>
+            </a:p>
+          </p:txBody>
+        </p:sp>
+        <p:sp>
+          <p:nvSpPr>
+            <p:cNvPr id="53" name="ZoneTexte 52"/>
+            <p:cNvSpPr txBox="1"/>
+            <p:nvPr/>
+          </p:nvSpPr>
+          <p:spPr>
+            <a:xfrm>
+              <a:off x="8405569" y="6486849"/>
+              <a:ext cx="1728192" cy="307777"/>
+            </a:xfrm>
+            <a:prstGeom prst="rect">
+              <a:avLst/>
+            </a:prstGeom>
+            <a:noFill/>
+          </p:spPr>
+          <p:txBody>
+            <a:bodyPr wrap="square" rtlCol="0">
+              <a:spAutoFit/>
+            </a:bodyPr>
+            <a:lstStyle/>
+            <a:p>
+              <a:pPr algn="ctr"/>
+              <a:r>
+                <a:rPr lang="fr-FR" sz="1400" dirty="0" smtClean="0"/>
+                <a:t>Coussinet</a:t>
+              </a:r>
+              <a:endParaRPr lang="fr-FR" sz="1400" dirty="0"/>
+            </a:p>
+          </p:txBody>
+        </p:sp>
+      </p:grpSp>
+      <p:grpSp>
+        <p:nvGrpSpPr>
+          <p:cNvPr id="56" name="Groupe 55"/>
+          <p:cNvGrpSpPr/>
+          <p:nvPr/>
+        </p:nvGrpSpPr>
+        <p:grpSpPr>
+          <a:xfrm>
+            <a:off x="7885035" y="2844924"/>
+            <a:ext cx="1940211" cy="2720048"/>
+            <a:chOff x="6548210" y="4016596"/>
+            <a:chExt cx="1480684" cy="2075822"/>
+          </a:xfrm>
+        </p:grpSpPr>
+        <p:sp>
+          <p:nvSpPr>
+            <p:cNvPr id="48" name="Arc 47"/>
+            <p:cNvSpPr/>
+            <p:nvPr/>
+          </p:nvSpPr>
+          <p:spPr>
+            <a:xfrm rot="10033282">
+              <a:off x="6582473" y="4628749"/>
+              <a:ext cx="1260000" cy="1260000"/>
+            </a:xfrm>
+            <a:prstGeom prst="arc">
+              <a:avLst>
+                <a:gd name="adj1" fmla="val 17463835"/>
+                <a:gd name="adj2" fmla="val 20425042"/>
+              </a:avLst>
+            </a:prstGeom>
+            <a:ln>
+              <a:solidFill>
+                <a:schemeClr val="tx1"/>
+              </a:solidFill>
+              <a:headEnd type="arrow" w="med" len="med"/>
+              <a:tailEnd type="none" w="med" len="med"/>
+            </a:ln>
+          </p:spPr>
+          <p:style>
+            <a:lnRef idx="1">
+              <a:schemeClr val="accent1"/>
+            </a:lnRef>
+            <a:fillRef idx="0">
+              <a:schemeClr val="accent1"/>
+            </a:fillRef>
+            <a:effectRef idx="0">
+              <a:schemeClr val="accent1"/>
+            </a:effectRef>
+            <a:fontRef idx="minor">
+              <a:schemeClr val="tx1"/>
+            </a:fontRef>
+          </p:style>
+          <p:txBody>
+            <a:bodyPr rtlCol="0" anchor="ctr"/>
+            <a:lstStyle/>
+            <a:p>
+              <a:pPr algn="ctr"/>
+              <a:endParaRPr lang="fr-FR"/>
+            </a:p>
+          </p:txBody>
+        </p:sp>
+        <p:sp>
+          <p:nvSpPr>
+            <p:cNvPr id="50" name="Ellipse 49"/>
+            <p:cNvSpPr/>
+            <p:nvPr/>
+          </p:nvSpPr>
+          <p:spPr>
+            <a:xfrm>
+              <a:off x="6588894" y="4332143"/>
+              <a:ext cx="1440000" cy="1440000"/>
+            </a:xfrm>
+            <a:prstGeom prst="ellipse">
+              <a:avLst/>
+            </a:prstGeom>
+            <a:solidFill>
+              <a:schemeClr val="bg1"/>
+            </a:solidFill>
+            <a:ln w="19050">
+              <a:solidFill>
+                <a:schemeClr val="tx1"/>
+              </a:solidFill>
+            </a:ln>
+          </p:spPr>
+          <p:style>
+            <a:lnRef idx="2">
+              <a:schemeClr val="accent1">
+                <a:shade val="50000"/>
+              </a:schemeClr>
+            </a:lnRef>
+            <a:fillRef idx="1">
+              <a:schemeClr val="accent1"/>
+            </a:fillRef>
+            <a:effectRef idx="0">
+              <a:schemeClr val="accent1"/>
+            </a:effectRef>
+            <a:fontRef idx="minor">
+              <a:schemeClr val="lt1"/>
+            </a:fontRef>
+          </p:style>
+          <p:txBody>
+            <a:bodyPr rtlCol="0" anchor="ctr"/>
+            <a:lstStyle/>
+            <a:p>
+              <a:pPr algn="ctr"/>
+              <a:endParaRPr lang="fr-FR"/>
+            </a:p>
+          </p:txBody>
+        </p:sp>
+        <p:sp>
+          <p:nvSpPr>
+            <p:cNvPr id="47" name="ZoneTexte 46"/>
+            <p:cNvSpPr txBox="1"/>
+            <p:nvPr/>
+          </p:nvSpPr>
+          <p:spPr>
+            <a:xfrm>
+              <a:off x="6548210" y="5753864"/>
+              <a:ext cx="504056" cy="338554"/>
+            </a:xfrm>
+            <a:prstGeom prst="rect">
+              <a:avLst/>
+            </a:prstGeom>
+            <a:noFill/>
+          </p:spPr>
+          <p:txBody>
+            <a:bodyPr wrap="square" rtlCol="0">
+              <a:spAutoFit/>
+            </a:bodyPr>
+            <a:lstStyle/>
+            <a:p>
+              <a:pPr algn="ctr"/>
+              <a:r>
+                <a:rPr lang="el-GR" sz="1600" dirty="0" smtClean="0"/>
+                <a:t>Ω</a:t>
+              </a:r>
+              <a:endParaRPr lang="fr-FR" sz="1600" dirty="0"/>
+            </a:p>
+          </p:txBody>
+        </p:sp>
+        <p:sp>
+          <p:nvSpPr>
+            <p:cNvPr id="49" name="ZoneTexte 48"/>
+            <p:cNvSpPr txBox="1"/>
+            <p:nvPr/>
+          </p:nvSpPr>
+          <p:spPr>
+            <a:xfrm>
+              <a:off x="6736007" y="4016596"/>
+              <a:ext cx="831450" cy="307777"/>
+            </a:xfrm>
+            <a:prstGeom prst="rect">
+              <a:avLst/>
+            </a:prstGeom>
+            <a:noFill/>
+          </p:spPr>
+          <p:txBody>
+            <a:bodyPr wrap="square" rtlCol="0">
+              <a:spAutoFit/>
+            </a:bodyPr>
+            <a:lstStyle/>
+            <a:p>
+              <a:pPr algn="ctr"/>
+              <a:r>
+                <a:rPr lang="fr-FR" sz="1400" dirty="0" smtClean="0"/>
+                <a:t>Rotor</a:t>
+              </a:r>
+              <a:endParaRPr lang="fr-FR" sz="1400" dirty="0"/>
+            </a:p>
+          </p:txBody>
+        </p:sp>
+      </p:grpSp>
+      <p:sp>
+        <p:nvSpPr>
+          <p:cNvPr id="57" name="ZoneTexte 56"/>
+          <p:cNvSpPr txBox="1"/>
+          <p:nvPr/>
+        </p:nvSpPr>
+        <p:spPr>
+          <a:xfrm>
+            <a:off x="8870845" y="2388534"/>
+            <a:ext cx="1744539" cy="307777"/>
+          </a:xfrm>
+          <a:prstGeom prst="rect">
+            <a:avLst/>
+          </a:prstGeom>
+          <a:noFill/>
+        </p:spPr>
+        <p:txBody>
+          <a:bodyPr wrap="square" rtlCol="0">
+            <a:spAutoFit/>
+          </a:bodyPr>
+          <a:lstStyle/>
+          <a:p>
+            <a:pPr algn="ctr"/>
+            <a:r>
+              <a:rPr lang="fr-FR" sz="1400" dirty="0" smtClean="0"/>
+              <a:t>Orbite</a:t>
+            </a:r>
+            <a:endParaRPr lang="fr-FR" sz="1400" dirty="0"/>
+          </a:p>
+        </p:txBody>
+      </p:sp>
+      <p:sp>
+        <p:nvSpPr>
+          <p:cNvPr id="59" name="Arc 58"/>
+          <p:cNvSpPr/>
+          <p:nvPr/>
+        </p:nvSpPr>
+        <p:spPr>
+          <a:xfrm rot="19200000">
+            <a:off x="5903434" y="1901157"/>
+            <a:ext cx="3651153" cy="2863372"/>
+          </a:xfrm>
+          <a:prstGeom prst="arc">
+            <a:avLst>
+              <a:gd name="adj1" fmla="val 1385923"/>
+              <a:gd name="adj2" fmla="val 8363717"/>
+            </a:avLst>
+          </a:prstGeom>
+          <a:ln w="19050">
+            <a:solidFill>
+              <a:schemeClr val="tx1"/>
+            </a:solidFill>
+            <a:prstDash val="dash"/>
+            <a:headEnd type="none" w="med" len="med"/>
+            <a:tailEnd type="none" w="med" len="med"/>
+          </a:ln>
+        </p:spPr>
+        <p:style>
+          <a:lnRef idx="1">
+            <a:schemeClr val="accent1"/>
+          </a:lnRef>
+          <a:fillRef idx="0">
+            <a:schemeClr val="accent1"/>
+          </a:fillRef>
+          <a:effectRef idx="0">
+            <a:schemeClr val="accent1"/>
+          </a:effectRef>
+          <a:fontRef idx="minor">
+            <a:schemeClr val="tx1"/>
+          </a:fontRef>
+        </p:style>
+        <p:txBody>
+          <a:bodyPr rtlCol="0" anchor="ctr"/>
+          <a:lstStyle/>
+          <a:p>
+            <a:pPr algn="ctr"/>
+            <a:endParaRPr lang="fr-FR"/>
+          </a:p>
+        </p:txBody>
+      </p:sp>
+      <p:grpSp>
+        <p:nvGrpSpPr>
+          <p:cNvPr id="63" name="Groupe 62"/>
+          <p:cNvGrpSpPr/>
+          <p:nvPr/>
+        </p:nvGrpSpPr>
+        <p:grpSpPr>
+          <a:xfrm>
+            <a:off x="7423653" y="3090865"/>
+            <a:ext cx="719398" cy="483954"/>
+            <a:chOff x="3503493" y="3184530"/>
+            <a:chExt cx="549012" cy="369332"/>
+          </a:xfrm>
+        </p:grpSpPr>
+        <p:sp>
+          <p:nvSpPr>
+            <p:cNvPr id="60" name="ZoneTexte 59"/>
+            <p:cNvSpPr txBox="1"/>
+            <p:nvPr/>
+          </p:nvSpPr>
+          <p:spPr>
+            <a:xfrm>
+              <a:off x="3503493" y="3184530"/>
+              <a:ext cx="504056" cy="369332"/>
+            </a:xfrm>
+            <a:prstGeom prst="rect">
+              <a:avLst/>
+            </a:prstGeom>
+            <a:noFill/>
+          </p:spPr>
+          <p:txBody>
+            <a:bodyPr wrap="square" rtlCol="0">
+              <a:spAutoFit/>
+            </a:bodyPr>
+            <a:lstStyle/>
+            <a:p>
+              <a:pPr algn="ctr"/>
+              <a:r>
+                <a:rPr lang="fr-FR" dirty="0" smtClean="0"/>
+                <a:t>O</a:t>
+              </a:r>
+              <a:r>
+                <a:rPr lang="fr-FR" baseline="-25000" dirty="0" smtClean="0"/>
+                <a:t>r</a:t>
+              </a:r>
+              <a:endParaRPr lang="fr-FR" baseline="-25000" dirty="0"/>
+            </a:p>
+          </p:txBody>
+        </p:sp>
+        <p:cxnSp>
+          <p:nvCxnSpPr>
+            <p:cNvPr id="61" name="Connecteur droit 60"/>
+            <p:cNvCxnSpPr/>
+            <p:nvPr/>
+          </p:nvCxnSpPr>
+          <p:spPr>
+            <a:xfrm>
+              <a:off x="4016505" y="3336475"/>
+              <a:ext cx="0" cy="72000"/>
+            </a:xfrm>
+            <a:prstGeom prst="line">
+              <a:avLst/>
+            </a:prstGeom>
+            <a:ln w="9525">
+              <a:solidFill>
+                <a:schemeClr val="tx1"/>
+              </a:solidFill>
+            </a:ln>
+          </p:spPr>
+          <p:style>
+            <a:lnRef idx="1">
+              <a:schemeClr val="accent1"/>
+            </a:lnRef>
+            <a:fillRef idx="0">
+              <a:schemeClr val="accent1"/>
+            </a:fillRef>
+            <a:effectRef idx="0">
+              <a:schemeClr val="accent1"/>
+            </a:effectRef>
+            <a:fontRef idx="minor">
+              <a:schemeClr val="tx1"/>
+            </a:fontRef>
+          </p:style>
+        </p:cxnSp>
+        <p:cxnSp>
+          <p:nvCxnSpPr>
+            <p:cNvPr id="62" name="Connecteur droit 61"/>
+            <p:cNvCxnSpPr/>
+            <p:nvPr/>
+          </p:nvCxnSpPr>
+          <p:spPr>
+            <a:xfrm flipH="1">
+              <a:off x="3980505" y="3372475"/>
+              <a:ext cx="72000" cy="0"/>
+            </a:xfrm>
+            <a:prstGeom prst="line">
+              <a:avLst/>
+            </a:prstGeom>
+            <a:ln w="9525">
+              <a:solidFill>
+                <a:schemeClr val="tx1"/>
+              </a:solidFill>
+            </a:ln>
+          </p:spPr>
+          <p:style>
+            <a:lnRef idx="1">
+              <a:schemeClr val="accent1"/>
+            </a:lnRef>
+            <a:fillRef idx="0">
+              <a:schemeClr val="accent1"/>
+            </a:fillRef>
+            <a:effectRef idx="0">
+              <a:schemeClr val="accent1"/>
+            </a:effectRef>
+            <a:fontRef idx="minor">
+              <a:schemeClr val="tx1"/>
+            </a:fontRef>
+          </p:style>
+        </p:cxnSp>
+      </p:grpSp>
+    </p:spTree>
+    <p:extLst>
+      <p:ext uri="{BB962C8B-B14F-4D97-AF65-F5344CB8AC3E}">
+        <p14:creationId xmlns:p14="http://schemas.microsoft.com/office/powerpoint/2010/main" val="1707471145"/>
+      </p:ext>
+    </p:extLst>
+  </p:cSld>
+  <p:clrMapOvr>
+    <a:masterClrMapping/>
+  </p:clrMapOvr>
+  <p:timing>
+    <p:tnLst>
+      <p:par>
+        <p:cTn id="1" dur="indefinite" restart="never" nodeType="tmRoot"/>
+      </p:par>
+    </p:tnLst>
+  </p:timing>
 </p:sld>
 </file>
 
@@ -25026,8 +28408,8 @@
             </a:fontRef>
           </p:style>
         </p:cxnSp>
-        <mc:AlternateContent xmlns:mc="http://schemas.openxmlformats.org/markup-compatibility/2006">
-          <mc:Choice xmlns:a14="http://schemas.microsoft.com/office/drawing/2010/main" Requires="a14">
+        <mc:AlternateContent xmlns:mc="http://schemas.openxmlformats.org/markup-compatibility/2006" xmlns:a14="http://schemas.microsoft.com/office/drawing/2010/main">
+          <mc:Choice Requires="a14">
             <p:sp>
               <p:nvSpPr>
                 <p:cNvPr id="32" name="Zone de texte 153"/>
@@ -25108,7 +28490,7 @@
               </p:txBody>
             </p:sp>
           </mc:Choice>
-          <mc:Fallback>
+          <mc:Fallback xmlns="">
             <p:sp>
               <p:nvSpPr>
                 <p:cNvPr id="32" name="Zone de texte 153"/>
@@ -25278,8 +28660,8 @@
             </p:sp>
           </mc:Fallback>
         </mc:AlternateContent>
-        <mc:AlternateContent xmlns:mc="http://schemas.openxmlformats.org/markup-compatibility/2006">
-          <mc:Choice xmlns:a14="http://schemas.microsoft.com/office/drawing/2010/main" Requires="a14">
+        <mc:AlternateContent xmlns:mc="http://schemas.openxmlformats.org/markup-compatibility/2006" xmlns:a14="http://schemas.microsoft.com/office/drawing/2010/main">
+          <mc:Choice Requires="a14">
             <p:sp>
               <p:nvSpPr>
                 <p:cNvPr id="34" name="Zone de texte 154"/>
@@ -25360,7 +28742,7 @@
               </p:txBody>
             </p:sp>
           </mc:Choice>
-          <mc:Fallback>
+          <mc:Fallback xmlns="">
             <p:sp>
               <p:nvSpPr>
                 <p:cNvPr id="34" name="Zone de texte 154"/>
@@ -25567,8 +28949,8 @@
                   </a:p>
                 </p:txBody>
               </p:sp>
-              <mc:AlternateContent xmlns:mc="http://schemas.openxmlformats.org/markup-compatibility/2006">
-                <mc:Choice xmlns:a14="http://schemas.microsoft.com/office/drawing/2010/main" Requires="a14">
+              <mc:AlternateContent xmlns:mc="http://schemas.openxmlformats.org/markup-compatibility/2006" xmlns:a14="http://schemas.microsoft.com/office/drawing/2010/main">
+                <mc:Choice Requires="a14">
                   <p:sp>
                     <p:nvSpPr>
                       <p:cNvPr id="29" name="Zone de texte 153"/>
@@ -25668,7 +29050,7 @@
                     </p:txBody>
                   </p:sp>
                 </mc:Choice>
-                <mc:Fallback>
+                <mc:Fallback xmlns="">
                   <p:sp>
                     <p:nvSpPr>
                       <p:cNvPr id="29" name="Zone de texte 153"/>
@@ -25774,8 +29156,8 @@
                   </a:p>
                 </p:txBody>
               </p:sp>
-              <mc:AlternateContent xmlns:mc="http://schemas.openxmlformats.org/markup-compatibility/2006">
-                <mc:Choice xmlns:a14="http://schemas.microsoft.com/office/drawing/2010/main" Requires="a14">
+              <mc:AlternateContent xmlns:mc="http://schemas.openxmlformats.org/markup-compatibility/2006" xmlns:a14="http://schemas.microsoft.com/office/drawing/2010/main">
+                <mc:Choice Requires="a14">
                   <p:sp>
                     <p:nvSpPr>
                       <p:cNvPr id="27" name="Zone de texte 153"/>
@@ -25875,7 +29257,7 @@
                     </p:txBody>
                   </p:sp>
                 </mc:Choice>
-                <mc:Fallback>
+                <mc:Fallback xmlns="">
                   <p:sp>
                     <p:nvSpPr>
                       <p:cNvPr id="27" name="Zone de texte 153"/>
@@ -25971,8 +29353,8 @@
                   </a:fontRef>
                 </p:style>
               </p:cxnSp>
-              <mc:AlternateContent xmlns:mc="http://schemas.openxmlformats.org/markup-compatibility/2006">
-                <mc:Choice xmlns:a14="http://schemas.microsoft.com/office/drawing/2010/main" Requires="a14">
+              <mc:AlternateContent xmlns:mc="http://schemas.openxmlformats.org/markup-compatibility/2006" xmlns:a14="http://schemas.microsoft.com/office/drawing/2010/main">
+                <mc:Choice Requires="a14">
                   <p:sp>
                     <p:nvSpPr>
                       <p:cNvPr id="21" name="Zone de texte 153"/>
@@ -26071,7 +29453,7 @@
                     </p:txBody>
                   </p:sp>
                 </mc:Choice>
-                <mc:Fallback>
+                <mc:Fallback xmlns="">
                   <p:sp>
                     <p:nvSpPr>
                       <p:cNvPr id="21" name="Zone de texte 153"/>
@@ -26167,8 +29549,8 @@
                   </a:fontRef>
                 </p:style>
               </p:cxnSp>
-              <mc:AlternateContent xmlns:mc="http://schemas.openxmlformats.org/markup-compatibility/2006">
-                <mc:Choice xmlns:a14="http://schemas.microsoft.com/office/drawing/2010/main" Requires="a14">
+              <mc:AlternateContent xmlns:mc="http://schemas.openxmlformats.org/markup-compatibility/2006" xmlns:a14="http://schemas.microsoft.com/office/drawing/2010/main">
+                <mc:Choice Requires="a14">
                   <p:sp>
                     <p:nvSpPr>
                       <p:cNvPr id="22" name="Zone de texte 153"/>
@@ -26268,7 +29650,7 @@
                     </p:txBody>
                   </p:sp>
                 </mc:Choice>
-                <mc:Fallback>
+                <mc:Fallback xmlns="">
                   <p:sp>
                     <p:nvSpPr>
                       <p:cNvPr id="22" name="Zone de texte 153"/>
@@ -26388,8 +29770,8 @@
               </a:fontRef>
             </p:style>
           </p:cxnSp>
-          <mc:AlternateContent xmlns:mc="http://schemas.openxmlformats.org/markup-compatibility/2006">
-            <mc:Choice xmlns:a14="http://schemas.microsoft.com/office/drawing/2010/main" Requires="a14">
+          <mc:AlternateContent xmlns:mc="http://schemas.openxmlformats.org/markup-compatibility/2006" xmlns:a14="http://schemas.microsoft.com/office/drawing/2010/main">
+            <mc:Choice Requires="a14">
               <p:sp>
                 <p:nvSpPr>
                   <p:cNvPr id="51" name="Zone de texte 153"/>
@@ -26483,7 +29865,7 @@
                 </p:txBody>
               </p:sp>
             </mc:Choice>
-            <mc:Fallback>
+            <mc:Fallback xmlns="">
               <p:sp>
                 <p:nvSpPr>
                   <p:cNvPr id="51" name="Zone de texte 153"/>
@@ -26588,8 +29970,8 @@
                 </a:p>
               </p:txBody>
             </p:sp>
-            <mc:AlternateContent xmlns:mc="http://schemas.openxmlformats.org/markup-compatibility/2006">
-              <mc:Choice xmlns:a14="http://schemas.microsoft.com/office/drawing/2010/main" Requires="a14">
+            <mc:AlternateContent xmlns:mc="http://schemas.openxmlformats.org/markup-compatibility/2006" xmlns:a14="http://schemas.microsoft.com/office/drawing/2010/main">
+              <mc:Choice Requires="a14">
                 <p:sp>
                   <p:nvSpPr>
                     <p:cNvPr id="53" name="Zone de texte 153"/>
@@ -26683,7 +30065,7 @@
                   </p:txBody>
                 </p:sp>
               </mc:Choice>
-              <mc:Fallback>
+              <mc:Fallback xmlns="">
                 <p:sp>
                   <p:nvSpPr>
                     <p:cNvPr id="53" name="Zone de texte 153"/>
@@ -26728,8 +30110,8 @@
               </mc:Fallback>
             </mc:AlternateContent>
           </p:grpSp>
-          <mc:AlternateContent xmlns:mc="http://schemas.openxmlformats.org/markup-compatibility/2006">
-            <mc:Choice xmlns:a14="http://schemas.microsoft.com/office/drawing/2010/main" Requires="a14">
+          <mc:AlternateContent xmlns:mc="http://schemas.openxmlformats.org/markup-compatibility/2006" xmlns:a14="http://schemas.microsoft.com/office/drawing/2010/main">
+            <mc:Choice Requires="a14">
               <p:sp>
                 <p:nvSpPr>
                   <p:cNvPr id="58" name="Zone de texte 153"/>
@@ -26823,7 +30205,7 @@
                 </p:txBody>
               </p:sp>
             </mc:Choice>
-            <mc:Fallback>
+            <mc:Fallback xmlns="">
               <p:sp>
                 <p:nvSpPr>
                   <p:cNvPr id="58" name="Zone de texte 153"/>
@@ -26915,8 +30297,8 @@
             </p:txBody>
           </p:sp>
         </p:grpSp>
-        <mc:AlternateContent xmlns:mc="http://schemas.openxmlformats.org/markup-compatibility/2006">
-          <mc:Choice xmlns:a14="http://schemas.microsoft.com/office/drawing/2010/main" Requires="a14">
+        <mc:AlternateContent xmlns:mc="http://schemas.openxmlformats.org/markup-compatibility/2006" xmlns:a14="http://schemas.microsoft.com/office/drawing/2010/main">
+          <mc:Choice Requires="a14">
             <p:sp>
               <p:nvSpPr>
                 <p:cNvPr id="64" name="Zone de texte 153"/>
@@ -27016,7 +30398,7 @@
               </p:txBody>
             </p:sp>
           </mc:Choice>
-          <mc:Fallback>
+          <mc:Fallback xmlns="">
             <p:sp>
               <p:nvSpPr>
                 <p:cNvPr id="64" name="Zone de texte 153"/>
